--- a/プレゼン資料/Webアプリ開発発表資料.pptx
+++ b/プレゼン資料/Webアプリ開発発表資料.pptx
@@ -4042,7 +4042,7 @@
           <a:p>
             <a:r>
               <a:rPr kumimoji="1" lang="ja-JP" altLang="en-US" dirty="0"/>
-              <a:t>スケジュール</a:t>
+              <a:t>役割分担</a:t>
             </a:r>
           </a:p>
         </p:txBody>
@@ -4552,10 +4552,10 @@
       </p:sp>
       <p:pic>
         <p:nvPicPr>
-          <p:cNvPr id="5" name="コンテンツ プレースホルダー 4">
-            <a:extLst>
-              <a:ext uri="{FF2B5EF4-FFF2-40B4-BE49-F238E27FC236}">
-                <a16:creationId xmlns:a16="http://schemas.microsoft.com/office/drawing/2014/main" id="{98034EEE-365D-4B93-95B7-506F0AB4BB10}"/>
+          <p:cNvPr id="7" name="コンテンツ プレースホルダー 6">
+            <a:extLst>
+              <a:ext uri="{FF2B5EF4-FFF2-40B4-BE49-F238E27FC236}">
+                <a16:creationId xmlns:a16="http://schemas.microsoft.com/office/drawing/2014/main" id="{C07FBF9D-92C0-49DA-84E3-ABD0F61727C0}"/>
               </a:ext>
             </a:extLst>
           </p:cNvPr>
@@ -4580,8 +4580,8 @@
         </p:blipFill>
         <p:spPr>
           <a:xfrm>
-            <a:off x="1595120" y="1026160"/>
-            <a:ext cx="8691439" cy="5147137"/>
+            <a:off x="1447292" y="1104900"/>
+            <a:ext cx="8642400" cy="5101732"/>
           </a:xfrm>
         </p:spPr>
       </p:pic>

--- a/プレゼン資料/Webアプリ開発発表資料.pptx
+++ b/プレゼン資料/Webアプリ開発発表資料.pptx
@@ -7,15 +7,13 @@
   <p:sldIdLst>
     <p:sldId id="256" r:id="rId2"/>
     <p:sldId id="257" r:id="rId3"/>
-    <p:sldId id="258" r:id="rId4"/>
-    <p:sldId id="259" r:id="rId5"/>
+    <p:sldId id="267" r:id="rId4"/>
+    <p:sldId id="258" r:id="rId5"/>
     <p:sldId id="260" r:id="rId6"/>
     <p:sldId id="264" r:id="rId7"/>
     <p:sldId id="265" r:id="rId8"/>
-    <p:sldId id="266" r:id="rId9"/>
-    <p:sldId id="261" r:id="rId10"/>
-    <p:sldId id="262" r:id="rId11"/>
-    <p:sldId id="263" r:id="rId12"/>
+    <p:sldId id="261" r:id="rId9"/>
+    <p:sldId id="268" r:id="rId10"/>
   </p:sldIdLst>
   <p:sldSz cx="12192000" cy="6858000"/>
   <p:notesSz cx="6858000" cy="9144000"/>
@@ -269,7 +267,7 @@
           <a:p>
             <a:fld id="{C7088D3D-165A-46EA-B7B0-B1C3789A41AB}" type="datetimeFigureOut">
               <a:rPr kumimoji="1" lang="ja-JP" altLang="en-US" smtClean="0"/>
-              <a:t>2024/7/9</a:t>
+              <a:t>2024/7/11</a:t>
             </a:fld>
             <a:endParaRPr kumimoji="1" lang="ja-JP" altLang="en-US"/>
           </a:p>
@@ -499,7 +497,7 @@
           <a:p>
             <a:fld id="{C7088D3D-165A-46EA-B7B0-B1C3789A41AB}" type="datetimeFigureOut">
               <a:rPr kumimoji="1" lang="ja-JP" altLang="en-US" smtClean="0"/>
-              <a:t>2024/7/9</a:t>
+              <a:t>2024/7/11</a:t>
             </a:fld>
             <a:endParaRPr kumimoji="1" lang="ja-JP" altLang="en-US"/>
           </a:p>
@@ -739,7 +737,7 @@
           <a:p>
             <a:fld id="{C7088D3D-165A-46EA-B7B0-B1C3789A41AB}" type="datetimeFigureOut">
               <a:rPr kumimoji="1" lang="ja-JP" altLang="en-US" smtClean="0"/>
-              <a:t>2024/7/9</a:t>
+              <a:t>2024/7/11</a:t>
             </a:fld>
             <a:endParaRPr kumimoji="1" lang="ja-JP" altLang="en-US"/>
           </a:p>
@@ -969,7 +967,7 @@
           <a:p>
             <a:fld id="{C7088D3D-165A-46EA-B7B0-B1C3789A41AB}" type="datetimeFigureOut">
               <a:rPr kumimoji="1" lang="ja-JP" altLang="en-US" smtClean="0"/>
-              <a:t>2024/7/9</a:t>
+              <a:t>2024/7/11</a:t>
             </a:fld>
             <a:endParaRPr kumimoji="1" lang="ja-JP" altLang="en-US"/>
           </a:p>
@@ -1244,7 +1242,7 @@
           <a:p>
             <a:fld id="{C7088D3D-165A-46EA-B7B0-B1C3789A41AB}" type="datetimeFigureOut">
               <a:rPr kumimoji="1" lang="ja-JP" altLang="en-US" smtClean="0"/>
-              <a:t>2024/7/9</a:t>
+              <a:t>2024/7/11</a:t>
             </a:fld>
             <a:endParaRPr kumimoji="1" lang="ja-JP" altLang="en-US"/>
           </a:p>
@@ -1573,7 +1571,7 @@
           <a:p>
             <a:fld id="{C7088D3D-165A-46EA-B7B0-B1C3789A41AB}" type="datetimeFigureOut">
               <a:rPr kumimoji="1" lang="ja-JP" altLang="en-US" smtClean="0"/>
-              <a:t>2024/7/9</a:t>
+              <a:t>2024/7/11</a:t>
             </a:fld>
             <a:endParaRPr kumimoji="1" lang="ja-JP" altLang="en-US"/>
           </a:p>
@@ -2049,7 +2047,7 @@
           <a:p>
             <a:fld id="{C7088D3D-165A-46EA-B7B0-B1C3789A41AB}" type="datetimeFigureOut">
               <a:rPr kumimoji="1" lang="ja-JP" altLang="en-US" smtClean="0"/>
-              <a:t>2024/7/9</a:t>
+              <a:t>2024/7/11</a:t>
             </a:fld>
             <a:endParaRPr kumimoji="1" lang="ja-JP" altLang="en-US"/>
           </a:p>
@@ -2190,7 +2188,7 @@
           <a:p>
             <a:fld id="{C7088D3D-165A-46EA-B7B0-B1C3789A41AB}" type="datetimeFigureOut">
               <a:rPr kumimoji="1" lang="ja-JP" altLang="en-US" smtClean="0"/>
-              <a:t>2024/7/9</a:t>
+              <a:t>2024/7/11</a:t>
             </a:fld>
             <a:endParaRPr kumimoji="1" lang="ja-JP" altLang="en-US"/>
           </a:p>
@@ -2303,7 +2301,7 @@
           <a:p>
             <a:fld id="{C7088D3D-165A-46EA-B7B0-B1C3789A41AB}" type="datetimeFigureOut">
               <a:rPr kumimoji="1" lang="ja-JP" altLang="en-US" smtClean="0"/>
-              <a:t>2024/7/9</a:t>
+              <a:t>2024/7/11</a:t>
             </a:fld>
             <a:endParaRPr kumimoji="1" lang="ja-JP" altLang="en-US"/>
           </a:p>
@@ -2646,7 +2644,7 @@
           <a:p>
             <a:fld id="{C7088D3D-165A-46EA-B7B0-B1C3789A41AB}" type="datetimeFigureOut">
               <a:rPr kumimoji="1" lang="ja-JP" altLang="en-US" smtClean="0"/>
-              <a:t>2024/7/9</a:t>
+              <a:t>2024/7/11</a:t>
             </a:fld>
             <a:endParaRPr kumimoji="1" lang="ja-JP" altLang="en-US"/>
           </a:p>
@@ -2934,7 +2932,7 @@
           <a:p>
             <a:fld id="{C7088D3D-165A-46EA-B7B0-B1C3789A41AB}" type="datetimeFigureOut">
               <a:rPr kumimoji="1" lang="ja-JP" altLang="en-US" smtClean="0"/>
-              <a:t>2024/7/9</a:t>
+              <a:t>2024/7/11</a:t>
             </a:fld>
             <a:endParaRPr kumimoji="1" lang="ja-JP" altLang="en-US"/>
           </a:p>
@@ -3207,7 +3205,7 @@
           <a:p>
             <a:fld id="{C7088D3D-165A-46EA-B7B0-B1C3789A41AB}" type="datetimeFigureOut">
               <a:rPr kumimoji="1" lang="ja-JP" altLang="en-US" smtClean="0"/>
-              <a:t>2024/7/9</a:t>
+              <a:t>2024/7/11</a:t>
             </a:fld>
             <a:endParaRPr kumimoji="1" lang="ja-JP" altLang="en-US"/>
           </a:p>
@@ -3694,169 +3692,6 @@
 </p:sld>
 </file>
 
-<file path=ppt/slides/slide10.xml><?xml version="1.0" encoding="utf-8"?>
-<p:sld xmlns:a="http://schemas.openxmlformats.org/drawingml/2006/main" xmlns:r="http://schemas.openxmlformats.org/officeDocument/2006/relationships" xmlns:p="http://schemas.openxmlformats.org/presentationml/2006/main">
-  <p:cSld>
-    <p:spTree>
-      <p:nvGrpSpPr>
-        <p:cNvPr id="1" name=""/>
-        <p:cNvGrpSpPr/>
-        <p:nvPr/>
-      </p:nvGrpSpPr>
-      <p:grpSpPr>
-        <a:xfrm>
-          <a:off x="0" y="0"/>
-          <a:ext cx="0" cy="0"/>
-          <a:chOff x="0" y="0"/>
-          <a:chExt cx="0" cy="0"/>
-        </a:xfrm>
-      </p:grpSpPr>
-      <p:sp>
-        <p:nvSpPr>
-          <p:cNvPr id="2" name="タイトル 1">
-            <a:extLst>
-              <a:ext uri="{FF2B5EF4-FFF2-40B4-BE49-F238E27FC236}">
-                <a16:creationId xmlns:a16="http://schemas.microsoft.com/office/drawing/2014/main" id="{2C269E50-5BDC-4F72-BF5F-21E8D72F782E}"/>
-              </a:ext>
-            </a:extLst>
-          </p:cNvPr>
-          <p:cNvSpPr>
-            <a:spLocks noGrp="1"/>
-          </p:cNvSpPr>
-          <p:nvPr>
-            <p:ph type="title"/>
-          </p:nvPr>
-        </p:nvSpPr>
-        <p:spPr/>
-        <p:txBody>
-          <a:bodyPr/>
-          <a:lstStyle/>
-          <a:p>
-            <a:r>
-              <a:rPr kumimoji="1" lang="ja-JP" altLang="en-US" dirty="0"/>
-              <a:t>動作確認</a:t>
-            </a:r>
-          </a:p>
-        </p:txBody>
-      </p:sp>
-      <p:sp>
-        <p:nvSpPr>
-          <p:cNvPr id="3" name="コンテンツ プレースホルダー 2">
-            <a:extLst>
-              <a:ext uri="{FF2B5EF4-FFF2-40B4-BE49-F238E27FC236}">
-                <a16:creationId xmlns:a16="http://schemas.microsoft.com/office/drawing/2014/main" id="{F7D3C957-6288-4AE6-BF7A-282B95AE6096}"/>
-              </a:ext>
-            </a:extLst>
-          </p:cNvPr>
-          <p:cNvSpPr>
-            <a:spLocks noGrp="1"/>
-          </p:cNvSpPr>
-          <p:nvPr>
-            <p:ph idx="1"/>
-          </p:nvPr>
-        </p:nvSpPr>
-        <p:spPr/>
-        <p:txBody>
-          <a:bodyPr/>
-          <a:lstStyle/>
-          <a:p>
-            <a:endParaRPr kumimoji="1" lang="ja-JP" altLang="en-US" dirty="0"/>
-          </a:p>
-        </p:txBody>
-      </p:sp>
-    </p:spTree>
-    <p:extLst>
-      <p:ext uri="{BB962C8B-B14F-4D97-AF65-F5344CB8AC3E}">
-        <p14:creationId xmlns:p14="http://schemas.microsoft.com/office/powerpoint/2010/main" val="1834388517"/>
-      </p:ext>
-    </p:extLst>
-  </p:cSld>
-  <p:clrMapOvr>
-    <a:masterClrMapping/>
-  </p:clrMapOvr>
-</p:sld>
-</file>
-
-<file path=ppt/slides/slide11.xml><?xml version="1.0" encoding="utf-8"?>
-<p:sld xmlns:a="http://schemas.openxmlformats.org/drawingml/2006/main" xmlns:r="http://schemas.openxmlformats.org/officeDocument/2006/relationships" xmlns:p="http://schemas.openxmlformats.org/presentationml/2006/main">
-  <p:cSld>
-    <p:spTree>
-      <p:nvGrpSpPr>
-        <p:cNvPr id="1" name=""/>
-        <p:cNvGrpSpPr/>
-        <p:nvPr/>
-      </p:nvGrpSpPr>
-      <p:grpSpPr>
-        <a:xfrm>
-          <a:off x="0" y="0"/>
-          <a:ext cx="0" cy="0"/>
-          <a:chOff x="0" y="0"/>
-          <a:chExt cx="0" cy="0"/>
-        </a:xfrm>
-      </p:grpSpPr>
-      <p:sp>
-        <p:nvSpPr>
-          <p:cNvPr id="2" name="タイトル 1">
-            <a:extLst>
-              <a:ext uri="{FF2B5EF4-FFF2-40B4-BE49-F238E27FC236}">
-                <a16:creationId xmlns:a16="http://schemas.microsoft.com/office/drawing/2014/main" id="{4661CF66-D880-4360-A39C-C21376987D67}"/>
-              </a:ext>
-            </a:extLst>
-          </p:cNvPr>
-          <p:cNvSpPr>
-            <a:spLocks noGrp="1"/>
-          </p:cNvSpPr>
-          <p:nvPr>
-            <p:ph type="title"/>
-          </p:nvPr>
-        </p:nvSpPr>
-        <p:spPr/>
-        <p:txBody>
-          <a:bodyPr/>
-          <a:lstStyle/>
-          <a:p>
-            <a:endParaRPr kumimoji="1" lang="ja-JP" altLang="en-US" dirty="0"/>
-          </a:p>
-        </p:txBody>
-      </p:sp>
-      <p:sp>
-        <p:nvSpPr>
-          <p:cNvPr id="3" name="コンテンツ プレースホルダー 2">
-            <a:extLst>
-              <a:ext uri="{FF2B5EF4-FFF2-40B4-BE49-F238E27FC236}">
-                <a16:creationId xmlns:a16="http://schemas.microsoft.com/office/drawing/2014/main" id="{B0EA684E-EA8D-40CC-8AD9-00E0331F8C84}"/>
-              </a:ext>
-            </a:extLst>
-          </p:cNvPr>
-          <p:cNvSpPr>
-            <a:spLocks noGrp="1"/>
-          </p:cNvSpPr>
-          <p:nvPr>
-            <p:ph idx="1"/>
-          </p:nvPr>
-        </p:nvSpPr>
-        <p:spPr/>
-        <p:txBody>
-          <a:bodyPr/>
-          <a:lstStyle/>
-          <a:p>
-            <a:endParaRPr kumimoji="1" lang="ja-JP" altLang="en-US" dirty="0"/>
-          </a:p>
-        </p:txBody>
-      </p:sp>
-    </p:spTree>
-    <p:extLst>
-      <p:ext uri="{BB962C8B-B14F-4D97-AF65-F5344CB8AC3E}">
-        <p14:creationId xmlns:p14="http://schemas.microsoft.com/office/powerpoint/2010/main" val="646560352"/>
-      </p:ext>
-    </p:extLst>
-  </p:cSld>
-  <p:clrMapOvr>
-    <a:masterClrMapping/>
-  </p:clrMapOvr>
-</p:sld>
-</file>
-
 <file path=ppt/slides/slide2.xml><?xml version="1.0" encoding="utf-8"?>
 <p:sld xmlns:a="http://schemas.openxmlformats.org/drawingml/2006/main" xmlns:r="http://schemas.openxmlformats.org/officeDocument/2006/relationships" xmlns:p="http://schemas.openxmlformats.org/presentationml/2006/main">
   <p:cSld>
@@ -3980,77 +3815,134 @@
           <a:chExt cx="0" cy="0"/>
         </a:xfrm>
       </p:grpSpPr>
-      <p:pic>
-        <p:nvPicPr>
-          <p:cNvPr id="5" name="コンテンツ プレースホルダー 4">
-            <a:extLst>
-              <a:ext uri="{FF2B5EF4-FFF2-40B4-BE49-F238E27FC236}">
-                <a16:creationId xmlns:a16="http://schemas.microsoft.com/office/drawing/2014/main" id="{28AA6338-1D95-4E65-B124-7C9546F50E10}"/>
-              </a:ext>
-            </a:extLst>
-          </p:cNvPr>
-          <p:cNvPicPr>
-            <a:picLocks noGrp="1" noChangeAspect="1"/>
-          </p:cNvPicPr>
+      <p:sp>
+        <p:nvSpPr>
+          <p:cNvPr id="2" name="タイトル 1">
+            <a:extLst>
+              <a:ext uri="{FF2B5EF4-FFF2-40B4-BE49-F238E27FC236}">
+                <a16:creationId xmlns:a16="http://schemas.microsoft.com/office/drawing/2014/main" id="{B6C07284-F11F-4791-A9CB-746AE29D2900}"/>
+              </a:ext>
+            </a:extLst>
+          </p:cNvPr>
+          <p:cNvSpPr>
+            <a:spLocks noGrp="1"/>
+          </p:cNvSpPr>
+          <p:nvPr>
+            <p:ph type="title"/>
+          </p:nvPr>
+        </p:nvSpPr>
+        <p:spPr/>
+        <p:txBody>
+          <a:bodyPr/>
+          <a:lstStyle/>
+          <a:p>
+            <a:r>
+              <a:rPr kumimoji="1" lang="ja-JP" altLang="en-US" dirty="0"/>
+              <a:t>システム要件</a:t>
+            </a:r>
+          </a:p>
+        </p:txBody>
+      </p:sp>
+      <p:sp>
+        <p:nvSpPr>
+          <p:cNvPr id="3" name="コンテンツ プレースホルダー 2">
+            <a:extLst>
+              <a:ext uri="{FF2B5EF4-FFF2-40B4-BE49-F238E27FC236}">
+                <a16:creationId xmlns:a16="http://schemas.microsoft.com/office/drawing/2014/main" id="{FA309CE4-3C53-4698-90C6-FA303D3D2BAC}"/>
+              </a:ext>
+            </a:extLst>
+          </p:cNvPr>
+          <p:cNvSpPr>
+            <a:spLocks noGrp="1"/>
+          </p:cNvSpPr>
           <p:nvPr>
             <p:ph idx="1"/>
           </p:nvPr>
-        </p:nvPicPr>
-        <p:blipFill>
-          <a:blip r:embed="rId2">
-            <a:extLst>
-              <a:ext uri="{28A0092B-C50C-407E-A947-70E740481C1C}">
-                <a14:useLocalDpi xmlns:a14="http://schemas.microsoft.com/office/drawing/2010/main" val="0"/>
-              </a:ext>
-            </a:extLst>
-          </a:blip>
-          <a:stretch>
-            <a:fillRect/>
-          </a:stretch>
-        </p:blipFill>
-        <p:spPr>
-          <a:xfrm>
-            <a:off x="1899285" y="1339372"/>
-            <a:ext cx="7620635" cy="4798464"/>
-          </a:xfrm>
-        </p:spPr>
-      </p:pic>
-      <p:sp>
-        <p:nvSpPr>
-          <p:cNvPr id="2" name="タイトル 1">
-            <a:extLst>
-              <a:ext uri="{FF2B5EF4-FFF2-40B4-BE49-F238E27FC236}">
-                <a16:creationId xmlns:a16="http://schemas.microsoft.com/office/drawing/2014/main" id="{2EAC88C0-CDDB-4A00-8762-A1587B9421D8}"/>
-              </a:ext>
-            </a:extLst>
-          </p:cNvPr>
-          <p:cNvSpPr>
-            <a:spLocks noGrp="1"/>
-          </p:cNvSpPr>
-          <p:nvPr>
-            <p:ph type="title"/>
-          </p:nvPr>
-        </p:nvSpPr>
-        <p:spPr>
-          <a:solidFill>
-            <a:schemeClr val="bg1"/>
-          </a:solidFill>
-        </p:spPr>
+        </p:nvSpPr>
+        <p:spPr/>
         <p:txBody>
           <a:bodyPr/>
           <a:lstStyle/>
           <a:p>
             <a:r>
               <a:rPr kumimoji="1" lang="ja-JP" altLang="en-US" dirty="0"/>
-              <a:t>役割分担</a:t>
-            </a:r>
+              <a:t>開発言語　　　　</a:t>
+            </a:r>
+            <a:r>
+              <a:rPr lang="ja-JP" altLang="en-US" dirty="0"/>
+              <a:t>：</a:t>
+            </a:r>
+            <a:r>
+              <a:rPr kumimoji="1" lang="en-US" altLang="ja-JP" dirty="0"/>
+              <a:t>PHP</a:t>
+            </a:r>
+            <a:r>
+              <a:rPr kumimoji="1" lang="ja-JP" altLang="en-US" dirty="0" err="1"/>
+              <a:t>、</a:t>
+            </a:r>
+            <a:r>
+              <a:rPr kumimoji="1" lang="en-US" altLang="ja-JP" dirty="0"/>
+              <a:t>HTML</a:t>
+            </a:r>
+            <a:r>
+              <a:rPr kumimoji="1" lang="ja-JP" altLang="en-US" dirty="0" err="1"/>
+              <a:t>、</a:t>
+            </a:r>
+            <a:r>
+              <a:rPr kumimoji="1" lang="en-US" altLang="ja-JP" dirty="0"/>
+              <a:t>CSS</a:t>
+            </a:r>
+          </a:p>
+          <a:p>
+            <a:endParaRPr lang="en-US" altLang="ja-JP" dirty="0"/>
+          </a:p>
+          <a:p>
+            <a:r>
+              <a:rPr kumimoji="1" lang="ja-JP" altLang="en-US" dirty="0"/>
+              <a:t>データベース　　：</a:t>
+            </a:r>
+            <a:r>
+              <a:rPr lang="en-US" altLang="ja-JP" dirty="0"/>
+              <a:t>MySQL</a:t>
+            </a:r>
+            <a:endParaRPr kumimoji="1" lang="en-US" altLang="ja-JP" dirty="0"/>
+          </a:p>
+          <a:p>
+            <a:endParaRPr lang="en-US" altLang="ja-JP" dirty="0"/>
+          </a:p>
+          <a:p>
+            <a:r>
+              <a:rPr kumimoji="1" lang="ja-JP" altLang="en-US" dirty="0"/>
+              <a:t>ソースコード</a:t>
+            </a:r>
+            <a:r>
+              <a:rPr lang="ja-JP" altLang="en-US" dirty="0"/>
+              <a:t>共有</a:t>
+            </a:r>
+            <a:r>
+              <a:rPr kumimoji="1" lang="ja-JP" altLang="en-US" dirty="0"/>
+              <a:t>：</a:t>
+            </a:r>
+            <a:r>
+              <a:rPr kumimoji="1" lang="en-US" altLang="ja-JP" dirty="0" err="1"/>
+              <a:t>github</a:t>
+            </a:r>
+            <a:r>
+              <a:rPr kumimoji="1" lang="ja-JP" altLang="en-US" dirty="0" err="1"/>
+              <a:t>、</a:t>
+            </a:r>
+            <a:r>
+              <a:rPr kumimoji="1" lang="en-US" altLang="ja-JP" dirty="0" err="1"/>
+              <a:t>sourcetree</a:t>
+            </a:r>
+            <a:endParaRPr kumimoji="1" lang="en-US" altLang="ja-JP" dirty="0"/>
           </a:p>
         </p:txBody>
       </p:sp>
     </p:spTree>
     <p:extLst>
       <p:ext uri="{BB962C8B-B14F-4D97-AF65-F5344CB8AC3E}">
-        <p14:creationId xmlns:p14="http://schemas.microsoft.com/office/powerpoint/2010/main" val="465890220"/>
+        <p14:creationId xmlns:p14="http://schemas.microsoft.com/office/powerpoint/2010/main" val="501568201"/>
       </p:ext>
     </p:extLst>
   </p:cSld>
@@ -4077,12 +3969,47 @@
           <a:chExt cx="0" cy="0"/>
         </a:xfrm>
       </p:grpSpPr>
+      <p:pic>
+        <p:nvPicPr>
+          <p:cNvPr id="5" name="コンテンツ プレースホルダー 4">
+            <a:extLst>
+              <a:ext uri="{FF2B5EF4-FFF2-40B4-BE49-F238E27FC236}">
+                <a16:creationId xmlns:a16="http://schemas.microsoft.com/office/drawing/2014/main" id="{28AA6338-1D95-4E65-B124-7C9546F50E10}"/>
+              </a:ext>
+            </a:extLst>
+          </p:cNvPr>
+          <p:cNvPicPr>
+            <a:picLocks noGrp="1" noChangeAspect="1"/>
+          </p:cNvPicPr>
+          <p:nvPr>
+            <p:ph idx="1"/>
+          </p:nvPr>
+        </p:nvPicPr>
+        <p:blipFill>
+          <a:blip r:embed="rId2">
+            <a:extLst>
+              <a:ext uri="{28A0092B-C50C-407E-A947-70E740481C1C}">
+                <a14:useLocalDpi xmlns:a14="http://schemas.microsoft.com/office/drawing/2010/main" val="0"/>
+              </a:ext>
+            </a:extLst>
+          </a:blip>
+          <a:stretch>
+            <a:fillRect/>
+          </a:stretch>
+        </p:blipFill>
+        <p:spPr>
+          <a:xfrm>
+            <a:off x="1899285" y="1339372"/>
+            <a:ext cx="7620635" cy="4798464"/>
+          </a:xfrm>
+        </p:spPr>
+      </p:pic>
       <p:sp>
         <p:nvSpPr>
           <p:cNvPr id="2" name="タイトル 1">
             <a:extLst>
               <a:ext uri="{FF2B5EF4-FFF2-40B4-BE49-F238E27FC236}">
-                <a16:creationId xmlns:a16="http://schemas.microsoft.com/office/drawing/2014/main" id="{0C12198B-B835-473D-B9AB-20A158F59804}"/>
+                <a16:creationId xmlns:a16="http://schemas.microsoft.com/office/drawing/2014/main" id="{2EAC88C0-CDDB-4A00-8762-A1587B9421D8}"/>
               </a:ext>
             </a:extLst>
           </p:cNvPr>
@@ -4093,47 +4020,26 @@
             <p:ph type="title"/>
           </p:nvPr>
         </p:nvSpPr>
-        <p:spPr/>
+        <p:spPr>
+          <a:solidFill>
+            <a:schemeClr val="bg1"/>
+          </a:solidFill>
+        </p:spPr>
         <p:txBody>
           <a:bodyPr/>
           <a:lstStyle/>
           <a:p>
             <a:r>
               <a:rPr kumimoji="1" lang="ja-JP" altLang="en-US" dirty="0"/>
-              <a:t>システム概要</a:t>
-            </a:r>
-          </a:p>
-        </p:txBody>
-      </p:sp>
-      <p:sp>
-        <p:nvSpPr>
-          <p:cNvPr id="3" name="コンテンツ プレースホルダー 2">
-            <a:extLst>
-              <a:ext uri="{FF2B5EF4-FFF2-40B4-BE49-F238E27FC236}">
-                <a16:creationId xmlns:a16="http://schemas.microsoft.com/office/drawing/2014/main" id="{3836CE69-58E9-4544-A4B3-4B3CA79CB1D1}"/>
-              </a:ext>
-            </a:extLst>
-          </p:cNvPr>
-          <p:cNvSpPr>
-            <a:spLocks noGrp="1"/>
-          </p:cNvSpPr>
-          <p:nvPr>
-            <p:ph idx="1"/>
-          </p:nvPr>
-        </p:nvSpPr>
-        <p:spPr/>
-        <p:txBody>
-          <a:bodyPr/>
-          <a:lstStyle/>
-          <a:p>
-            <a:endParaRPr kumimoji="1" lang="ja-JP" altLang="en-US" dirty="0"/>
+              <a:t>役割分担</a:t>
+            </a:r>
           </a:p>
         </p:txBody>
       </p:sp>
     </p:spTree>
     <p:extLst>
       <p:ext uri="{BB962C8B-B14F-4D97-AF65-F5344CB8AC3E}">
-        <p14:creationId xmlns:p14="http://schemas.microsoft.com/office/powerpoint/2010/main" val="177281199"/>
+        <p14:creationId xmlns:p14="http://schemas.microsoft.com/office/powerpoint/2010/main" val="465890220"/>
       </p:ext>
     </p:extLst>
   </p:cSld>
@@ -4181,7 +4087,10 @@
           <a:bodyPr/>
           <a:lstStyle/>
           <a:p>
-            <a:endParaRPr kumimoji="1" lang="ja-JP" altLang="en-US" dirty="0"/>
+            <a:r>
+              <a:rPr kumimoji="1" lang="ja-JP" altLang="en-US" dirty="0"/>
+              <a:t>画面設計（ログイン画面）</a:t>
+            </a:r>
           </a:p>
         </p:txBody>
       </p:sp>
@@ -4215,8 +4124,8 @@
         </p:blipFill>
         <p:spPr>
           <a:xfrm>
-            <a:off x="2178632" y="365126"/>
-            <a:ext cx="8225941" cy="5849558"/>
+            <a:off x="2216733" y="1342811"/>
+            <a:ext cx="7708318" cy="5481471"/>
           </a:xfrm>
         </p:spPr>
       </p:pic>
@@ -4271,7 +4180,10 @@
           <a:bodyPr/>
           <a:lstStyle/>
           <a:p>
-            <a:endParaRPr kumimoji="1" lang="ja-JP" altLang="en-US"/>
+            <a:r>
+              <a:rPr kumimoji="1" lang="ja-JP" altLang="en-US" dirty="0"/>
+              <a:t>画面設計（メイン画面）</a:t>
+            </a:r>
           </a:p>
         </p:txBody>
       </p:sp>
@@ -4305,8 +4217,8 @@
         </p:blipFill>
         <p:spPr>
           <a:xfrm>
-            <a:off x="2030982" y="538321"/>
-            <a:ext cx="8130035" cy="5781358"/>
+            <a:off x="2030982" y="1297093"/>
+            <a:ext cx="7598793" cy="5403586"/>
           </a:xfrm>
         </p:spPr>
       </p:pic>
@@ -4361,7 +4273,18 @@
           <a:bodyPr/>
           <a:lstStyle/>
           <a:p>
-            <a:endParaRPr kumimoji="1" lang="ja-JP" altLang="en-US"/>
+            <a:r>
+              <a:rPr kumimoji="1" lang="ja-JP" altLang="en-US" dirty="0"/>
+              <a:t>画面設計（</a:t>
+            </a:r>
+            <a:r>
+              <a:rPr lang="ja-JP" altLang="en-US" dirty="0"/>
+              <a:t>設定</a:t>
+            </a:r>
+            <a:r>
+              <a:rPr kumimoji="1" lang="ja-JP" altLang="en-US" dirty="0"/>
+              <a:t>画面）</a:t>
+            </a:r>
           </a:p>
         </p:txBody>
       </p:sp>
@@ -4395,8 +4318,8 @@
         </p:blipFill>
         <p:spPr>
           <a:xfrm>
-            <a:off x="2046896" y="549637"/>
-            <a:ext cx="8098208" cy="5758726"/>
+            <a:off x="2046896" y="1352549"/>
+            <a:ext cx="7531682" cy="5355863"/>
           </a:xfrm>
         </p:spPr>
       </p:pic>
@@ -4432,10 +4355,10 @@
       </p:grpSpPr>
       <p:sp>
         <p:nvSpPr>
-          <p:cNvPr id="2" name="タイトル 1">
-            <a:extLst>
-              <a:ext uri="{FF2B5EF4-FFF2-40B4-BE49-F238E27FC236}">
-                <a16:creationId xmlns:a16="http://schemas.microsoft.com/office/drawing/2014/main" id="{A461A711-A9BA-48BD-8028-682C2F5C61EE}"/>
+          <p:cNvPr id="6" name="タイトル 1">
+            <a:extLst>
+              <a:ext uri="{FF2B5EF4-FFF2-40B4-BE49-F238E27FC236}">
+                <a16:creationId xmlns:a16="http://schemas.microsoft.com/office/drawing/2014/main" id="{585BC671-44EA-4761-B18B-11693CD5667C}"/>
               </a:ext>
             </a:extLst>
           </p:cNvPr>
@@ -4446,44 +4369,69 @@
             <p:ph type="title"/>
           </p:nvPr>
         </p:nvSpPr>
-        <p:spPr/>
-        <p:txBody>
-          <a:bodyPr/>
-          <a:lstStyle/>
-          <a:p>
-            <a:endParaRPr kumimoji="1" lang="ja-JP" altLang="en-US"/>
-          </a:p>
-        </p:txBody>
-      </p:sp>
-      <p:sp>
-        <p:nvSpPr>
-          <p:cNvPr id="3" name="コンテンツ プレースホルダー 2">
-            <a:extLst>
-              <a:ext uri="{FF2B5EF4-FFF2-40B4-BE49-F238E27FC236}">
-                <a16:creationId xmlns:a16="http://schemas.microsoft.com/office/drawing/2014/main" id="{A100D849-9F4C-42D0-975D-60CD65982607}"/>
-              </a:ext>
-            </a:extLst>
-          </p:cNvPr>
-          <p:cNvSpPr>
-            <a:spLocks noGrp="1"/>
-          </p:cNvSpPr>
+        <p:spPr>
+          <a:xfrm>
+            <a:off x="838200" y="212725"/>
+            <a:ext cx="10515600" cy="1325563"/>
+          </a:xfrm>
+          <a:solidFill>
+            <a:schemeClr val="bg1"/>
+          </a:solidFill>
+        </p:spPr>
+        <p:txBody>
+          <a:bodyPr/>
+          <a:lstStyle/>
+          <a:p>
+            <a:r>
+              <a:rPr kumimoji="1" lang="en-US" altLang="ja-JP" dirty="0"/>
+              <a:t>ER</a:t>
+            </a:r>
+            <a:r>
+              <a:rPr kumimoji="1" lang="ja-JP" altLang="en-US" dirty="0"/>
+              <a:t>図</a:t>
+            </a:r>
+          </a:p>
+        </p:txBody>
+      </p:sp>
+      <p:pic>
+        <p:nvPicPr>
+          <p:cNvPr id="7" name="コンテンツ プレースホルダー 6">
+            <a:extLst>
+              <a:ext uri="{FF2B5EF4-FFF2-40B4-BE49-F238E27FC236}">
+                <a16:creationId xmlns:a16="http://schemas.microsoft.com/office/drawing/2014/main" id="{C07FBF9D-92C0-49DA-84E3-ABD0F61727C0}"/>
+              </a:ext>
+            </a:extLst>
+          </p:cNvPr>
+          <p:cNvPicPr>
+            <a:picLocks noGrp="1" noChangeAspect="1"/>
+          </p:cNvPicPr>
           <p:nvPr>
             <p:ph idx="1"/>
           </p:nvPr>
-        </p:nvSpPr>
-        <p:spPr/>
-        <p:txBody>
-          <a:bodyPr/>
-          <a:lstStyle/>
-          <a:p>
-            <a:endParaRPr kumimoji="1" lang="ja-JP" altLang="en-US"/>
-          </a:p>
-        </p:txBody>
-      </p:sp>
+        </p:nvPicPr>
+        <p:blipFill>
+          <a:blip r:embed="rId2">
+            <a:extLst>
+              <a:ext uri="{28A0092B-C50C-407E-A947-70E740481C1C}">
+                <a14:useLocalDpi xmlns:a14="http://schemas.microsoft.com/office/drawing/2010/main" val="0"/>
+              </a:ext>
+            </a:extLst>
+          </a:blip>
+          <a:stretch>
+            <a:fillRect/>
+          </a:stretch>
+        </p:blipFill>
+        <p:spPr>
+          <a:xfrm>
+            <a:off x="1447292" y="1104900"/>
+            <a:ext cx="8642400" cy="5101732"/>
+          </a:xfrm>
+        </p:spPr>
+      </p:pic>
     </p:spTree>
     <p:extLst>
       <p:ext uri="{BB962C8B-B14F-4D97-AF65-F5344CB8AC3E}">
-        <p14:creationId xmlns:p14="http://schemas.microsoft.com/office/powerpoint/2010/main" val="66842108"/>
+        <p14:creationId xmlns:p14="http://schemas.microsoft.com/office/powerpoint/2010/main" val="3577618292"/>
       </p:ext>
     </p:extLst>
   </p:cSld>
@@ -4512,83 +4460,61 @@
       </p:grpSpPr>
       <p:sp>
         <p:nvSpPr>
-          <p:cNvPr id="6" name="タイトル 1">
-            <a:extLst>
-              <a:ext uri="{FF2B5EF4-FFF2-40B4-BE49-F238E27FC236}">
-                <a16:creationId xmlns:a16="http://schemas.microsoft.com/office/drawing/2014/main" id="{585BC671-44EA-4761-B18B-11693CD5667C}"/>
-              </a:ext>
-            </a:extLst>
-          </p:cNvPr>
-          <p:cNvSpPr>
-            <a:spLocks noGrp="1"/>
-          </p:cNvSpPr>
-          <p:nvPr>
-            <p:ph type="title"/>
-          </p:nvPr>
-        </p:nvSpPr>
-        <p:spPr>
-          <a:xfrm>
-            <a:off x="838200" y="212725"/>
-            <a:ext cx="10515600" cy="1325563"/>
-          </a:xfrm>
-          <a:solidFill>
-            <a:schemeClr val="bg1"/>
-          </a:solidFill>
-        </p:spPr>
-        <p:txBody>
-          <a:bodyPr/>
-          <a:lstStyle/>
-          <a:p>
-            <a:r>
-              <a:rPr kumimoji="1" lang="en-US" altLang="ja-JP" dirty="0"/>
-              <a:t>ER</a:t>
-            </a:r>
+          <p:cNvPr id="2" name="タイトル 1">
+            <a:extLst>
+              <a:ext uri="{FF2B5EF4-FFF2-40B4-BE49-F238E27FC236}">
+                <a16:creationId xmlns:a16="http://schemas.microsoft.com/office/drawing/2014/main" id="{01ED2532-0476-4C83-8324-7CEFE379E995}"/>
+              </a:ext>
+            </a:extLst>
+          </p:cNvPr>
+          <p:cNvSpPr>
+            <a:spLocks noGrp="1"/>
+          </p:cNvSpPr>
+          <p:nvPr>
+            <p:ph type="ctrTitle"/>
+          </p:nvPr>
+        </p:nvSpPr>
+        <p:spPr/>
+        <p:txBody>
+          <a:bodyPr/>
+          <a:lstStyle/>
+          <a:p>
             <a:r>
               <a:rPr kumimoji="1" lang="ja-JP" altLang="en-US" dirty="0"/>
-              <a:t>図</a:t>
-            </a:r>
-          </a:p>
-        </p:txBody>
-      </p:sp>
-      <p:pic>
-        <p:nvPicPr>
-          <p:cNvPr id="7" name="コンテンツ プレースホルダー 6">
-            <a:extLst>
-              <a:ext uri="{FF2B5EF4-FFF2-40B4-BE49-F238E27FC236}">
-                <a16:creationId xmlns:a16="http://schemas.microsoft.com/office/drawing/2014/main" id="{C07FBF9D-92C0-49DA-84E3-ABD0F61727C0}"/>
-              </a:ext>
-            </a:extLst>
-          </p:cNvPr>
-          <p:cNvPicPr>
-            <a:picLocks noGrp="1" noChangeAspect="1"/>
-          </p:cNvPicPr>
-          <p:nvPr>
-            <p:ph idx="1"/>
-          </p:nvPr>
-        </p:nvPicPr>
-        <p:blipFill>
-          <a:blip r:embed="rId2">
-            <a:extLst>
-              <a:ext uri="{28A0092B-C50C-407E-A947-70E740481C1C}">
-                <a14:useLocalDpi xmlns:a14="http://schemas.microsoft.com/office/drawing/2010/main" val="0"/>
-              </a:ext>
-            </a:extLst>
-          </a:blip>
-          <a:stretch>
-            <a:fillRect/>
-          </a:stretch>
-        </p:blipFill>
-        <p:spPr>
-          <a:xfrm>
-            <a:off x="1447292" y="1104900"/>
-            <a:ext cx="8642400" cy="5101732"/>
-          </a:xfrm>
-        </p:spPr>
-      </p:pic>
+              <a:t>動作確認</a:t>
+            </a:r>
+          </a:p>
+        </p:txBody>
+      </p:sp>
+      <p:sp>
+        <p:nvSpPr>
+          <p:cNvPr id="3" name="字幕 2">
+            <a:extLst>
+              <a:ext uri="{FF2B5EF4-FFF2-40B4-BE49-F238E27FC236}">
+                <a16:creationId xmlns:a16="http://schemas.microsoft.com/office/drawing/2014/main" id="{A71E8BFB-3D4C-45D8-83CA-44A1A402A145}"/>
+              </a:ext>
+            </a:extLst>
+          </p:cNvPr>
+          <p:cNvSpPr>
+            <a:spLocks noGrp="1"/>
+          </p:cNvSpPr>
+          <p:nvPr>
+            <p:ph type="subTitle" idx="1"/>
+          </p:nvPr>
+        </p:nvSpPr>
+        <p:spPr/>
+        <p:txBody>
+          <a:bodyPr/>
+          <a:lstStyle/>
+          <a:p>
+            <a:endParaRPr kumimoji="1" lang="ja-JP" altLang="en-US" dirty="0"/>
+          </a:p>
+        </p:txBody>
+      </p:sp>
     </p:spTree>
     <p:extLst>
       <p:ext uri="{BB962C8B-B14F-4D97-AF65-F5344CB8AC3E}">
-        <p14:creationId xmlns:p14="http://schemas.microsoft.com/office/powerpoint/2010/main" val="3577618292"/>
+        <p14:creationId xmlns:p14="http://schemas.microsoft.com/office/powerpoint/2010/main" val="1762712904"/>
       </p:ext>
     </p:extLst>
   </p:cSld>

--- a/プレゼン資料/Webアプリ開発発表資料.pptx
+++ b/プレゼン資料/Webアプリ開発発表資料.pptx
@@ -4,6 +4,9 @@
   <p:sldMasterIdLst>
     <p:sldMasterId id="2147483648" r:id="rId1"/>
   </p:sldMasterIdLst>
+  <p:notesMasterIdLst>
+    <p:notesMasterId r:id="rId11"/>
+  </p:notesMasterIdLst>
   <p:sldIdLst>
     <p:sldId id="256" r:id="rId2"/>
     <p:sldId id="257" r:id="rId3"/>
@@ -120,6 +123,1350 @@
 </p:presentation>
 </file>
 
+<file path=ppt/commentAuthors.xml><?xml version="1.0" encoding="utf-8"?>
+<p:cmAuthorLst xmlns:a="http://schemas.openxmlformats.org/drawingml/2006/main" xmlns:r="http://schemas.openxmlformats.org/officeDocument/2006/relationships" xmlns:p="http://schemas.openxmlformats.org/presentationml/2006/main">
+  <p:cmAuthor id="1" name="2023_CS 板井 駿佳" initials="2板駿" lastIdx="1" clrIdx="0">
+    <p:extLst>
+      <p:ext uri="{19B8F6BF-5375-455C-9EA6-DF929625EA0E}">
+        <p15:presenceInfo xmlns:p15="http://schemas.microsoft.com/office/powerpoint/2012/main" userId="S-1-5-21-3207428750-2748314636-2513792339-1002" providerId="AD"/>
+      </p:ext>
+    </p:extLst>
+  </p:cmAuthor>
+</p:cmAuthorLst>
+</file>
+
+<file path=ppt/notesMasters/notesMaster1.xml><?xml version="1.0" encoding="utf-8"?>
+<p:notesMaster xmlns:a="http://schemas.openxmlformats.org/drawingml/2006/main" xmlns:r="http://schemas.openxmlformats.org/officeDocument/2006/relationships" xmlns:p="http://schemas.openxmlformats.org/presentationml/2006/main">
+  <p:cSld>
+    <p:bg>
+      <p:bgRef idx="1001">
+        <a:schemeClr val="bg1"/>
+      </p:bgRef>
+    </p:bg>
+    <p:spTree>
+      <p:nvGrpSpPr>
+        <p:cNvPr id="1" name=""/>
+        <p:cNvGrpSpPr/>
+        <p:nvPr/>
+      </p:nvGrpSpPr>
+      <p:grpSpPr>
+        <a:xfrm>
+          <a:off x="0" y="0"/>
+          <a:ext cx="0" cy="0"/>
+          <a:chOff x="0" y="0"/>
+          <a:chExt cx="0" cy="0"/>
+        </a:xfrm>
+      </p:grpSpPr>
+      <p:sp>
+        <p:nvSpPr>
+          <p:cNvPr id="2" name="ヘッダー プレースホルダー 1"/>
+          <p:cNvSpPr>
+            <a:spLocks noGrp="1"/>
+          </p:cNvSpPr>
+          <p:nvPr>
+            <p:ph type="hdr" sz="quarter"/>
+          </p:nvPr>
+        </p:nvSpPr>
+        <p:spPr>
+          <a:xfrm>
+            <a:off x="0" y="0"/>
+            <a:ext cx="2971800" cy="458788"/>
+          </a:xfrm>
+          <a:prstGeom prst="rect">
+            <a:avLst/>
+          </a:prstGeom>
+        </p:spPr>
+        <p:txBody>
+          <a:bodyPr vert="horz" lIns="91440" tIns="45720" rIns="91440" bIns="45720" rtlCol="0"/>
+          <a:lstStyle>
+            <a:lvl1pPr algn="l">
+              <a:defRPr sz="1200"/>
+            </a:lvl1pPr>
+          </a:lstStyle>
+          <a:p>
+            <a:endParaRPr kumimoji="1" lang="ja-JP" altLang="en-US"/>
+          </a:p>
+        </p:txBody>
+      </p:sp>
+      <p:sp>
+        <p:nvSpPr>
+          <p:cNvPr id="3" name="日付プレースホルダー 2"/>
+          <p:cNvSpPr>
+            <a:spLocks noGrp="1"/>
+          </p:cNvSpPr>
+          <p:nvPr>
+            <p:ph type="dt" idx="1"/>
+          </p:nvPr>
+        </p:nvSpPr>
+        <p:spPr>
+          <a:xfrm>
+            <a:off x="3884613" y="0"/>
+            <a:ext cx="2971800" cy="458788"/>
+          </a:xfrm>
+          <a:prstGeom prst="rect">
+            <a:avLst/>
+          </a:prstGeom>
+        </p:spPr>
+        <p:txBody>
+          <a:bodyPr vert="horz" lIns="91440" tIns="45720" rIns="91440" bIns="45720" rtlCol="0"/>
+          <a:lstStyle>
+            <a:lvl1pPr algn="r">
+              <a:defRPr sz="1200"/>
+            </a:lvl1pPr>
+          </a:lstStyle>
+          <a:p>
+            <a:fld id="{1948D64E-5151-4DBE-B175-EE677850562F}" type="datetimeFigureOut">
+              <a:rPr kumimoji="1" lang="ja-JP" altLang="en-US" smtClean="0"/>
+              <a:t>2024/7/16</a:t>
+            </a:fld>
+            <a:endParaRPr kumimoji="1" lang="ja-JP" altLang="en-US"/>
+          </a:p>
+        </p:txBody>
+      </p:sp>
+      <p:sp>
+        <p:nvSpPr>
+          <p:cNvPr id="4" name="スライド イメージ プレースホルダー 3"/>
+          <p:cNvSpPr>
+            <a:spLocks noGrp="1" noRot="1" noChangeAspect="1"/>
+          </p:cNvSpPr>
+          <p:nvPr>
+            <p:ph type="sldImg" idx="2"/>
+          </p:nvPr>
+        </p:nvSpPr>
+        <p:spPr>
+          <a:xfrm>
+            <a:off x="685800" y="1143000"/>
+            <a:ext cx="5486400" cy="3086100"/>
+          </a:xfrm>
+          <a:prstGeom prst="rect">
+            <a:avLst/>
+          </a:prstGeom>
+          <a:noFill/>
+          <a:ln w="12700">
+            <a:solidFill>
+              <a:prstClr val="black"/>
+            </a:solidFill>
+          </a:ln>
+        </p:spPr>
+        <p:txBody>
+          <a:bodyPr vert="horz" lIns="91440" tIns="45720" rIns="91440" bIns="45720" rtlCol="0" anchor="ctr"/>
+          <a:lstStyle/>
+          <a:p>
+            <a:endParaRPr lang="ja-JP" altLang="en-US"/>
+          </a:p>
+        </p:txBody>
+      </p:sp>
+      <p:sp>
+        <p:nvSpPr>
+          <p:cNvPr id="5" name="ノート プレースホルダー 4"/>
+          <p:cNvSpPr>
+            <a:spLocks noGrp="1"/>
+          </p:cNvSpPr>
+          <p:nvPr>
+            <p:ph type="body" sz="quarter" idx="3"/>
+          </p:nvPr>
+        </p:nvSpPr>
+        <p:spPr>
+          <a:xfrm>
+            <a:off x="685800" y="4400550"/>
+            <a:ext cx="5486400" cy="3600450"/>
+          </a:xfrm>
+          <a:prstGeom prst="rect">
+            <a:avLst/>
+          </a:prstGeom>
+        </p:spPr>
+        <p:txBody>
+          <a:bodyPr vert="horz" lIns="91440" tIns="45720" rIns="91440" bIns="45720" rtlCol="0"/>
+          <a:lstStyle/>
+          <a:p>
+            <a:pPr lvl="0"/>
+            <a:r>
+              <a:rPr kumimoji="1" lang="ja-JP" altLang="en-US"/>
+              <a:t>マスター テキストの書式設定</a:t>
+            </a:r>
+          </a:p>
+          <a:p>
+            <a:pPr lvl="1"/>
+            <a:r>
+              <a:rPr kumimoji="1" lang="ja-JP" altLang="en-US"/>
+              <a:t>第 </a:t>
+            </a:r>
+            <a:r>
+              <a:rPr kumimoji="1" lang="en-US" altLang="ja-JP"/>
+              <a:t>2 </a:t>
+            </a:r>
+            <a:r>
+              <a:rPr kumimoji="1" lang="ja-JP" altLang="en-US"/>
+              <a:t>レベル</a:t>
+            </a:r>
+          </a:p>
+          <a:p>
+            <a:pPr lvl="2"/>
+            <a:r>
+              <a:rPr kumimoji="1" lang="ja-JP" altLang="en-US"/>
+              <a:t>第 </a:t>
+            </a:r>
+            <a:r>
+              <a:rPr kumimoji="1" lang="en-US" altLang="ja-JP"/>
+              <a:t>3 </a:t>
+            </a:r>
+            <a:r>
+              <a:rPr kumimoji="1" lang="ja-JP" altLang="en-US"/>
+              <a:t>レベル</a:t>
+            </a:r>
+          </a:p>
+          <a:p>
+            <a:pPr lvl="3"/>
+            <a:r>
+              <a:rPr kumimoji="1" lang="ja-JP" altLang="en-US"/>
+              <a:t>第 </a:t>
+            </a:r>
+            <a:r>
+              <a:rPr kumimoji="1" lang="en-US" altLang="ja-JP"/>
+              <a:t>4 </a:t>
+            </a:r>
+            <a:r>
+              <a:rPr kumimoji="1" lang="ja-JP" altLang="en-US"/>
+              <a:t>レベル</a:t>
+            </a:r>
+          </a:p>
+          <a:p>
+            <a:pPr lvl="4"/>
+            <a:r>
+              <a:rPr kumimoji="1" lang="ja-JP" altLang="en-US"/>
+              <a:t>第 </a:t>
+            </a:r>
+            <a:r>
+              <a:rPr kumimoji="1" lang="en-US" altLang="ja-JP"/>
+              <a:t>5 </a:t>
+            </a:r>
+            <a:r>
+              <a:rPr kumimoji="1" lang="ja-JP" altLang="en-US"/>
+              <a:t>レベル</a:t>
+            </a:r>
+          </a:p>
+        </p:txBody>
+      </p:sp>
+      <p:sp>
+        <p:nvSpPr>
+          <p:cNvPr id="6" name="フッター プレースホルダー 5"/>
+          <p:cNvSpPr>
+            <a:spLocks noGrp="1"/>
+          </p:cNvSpPr>
+          <p:nvPr>
+            <p:ph type="ftr" sz="quarter" idx="4"/>
+          </p:nvPr>
+        </p:nvSpPr>
+        <p:spPr>
+          <a:xfrm>
+            <a:off x="0" y="8685213"/>
+            <a:ext cx="2971800" cy="458787"/>
+          </a:xfrm>
+          <a:prstGeom prst="rect">
+            <a:avLst/>
+          </a:prstGeom>
+        </p:spPr>
+        <p:txBody>
+          <a:bodyPr vert="horz" lIns="91440" tIns="45720" rIns="91440" bIns="45720" rtlCol="0" anchor="b"/>
+          <a:lstStyle>
+            <a:lvl1pPr algn="l">
+              <a:defRPr sz="1200"/>
+            </a:lvl1pPr>
+          </a:lstStyle>
+          <a:p>
+            <a:endParaRPr kumimoji="1" lang="ja-JP" altLang="en-US"/>
+          </a:p>
+        </p:txBody>
+      </p:sp>
+      <p:sp>
+        <p:nvSpPr>
+          <p:cNvPr id="7" name="スライド番号プレースホルダー 6"/>
+          <p:cNvSpPr>
+            <a:spLocks noGrp="1"/>
+          </p:cNvSpPr>
+          <p:nvPr>
+            <p:ph type="sldNum" sz="quarter" idx="5"/>
+          </p:nvPr>
+        </p:nvSpPr>
+        <p:spPr>
+          <a:xfrm>
+            <a:off x="3884613" y="8685213"/>
+            <a:ext cx="2971800" cy="458787"/>
+          </a:xfrm>
+          <a:prstGeom prst="rect">
+            <a:avLst/>
+          </a:prstGeom>
+        </p:spPr>
+        <p:txBody>
+          <a:bodyPr vert="horz" lIns="91440" tIns="45720" rIns="91440" bIns="45720" rtlCol="0" anchor="b"/>
+          <a:lstStyle>
+            <a:lvl1pPr algn="r">
+              <a:defRPr sz="1200"/>
+            </a:lvl1pPr>
+          </a:lstStyle>
+          <a:p>
+            <a:fld id="{A5242644-000B-428D-938E-DC5A56A37292}" type="slidenum">
+              <a:rPr kumimoji="1" lang="ja-JP" altLang="en-US" smtClean="0"/>
+              <a:t>‹#›</a:t>
+            </a:fld>
+            <a:endParaRPr kumimoji="1" lang="ja-JP" altLang="en-US"/>
+          </a:p>
+        </p:txBody>
+      </p:sp>
+    </p:spTree>
+    <p:extLst>
+      <p:ext uri="{BB962C8B-B14F-4D97-AF65-F5344CB8AC3E}">
+        <p14:creationId xmlns:p14="http://schemas.microsoft.com/office/powerpoint/2010/main" val="1638254097"/>
+      </p:ext>
+    </p:extLst>
+  </p:cSld>
+  <p:clrMap bg1="lt1" tx1="dk1" bg2="lt2" tx2="dk2" accent1="accent1" accent2="accent2" accent3="accent3" accent4="accent4" accent5="accent5" accent6="accent6" hlink="hlink" folHlink="folHlink"/>
+  <p:notesStyle>
+    <a:lvl1pPr marL="0" algn="l" defTabSz="914400" rtl="0" eaLnBrk="1" latinLnBrk="0" hangingPunct="1">
+      <a:defRPr kumimoji="1" sz="1200" kern="1200">
+        <a:solidFill>
+          <a:schemeClr val="tx1"/>
+        </a:solidFill>
+        <a:latin typeface="+mn-lt"/>
+        <a:ea typeface="+mn-ea"/>
+        <a:cs typeface="+mn-cs"/>
+      </a:defRPr>
+    </a:lvl1pPr>
+    <a:lvl2pPr marL="457200" algn="l" defTabSz="914400" rtl="0" eaLnBrk="1" latinLnBrk="0" hangingPunct="1">
+      <a:defRPr kumimoji="1" sz="1200" kern="1200">
+        <a:solidFill>
+          <a:schemeClr val="tx1"/>
+        </a:solidFill>
+        <a:latin typeface="+mn-lt"/>
+        <a:ea typeface="+mn-ea"/>
+        <a:cs typeface="+mn-cs"/>
+      </a:defRPr>
+    </a:lvl2pPr>
+    <a:lvl3pPr marL="914400" algn="l" defTabSz="914400" rtl="0" eaLnBrk="1" latinLnBrk="0" hangingPunct="1">
+      <a:defRPr kumimoji="1" sz="1200" kern="1200">
+        <a:solidFill>
+          <a:schemeClr val="tx1"/>
+        </a:solidFill>
+        <a:latin typeface="+mn-lt"/>
+        <a:ea typeface="+mn-ea"/>
+        <a:cs typeface="+mn-cs"/>
+      </a:defRPr>
+    </a:lvl3pPr>
+    <a:lvl4pPr marL="1371600" algn="l" defTabSz="914400" rtl="0" eaLnBrk="1" latinLnBrk="0" hangingPunct="1">
+      <a:defRPr kumimoji="1" sz="1200" kern="1200">
+        <a:solidFill>
+          <a:schemeClr val="tx1"/>
+        </a:solidFill>
+        <a:latin typeface="+mn-lt"/>
+        <a:ea typeface="+mn-ea"/>
+        <a:cs typeface="+mn-cs"/>
+      </a:defRPr>
+    </a:lvl4pPr>
+    <a:lvl5pPr marL="1828800" algn="l" defTabSz="914400" rtl="0" eaLnBrk="1" latinLnBrk="0" hangingPunct="1">
+      <a:defRPr kumimoji="1" sz="1200" kern="1200">
+        <a:solidFill>
+          <a:schemeClr val="tx1"/>
+        </a:solidFill>
+        <a:latin typeface="+mn-lt"/>
+        <a:ea typeface="+mn-ea"/>
+        <a:cs typeface="+mn-cs"/>
+      </a:defRPr>
+    </a:lvl5pPr>
+    <a:lvl6pPr marL="2286000" algn="l" defTabSz="914400" rtl="0" eaLnBrk="1" latinLnBrk="0" hangingPunct="1">
+      <a:defRPr kumimoji="1" sz="1200" kern="1200">
+        <a:solidFill>
+          <a:schemeClr val="tx1"/>
+        </a:solidFill>
+        <a:latin typeface="+mn-lt"/>
+        <a:ea typeface="+mn-ea"/>
+        <a:cs typeface="+mn-cs"/>
+      </a:defRPr>
+    </a:lvl6pPr>
+    <a:lvl7pPr marL="2743200" algn="l" defTabSz="914400" rtl="0" eaLnBrk="1" latinLnBrk="0" hangingPunct="1">
+      <a:defRPr kumimoji="1" sz="1200" kern="1200">
+        <a:solidFill>
+          <a:schemeClr val="tx1"/>
+        </a:solidFill>
+        <a:latin typeface="+mn-lt"/>
+        <a:ea typeface="+mn-ea"/>
+        <a:cs typeface="+mn-cs"/>
+      </a:defRPr>
+    </a:lvl7pPr>
+    <a:lvl8pPr marL="3200400" algn="l" defTabSz="914400" rtl="0" eaLnBrk="1" latinLnBrk="0" hangingPunct="1">
+      <a:defRPr kumimoji="1" sz="1200" kern="1200">
+        <a:solidFill>
+          <a:schemeClr val="tx1"/>
+        </a:solidFill>
+        <a:latin typeface="+mn-lt"/>
+        <a:ea typeface="+mn-ea"/>
+        <a:cs typeface="+mn-cs"/>
+      </a:defRPr>
+    </a:lvl8pPr>
+    <a:lvl9pPr marL="3657600" algn="l" defTabSz="914400" rtl="0" eaLnBrk="1" latinLnBrk="0" hangingPunct="1">
+      <a:defRPr kumimoji="1" sz="1200" kern="1200">
+        <a:solidFill>
+          <a:schemeClr val="tx1"/>
+        </a:solidFill>
+        <a:latin typeface="+mn-lt"/>
+        <a:ea typeface="+mn-ea"/>
+        <a:cs typeface="+mn-cs"/>
+      </a:defRPr>
+    </a:lvl9pPr>
+  </p:notesStyle>
+</p:notesMaster>
+</file>
+
+<file path=ppt/notesSlides/notesSlide1.xml><?xml version="1.0" encoding="utf-8"?>
+<p:notes xmlns:a="http://schemas.openxmlformats.org/drawingml/2006/main" xmlns:r="http://schemas.openxmlformats.org/officeDocument/2006/relationships" xmlns:p="http://schemas.openxmlformats.org/presentationml/2006/main">
+  <p:cSld>
+    <p:spTree>
+      <p:nvGrpSpPr>
+        <p:cNvPr id="1" name=""/>
+        <p:cNvGrpSpPr/>
+        <p:nvPr/>
+      </p:nvGrpSpPr>
+      <p:grpSpPr>
+        <a:xfrm>
+          <a:off x="0" y="0"/>
+          <a:ext cx="0" cy="0"/>
+          <a:chOff x="0" y="0"/>
+          <a:chExt cx="0" cy="0"/>
+        </a:xfrm>
+      </p:grpSpPr>
+      <p:sp>
+        <p:nvSpPr>
+          <p:cNvPr id="2" name="スライド イメージ プレースホルダー 1"/>
+          <p:cNvSpPr>
+            <a:spLocks noGrp="1" noRot="1" noChangeAspect="1"/>
+          </p:cNvSpPr>
+          <p:nvPr>
+            <p:ph type="sldImg"/>
+          </p:nvPr>
+        </p:nvSpPr>
+        <p:spPr/>
+      </p:sp>
+      <p:sp>
+        <p:nvSpPr>
+          <p:cNvPr id="3" name="ノート プレースホルダー 2"/>
+          <p:cNvSpPr>
+            <a:spLocks noGrp="1"/>
+          </p:cNvSpPr>
+          <p:nvPr>
+            <p:ph type="body" idx="1"/>
+          </p:nvPr>
+        </p:nvSpPr>
+        <p:spPr/>
+        <p:txBody>
+          <a:bodyPr/>
+          <a:lstStyle/>
+          <a:p>
+            <a:r>
+              <a:rPr kumimoji="1" lang="en-US" altLang="ja-JP" dirty="0"/>
+              <a:t>E</a:t>
+            </a:r>
+            <a:r>
+              <a:rPr kumimoji="1" lang="ja-JP" altLang="en-US" dirty="0"/>
+              <a:t>チームの発表を始めます。</a:t>
+            </a:r>
+            <a:endParaRPr kumimoji="1" lang="en-US" altLang="ja-JP" dirty="0"/>
+          </a:p>
+          <a:p>
+            <a:r>
+              <a:rPr kumimoji="1" lang="ja-JP" altLang="en-US" dirty="0"/>
+              <a:t>発表者は、板井、堤、藤谷です。よろしくお願いします。</a:t>
+            </a:r>
+            <a:endParaRPr kumimoji="1" lang="en-US" altLang="ja-JP" dirty="0"/>
+          </a:p>
+          <a:p>
+            <a:r>
+              <a:rPr kumimoji="1" lang="en-US" altLang="ja-JP" dirty="0"/>
+              <a:t>E</a:t>
+            </a:r>
+            <a:r>
+              <a:rPr kumimoji="1" lang="ja-JP" altLang="en-US" dirty="0"/>
+              <a:t>チームは売上管理システムを開発しました。</a:t>
+            </a:r>
+            <a:endParaRPr kumimoji="1" lang="en-US" altLang="ja-JP" dirty="0"/>
+          </a:p>
+          <a:p>
+            <a:r>
+              <a:rPr kumimoji="1" lang="ja-JP" altLang="en-US" dirty="0"/>
+              <a:t>管理システムを開発しようと思ったきっかけは、就職活動で、様々な企業説明会に参加させていただいた際に</a:t>
+            </a:r>
+            <a:endParaRPr kumimoji="1" lang="en-US" altLang="ja-JP" dirty="0"/>
+          </a:p>
+          <a:p>
+            <a:r>
+              <a:rPr kumimoji="1" lang="ja-JP" altLang="en-US" dirty="0"/>
+              <a:t>管理システムを開発されている企業さんが多かったこともあり、就職後、仕事に関係あるものを作りたい思いから</a:t>
+            </a:r>
+            <a:endParaRPr kumimoji="1" lang="en-US" altLang="ja-JP" dirty="0"/>
+          </a:p>
+          <a:p>
+            <a:r>
+              <a:rPr kumimoji="1" lang="ja-JP" altLang="en-US" dirty="0"/>
+              <a:t>管理システムを開発することにしました。</a:t>
+            </a:r>
+          </a:p>
+        </p:txBody>
+      </p:sp>
+      <p:sp>
+        <p:nvSpPr>
+          <p:cNvPr id="4" name="スライド番号プレースホルダー 3"/>
+          <p:cNvSpPr>
+            <a:spLocks noGrp="1"/>
+          </p:cNvSpPr>
+          <p:nvPr>
+            <p:ph type="sldNum" sz="quarter" idx="5"/>
+          </p:nvPr>
+        </p:nvSpPr>
+        <p:spPr/>
+        <p:txBody>
+          <a:bodyPr/>
+          <a:lstStyle/>
+          <a:p>
+            <a:fld id="{A5242644-000B-428D-938E-DC5A56A37292}" type="slidenum">
+              <a:rPr kumimoji="1" lang="ja-JP" altLang="en-US" smtClean="0"/>
+              <a:t>1</a:t>
+            </a:fld>
+            <a:endParaRPr kumimoji="1" lang="ja-JP" altLang="en-US"/>
+          </a:p>
+        </p:txBody>
+      </p:sp>
+    </p:spTree>
+    <p:extLst>
+      <p:ext uri="{BB962C8B-B14F-4D97-AF65-F5344CB8AC3E}">
+        <p14:creationId xmlns:p14="http://schemas.microsoft.com/office/powerpoint/2010/main" val="3824042560"/>
+      </p:ext>
+    </p:extLst>
+  </p:cSld>
+  <p:clrMapOvr>
+    <a:masterClrMapping/>
+  </p:clrMapOvr>
+</p:notes>
+</file>
+
+<file path=ppt/notesSlides/notesSlide2.xml><?xml version="1.0" encoding="utf-8"?>
+<p:notes xmlns:a="http://schemas.openxmlformats.org/drawingml/2006/main" xmlns:r="http://schemas.openxmlformats.org/officeDocument/2006/relationships" xmlns:p="http://schemas.openxmlformats.org/presentationml/2006/main">
+  <p:cSld>
+    <p:spTree>
+      <p:nvGrpSpPr>
+        <p:cNvPr id="1" name=""/>
+        <p:cNvGrpSpPr/>
+        <p:nvPr/>
+      </p:nvGrpSpPr>
+      <p:grpSpPr>
+        <a:xfrm>
+          <a:off x="0" y="0"/>
+          <a:ext cx="0" cy="0"/>
+          <a:chOff x="0" y="0"/>
+          <a:chExt cx="0" cy="0"/>
+        </a:xfrm>
+      </p:grpSpPr>
+      <p:sp>
+        <p:nvSpPr>
+          <p:cNvPr id="2" name="スライド イメージ プレースホルダー 1"/>
+          <p:cNvSpPr>
+            <a:spLocks noGrp="1" noRot="1" noChangeAspect="1"/>
+          </p:cNvSpPr>
+          <p:nvPr>
+            <p:ph type="sldImg"/>
+          </p:nvPr>
+        </p:nvSpPr>
+        <p:spPr/>
+      </p:sp>
+      <p:sp>
+        <p:nvSpPr>
+          <p:cNvPr id="3" name="ノート プレースホルダー 2"/>
+          <p:cNvSpPr>
+            <a:spLocks noGrp="1"/>
+          </p:cNvSpPr>
+          <p:nvPr>
+            <p:ph type="body" idx="1"/>
+          </p:nvPr>
+        </p:nvSpPr>
+        <p:spPr/>
+        <p:txBody>
+          <a:bodyPr/>
+          <a:lstStyle/>
+          <a:p>
+            <a:r>
+              <a:rPr kumimoji="1" lang="ja-JP" altLang="en-US" dirty="0"/>
+              <a:t>アプリの説明をします。</a:t>
+            </a:r>
+            <a:endParaRPr kumimoji="1" lang="en-US" altLang="ja-JP" dirty="0"/>
+          </a:p>
+          <a:p>
+            <a:r>
+              <a:rPr kumimoji="1" lang="ja-JP" altLang="en-US" dirty="0"/>
+              <a:t>私たちが開発したアプリは、各店舗の売上集計を行い、各店舗ごとに目標売上を割り振るシステムを開発しました。</a:t>
+            </a:r>
+            <a:endParaRPr kumimoji="1" lang="en-US" altLang="ja-JP" dirty="0"/>
+          </a:p>
+          <a:p>
+            <a:r>
+              <a:rPr kumimoji="1" lang="ja-JP" altLang="en-US" dirty="0"/>
+              <a:t>言葉だけでは、イメージできないと思いますので、後で動作確認をします。</a:t>
+            </a:r>
+            <a:endParaRPr kumimoji="1" lang="en-US" altLang="ja-JP" dirty="0"/>
+          </a:p>
+          <a:p>
+            <a:endParaRPr kumimoji="1" lang="ja-JP" altLang="en-US" dirty="0"/>
+          </a:p>
+        </p:txBody>
+      </p:sp>
+      <p:sp>
+        <p:nvSpPr>
+          <p:cNvPr id="4" name="スライド番号プレースホルダー 3"/>
+          <p:cNvSpPr>
+            <a:spLocks noGrp="1"/>
+          </p:cNvSpPr>
+          <p:nvPr>
+            <p:ph type="sldNum" sz="quarter" idx="5"/>
+          </p:nvPr>
+        </p:nvSpPr>
+        <p:spPr/>
+        <p:txBody>
+          <a:bodyPr/>
+          <a:lstStyle/>
+          <a:p>
+            <a:fld id="{A5242644-000B-428D-938E-DC5A56A37292}" type="slidenum">
+              <a:rPr kumimoji="1" lang="ja-JP" altLang="en-US" smtClean="0"/>
+              <a:t>2</a:t>
+            </a:fld>
+            <a:endParaRPr kumimoji="1" lang="ja-JP" altLang="en-US"/>
+          </a:p>
+        </p:txBody>
+      </p:sp>
+    </p:spTree>
+    <p:extLst>
+      <p:ext uri="{BB962C8B-B14F-4D97-AF65-F5344CB8AC3E}">
+        <p14:creationId xmlns:p14="http://schemas.microsoft.com/office/powerpoint/2010/main" val="1877564802"/>
+      </p:ext>
+    </p:extLst>
+  </p:cSld>
+  <p:clrMapOvr>
+    <a:masterClrMapping/>
+  </p:clrMapOvr>
+</p:notes>
+</file>
+
+<file path=ppt/notesSlides/notesSlide3.xml><?xml version="1.0" encoding="utf-8"?>
+<p:notes xmlns:a="http://schemas.openxmlformats.org/drawingml/2006/main" xmlns:r="http://schemas.openxmlformats.org/officeDocument/2006/relationships" xmlns:p="http://schemas.openxmlformats.org/presentationml/2006/main">
+  <p:cSld>
+    <p:spTree>
+      <p:nvGrpSpPr>
+        <p:cNvPr id="1" name=""/>
+        <p:cNvGrpSpPr/>
+        <p:nvPr/>
+      </p:nvGrpSpPr>
+      <p:grpSpPr>
+        <a:xfrm>
+          <a:off x="0" y="0"/>
+          <a:ext cx="0" cy="0"/>
+          <a:chOff x="0" y="0"/>
+          <a:chExt cx="0" cy="0"/>
+        </a:xfrm>
+      </p:grpSpPr>
+      <p:sp>
+        <p:nvSpPr>
+          <p:cNvPr id="2" name="スライド イメージ プレースホルダー 1"/>
+          <p:cNvSpPr>
+            <a:spLocks noGrp="1" noRot="1" noChangeAspect="1"/>
+          </p:cNvSpPr>
+          <p:nvPr>
+            <p:ph type="sldImg"/>
+          </p:nvPr>
+        </p:nvSpPr>
+        <p:spPr/>
+      </p:sp>
+      <p:sp>
+        <p:nvSpPr>
+          <p:cNvPr id="3" name="ノート プレースホルダー 2"/>
+          <p:cNvSpPr>
+            <a:spLocks noGrp="1"/>
+          </p:cNvSpPr>
+          <p:nvPr>
+            <p:ph type="body" idx="1"/>
+          </p:nvPr>
+        </p:nvSpPr>
+        <p:spPr/>
+        <p:txBody>
+          <a:bodyPr/>
+          <a:lstStyle/>
+          <a:p>
+            <a:r>
+              <a:rPr kumimoji="1" lang="ja-JP" altLang="en-US" dirty="0"/>
+              <a:t>開発言語は、</a:t>
+            </a:r>
+            <a:r>
+              <a:rPr kumimoji="1" lang="en-US" altLang="ja-JP" dirty="0"/>
+              <a:t>PHP</a:t>
+            </a:r>
+            <a:r>
+              <a:rPr kumimoji="1" lang="ja-JP" altLang="en-US" dirty="0" err="1"/>
+              <a:t>、</a:t>
+            </a:r>
+            <a:r>
+              <a:rPr kumimoji="1" lang="en-US" altLang="ja-JP" dirty="0"/>
+              <a:t>HTML</a:t>
+            </a:r>
+            <a:r>
+              <a:rPr kumimoji="1" lang="ja-JP" altLang="en-US" dirty="0" err="1"/>
+              <a:t>、</a:t>
+            </a:r>
+            <a:r>
+              <a:rPr kumimoji="1" lang="en-US" altLang="ja-JP" dirty="0"/>
+              <a:t>CSS</a:t>
+            </a:r>
+            <a:r>
+              <a:rPr kumimoji="1" lang="ja-JP" altLang="en-US" dirty="0"/>
+              <a:t>を使っています。</a:t>
+            </a:r>
+            <a:endParaRPr kumimoji="1" lang="en-US" altLang="ja-JP" dirty="0"/>
+          </a:p>
+          <a:p>
+            <a:r>
+              <a:rPr kumimoji="1" lang="ja-JP" altLang="en-US" dirty="0"/>
+              <a:t>データベースは</a:t>
+            </a:r>
+            <a:r>
+              <a:rPr kumimoji="1" lang="en-US" altLang="ja-JP" dirty="0"/>
+              <a:t>MySQL</a:t>
+            </a:r>
+            <a:r>
+              <a:rPr kumimoji="1" lang="ja-JP" altLang="en-US" dirty="0"/>
+              <a:t>を使っています。</a:t>
+            </a:r>
+            <a:endParaRPr kumimoji="1" lang="en-US" altLang="ja-JP" dirty="0"/>
+          </a:p>
+          <a:p>
+            <a:r>
+              <a:rPr kumimoji="1" lang="ja-JP" altLang="en-US" dirty="0"/>
+              <a:t>ソースコードの共有には、</a:t>
+            </a:r>
+            <a:r>
+              <a:rPr kumimoji="1" lang="en-US" altLang="ja-JP" dirty="0" err="1"/>
+              <a:t>github</a:t>
+            </a:r>
+            <a:r>
+              <a:rPr kumimoji="1" lang="ja-JP" altLang="en-US" dirty="0"/>
+              <a:t>と</a:t>
+            </a:r>
+            <a:r>
+              <a:rPr kumimoji="1" lang="en-US" altLang="ja-JP" dirty="0" err="1"/>
+              <a:t>sourcetree</a:t>
+            </a:r>
+            <a:r>
+              <a:rPr kumimoji="1" lang="ja-JP" altLang="en-US" dirty="0"/>
+              <a:t>を使いました。</a:t>
+            </a:r>
+          </a:p>
+        </p:txBody>
+      </p:sp>
+      <p:sp>
+        <p:nvSpPr>
+          <p:cNvPr id="4" name="スライド番号プレースホルダー 3"/>
+          <p:cNvSpPr>
+            <a:spLocks noGrp="1"/>
+          </p:cNvSpPr>
+          <p:nvPr>
+            <p:ph type="sldNum" sz="quarter" idx="5"/>
+          </p:nvPr>
+        </p:nvSpPr>
+        <p:spPr/>
+        <p:txBody>
+          <a:bodyPr/>
+          <a:lstStyle/>
+          <a:p>
+            <a:fld id="{A5242644-000B-428D-938E-DC5A56A37292}" type="slidenum">
+              <a:rPr kumimoji="1" lang="ja-JP" altLang="en-US" smtClean="0"/>
+              <a:t>3</a:t>
+            </a:fld>
+            <a:endParaRPr kumimoji="1" lang="ja-JP" altLang="en-US"/>
+          </a:p>
+        </p:txBody>
+      </p:sp>
+    </p:spTree>
+    <p:extLst>
+      <p:ext uri="{BB962C8B-B14F-4D97-AF65-F5344CB8AC3E}">
+        <p14:creationId xmlns:p14="http://schemas.microsoft.com/office/powerpoint/2010/main" val="45810444"/>
+      </p:ext>
+    </p:extLst>
+  </p:cSld>
+  <p:clrMapOvr>
+    <a:masterClrMapping/>
+  </p:clrMapOvr>
+</p:notes>
+</file>
+
+<file path=ppt/notesSlides/notesSlide4.xml><?xml version="1.0" encoding="utf-8"?>
+<p:notes xmlns:a="http://schemas.openxmlformats.org/drawingml/2006/main" xmlns:r="http://schemas.openxmlformats.org/officeDocument/2006/relationships" xmlns:p="http://schemas.openxmlformats.org/presentationml/2006/main">
+  <p:cSld>
+    <p:spTree>
+      <p:nvGrpSpPr>
+        <p:cNvPr id="1" name=""/>
+        <p:cNvGrpSpPr/>
+        <p:nvPr/>
+      </p:nvGrpSpPr>
+      <p:grpSpPr>
+        <a:xfrm>
+          <a:off x="0" y="0"/>
+          <a:ext cx="0" cy="0"/>
+          <a:chOff x="0" y="0"/>
+          <a:chExt cx="0" cy="0"/>
+        </a:xfrm>
+      </p:grpSpPr>
+      <p:sp>
+        <p:nvSpPr>
+          <p:cNvPr id="2" name="スライド イメージ プレースホルダー 1"/>
+          <p:cNvSpPr>
+            <a:spLocks noGrp="1" noRot="1" noChangeAspect="1"/>
+          </p:cNvSpPr>
+          <p:nvPr>
+            <p:ph type="sldImg"/>
+          </p:nvPr>
+        </p:nvSpPr>
+        <p:spPr/>
+      </p:sp>
+      <p:sp>
+        <p:nvSpPr>
+          <p:cNvPr id="3" name="ノート プレースホルダー 2"/>
+          <p:cNvSpPr>
+            <a:spLocks noGrp="1"/>
+          </p:cNvSpPr>
+          <p:nvPr>
+            <p:ph type="body" idx="1"/>
+          </p:nvPr>
+        </p:nvSpPr>
+        <p:spPr/>
+        <p:txBody>
+          <a:bodyPr/>
+          <a:lstStyle/>
+          <a:p>
+            <a:r>
+              <a:rPr kumimoji="1" lang="ja-JP" altLang="en-US" dirty="0"/>
+              <a:t>役割分担はこんな感じで</a:t>
+            </a:r>
+            <a:endParaRPr kumimoji="1" lang="en-US" altLang="ja-JP" dirty="0"/>
+          </a:p>
+          <a:p>
+            <a:r>
+              <a:rPr kumimoji="1" lang="ja-JP" altLang="en-US" dirty="0"/>
+              <a:t>ログイン画面、メイン画面、設定画面ごとに役割を分担し</a:t>
+            </a:r>
+            <a:endParaRPr kumimoji="1" lang="en-US" altLang="ja-JP" dirty="0"/>
+          </a:p>
+          <a:p>
+            <a:r>
+              <a:rPr kumimoji="1" lang="ja-JP" altLang="en-US" dirty="0"/>
+              <a:t>進捗状況に応じて、役割を調整しました。</a:t>
+            </a:r>
+            <a:endParaRPr kumimoji="1" lang="en-US" altLang="ja-JP" dirty="0"/>
+          </a:p>
+          <a:p>
+            <a:r>
+              <a:rPr kumimoji="1" lang="ja-JP" altLang="en-US" dirty="0"/>
+              <a:t>その他は、基本的に全員で対応しました。</a:t>
+            </a:r>
+          </a:p>
+        </p:txBody>
+      </p:sp>
+      <p:sp>
+        <p:nvSpPr>
+          <p:cNvPr id="4" name="スライド番号プレースホルダー 3"/>
+          <p:cNvSpPr>
+            <a:spLocks noGrp="1"/>
+          </p:cNvSpPr>
+          <p:nvPr>
+            <p:ph type="sldNum" sz="quarter" idx="5"/>
+          </p:nvPr>
+        </p:nvSpPr>
+        <p:spPr/>
+        <p:txBody>
+          <a:bodyPr/>
+          <a:lstStyle/>
+          <a:p>
+            <a:fld id="{A5242644-000B-428D-938E-DC5A56A37292}" type="slidenum">
+              <a:rPr kumimoji="1" lang="ja-JP" altLang="en-US" smtClean="0"/>
+              <a:t>4</a:t>
+            </a:fld>
+            <a:endParaRPr kumimoji="1" lang="ja-JP" altLang="en-US"/>
+          </a:p>
+        </p:txBody>
+      </p:sp>
+    </p:spTree>
+    <p:extLst>
+      <p:ext uri="{BB962C8B-B14F-4D97-AF65-F5344CB8AC3E}">
+        <p14:creationId xmlns:p14="http://schemas.microsoft.com/office/powerpoint/2010/main" val="686271573"/>
+      </p:ext>
+    </p:extLst>
+  </p:cSld>
+  <p:clrMapOvr>
+    <a:masterClrMapping/>
+  </p:clrMapOvr>
+</p:notes>
+</file>
+
+<file path=ppt/notesSlides/notesSlide5.xml><?xml version="1.0" encoding="utf-8"?>
+<p:notes xmlns:a="http://schemas.openxmlformats.org/drawingml/2006/main" xmlns:r="http://schemas.openxmlformats.org/officeDocument/2006/relationships" xmlns:p="http://schemas.openxmlformats.org/presentationml/2006/main">
+  <p:cSld>
+    <p:spTree>
+      <p:nvGrpSpPr>
+        <p:cNvPr id="1" name=""/>
+        <p:cNvGrpSpPr/>
+        <p:nvPr/>
+      </p:nvGrpSpPr>
+      <p:grpSpPr>
+        <a:xfrm>
+          <a:off x="0" y="0"/>
+          <a:ext cx="0" cy="0"/>
+          <a:chOff x="0" y="0"/>
+          <a:chExt cx="0" cy="0"/>
+        </a:xfrm>
+      </p:grpSpPr>
+      <p:sp>
+        <p:nvSpPr>
+          <p:cNvPr id="2" name="スライド イメージ プレースホルダー 1"/>
+          <p:cNvSpPr>
+            <a:spLocks noGrp="1" noRot="1" noChangeAspect="1"/>
+          </p:cNvSpPr>
+          <p:nvPr>
+            <p:ph type="sldImg"/>
+          </p:nvPr>
+        </p:nvSpPr>
+        <p:spPr/>
+      </p:sp>
+      <p:sp>
+        <p:nvSpPr>
+          <p:cNvPr id="3" name="ノート プレースホルダー 2"/>
+          <p:cNvSpPr>
+            <a:spLocks noGrp="1"/>
+          </p:cNvSpPr>
+          <p:nvPr>
+            <p:ph type="body" idx="1"/>
+          </p:nvPr>
+        </p:nvSpPr>
+        <p:spPr/>
+        <p:txBody>
+          <a:bodyPr/>
+          <a:lstStyle/>
+          <a:p>
+            <a:r>
+              <a:rPr kumimoji="1" lang="ja-JP" altLang="en-US" dirty="0"/>
+              <a:t>次に設計段階での画面設計の説明をさせていただきます。</a:t>
+            </a:r>
+            <a:endParaRPr kumimoji="1" lang="en-US" altLang="ja-JP" dirty="0"/>
+          </a:p>
+          <a:p>
+            <a:r>
+              <a:rPr kumimoji="1" lang="ja-JP" altLang="en-US" dirty="0"/>
+              <a:t>こちらは、ログイン画面になっており、</a:t>
+            </a:r>
+            <a:r>
+              <a:rPr kumimoji="1" lang="en-US" altLang="ja-JP" dirty="0"/>
+              <a:t>ID</a:t>
+            </a:r>
+            <a:r>
+              <a:rPr kumimoji="1" lang="ja-JP" altLang="en-US" dirty="0"/>
+              <a:t>とパスワードを入力して、</a:t>
+            </a:r>
+            <a:endParaRPr kumimoji="1" lang="en-US" altLang="ja-JP" dirty="0"/>
+          </a:p>
+          <a:p>
+            <a:r>
+              <a:rPr kumimoji="1" lang="ja-JP" altLang="en-US" dirty="0"/>
+              <a:t>ログインボタンをクリックするとログインができ、メイン画面に遷移します。</a:t>
+            </a:r>
+          </a:p>
+        </p:txBody>
+      </p:sp>
+      <p:sp>
+        <p:nvSpPr>
+          <p:cNvPr id="4" name="スライド番号プレースホルダー 3"/>
+          <p:cNvSpPr>
+            <a:spLocks noGrp="1"/>
+          </p:cNvSpPr>
+          <p:nvPr>
+            <p:ph type="sldNum" sz="quarter" idx="5"/>
+          </p:nvPr>
+        </p:nvSpPr>
+        <p:spPr/>
+        <p:txBody>
+          <a:bodyPr/>
+          <a:lstStyle/>
+          <a:p>
+            <a:fld id="{A5242644-000B-428D-938E-DC5A56A37292}" type="slidenum">
+              <a:rPr kumimoji="1" lang="ja-JP" altLang="en-US" smtClean="0"/>
+              <a:t>5</a:t>
+            </a:fld>
+            <a:endParaRPr kumimoji="1" lang="ja-JP" altLang="en-US"/>
+          </a:p>
+        </p:txBody>
+      </p:sp>
+    </p:spTree>
+    <p:extLst>
+      <p:ext uri="{BB962C8B-B14F-4D97-AF65-F5344CB8AC3E}">
+        <p14:creationId xmlns:p14="http://schemas.microsoft.com/office/powerpoint/2010/main" val="969310832"/>
+      </p:ext>
+    </p:extLst>
+  </p:cSld>
+  <p:clrMapOvr>
+    <a:masterClrMapping/>
+  </p:clrMapOvr>
+</p:notes>
+</file>
+
+<file path=ppt/notesSlides/notesSlide6.xml><?xml version="1.0" encoding="utf-8"?>
+<p:notes xmlns:a="http://schemas.openxmlformats.org/drawingml/2006/main" xmlns:r="http://schemas.openxmlformats.org/officeDocument/2006/relationships" xmlns:p="http://schemas.openxmlformats.org/presentationml/2006/main">
+  <p:cSld>
+    <p:spTree>
+      <p:nvGrpSpPr>
+        <p:cNvPr id="1" name=""/>
+        <p:cNvGrpSpPr/>
+        <p:nvPr/>
+      </p:nvGrpSpPr>
+      <p:grpSpPr>
+        <a:xfrm>
+          <a:off x="0" y="0"/>
+          <a:ext cx="0" cy="0"/>
+          <a:chOff x="0" y="0"/>
+          <a:chExt cx="0" cy="0"/>
+        </a:xfrm>
+      </p:grpSpPr>
+      <p:sp>
+        <p:nvSpPr>
+          <p:cNvPr id="2" name="スライド イメージ プレースホルダー 1"/>
+          <p:cNvSpPr>
+            <a:spLocks noGrp="1" noRot="1" noChangeAspect="1"/>
+          </p:cNvSpPr>
+          <p:nvPr>
+            <p:ph type="sldImg"/>
+          </p:nvPr>
+        </p:nvSpPr>
+        <p:spPr/>
+      </p:sp>
+      <p:sp>
+        <p:nvSpPr>
+          <p:cNvPr id="3" name="ノート プレースホルダー 2"/>
+          <p:cNvSpPr>
+            <a:spLocks noGrp="1"/>
+          </p:cNvSpPr>
+          <p:nvPr>
+            <p:ph type="body" idx="1"/>
+          </p:nvPr>
+        </p:nvSpPr>
+        <p:spPr/>
+        <p:txBody>
+          <a:bodyPr/>
+          <a:lstStyle/>
+          <a:p>
+            <a:r>
+              <a:rPr kumimoji="1" lang="ja-JP" altLang="en-US" dirty="0"/>
+              <a:t>こちらがメイン画面になります。</a:t>
+            </a:r>
+            <a:endParaRPr kumimoji="1" lang="en-US" altLang="ja-JP" dirty="0"/>
+          </a:p>
+          <a:p>
+            <a:r>
+              <a:rPr kumimoji="1" lang="ja-JP" altLang="en-US" dirty="0"/>
+              <a:t>メイン画面に移るとこんな感じで表示されます。</a:t>
+            </a:r>
+            <a:endParaRPr kumimoji="1" lang="en-US" altLang="ja-JP" dirty="0"/>
+          </a:p>
+          <a:p>
+            <a:r>
+              <a:rPr kumimoji="1" lang="ja-JP" altLang="en-US" dirty="0"/>
+              <a:t>店舗項目から店舗を選択することで、各店舗ごとの今月の売上目標と</a:t>
+            </a:r>
+            <a:r>
+              <a:rPr kumimoji="1" lang="en-US" altLang="ja-JP" dirty="0"/>
+              <a:t>1</a:t>
+            </a:r>
+            <a:r>
+              <a:rPr kumimoji="1" lang="ja-JP" altLang="en-US" dirty="0"/>
+              <a:t>日の売上目標、今月の売上額が表示されます。</a:t>
+            </a:r>
+            <a:endParaRPr kumimoji="1" lang="en-US" altLang="ja-JP" dirty="0"/>
+          </a:p>
+          <a:p>
+            <a:endParaRPr kumimoji="1" lang="en-US" altLang="ja-JP" dirty="0"/>
+          </a:p>
+          <a:p>
+            <a:r>
+              <a:rPr kumimoji="1" lang="ja-JP" altLang="en-US" dirty="0"/>
+              <a:t>日付、売上金額の青い部分に、今日の日付と売上金額を入力して登録ボタンをクリックすると</a:t>
+            </a:r>
+            <a:endParaRPr kumimoji="1" lang="en-US" altLang="ja-JP" dirty="0"/>
+          </a:p>
+          <a:p>
+            <a:r>
+              <a:rPr kumimoji="1" lang="ja-JP" altLang="en-US" dirty="0"/>
+              <a:t>データベースにデータが記録され、そこから自動計算されて</a:t>
+            </a:r>
+            <a:r>
+              <a:rPr kumimoji="1" lang="en-US" altLang="ja-JP" dirty="0"/>
+              <a:t>1</a:t>
+            </a:r>
+            <a:r>
+              <a:rPr kumimoji="1" lang="ja-JP" altLang="en-US" dirty="0"/>
+              <a:t>日の売上目標が変動します。</a:t>
+            </a:r>
+            <a:endParaRPr kumimoji="1" lang="en-US" altLang="ja-JP" dirty="0"/>
+          </a:p>
+          <a:p>
+            <a:endParaRPr kumimoji="1" lang="en-US" altLang="ja-JP" dirty="0"/>
+          </a:p>
+          <a:p>
+            <a:r>
+              <a:rPr kumimoji="1" lang="ja-JP" altLang="en-US" dirty="0"/>
+              <a:t>各行の選択欄をチェックして削除ボタンをクリックすると、指定された行が削除されます。</a:t>
+            </a:r>
+            <a:endParaRPr kumimoji="1" lang="en-US" altLang="ja-JP" dirty="0"/>
+          </a:p>
+          <a:p>
+            <a:endParaRPr kumimoji="1" lang="en-US" altLang="ja-JP" dirty="0"/>
+          </a:p>
+          <a:p>
+            <a:r>
+              <a:rPr kumimoji="1" lang="ja-JP" altLang="en-US" dirty="0"/>
+              <a:t>設定ボタンをクリックすると、設定画面が表示されます。</a:t>
+            </a:r>
+            <a:endParaRPr kumimoji="1" lang="en-US" altLang="ja-JP" dirty="0"/>
+          </a:p>
+          <a:p>
+            <a:endParaRPr kumimoji="1" lang="en-US" altLang="ja-JP" dirty="0"/>
+          </a:p>
+          <a:p>
+            <a:endParaRPr kumimoji="1" lang="ja-JP" altLang="en-US" dirty="0"/>
+          </a:p>
+        </p:txBody>
+      </p:sp>
+      <p:sp>
+        <p:nvSpPr>
+          <p:cNvPr id="4" name="スライド番号プレースホルダー 3"/>
+          <p:cNvSpPr>
+            <a:spLocks noGrp="1"/>
+          </p:cNvSpPr>
+          <p:nvPr>
+            <p:ph type="sldNum" sz="quarter" idx="5"/>
+          </p:nvPr>
+        </p:nvSpPr>
+        <p:spPr/>
+        <p:txBody>
+          <a:bodyPr/>
+          <a:lstStyle/>
+          <a:p>
+            <a:fld id="{A5242644-000B-428D-938E-DC5A56A37292}" type="slidenum">
+              <a:rPr kumimoji="1" lang="ja-JP" altLang="en-US" smtClean="0"/>
+              <a:t>6</a:t>
+            </a:fld>
+            <a:endParaRPr kumimoji="1" lang="ja-JP" altLang="en-US"/>
+          </a:p>
+        </p:txBody>
+      </p:sp>
+    </p:spTree>
+    <p:extLst>
+      <p:ext uri="{BB962C8B-B14F-4D97-AF65-F5344CB8AC3E}">
+        <p14:creationId xmlns:p14="http://schemas.microsoft.com/office/powerpoint/2010/main" val="336218278"/>
+      </p:ext>
+    </p:extLst>
+  </p:cSld>
+  <p:clrMapOvr>
+    <a:masterClrMapping/>
+  </p:clrMapOvr>
+</p:notes>
+</file>
+
+<file path=ppt/notesSlides/notesSlide7.xml><?xml version="1.0" encoding="utf-8"?>
+<p:notes xmlns:a="http://schemas.openxmlformats.org/drawingml/2006/main" xmlns:r="http://schemas.openxmlformats.org/officeDocument/2006/relationships" xmlns:p="http://schemas.openxmlformats.org/presentationml/2006/main">
+  <p:cSld>
+    <p:spTree>
+      <p:nvGrpSpPr>
+        <p:cNvPr id="1" name=""/>
+        <p:cNvGrpSpPr/>
+        <p:nvPr/>
+      </p:nvGrpSpPr>
+      <p:grpSpPr>
+        <a:xfrm>
+          <a:off x="0" y="0"/>
+          <a:ext cx="0" cy="0"/>
+          <a:chOff x="0" y="0"/>
+          <a:chExt cx="0" cy="0"/>
+        </a:xfrm>
+      </p:grpSpPr>
+      <p:sp>
+        <p:nvSpPr>
+          <p:cNvPr id="2" name="スライド イメージ プレースホルダー 1"/>
+          <p:cNvSpPr>
+            <a:spLocks noGrp="1" noRot="1" noChangeAspect="1"/>
+          </p:cNvSpPr>
+          <p:nvPr>
+            <p:ph type="sldImg"/>
+          </p:nvPr>
+        </p:nvSpPr>
+        <p:spPr/>
+      </p:sp>
+      <p:sp>
+        <p:nvSpPr>
+          <p:cNvPr id="3" name="ノート プレースホルダー 2"/>
+          <p:cNvSpPr>
+            <a:spLocks noGrp="1"/>
+          </p:cNvSpPr>
+          <p:nvPr>
+            <p:ph type="body" idx="1"/>
+          </p:nvPr>
+        </p:nvSpPr>
+        <p:spPr/>
+        <p:txBody>
+          <a:bodyPr/>
+          <a:lstStyle/>
+          <a:p>
+            <a:r>
+              <a:rPr kumimoji="1" lang="ja-JP" altLang="en-US" dirty="0"/>
+              <a:t>こちらが設定画面です。</a:t>
+            </a:r>
+            <a:endParaRPr kumimoji="1" lang="en-US" altLang="ja-JP" dirty="0"/>
+          </a:p>
+          <a:p>
+            <a:endParaRPr kumimoji="1" lang="en-US" altLang="ja-JP" dirty="0"/>
+          </a:p>
+          <a:p>
+            <a:r>
+              <a:rPr kumimoji="1" lang="ja-JP" altLang="en-US" dirty="0"/>
+              <a:t>店舗と月を選択して、売上目標を入力して、登録ボタンをクリックすることで</a:t>
+            </a:r>
+            <a:endParaRPr kumimoji="1" lang="en-US" altLang="ja-JP" dirty="0"/>
+          </a:p>
+          <a:p>
+            <a:r>
+              <a:rPr kumimoji="1" lang="ja-JP" altLang="en-US" dirty="0"/>
+              <a:t>データベースにデータが管理されます。</a:t>
+            </a:r>
+            <a:endParaRPr kumimoji="1" lang="en-US" altLang="ja-JP" dirty="0"/>
+          </a:p>
+        </p:txBody>
+      </p:sp>
+      <p:sp>
+        <p:nvSpPr>
+          <p:cNvPr id="4" name="スライド番号プレースホルダー 3"/>
+          <p:cNvSpPr>
+            <a:spLocks noGrp="1"/>
+          </p:cNvSpPr>
+          <p:nvPr>
+            <p:ph type="sldNum" sz="quarter" idx="5"/>
+          </p:nvPr>
+        </p:nvSpPr>
+        <p:spPr/>
+        <p:txBody>
+          <a:bodyPr/>
+          <a:lstStyle/>
+          <a:p>
+            <a:fld id="{A5242644-000B-428D-938E-DC5A56A37292}" type="slidenum">
+              <a:rPr kumimoji="1" lang="ja-JP" altLang="en-US" smtClean="0"/>
+              <a:t>7</a:t>
+            </a:fld>
+            <a:endParaRPr kumimoji="1" lang="ja-JP" altLang="en-US"/>
+          </a:p>
+        </p:txBody>
+      </p:sp>
+    </p:spTree>
+    <p:extLst>
+      <p:ext uri="{BB962C8B-B14F-4D97-AF65-F5344CB8AC3E}">
+        <p14:creationId xmlns:p14="http://schemas.microsoft.com/office/powerpoint/2010/main" val="2885997594"/>
+      </p:ext>
+    </p:extLst>
+  </p:cSld>
+  <p:clrMapOvr>
+    <a:masterClrMapping/>
+  </p:clrMapOvr>
+</p:notes>
+</file>
+
+<file path=ppt/notesSlides/notesSlide8.xml><?xml version="1.0" encoding="utf-8"?>
+<p:notes xmlns:a="http://schemas.openxmlformats.org/drawingml/2006/main" xmlns:r="http://schemas.openxmlformats.org/officeDocument/2006/relationships" xmlns:p="http://schemas.openxmlformats.org/presentationml/2006/main">
+  <p:cSld>
+    <p:spTree>
+      <p:nvGrpSpPr>
+        <p:cNvPr id="1" name=""/>
+        <p:cNvGrpSpPr/>
+        <p:nvPr/>
+      </p:nvGrpSpPr>
+      <p:grpSpPr>
+        <a:xfrm>
+          <a:off x="0" y="0"/>
+          <a:ext cx="0" cy="0"/>
+          <a:chOff x="0" y="0"/>
+          <a:chExt cx="0" cy="0"/>
+        </a:xfrm>
+      </p:grpSpPr>
+      <p:sp>
+        <p:nvSpPr>
+          <p:cNvPr id="2" name="スライド イメージ プレースホルダー 1"/>
+          <p:cNvSpPr>
+            <a:spLocks noGrp="1" noRot="1" noChangeAspect="1"/>
+          </p:cNvSpPr>
+          <p:nvPr>
+            <p:ph type="sldImg"/>
+          </p:nvPr>
+        </p:nvSpPr>
+        <p:spPr/>
+      </p:sp>
+      <p:sp>
+        <p:nvSpPr>
+          <p:cNvPr id="3" name="ノート プレースホルダー 2"/>
+          <p:cNvSpPr>
+            <a:spLocks noGrp="1"/>
+          </p:cNvSpPr>
+          <p:nvPr>
+            <p:ph type="body" idx="1"/>
+          </p:nvPr>
+        </p:nvSpPr>
+        <p:spPr/>
+        <p:txBody>
+          <a:bodyPr/>
+          <a:lstStyle/>
+          <a:p>
+            <a:endParaRPr kumimoji="1" lang="ja-JP" altLang="en-US" dirty="0"/>
+          </a:p>
+        </p:txBody>
+      </p:sp>
+      <p:sp>
+        <p:nvSpPr>
+          <p:cNvPr id="4" name="スライド番号プレースホルダー 3"/>
+          <p:cNvSpPr>
+            <a:spLocks noGrp="1"/>
+          </p:cNvSpPr>
+          <p:nvPr>
+            <p:ph type="sldNum" sz="quarter" idx="5"/>
+          </p:nvPr>
+        </p:nvSpPr>
+        <p:spPr/>
+        <p:txBody>
+          <a:bodyPr/>
+          <a:lstStyle/>
+          <a:p>
+            <a:fld id="{A5242644-000B-428D-938E-DC5A56A37292}" type="slidenum">
+              <a:rPr kumimoji="1" lang="ja-JP" altLang="en-US" smtClean="0"/>
+              <a:t>8</a:t>
+            </a:fld>
+            <a:endParaRPr kumimoji="1" lang="ja-JP" altLang="en-US"/>
+          </a:p>
+        </p:txBody>
+      </p:sp>
+    </p:spTree>
+    <p:extLst>
+      <p:ext uri="{BB962C8B-B14F-4D97-AF65-F5344CB8AC3E}">
+        <p14:creationId xmlns:p14="http://schemas.microsoft.com/office/powerpoint/2010/main" val="4017356410"/>
+      </p:ext>
+    </p:extLst>
+  </p:cSld>
+  <p:clrMapOvr>
+    <a:masterClrMapping/>
+  </p:clrMapOvr>
+</p:notes>
+</file>
+
 <file path=ppt/slideLayouts/slideLayout1.xml><?xml version="1.0" encoding="utf-8"?>
 <p:sldLayout xmlns:a="http://schemas.openxmlformats.org/drawingml/2006/main" xmlns:r="http://schemas.openxmlformats.org/officeDocument/2006/relationships" xmlns:p="http://schemas.openxmlformats.org/presentationml/2006/main" type="title" preserve="1">
   <p:cSld name="タイトル スライド">
@@ -267,7 +1614,7 @@
           <a:p>
             <a:fld id="{C7088D3D-165A-46EA-B7B0-B1C3789A41AB}" type="datetimeFigureOut">
               <a:rPr kumimoji="1" lang="ja-JP" altLang="en-US" smtClean="0"/>
-              <a:t>2024/7/11</a:t>
+              <a:t>2024/7/16</a:t>
             </a:fld>
             <a:endParaRPr kumimoji="1" lang="ja-JP" altLang="en-US"/>
           </a:p>
@@ -497,7 +1844,7 @@
           <a:p>
             <a:fld id="{C7088D3D-165A-46EA-B7B0-B1C3789A41AB}" type="datetimeFigureOut">
               <a:rPr kumimoji="1" lang="ja-JP" altLang="en-US" smtClean="0"/>
-              <a:t>2024/7/11</a:t>
+              <a:t>2024/7/16</a:t>
             </a:fld>
             <a:endParaRPr kumimoji="1" lang="ja-JP" altLang="en-US"/>
           </a:p>
@@ -737,7 +2084,7 @@
           <a:p>
             <a:fld id="{C7088D3D-165A-46EA-B7B0-B1C3789A41AB}" type="datetimeFigureOut">
               <a:rPr kumimoji="1" lang="ja-JP" altLang="en-US" smtClean="0"/>
-              <a:t>2024/7/11</a:t>
+              <a:t>2024/7/16</a:t>
             </a:fld>
             <a:endParaRPr kumimoji="1" lang="ja-JP" altLang="en-US"/>
           </a:p>
@@ -967,7 +2314,7 @@
           <a:p>
             <a:fld id="{C7088D3D-165A-46EA-B7B0-B1C3789A41AB}" type="datetimeFigureOut">
               <a:rPr kumimoji="1" lang="ja-JP" altLang="en-US" smtClean="0"/>
-              <a:t>2024/7/11</a:t>
+              <a:t>2024/7/16</a:t>
             </a:fld>
             <a:endParaRPr kumimoji="1" lang="ja-JP" altLang="en-US"/>
           </a:p>
@@ -1242,7 +2589,7 @@
           <a:p>
             <a:fld id="{C7088D3D-165A-46EA-B7B0-B1C3789A41AB}" type="datetimeFigureOut">
               <a:rPr kumimoji="1" lang="ja-JP" altLang="en-US" smtClean="0"/>
-              <a:t>2024/7/11</a:t>
+              <a:t>2024/7/16</a:t>
             </a:fld>
             <a:endParaRPr kumimoji="1" lang="ja-JP" altLang="en-US"/>
           </a:p>
@@ -1571,7 +2918,7 @@
           <a:p>
             <a:fld id="{C7088D3D-165A-46EA-B7B0-B1C3789A41AB}" type="datetimeFigureOut">
               <a:rPr kumimoji="1" lang="ja-JP" altLang="en-US" smtClean="0"/>
-              <a:t>2024/7/11</a:t>
+              <a:t>2024/7/16</a:t>
             </a:fld>
             <a:endParaRPr kumimoji="1" lang="ja-JP" altLang="en-US"/>
           </a:p>
@@ -2047,7 +3394,7 @@
           <a:p>
             <a:fld id="{C7088D3D-165A-46EA-B7B0-B1C3789A41AB}" type="datetimeFigureOut">
               <a:rPr kumimoji="1" lang="ja-JP" altLang="en-US" smtClean="0"/>
-              <a:t>2024/7/11</a:t>
+              <a:t>2024/7/16</a:t>
             </a:fld>
             <a:endParaRPr kumimoji="1" lang="ja-JP" altLang="en-US"/>
           </a:p>
@@ -2188,7 +3535,7 @@
           <a:p>
             <a:fld id="{C7088D3D-165A-46EA-B7B0-B1C3789A41AB}" type="datetimeFigureOut">
               <a:rPr kumimoji="1" lang="ja-JP" altLang="en-US" smtClean="0"/>
-              <a:t>2024/7/11</a:t>
+              <a:t>2024/7/16</a:t>
             </a:fld>
             <a:endParaRPr kumimoji="1" lang="ja-JP" altLang="en-US"/>
           </a:p>
@@ -2301,7 +3648,7 @@
           <a:p>
             <a:fld id="{C7088D3D-165A-46EA-B7B0-B1C3789A41AB}" type="datetimeFigureOut">
               <a:rPr kumimoji="1" lang="ja-JP" altLang="en-US" smtClean="0"/>
-              <a:t>2024/7/11</a:t>
+              <a:t>2024/7/16</a:t>
             </a:fld>
             <a:endParaRPr kumimoji="1" lang="ja-JP" altLang="en-US"/>
           </a:p>
@@ -2644,7 +3991,7 @@
           <a:p>
             <a:fld id="{C7088D3D-165A-46EA-B7B0-B1C3789A41AB}" type="datetimeFigureOut">
               <a:rPr kumimoji="1" lang="ja-JP" altLang="en-US" smtClean="0"/>
-              <a:t>2024/7/11</a:t>
+              <a:t>2024/7/16</a:t>
             </a:fld>
             <a:endParaRPr kumimoji="1" lang="ja-JP" altLang="en-US"/>
           </a:p>
@@ -2932,7 +4279,7 @@
           <a:p>
             <a:fld id="{C7088D3D-165A-46EA-B7B0-B1C3789A41AB}" type="datetimeFigureOut">
               <a:rPr kumimoji="1" lang="ja-JP" altLang="en-US" smtClean="0"/>
-              <a:t>2024/7/11</a:t>
+              <a:t>2024/7/16</a:t>
             </a:fld>
             <a:endParaRPr kumimoji="1" lang="ja-JP" altLang="en-US"/>
           </a:p>
@@ -3205,7 +4552,7 @@
           <a:p>
             <a:fld id="{C7088D3D-165A-46EA-B7B0-B1C3789A41AB}" type="datetimeFigureOut">
               <a:rPr kumimoji="1" lang="ja-JP" altLang="en-US" smtClean="0"/>
-              <a:t>2024/7/11</a:t>
+              <a:t>2024/7/16</a:t>
             </a:fld>
             <a:endParaRPr kumimoji="1" lang="ja-JP" altLang="en-US"/>
           </a:p>
@@ -3986,7 +5333,7 @@
           </p:nvPr>
         </p:nvPicPr>
         <p:blipFill>
-          <a:blip r:embed="rId2">
+          <a:blip r:embed="rId3">
             <a:extLst>
               <a:ext uri="{28A0092B-C50C-407E-A947-70E740481C1C}">
                 <a14:useLocalDpi xmlns:a14="http://schemas.microsoft.com/office/drawing/2010/main" val="0"/>
@@ -4111,7 +5458,7 @@
           </p:nvPr>
         </p:nvPicPr>
         <p:blipFill>
-          <a:blip r:embed="rId2">
+          <a:blip r:embed="rId3">
             <a:extLst>
               <a:ext uri="{28A0092B-C50C-407E-A947-70E740481C1C}">
                 <a14:useLocalDpi xmlns:a14="http://schemas.microsoft.com/office/drawing/2010/main" val="0"/>
@@ -4204,7 +5551,7 @@
           </p:nvPr>
         </p:nvPicPr>
         <p:blipFill>
-          <a:blip r:embed="rId2">
+          <a:blip r:embed="rId3">
             <a:extLst>
               <a:ext uri="{28A0092B-C50C-407E-A947-70E740481C1C}">
                 <a14:useLocalDpi xmlns:a14="http://schemas.microsoft.com/office/drawing/2010/main" val="0"/>
@@ -4305,7 +5652,7 @@
           </p:nvPr>
         </p:nvPicPr>
         <p:blipFill>
-          <a:blip r:embed="rId2">
+          <a:blip r:embed="rId3">
             <a:extLst>
               <a:ext uri="{28A0092B-C50C-407E-A947-70E740481C1C}">
                 <a14:useLocalDpi xmlns:a14="http://schemas.microsoft.com/office/drawing/2010/main" val="0"/>
@@ -4410,7 +5757,7 @@
           </p:nvPr>
         </p:nvPicPr>
         <p:blipFill>
-          <a:blip r:embed="rId2">
+          <a:blip r:embed="rId3">
             <a:extLst>
               <a:ext uri="{28A0092B-C50C-407E-A947-70E740481C1C}">
                 <a14:useLocalDpi xmlns:a14="http://schemas.microsoft.com/office/drawing/2010/main" val="0"/>
@@ -4817,4 +6164,299 @@
     </a:ext>
   </a:extLst>
 </a:theme>
+</file>
+
+<file path=ppt/theme/theme2.xml><?xml version="1.0" encoding="utf-8"?>
+<a:theme xmlns:a="http://schemas.openxmlformats.org/drawingml/2006/main" name="Office テーマ">
+  <a:themeElements>
+    <a:clrScheme name="Office">
+      <a:dk1>
+        <a:sysClr val="windowText" lastClr="000000"/>
+      </a:dk1>
+      <a:lt1>
+        <a:sysClr val="window" lastClr="FFFFFF"/>
+      </a:lt1>
+      <a:dk2>
+        <a:srgbClr val="44546A"/>
+      </a:dk2>
+      <a:lt2>
+        <a:srgbClr val="E7E6E6"/>
+      </a:lt2>
+      <a:accent1>
+        <a:srgbClr val="4472C4"/>
+      </a:accent1>
+      <a:accent2>
+        <a:srgbClr val="ED7D31"/>
+      </a:accent2>
+      <a:accent3>
+        <a:srgbClr val="A5A5A5"/>
+      </a:accent3>
+      <a:accent4>
+        <a:srgbClr val="FFC000"/>
+      </a:accent4>
+      <a:accent5>
+        <a:srgbClr val="5B9BD5"/>
+      </a:accent5>
+      <a:accent6>
+        <a:srgbClr val="70AD47"/>
+      </a:accent6>
+      <a:hlink>
+        <a:srgbClr val="0563C1"/>
+      </a:hlink>
+      <a:folHlink>
+        <a:srgbClr val="954F72"/>
+      </a:folHlink>
+    </a:clrScheme>
+    <a:fontScheme name="Office">
+      <a:majorFont>
+        <a:latin typeface="游ゴシック Light" panose="020F0302020204030204"/>
+        <a:ea typeface=""/>
+        <a:cs typeface=""/>
+        <a:font script="Jpan" typeface="游ゴシック Light"/>
+        <a:font script="Hang" typeface="맑은 고딕"/>
+        <a:font script="Hans" typeface="等线 Light"/>
+        <a:font script="Hant" typeface="新細明體"/>
+        <a:font script="Arab" typeface="Times New Roman"/>
+        <a:font script="Hebr" typeface="Times New Roman"/>
+        <a:font script="Thai" typeface="Angsana New"/>
+        <a:font script="Ethi" typeface="Nyala"/>
+        <a:font script="Beng" typeface="Vrinda"/>
+        <a:font script="Gujr" typeface="Shruti"/>
+        <a:font script="Khmr" typeface="MoolBoran"/>
+        <a:font script="Knda" typeface="Tunga"/>
+        <a:font script="Guru" typeface="Raavi"/>
+        <a:font script="Cans" typeface="Euphemia"/>
+        <a:font script="Cher" typeface="Plantagenet Cherokee"/>
+        <a:font script="Yiii" typeface="Microsoft Yi Baiti"/>
+        <a:font script="Tibt" typeface="Microsoft Himalaya"/>
+        <a:font script="Thaa" typeface="MV Boli"/>
+        <a:font script="Deva" typeface="Mangal"/>
+        <a:font script="Telu" typeface="Gautami"/>
+        <a:font script="Taml" typeface="Latha"/>
+        <a:font script="Syrc" typeface="Estrangelo Edessa"/>
+        <a:font script="Orya" typeface="Kalinga"/>
+        <a:font script="Mlym" typeface="Kartika"/>
+        <a:font script="Laoo" typeface="DokChampa"/>
+        <a:font script="Sinh" typeface="Iskoola Pota"/>
+        <a:font script="Mong" typeface="Mongolian Baiti"/>
+        <a:font script="Viet" typeface="Times New Roman"/>
+        <a:font script="Uigh" typeface="Microsoft Uighur"/>
+        <a:font script="Geor" typeface="Sylfaen"/>
+        <a:font script="Armn" typeface="Arial"/>
+        <a:font script="Bugi" typeface="Leelawadee UI"/>
+        <a:font script="Bopo" typeface="Microsoft JhengHei"/>
+        <a:font script="Java" typeface="Javanese Text"/>
+        <a:font script="Lisu" typeface="Segoe UI"/>
+        <a:font script="Mymr" typeface="Myanmar Text"/>
+        <a:font script="Nkoo" typeface="Ebrima"/>
+        <a:font script="Olck" typeface="Nirmala UI"/>
+        <a:font script="Osma" typeface="Ebrima"/>
+        <a:font script="Phag" typeface="Phagspa"/>
+        <a:font script="Syrn" typeface="Estrangelo Edessa"/>
+        <a:font script="Syrj" typeface="Estrangelo Edessa"/>
+        <a:font script="Syre" typeface="Estrangelo Edessa"/>
+        <a:font script="Sora" typeface="Nirmala UI"/>
+        <a:font script="Tale" typeface="Microsoft Tai Le"/>
+        <a:font script="Talu" typeface="Microsoft New Tai Lue"/>
+        <a:font script="Tfng" typeface="Ebrima"/>
+      </a:majorFont>
+      <a:minorFont>
+        <a:latin typeface="游ゴシック" panose="020F0502020204030204"/>
+        <a:ea typeface=""/>
+        <a:cs typeface=""/>
+        <a:font script="Jpan" typeface="游ゴシック"/>
+        <a:font script="Hang" typeface="맑은 고딕"/>
+        <a:font script="Hans" typeface="等线"/>
+        <a:font script="Hant" typeface="新細明體"/>
+        <a:font script="Arab" typeface="Arial"/>
+        <a:font script="Hebr" typeface="Arial"/>
+        <a:font script="Thai" typeface="Cordia New"/>
+        <a:font script="Ethi" typeface="Nyala"/>
+        <a:font script="Beng" typeface="Vrinda"/>
+        <a:font script="Gujr" typeface="Shruti"/>
+        <a:font script="Khmr" typeface="DaunPenh"/>
+        <a:font script="Knda" typeface="Tunga"/>
+        <a:font script="Guru" typeface="Raavi"/>
+        <a:font script="Cans" typeface="Euphemia"/>
+        <a:font script="Cher" typeface="Plantagenet Cherokee"/>
+        <a:font script="Yiii" typeface="Microsoft Yi Baiti"/>
+        <a:font script="Tibt" typeface="Microsoft Himalaya"/>
+        <a:font script="Thaa" typeface="MV Boli"/>
+        <a:font script="Deva" typeface="Mangal"/>
+        <a:font script="Telu" typeface="Gautami"/>
+        <a:font script="Taml" typeface="Latha"/>
+        <a:font script="Syrc" typeface="Estrangelo Edessa"/>
+        <a:font script="Orya" typeface="Kalinga"/>
+        <a:font script="Mlym" typeface="Kartika"/>
+        <a:font script="Laoo" typeface="DokChampa"/>
+        <a:font script="Sinh" typeface="Iskoola Pota"/>
+        <a:font script="Mong" typeface="Mongolian Baiti"/>
+        <a:font script="Viet" typeface="Arial"/>
+        <a:font script="Uigh" typeface="Microsoft Uighur"/>
+        <a:font script="Geor" typeface="Sylfaen"/>
+        <a:font script="Armn" typeface="Arial"/>
+        <a:font script="Bugi" typeface="Leelawadee UI"/>
+        <a:font script="Bopo" typeface="Microsoft JhengHei"/>
+        <a:font script="Java" typeface="Javanese Text"/>
+        <a:font script="Lisu" typeface="Segoe UI"/>
+        <a:font script="Mymr" typeface="Myanmar Text"/>
+        <a:font script="Nkoo" typeface="Ebrima"/>
+        <a:font script="Olck" typeface="Nirmala UI"/>
+        <a:font script="Osma" typeface="Ebrima"/>
+        <a:font script="Phag" typeface="Phagspa"/>
+        <a:font script="Syrn" typeface="Estrangelo Edessa"/>
+        <a:font script="Syrj" typeface="Estrangelo Edessa"/>
+        <a:font script="Syre" typeface="Estrangelo Edessa"/>
+        <a:font script="Sora" typeface="Nirmala UI"/>
+        <a:font script="Tale" typeface="Microsoft Tai Le"/>
+        <a:font script="Talu" typeface="Microsoft New Tai Lue"/>
+        <a:font script="Tfng" typeface="Ebrima"/>
+      </a:minorFont>
+    </a:fontScheme>
+    <a:fmtScheme name="Office">
+      <a:fillStyleLst>
+        <a:solidFill>
+          <a:schemeClr val="phClr"/>
+        </a:solidFill>
+        <a:gradFill rotWithShape="1">
+          <a:gsLst>
+            <a:gs pos="0">
+              <a:schemeClr val="phClr">
+                <a:lumMod val="110000"/>
+                <a:satMod val="105000"/>
+                <a:tint val="67000"/>
+              </a:schemeClr>
+            </a:gs>
+            <a:gs pos="50000">
+              <a:schemeClr val="phClr">
+                <a:lumMod val="105000"/>
+                <a:satMod val="103000"/>
+                <a:tint val="73000"/>
+              </a:schemeClr>
+            </a:gs>
+            <a:gs pos="100000">
+              <a:schemeClr val="phClr">
+                <a:lumMod val="105000"/>
+                <a:satMod val="109000"/>
+                <a:tint val="81000"/>
+              </a:schemeClr>
+            </a:gs>
+          </a:gsLst>
+          <a:lin ang="5400000" scaled="0"/>
+        </a:gradFill>
+        <a:gradFill rotWithShape="1">
+          <a:gsLst>
+            <a:gs pos="0">
+              <a:schemeClr val="phClr">
+                <a:satMod val="103000"/>
+                <a:lumMod val="102000"/>
+                <a:tint val="94000"/>
+              </a:schemeClr>
+            </a:gs>
+            <a:gs pos="50000">
+              <a:schemeClr val="phClr">
+                <a:satMod val="110000"/>
+                <a:lumMod val="100000"/>
+                <a:shade val="100000"/>
+              </a:schemeClr>
+            </a:gs>
+            <a:gs pos="100000">
+              <a:schemeClr val="phClr">
+                <a:lumMod val="99000"/>
+                <a:satMod val="120000"/>
+                <a:shade val="78000"/>
+              </a:schemeClr>
+            </a:gs>
+          </a:gsLst>
+          <a:lin ang="5400000" scaled="0"/>
+        </a:gradFill>
+      </a:fillStyleLst>
+      <a:lnStyleLst>
+        <a:ln w="6350" cap="flat" cmpd="sng" algn="ctr">
+          <a:solidFill>
+            <a:schemeClr val="phClr"/>
+          </a:solidFill>
+          <a:prstDash val="solid"/>
+          <a:miter lim="800000"/>
+        </a:ln>
+        <a:ln w="12700" cap="flat" cmpd="sng" algn="ctr">
+          <a:solidFill>
+            <a:schemeClr val="phClr"/>
+          </a:solidFill>
+          <a:prstDash val="solid"/>
+          <a:miter lim="800000"/>
+        </a:ln>
+        <a:ln w="19050" cap="flat" cmpd="sng" algn="ctr">
+          <a:solidFill>
+            <a:schemeClr val="phClr"/>
+          </a:solidFill>
+          <a:prstDash val="solid"/>
+          <a:miter lim="800000"/>
+        </a:ln>
+      </a:lnStyleLst>
+      <a:effectStyleLst>
+        <a:effectStyle>
+          <a:effectLst/>
+        </a:effectStyle>
+        <a:effectStyle>
+          <a:effectLst/>
+        </a:effectStyle>
+        <a:effectStyle>
+          <a:effectLst>
+            <a:outerShdw blurRad="57150" dist="19050" dir="5400000" algn="ctr" rotWithShape="0">
+              <a:srgbClr val="000000">
+                <a:alpha val="63000"/>
+              </a:srgbClr>
+            </a:outerShdw>
+          </a:effectLst>
+        </a:effectStyle>
+      </a:effectStyleLst>
+      <a:bgFillStyleLst>
+        <a:solidFill>
+          <a:schemeClr val="phClr"/>
+        </a:solidFill>
+        <a:solidFill>
+          <a:schemeClr val="phClr">
+            <a:tint val="95000"/>
+            <a:satMod val="170000"/>
+          </a:schemeClr>
+        </a:solidFill>
+        <a:gradFill rotWithShape="1">
+          <a:gsLst>
+            <a:gs pos="0">
+              <a:schemeClr val="phClr">
+                <a:tint val="93000"/>
+                <a:satMod val="150000"/>
+                <a:shade val="98000"/>
+                <a:lumMod val="102000"/>
+              </a:schemeClr>
+            </a:gs>
+            <a:gs pos="50000">
+              <a:schemeClr val="phClr">
+                <a:tint val="98000"/>
+                <a:satMod val="130000"/>
+                <a:shade val="90000"/>
+                <a:lumMod val="103000"/>
+              </a:schemeClr>
+            </a:gs>
+            <a:gs pos="100000">
+              <a:schemeClr val="phClr">
+                <a:shade val="63000"/>
+                <a:satMod val="120000"/>
+              </a:schemeClr>
+            </a:gs>
+          </a:gsLst>
+          <a:lin ang="5400000" scaled="0"/>
+        </a:gradFill>
+      </a:bgFillStyleLst>
+    </a:fmtScheme>
+  </a:themeElements>
+  <a:objectDefaults/>
+  <a:extraClrSchemeLst/>
+  <a:extLst>
+    <a:ext uri="{05A4C25C-085E-4340-85A3-A5531E510DB2}">
+      <thm15:themeFamily xmlns:thm15="http://schemas.microsoft.com/office/thememl/2012/main" name="Office Theme" id="{62F939B6-93AF-4DB8-9C6B-D6C7DFDC589F}" vid="{4A3C46E8-61CC-4603-A589-7422A47A8E4A}"/>
+    </a:ext>
+  </a:extLst>
+</a:theme>
 </file>
--- a/プレゼン資料/Webアプリ開発発表資料.pptx
+++ b/プレゼン資料/Webアプリ開発発表資料.pptx
@@ -9,14 +9,14 @@
   </p:notesMasterIdLst>
   <p:sldIdLst>
     <p:sldId id="256" r:id="rId2"/>
-    <p:sldId id="257" r:id="rId3"/>
-    <p:sldId id="267" r:id="rId4"/>
-    <p:sldId id="258" r:id="rId5"/>
-    <p:sldId id="260" r:id="rId6"/>
-    <p:sldId id="264" r:id="rId7"/>
-    <p:sldId id="265" r:id="rId8"/>
-    <p:sldId id="261" r:id="rId9"/>
-    <p:sldId id="268" r:id="rId10"/>
+    <p:sldId id="269" r:id="rId3"/>
+    <p:sldId id="257" r:id="rId4"/>
+    <p:sldId id="267" r:id="rId5"/>
+    <p:sldId id="258" r:id="rId6"/>
+    <p:sldId id="260" r:id="rId7"/>
+    <p:sldId id="261" r:id="rId8"/>
+    <p:sldId id="268" r:id="rId9"/>
+    <p:sldId id="270" r:id="rId10"/>
   </p:sldIdLst>
   <p:sldSz cx="12192000" cy="6858000"/>
   <p:notesSz cx="6858000" cy="9144000"/>
@@ -217,7 +217,7 @@
           <a:p>
             <a:fld id="{1948D64E-5151-4DBE-B175-EE677850562F}" type="datetimeFigureOut">
               <a:rPr kumimoji="1" lang="ja-JP" altLang="en-US" smtClean="0"/>
-              <a:t>2024/7/16</a:t>
+              <a:t>2024/8/1</a:t>
             </a:fld>
             <a:endParaRPr kumimoji="1" lang="ja-JP" altLang="en-US"/>
           </a:p>
@@ -588,26 +588,6 @@
             </a:r>
             <a:endParaRPr kumimoji="1" lang="en-US" altLang="ja-JP" dirty="0"/>
           </a:p>
-          <a:p>
-            <a:r>
-              <a:rPr kumimoji="1" lang="ja-JP" altLang="en-US" dirty="0"/>
-              <a:t>管理システムを開発しようと思ったきっかけは、就職活動で、様々な企業説明会に参加させていただいた際に</a:t>
-            </a:r>
-            <a:endParaRPr kumimoji="1" lang="en-US" altLang="ja-JP" dirty="0"/>
-          </a:p>
-          <a:p>
-            <a:r>
-              <a:rPr kumimoji="1" lang="ja-JP" altLang="en-US" dirty="0"/>
-              <a:t>管理システムを開発されている企業さんが多かったこともあり、就職後、仕事に関係あるものを作りたい思いから</a:t>
-            </a:r>
-            <a:endParaRPr kumimoji="1" lang="en-US" altLang="ja-JP" dirty="0"/>
-          </a:p>
-          <a:p>
-            <a:r>
-              <a:rPr kumimoji="1" lang="ja-JP" altLang="en-US" dirty="0"/>
-              <a:t>管理システムを開発することにしました。</a:t>
-            </a:r>
-          </a:p>
         </p:txBody>
       </p:sp>
       <p:sp>
@@ -692,26 +672,8 @@
           <a:p>
             <a:r>
               <a:rPr kumimoji="1" lang="ja-JP" altLang="en-US" dirty="0"/>
-              <a:t>アプリの説明をします。</a:t>
-            </a:r>
-            <a:endParaRPr kumimoji="1" lang="en-US" altLang="ja-JP" dirty="0"/>
-          </a:p>
-          <a:p>
-            <a:r>
-              <a:rPr kumimoji="1" lang="ja-JP" altLang="en-US" dirty="0"/>
-              <a:t>私たちが開発したアプリは、各店舗の売上集計を行い、各店舗ごとに目標売上を割り振るシステムを開発しました。</a:t>
-            </a:r>
-            <a:endParaRPr kumimoji="1" lang="en-US" altLang="ja-JP" dirty="0"/>
-          </a:p>
-          <a:p>
-            <a:r>
-              <a:rPr kumimoji="1" lang="ja-JP" altLang="en-US" dirty="0"/>
-              <a:t>言葉だけでは、イメージできないと思いますので、後で動作確認をします。</a:t>
-            </a:r>
-            <a:endParaRPr kumimoji="1" lang="en-US" altLang="ja-JP" dirty="0"/>
-          </a:p>
-          <a:p>
-            <a:endParaRPr kumimoji="1" lang="ja-JP" altLang="en-US" dirty="0"/>
+              <a:t>目次はこのような流れになります。</a:t>
+            </a:r>
           </a:p>
         </p:txBody>
       </p:sp>
@@ -741,7 +703,7 @@
     </p:spTree>
     <p:extLst>
       <p:ext uri="{BB962C8B-B14F-4D97-AF65-F5344CB8AC3E}">
-        <p14:creationId xmlns:p14="http://schemas.microsoft.com/office/powerpoint/2010/main" val="1877564802"/>
+        <p14:creationId xmlns:p14="http://schemas.microsoft.com/office/powerpoint/2010/main" val="4077735723"/>
       </p:ext>
     </p:extLst>
   </p:cSld>
@@ -797,70 +759,38 @@
           <a:p>
             <a:r>
               <a:rPr kumimoji="1" lang="ja-JP" altLang="en-US" dirty="0"/>
-              <a:t>開発言語は、</a:t>
-            </a:r>
-            <a:r>
-              <a:rPr kumimoji="1" lang="en-US" altLang="ja-JP" dirty="0"/>
-              <a:t>PHP</a:t>
-            </a:r>
-            <a:r>
-              <a:rPr kumimoji="1" lang="ja-JP" altLang="en-US" dirty="0" err="1"/>
-              <a:t>、</a:t>
-            </a:r>
-            <a:r>
-              <a:rPr kumimoji="1" lang="en-US" altLang="ja-JP" dirty="0"/>
-              <a:t>HTML</a:t>
-            </a:r>
-            <a:r>
-              <a:rPr kumimoji="1" lang="ja-JP" altLang="en-US" dirty="0" err="1"/>
-              <a:t>、</a:t>
-            </a:r>
-            <a:r>
-              <a:rPr kumimoji="1" lang="en-US" altLang="ja-JP" dirty="0"/>
-              <a:t>CSS</a:t>
-            </a:r>
+              <a:t>私たちが開発したのは、各店舗の売上集計を行い、各店舗ごとに目標売上を割り振る売上管理を開発しました。</a:t>
+            </a:r>
+            <a:endParaRPr kumimoji="1" lang="en-US" altLang="ja-JP" dirty="0"/>
+          </a:p>
+          <a:p>
+            <a:endParaRPr kumimoji="1" lang="en-US" altLang="ja-JP" dirty="0"/>
+          </a:p>
+          <a:p>
             <a:r>
               <a:rPr kumimoji="1" lang="ja-JP" altLang="en-US" dirty="0"/>
-              <a:t>を使っています。</a:t>
+              <a:t>それを開発しようと思ったきっかけは、就活の一環で様々な企業説明会に参加させていただいた際に</a:t>
             </a:r>
             <a:endParaRPr kumimoji="1" lang="en-US" altLang="ja-JP" dirty="0"/>
           </a:p>
           <a:p>
             <a:r>
               <a:rPr kumimoji="1" lang="ja-JP" altLang="en-US" dirty="0"/>
-              <a:t>データベースは</a:t>
-            </a:r>
-            <a:r>
-              <a:rPr kumimoji="1" lang="en-US" altLang="ja-JP" dirty="0"/>
-              <a:t>MySQL</a:t>
-            </a:r>
+              <a:t>管理システムを開発されている企業さんが多かったため、就職後に何かしらの形で、今回開発した内容が役に立つのではないかと思い</a:t>
+            </a:r>
+            <a:endParaRPr kumimoji="1" lang="en-US" altLang="ja-JP" dirty="0"/>
+          </a:p>
+          <a:p>
             <a:r>
               <a:rPr kumimoji="1" lang="ja-JP" altLang="en-US" dirty="0"/>
-              <a:t>を使っています。</a:t>
-            </a:r>
+              <a:t>システム管理を作ることにしました。</a:t>
+            </a:r>
+          </a:p>
+          <a:p>
             <a:endParaRPr kumimoji="1" lang="en-US" altLang="ja-JP" dirty="0"/>
           </a:p>
           <a:p>
-            <a:r>
-              <a:rPr kumimoji="1" lang="ja-JP" altLang="en-US" dirty="0"/>
-              <a:t>ソースコードの共有には、</a:t>
-            </a:r>
-            <a:r>
-              <a:rPr kumimoji="1" lang="en-US" altLang="ja-JP" dirty="0" err="1"/>
-              <a:t>github</a:t>
-            </a:r>
-            <a:r>
-              <a:rPr kumimoji="1" lang="ja-JP" altLang="en-US" dirty="0"/>
-              <a:t>と</a:t>
-            </a:r>
-            <a:r>
-              <a:rPr kumimoji="1" lang="en-US" altLang="ja-JP" dirty="0" err="1"/>
-              <a:t>sourcetree</a:t>
-            </a:r>
-            <a:r>
-              <a:rPr kumimoji="1" lang="ja-JP" altLang="en-US" dirty="0"/>
-              <a:t>を使いました。</a:t>
-            </a:r>
+            <a:endParaRPr kumimoji="1" lang="ja-JP" altLang="en-US" dirty="0"/>
           </a:p>
         </p:txBody>
       </p:sp>
@@ -890,7 +820,7 @@
     </p:spTree>
     <p:extLst>
       <p:ext uri="{BB962C8B-B14F-4D97-AF65-F5344CB8AC3E}">
-        <p14:creationId xmlns:p14="http://schemas.microsoft.com/office/powerpoint/2010/main" val="45810444"/>
+        <p14:creationId xmlns:p14="http://schemas.microsoft.com/office/powerpoint/2010/main" val="1877564802"/>
       </p:ext>
     </p:extLst>
   </p:cSld>
@@ -946,28 +876,69 @@
           <a:p>
             <a:r>
               <a:rPr kumimoji="1" lang="ja-JP" altLang="en-US" dirty="0"/>
-              <a:t>役割分担はこんな感じで</a:t>
+              <a:t>開発言語は、</a:t>
+            </a:r>
+            <a:r>
+              <a:rPr kumimoji="1" lang="en-US" altLang="ja-JP" dirty="0"/>
+              <a:t>PHP</a:t>
+            </a:r>
+            <a:r>
+              <a:rPr kumimoji="1" lang="ja-JP" altLang="en-US" dirty="0" err="1"/>
+              <a:t>、</a:t>
+            </a:r>
+            <a:r>
+              <a:rPr kumimoji="1" lang="en-US" altLang="ja-JP" dirty="0"/>
+              <a:t>HTML</a:t>
+            </a:r>
+            <a:r>
+              <a:rPr kumimoji="1" lang="ja-JP" altLang="en-US" dirty="0" err="1"/>
+              <a:t>、</a:t>
+            </a:r>
+            <a:r>
+              <a:rPr kumimoji="1" lang="en-US" altLang="ja-JP" dirty="0"/>
+              <a:t>CSS</a:t>
+            </a:r>
+            <a:r>
+              <a:rPr kumimoji="1" lang="ja-JP" altLang="en-US" dirty="0"/>
+              <a:t>を使っています。</a:t>
             </a:r>
             <a:endParaRPr kumimoji="1" lang="en-US" altLang="ja-JP" dirty="0"/>
           </a:p>
           <a:p>
             <a:r>
               <a:rPr kumimoji="1" lang="ja-JP" altLang="en-US" dirty="0"/>
-              <a:t>ログイン画面、メイン画面、設定画面ごとに役割を分担し</a:t>
+              <a:t>データベースは</a:t>
+            </a:r>
+            <a:r>
+              <a:rPr kumimoji="1" lang="en-US" altLang="ja-JP" dirty="0"/>
+              <a:t>MySQL</a:t>
+            </a:r>
+            <a:r>
+              <a:rPr kumimoji="1" lang="ja-JP" altLang="en-US" dirty="0"/>
+              <a:t>を使っています。</a:t>
             </a:r>
             <a:endParaRPr kumimoji="1" lang="en-US" altLang="ja-JP" dirty="0"/>
           </a:p>
           <a:p>
             <a:r>
               <a:rPr kumimoji="1" lang="ja-JP" altLang="en-US" dirty="0"/>
-              <a:t>進捗状況に応じて、役割を調整しました。</a:t>
-            </a:r>
-            <a:endParaRPr kumimoji="1" lang="en-US" altLang="ja-JP" dirty="0"/>
-          </a:p>
-          <a:p>
+              <a:t>ソースコードの共有には、</a:t>
+            </a:r>
+            <a:r>
+              <a:rPr kumimoji="1" lang="en-US" altLang="ja-JP" dirty="0" err="1"/>
+              <a:t>github</a:t>
+            </a:r>
             <a:r>
               <a:rPr kumimoji="1" lang="ja-JP" altLang="en-US" dirty="0"/>
-              <a:t>その他は、基本的に全員で対応しました。</a:t>
+              <a:t>と</a:t>
+            </a:r>
+            <a:r>
+              <a:rPr kumimoji="1" lang="en-US" altLang="ja-JP" dirty="0" err="1"/>
+              <a:t>sourcetree</a:t>
+            </a:r>
+            <a:r>
+              <a:rPr kumimoji="1" lang="ja-JP" altLang="en-US" dirty="0"/>
+              <a:t>を使いました。</a:t>
             </a:r>
           </a:p>
         </p:txBody>
@@ -998,7 +969,7 @@
     </p:spTree>
     <p:extLst>
       <p:ext uri="{BB962C8B-B14F-4D97-AF65-F5344CB8AC3E}">
-        <p14:creationId xmlns:p14="http://schemas.microsoft.com/office/powerpoint/2010/main" val="686271573"/>
+        <p14:creationId xmlns:p14="http://schemas.microsoft.com/office/powerpoint/2010/main" val="45810444"/>
       </p:ext>
     </p:extLst>
   </p:cSld>
@@ -1054,29 +1025,28 @@
           <a:p>
             <a:r>
               <a:rPr kumimoji="1" lang="ja-JP" altLang="en-US" dirty="0"/>
-              <a:t>次に設計段階での画面設計の説明をさせていただきます。</a:t>
+              <a:t>役割分担はこんな感じで</a:t>
             </a:r>
             <a:endParaRPr kumimoji="1" lang="en-US" altLang="ja-JP" dirty="0"/>
           </a:p>
           <a:p>
             <a:r>
               <a:rPr kumimoji="1" lang="ja-JP" altLang="en-US" dirty="0"/>
-              <a:t>こちらは、ログイン画面になっており、</a:t>
-            </a:r>
-            <a:r>
-              <a:rPr kumimoji="1" lang="en-US" altLang="ja-JP" dirty="0"/>
-              <a:t>ID</a:t>
-            </a:r>
+              <a:t>ログイン画面、メイン画面、設定画面ごとに役割を分担し</a:t>
+            </a:r>
+            <a:endParaRPr kumimoji="1" lang="en-US" altLang="ja-JP" dirty="0"/>
+          </a:p>
+          <a:p>
             <a:r>
               <a:rPr kumimoji="1" lang="ja-JP" altLang="en-US" dirty="0"/>
-              <a:t>とパスワードを入力して、</a:t>
+              <a:t>進捗状況に応じて、役割を調整しました。</a:t>
             </a:r>
             <a:endParaRPr kumimoji="1" lang="en-US" altLang="ja-JP" dirty="0"/>
           </a:p>
           <a:p>
             <a:r>
               <a:rPr kumimoji="1" lang="ja-JP" altLang="en-US" dirty="0"/>
-              <a:t>ログインボタンをクリックするとログインができ、メイン画面に遷移します。</a:t>
+              <a:t>その他は、基本的に全員で対応しました。</a:t>
             </a:r>
           </a:p>
         </p:txBody>
@@ -1107,7 +1077,7 @@
     </p:spTree>
     <p:extLst>
       <p:ext uri="{BB962C8B-B14F-4D97-AF65-F5344CB8AC3E}">
-        <p14:creationId xmlns:p14="http://schemas.microsoft.com/office/powerpoint/2010/main" val="969310832"/>
+        <p14:creationId xmlns:p14="http://schemas.microsoft.com/office/powerpoint/2010/main" val="686271573"/>
       </p:ext>
     </p:extLst>
   </p:cSld>
@@ -1163,82 +1133,64 @@
           <a:p>
             <a:r>
               <a:rPr kumimoji="1" lang="ja-JP" altLang="en-US" dirty="0"/>
-              <a:t>こちらがメイン画面になります。</a:t>
+              <a:t>画面設計の説明に移ります。</a:t>
             </a:r>
             <a:endParaRPr kumimoji="1" lang="en-US" altLang="ja-JP" dirty="0"/>
           </a:p>
           <a:p>
+            <a:endParaRPr kumimoji="1" lang="en-US" altLang="ja-JP" dirty="0"/>
+          </a:p>
+          <a:p>
             <a:r>
               <a:rPr kumimoji="1" lang="ja-JP" altLang="en-US" dirty="0"/>
-              <a:t>メイン画面に移るとこんな感じで表示されます。</a:t>
+              <a:t>設計段階では、こんな感じをイメージしていました。</a:t>
             </a:r>
             <a:endParaRPr kumimoji="1" lang="en-US" altLang="ja-JP" dirty="0"/>
           </a:p>
           <a:p>
+            <a:endParaRPr kumimoji="1" lang="en-US" altLang="ja-JP" dirty="0"/>
+          </a:p>
+          <a:p>
             <a:r>
               <a:rPr kumimoji="1" lang="ja-JP" altLang="en-US" dirty="0"/>
-              <a:t>店舗項目から店舗を選択することで、各店舗ごとの今月の売上目標と</a:t>
+              <a:t>ログイン画面に</a:t>
             </a:r>
             <a:r>
               <a:rPr kumimoji="1" lang="en-US" altLang="ja-JP" dirty="0"/>
-              <a:t>1</a:t>
+              <a:t>ID</a:t>
             </a:r>
             <a:r>
               <a:rPr kumimoji="1" lang="ja-JP" altLang="en-US" dirty="0"/>
-              <a:t>日の売上目標、今月の売上額が表示されます。</a:t>
+              <a:t>とパスワードを入れてログインをすると</a:t>
             </a:r>
             <a:endParaRPr kumimoji="1" lang="en-US" altLang="ja-JP" dirty="0"/>
           </a:p>
           <a:p>
+            <a:r>
+              <a:rPr kumimoji="1" lang="ja-JP" altLang="en-US" dirty="0"/>
+              <a:t>メイン画面に遷移して、</a:t>
+            </a:r>
             <a:endParaRPr kumimoji="1" lang="en-US" altLang="ja-JP" dirty="0"/>
           </a:p>
           <a:p>
+            <a:endParaRPr kumimoji="1" lang="en-US" altLang="ja-JP" dirty="0"/>
+          </a:p>
+          <a:p>
             <a:r>
               <a:rPr kumimoji="1" lang="ja-JP" altLang="en-US" dirty="0"/>
-              <a:t>日付、売上金額の青い部分に、今日の日付と売上金額を入力して登録ボタンをクリックすると</a:t>
+              <a:t>設定ボタンをクリックすることで、設定画面に移動して</a:t>
             </a:r>
             <a:endParaRPr kumimoji="1" lang="en-US" altLang="ja-JP" dirty="0"/>
           </a:p>
           <a:p>
             <a:r>
               <a:rPr kumimoji="1" lang="ja-JP" altLang="en-US" dirty="0"/>
-              <a:t>データベースにデータが記録され、そこから自動計算されて</a:t>
-            </a:r>
-            <a:r>
-              <a:rPr kumimoji="1" lang="en-US" altLang="ja-JP" dirty="0"/>
-              <a:t>1</a:t>
-            </a:r>
-            <a:r>
-              <a:rPr kumimoji="1" lang="ja-JP" altLang="en-US" dirty="0"/>
-              <a:t>日の売上目標が変動します。</a:t>
+              <a:t>各店舗の月ごとの売上金額を設定する予定でした。</a:t>
             </a:r>
             <a:endParaRPr kumimoji="1" lang="en-US" altLang="ja-JP" dirty="0"/>
           </a:p>
           <a:p>
             <a:endParaRPr kumimoji="1" lang="en-US" altLang="ja-JP" dirty="0"/>
-          </a:p>
-          <a:p>
-            <a:r>
-              <a:rPr kumimoji="1" lang="ja-JP" altLang="en-US" dirty="0"/>
-              <a:t>各行の選択欄をチェックして削除ボタンをクリックすると、指定された行が削除されます。</a:t>
-            </a:r>
-            <a:endParaRPr kumimoji="1" lang="en-US" altLang="ja-JP" dirty="0"/>
-          </a:p>
-          <a:p>
-            <a:endParaRPr kumimoji="1" lang="en-US" altLang="ja-JP" dirty="0"/>
-          </a:p>
-          <a:p>
-            <a:r>
-              <a:rPr kumimoji="1" lang="ja-JP" altLang="en-US" dirty="0"/>
-              <a:t>設定ボタンをクリックすると、設定画面が表示されます。</a:t>
-            </a:r>
-            <a:endParaRPr kumimoji="1" lang="en-US" altLang="ja-JP" dirty="0"/>
-          </a:p>
-          <a:p>
-            <a:endParaRPr kumimoji="1" lang="en-US" altLang="ja-JP" dirty="0"/>
-          </a:p>
-          <a:p>
-            <a:endParaRPr kumimoji="1" lang="ja-JP" altLang="en-US" dirty="0"/>
           </a:p>
         </p:txBody>
       </p:sp>
@@ -1268,7 +1220,7 @@
     </p:spTree>
     <p:extLst>
       <p:ext uri="{BB962C8B-B14F-4D97-AF65-F5344CB8AC3E}">
-        <p14:creationId xmlns:p14="http://schemas.microsoft.com/office/powerpoint/2010/main" val="336218278"/>
+        <p14:creationId xmlns:p14="http://schemas.microsoft.com/office/powerpoint/2010/main" val="969310832"/>
       </p:ext>
     </p:extLst>
   </p:cSld>
@@ -1323,27 +1275,18 @@
           <a:lstStyle/>
           <a:p>
             <a:r>
+              <a:rPr kumimoji="1" lang="en-US" altLang="ja-JP" dirty="0"/>
+              <a:t>※</a:t>
+            </a:r>
+            <a:r>
               <a:rPr kumimoji="1" lang="ja-JP" altLang="en-US" dirty="0"/>
-              <a:t>こちらが設定画面です。</a:t>
-            </a:r>
-            <a:endParaRPr kumimoji="1" lang="en-US" altLang="ja-JP" dirty="0"/>
-          </a:p>
-          <a:p>
-            <a:endParaRPr kumimoji="1" lang="en-US" altLang="ja-JP" dirty="0"/>
-          </a:p>
-          <a:p>
-            <a:r>
-              <a:rPr kumimoji="1" lang="ja-JP" altLang="en-US" dirty="0"/>
-              <a:t>店舗と月を選択して、売上目標を入力して、登録ボタンをクリックすることで</a:t>
-            </a:r>
-            <a:endParaRPr kumimoji="1" lang="en-US" altLang="ja-JP" dirty="0"/>
-          </a:p>
-          <a:p>
-            <a:r>
-              <a:rPr kumimoji="1" lang="ja-JP" altLang="en-US" dirty="0"/>
-              <a:t>データベースにデータが管理されます。</a:t>
-            </a:r>
-            <a:endParaRPr kumimoji="1" lang="en-US" altLang="ja-JP" dirty="0"/>
+              <a:t>後日、ここの台本を考える</a:t>
+            </a:r>
+            <a:r>
+              <a:rPr kumimoji="1" lang="en-US" altLang="ja-JP" dirty="0"/>
+              <a:t>8/1</a:t>
+            </a:r>
+            <a:endParaRPr kumimoji="1" lang="ja-JP" altLang="en-US" dirty="0"/>
           </a:p>
         </p:txBody>
       </p:sp>
@@ -1365,90 +1308,6 @@
             <a:fld id="{A5242644-000B-428D-938E-DC5A56A37292}" type="slidenum">
               <a:rPr kumimoji="1" lang="ja-JP" altLang="en-US" smtClean="0"/>
               <a:t>7</a:t>
-            </a:fld>
-            <a:endParaRPr kumimoji="1" lang="ja-JP" altLang="en-US"/>
-          </a:p>
-        </p:txBody>
-      </p:sp>
-    </p:spTree>
-    <p:extLst>
-      <p:ext uri="{BB962C8B-B14F-4D97-AF65-F5344CB8AC3E}">
-        <p14:creationId xmlns:p14="http://schemas.microsoft.com/office/powerpoint/2010/main" val="2885997594"/>
-      </p:ext>
-    </p:extLst>
-  </p:cSld>
-  <p:clrMapOvr>
-    <a:masterClrMapping/>
-  </p:clrMapOvr>
-</p:notes>
-</file>
-
-<file path=ppt/notesSlides/notesSlide8.xml><?xml version="1.0" encoding="utf-8"?>
-<p:notes xmlns:a="http://schemas.openxmlformats.org/drawingml/2006/main" xmlns:r="http://schemas.openxmlformats.org/officeDocument/2006/relationships" xmlns:p="http://schemas.openxmlformats.org/presentationml/2006/main">
-  <p:cSld>
-    <p:spTree>
-      <p:nvGrpSpPr>
-        <p:cNvPr id="1" name=""/>
-        <p:cNvGrpSpPr/>
-        <p:nvPr/>
-      </p:nvGrpSpPr>
-      <p:grpSpPr>
-        <a:xfrm>
-          <a:off x="0" y="0"/>
-          <a:ext cx="0" cy="0"/>
-          <a:chOff x="0" y="0"/>
-          <a:chExt cx="0" cy="0"/>
-        </a:xfrm>
-      </p:grpSpPr>
-      <p:sp>
-        <p:nvSpPr>
-          <p:cNvPr id="2" name="スライド イメージ プレースホルダー 1"/>
-          <p:cNvSpPr>
-            <a:spLocks noGrp="1" noRot="1" noChangeAspect="1"/>
-          </p:cNvSpPr>
-          <p:nvPr>
-            <p:ph type="sldImg"/>
-          </p:nvPr>
-        </p:nvSpPr>
-        <p:spPr/>
-      </p:sp>
-      <p:sp>
-        <p:nvSpPr>
-          <p:cNvPr id="3" name="ノート プレースホルダー 2"/>
-          <p:cNvSpPr>
-            <a:spLocks noGrp="1"/>
-          </p:cNvSpPr>
-          <p:nvPr>
-            <p:ph type="body" idx="1"/>
-          </p:nvPr>
-        </p:nvSpPr>
-        <p:spPr/>
-        <p:txBody>
-          <a:bodyPr/>
-          <a:lstStyle/>
-          <a:p>
-            <a:endParaRPr kumimoji="1" lang="ja-JP" altLang="en-US" dirty="0"/>
-          </a:p>
-        </p:txBody>
-      </p:sp>
-      <p:sp>
-        <p:nvSpPr>
-          <p:cNvPr id="4" name="スライド番号プレースホルダー 3"/>
-          <p:cNvSpPr>
-            <a:spLocks noGrp="1"/>
-          </p:cNvSpPr>
-          <p:nvPr>
-            <p:ph type="sldNum" sz="quarter" idx="5"/>
-          </p:nvPr>
-        </p:nvSpPr>
-        <p:spPr/>
-        <p:txBody>
-          <a:bodyPr/>
-          <a:lstStyle/>
-          <a:p>
-            <a:fld id="{A5242644-000B-428D-938E-DC5A56A37292}" type="slidenum">
-              <a:rPr kumimoji="1" lang="ja-JP" altLang="en-US" smtClean="0"/>
-              <a:t>8</a:t>
             </a:fld>
             <a:endParaRPr kumimoji="1" lang="ja-JP" altLang="en-US"/>
           </a:p>
@@ -1614,7 +1473,7 @@
           <a:p>
             <a:fld id="{C7088D3D-165A-46EA-B7B0-B1C3789A41AB}" type="datetimeFigureOut">
               <a:rPr kumimoji="1" lang="ja-JP" altLang="en-US" smtClean="0"/>
-              <a:t>2024/7/16</a:t>
+              <a:t>2024/8/1</a:t>
             </a:fld>
             <a:endParaRPr kumimoji="1" lang="ja-JP" altLang="en-US"/>
           </a:p>
@@ -1684,6 +1543,18 @@
   <p:clrMapOvr>
     <a:masterClrMapping/>
   </p:clrMapOvr>
+  <mc:AlternateContent xmlns:mc="http://schemas.openxmlformats.org/markup-compatibility/2006">
+    <mc:Choice xmlns:p159="http://schemas.microsoft.com/office/powerpoint/2015/09/main" Requires="p159">
+      <p:transition xmlns:p14="http://schemas.microsoft.com/office/powerpoint/2010/main" spd="slow" p14:dur="2000">
+        <p159:morph option="byObject"/>
+      </p:transition>
+    </mc:Choice>
+    <mc:Fallback>
+      <p:transition spd="slow">
+        <p:fade/>
+      </p:transition>
+    </mc:Fallback>
+  </mc:AlternateContent>
 </p:sldLayout>
 </file>
 
@@ -1844,7 +1715,7 @@
           <a:p>
             <a:fld id="{C7088D3D-165A-46EA-B7B0-B1C3789A41AB}" type="datetimeFigureOut">
               <a:rPr kumimoji="1" lang="ja-JP" altLang="en-US" smtClean="0"/>
-              <a:t>2024/7/16</a:t>
+              <a:t>2024/8/1</a:t>
             </a:fld>
             <a:endParaRPr kumimoji="1" lang="ja-JP" altLang="en-US"/>
           </a:p>
@@ -1914,6 +1785,18 @@
   <p:clrMapOvr>
     <a:masterClrMapping/>
   </p:clrMapOvr>
+  <mc:AlternateContent xmlns:mc="http://schemas.openxmlformats.org/markup-compatibility/2006">
+    <mc:Choice xmlns:p159="http://schemas.microsoft.com/office/powerpoint/2015/09/main" Requires="p159">
+      <p:transition xmlns:p14="http://schemas.microsoft.com/office/powerpoint/2010/main" spd="slow" p14:dur="2000">
+        <p159:morph option="byObject"/>
+      </p:transition>
+    </mc:Choice>
+    <mc:Fallback>
+      <p:transition spd="slow">
+        <p:fade/>
+      </p:transition>
+    </mc:Fallback>
+  </mc:AlternateContent>
 </p:sldLayout>
 </file>
 
@@ -2084,7 +1967,7 @@
           <a:p>
             <a:fld id="{C7088D3D-165A-46EA-B7B0-B1C3789A41AB}" type="datetimeFigureOut">
               <a:rPr kumimoji="1" lang="ja-JP" altLang="en-US" smtClean="0"/>
-              <a:t>2024/7/16</a:t>
+              <a:t>2024/8/1</a:t>
             </a:fld>
             <a:endParaRPr kumimoji="1" lang="ja-JP" altLang="en-US"/>
           </a:p>
@@ -2154,6 +2037,18 @@
   <p:clrMapOvr>
     <a:masterClrMapping/>
   </p:clrMapOvr>
+  <mc:AlternateContent xmlns:mc="http://schemas.openxmlformats.org/markup-compatibility/2006">
+    <mc:Choice xmlns:p159="http://schemas.microsoft.com/office/powerpoint/2015/09/main" Requires="p159">
+      <p:transition xmlns:p14="http://schemas.microsoft.com/office/powerpoint/2010/main" spd="slow" p14:dur="2000">
+        <p159:morph option="byObject"/>
+      </p:transition>
+    </mc:Choice>
+    <mc:Fallback>
+      <p:transition spd="slow">
+        <p:fade/>
+      </p:transition>
+    </mc:Fallback>
+  </mc:AlternateContent>
 </p:sldLayout>
 </file>
 
@@ -2314,7 +2209,7 @@
           <a:p>
             <a:fld id="{C7088D3D-165A-46EA-B7B0-B1C3789A41AB}" type="datetimeFigureOut">
               <a:rPr kumimoji="1" lang="ja-JP" altLang="en-US" smtClean="0"/>
-              <a:t>2024/7/16</a:t>
+              <a:t>2024/8/1</a:t>
             </a:fld>
             <a:endParaRPr kumimoji="1" lang="ja-JP" altLang="en-US"/>
           </a:p>
@@ -2384,6 +2279,18 @@
   <p:clrMapOvr>
     <a:masterClrMapping/>
   </p:clrMapOvr>
+  <mc:AlternateContent xmlns:mc="http://schemas.openxmlformats.org/markup-compatibility/2006">
+    <mc:Choice xmlns:p159="http://schemas.microsoft.com/office/powerpoint/2015/09/main" Requires="p159">
+      <p:transition xmlns:p14="http://schemas.microsoft.com/office/powerpoint/2010/main" spd="slow" p14:dur="2000">
+        <p159:morph option="byObject"/>
+      </p:transition>
+    </mc:Choice>
+    <mc:Fallback>
+      <p:transition spd="slow">
+        <p:fade/>
+      </p:transition>
+    </mc:Fallback>
+  </mc:AlternateContent>
 </p:sldLayout>
 </file>
 
@@ -2589,7 +2496,7 @@
           <a:p>
             <a:fld id="{C7088D3D-165A-46EA-B7B0-B1C3789A41AB}" type="datetimeFigureOut">
               <a:rPr kumimoji="1" lang="ja-JP" altLang="en-US" smtClean="0"/>
-              <a:t>2024/7/16</a:t>
+              <a:t>2024/8/1</a:t>
             </a:fld>
             <a:endParaRPr kumimoji="1" lang="ja-JP" altLang="en-US"/>
           </a:p>
@@ -2659,6 +2566,18 @@
   <p:clrMapOvr>
     <a:masterClrMapping/>
   </p:clrMapOvr>
+  <mc:AlternateContent xmlns:mc="http://schemas.openxmlformats.org/markup-compatibility/2006">
+    <mc:Choice xmlns:p159="http://schemas.microsoft.com/office/powerpoint/2015/09/main" Requires="p159">
+      <p:transition xmlns:p14="http://schemas.microsoft.com/office/powerpoint/2010/main" spd="slow" p14:dur="2000">
+        <p159:morph option="byObject"/>
+      </p:transition>
+    </mc:Choice>
+    <mc:Fallback>
+      <p:transition spd="slow">
+        <p:fade/>
+      </p:transition>
+    </mc:Fallback>
+  </mc:AlternateContent>
 </p:sldLayout>
 </file>
 
@@ -2918,7 +2837,7 @@
           <a:p>
             <a:fld id="{C7088D3D-165A-46EA-B7B0-B1C3789A41AB}" type="datetimeFigureOut">
               <a:rPr kumimoji="1" lang="ja-JP" altLang="en-US" smtClean="0"/>
-              <a:t>2024/7/16</a:t>
+              <a:t>2024/8/1</a:t>
             </a:fld>
             <a:endParaRPr kumimoji="1" lang="ja-JP" altLang="en-US"/>
           </a:p>
@@ -2988,6 +2907,18 @@
   <p:clrMapOvr>
     <a:masterClrMapping/>
   </p:clrMapOvr>
+  <mc:AlternateContent xmlns:mc="http://schemas.openxmlformats.org/markup-compatibility/2006">
+    <mc:Choice xmlns:p159="http://schemas.microsoft.com/office/powerpoint/2015/09/main" Requires="p159">
+      <p:transition xmlns:p14="http://schemas.microsoft.com/office/powerpoint/2010/main" spd="slow" p14:dur="2000">
+        <p159:morph option="byObject"/>
+      </p:transition>
+    </mc:Choice>
+    <mc:Fallback>
+      <p:transition spd="slow">
+        <p:fade/>
+      </p:transition>
+    </mc:Fallback>
+  </mc:AlternateContent>
 </p:sldLayout>
 </file>
 
@@ -3394,7 +3325,7 @@
           <a:p>
             <a:fld id="{C7088D3D-165A-46EA-B7B0-B1C3789A41AB}" type="datetimeFigureOut">
               <a:rPr kumimoji="1" lang="ja-JP" altLang="en-US" smtClean="0"/>
-              <a:t>2024/7/16</a:t>
+              <a:t>2024/8/1</a:t>
             </a:fld>
             <a:endParaRPr kumimoji="1" lang="ja-JP" altLang="en-US"/>
           </a:p>
@@ -3464,6 +3395,18 @@
   <p:clrMapOvr>
     <a:masterClrMapping/>
   </p:clrMapOvr>
+  <mc:AlternateContent xmlns:mc="http://schemas.openxmlformats.org/markup-compatibility/2006">
+    <mc:Choice xmlns:p159="http://schemas.microsoft.com/office/powerpoint/2015/09/main" Requires="p159">
+      <p:transition xmlns:p14="http://schemas.microsoft.com/office/powerpoint/2010/main" spd="slow" p14:dur="2000">
+        <p159:morph option="byObject"/>
+      </p:transition>
+    </mc:Choice>
+    <mc:Fallback>
+      <p:transition spd="slow">
+        <p:fade/>
+      </p:transition>
+    </mc:Fallback>
+  </mc:AlternateContent>
 </p:sldLayout>
 </file>
 
@@ -3535,7 +3478,7 @@
           <a:p>
             <a:fld id="{C7088D3D-165A-46EA-B7B0-B1C3789A41AB}" type="datetimeFigureOut">
               <a:rPr kumimoji="1" lang="ja-JP" altLang="en-US" smtClean="0"/>
-              <a:t>2024/7/16</a:t>
+              <a:t>2024/8/1</a:t>
             </a:fld>
             <a:endParaRPr kumimoji="1" lang="ja-JP" altLang="en-US"/>
           </a:p>
@@ -3605,6 +3548,18 @@
   <p:clrMapOvr>
     <a:masterClrMapping/>
   </p:clrMapOvr>
+  <mc:AlternateContent xmlns:mc="http://schemas.openxmlformats.org/markup-compatibility/2006">
+    <mc:Choice xmlns:p159="http://schemas.microsoft.com/office/powerpoint/2015/09/main" Requires="p159">
+      <p:transition xmlns:p14="http://schemas.microsoft.com/office/powerpoint/2010/main" spd="slow" p14:dur="2000">
+        <p159:morph option="byObject"/>
+      </p:transition>
+    </mc:Choice>
+    <mc:Fallback>
+      <p:transition spd="slow">
+        <p:fade/>
+      </p:transition>
+    </mc:Fallback>
+  </mc:AlternateContent>
 </p:sldLayout>
 </file>
 
@@ -3648,7 +3603,7 @@
           <a:p>
             <a:fld id="{C7088D3D-165A-46EA-B7B0-B1C3789A41AB}" type="datetimeFigureOut">
               <a:rPr kumimoji="1" lang="ja-JP" altLang="en-US" smtClean="0"/>
-              <a:t>2024/7/16</a:t>
+              <a:t>2024/8/1</a:t>
             </a:fld>
             <a:endParaRPr kumimoji="1" lang="ja-JP" altLang="en-US"/>
           </a:p>
@@ -3718,6 +3673,18 @@
   <p:clrMapOvr>
     <a:masterClrMapping/>
   </p:clrMapOvr>
+  <mc:AlternateContent xmlns:mc="http://schemas.openxmlformats.org/markup-compatibility/2006">
+    <mc:Choice xmlns:p159="http://schemas.microsoft.com/office/powerpoint/2015/09/main" Requires="p159">
+      <p:transition xmlns:p14="http://schemas.microsoft.com/office/powerpoint/2010/main" spd="slow" p14:dur="2000">
+        <p159:morph option="byObject"/>
+      </p:transition>
+    </mc:Choice>
+    <mc:Fallback>
+      <p:transition spd="slow">
+        <p:fade/>
+      </p:transition>
+    </mc:Fallback>
+  </mc:AlternateContent>
 </p:sldLayout>
 </file>
 
@@ -3991,7 +3958,7 @@
           <a:p>
             <a:fld id="{C7088D3D-165A-46EA-B7B0-B1C3789A41AB}" type="datetimeFigureOut">
               <a:rPr kumimoji="1" lang="ja-JP" altLang="en-US" smtClean="0"/>
-              <a:t>2024/7/16</a:t>
+              <a:t>2024/8/1</a:t>
             </a:fld>
             <a:endParaRPr kumimoji="1" lang="ja-JP" altLang="en-US"/>
           </a:p>
@@ -4061,6 +4028,18 @@
   <p:clrMapOvr>
     <a:masterClrMapping/>
   </p:clrMapOvr>
+  <mc:AlternateContent xmlns:mc="http://schemas.openxmlformats.org/markup-compatibility/2006">
+    <mc:Choice xmlns:p159="http://schemas.microsoft.com/office/powerpoint/2015/09/main" Requires="p159">
+      <p:transition xmlns:p14="http://schemas.microsoft.com/office/powerpoint/2010/main" spd="slow" p14:dur="2000">
+        <p159:morph option="byObject"/>
+      </p:transition>
+    </mc:Choice>
+    <mc:Fallback>
+      <p:transition spd="slow">
+        <p:fade/>
+      </p:transition>
+    </mc:Fallback>
+  </mc:AlternateContent>
 </p:sldLayout>
 </file>
 
@@ -4279,7 +4258,7 @@
           <a:p>
             <a:fld id="{C7088D3D-165A-46EA-B7B0-B1C3789A41AB}" type="datetimeFigureOut">
               <a:rPr kumimoji="1" lang="ja-JP" altLang="en-US" smtClean="0"/>
-              <a:t>2024/7/16</a:t>
+              <a:t>2024/8/1</a:t>
             </a:fld>
             <a:endParaRPr kumimoji="1" lang="ja-JP" altLang="en-US"/>
           </a:p>
@@ -4349,6 +4328,18 @@
   <p:clrMapOvr>
     <a:masterClrMapping/>
   </p:clrMapOvr>
+  <mc:AlternateContent xmlns:mc="http://schemas.openxmlformats.org/markup-compatibility/2006">
+    <mc:Choice xmlns:p159="http://schemas.microsoft.com/office/powerpoint/2015/09/main" Requires="p159">
+      <p:transition xmlns:p14="http://schemas.microsoft.com/office/powerpoint/2010/main" spd="slow" p14:dur="2000">
+        <p159:morph option="byObject"/>
+      </p:transition>
+    </mc:Choice>
+    <mc:Fallback>
+      <p:transition spd="slow">
+        <p:fade/>
+      </p:transition>
+    </mc:Fallback>
+  </mc:AlternateContent>
 </p:sldLayout>
 </file>
 
@@ -4552,7 +4543,7 @@
           <a:p>
             <a:fld id="{C7088D3D-165A-46EA-B7B0-B1C3789A41AB}" type="datetimeFigureOut">
               <a:rPr kumimoji="1" lang="ja-JP" altLang="en-US" smtClean="0"/>
-              <a:t>2024/7/16</a:t>
+              <a:t>2024/8/1</a:t>
             </a:fld>
             <a:endParaRPr kumimoji="1" lang="ja-JP" altLang="en-US"/>
           </a:p>
@@ -4669,6 +4660,18 @@
     <p:sldLayoutId id="2147483658" r:id="rId10"/>
     <p:sldLayoutId id="2147483659" r:id="rId11"/>
   </p:sldLayoutIdLst>
+  <mc:AlternateContent xmlns:mc="http://schemas.openxmlformats.org/markup-compatibility/2006">
+    <mc:Choice xmlns:p159="http://schemas.microsoft.com/office/powerpoint/2015/09/main" Requires="p159">
+      <p:transition xmlns:p14="http://schemas.microsoft.com/office/powerpoint/2010/main" spd="slow" p14:dur="2000">
+        <p159:morph option="byObject"/>
+      </p:transition>
+    </mc:Choice>
+    <mc:Fallback>
+      <p:transition spd="slow">
+        <p:fade/>
+      </p:transition>
+    </mc:Fallback>
+  </mc:AlternateContent>
   <p:txStyles>
     <p:titleStyle>
       <a:lvl1pPr algn="l" defTabSz="914400" rtl="0" eaLnBrk="1" latinLnBrk="0" hangingPunct="1">
@@ -5036,6 +5039,14 @@
   <p:clrMapOvr>
     <a:masterClrMapping/>
   </p:clrMapOvr>
+  <mc:AlternateContent xmlns:mc="http://schemas.openxmlformats.org/markup-compatibility/2006">
+    <mc:Choice xmlns:p14="http://schemas.microsoft.com/office/powerpoint/2010/main" Requires="p14">
+      <p:transition p14:dur="0"/>
+    </mc:Choice>
+    <mc:Fallback>
+      <p:transition/>
+    </mc:Fallback>
+  </mc:AlternateContent>
 </p:sld>
 </file>
 
@@ -5061,7 +5072,7 @@
           <p:cNvPr id="2" name="タイトル 1">
             <a:extLst>
               <a:ext uri="{FF2B5EF4-FFF2-40B4-BE49-F238E27FC236}">
-                <a16:creationId xmlns:a16="http://schemas.microsoft.com/office/drawing/2014/main" id="{2F1DFABF-5032-4AED-8A46-F7F061B6F3FC}"/>
+                <a16:creationId xmlns:a16="http://schemas.microsoft.com/office/drawing/2014/main" id="{AE76128F-D764-418F-93BD-C0A9D561D725}"/>
               </a:ext>
             </a:extLst>
           </p:cNvPr>
@@ -5079,7 +5090,7 @@
           <a:p>
             <a:r>
               <a:rPr kumimoji="1" lang="ja-JP" altLang="en-US" dirty="0"/>
-              <a:t>アプリの説明</a:t>
+              <a:t>目次</a:t>
             </a:r>
           </a:p>
         </p:txBody>
@@ -5089,7 +5100,7 @@
           <p:cNvPr id="3" name="コンテンツ プレースホルダー 2">
             <a:extLst>
               <a:ext uri="{FF2B5EF4-FFF2-40B4-BE49-F238E27FC236}">
-                <a16:creationId xmlns:a16="http://schemas.microsoft.com/office/drawing/2014/main" id="{1AD50655-938E-4EEF-8546-CED5DB53ECA7}"/>
+                <a16:creationId xmlns:a16="http://schemas.microsoft.com/office/drawing/2014/main" id="{C3E18F7C-3D1A-4FEC-9FF9-84E0458015A5}"/>
               </a:ext>
             </a:extLst>
           </p:cNvPr>
@@ -5105,29 +5116,48 @@
           <a:bodyPr/>
           <a:lstStyle/>
           <a:p>
-            <a:pPr marL="0" indent="0">
-              <a:buNone/>
+            <a:pPr marL="514350" indent="-514350">
+              <a:lnSpc>
+                <a:spcPct val="200000"/>
+              </a:lnSpc>
+              <a:buFont typeface="+mj-lt"/>
+              <a:buAutoNum type="arabicPeriod"/>
             </a:pPr>
             <a:r>
+              <a:rPr kumimoji="1" lang="ja-JP" altLang="en-US" dirty="0"/>
+              <a:t>システム概要</a:t>
+            </a:r>
+            <a:endParaRPr kumimoji="1" lang="en-US" altLang="ja-JP" dirty="0"/>
+          </a:p>
+          <a:p>
+            <a:pPr marL="514350" indent="-514350">
+              <a:lnSpc>
+                <a:spcPct val="200000"/>
+              </a:lnSpc>
+              <a:buFont typeface="+mj-lt"/>
+              <a:buAutoNum type="arabicPeriod"/>
+            </a:pPr>
+            <a:r>
+              <a:rPr kumimoji="1" lang="ja-JP" altLang="en-US" dirty="0"/>
+              <a:t>動作確認</a:t>
+            </a:r>
+            <a:endParaRPr kumimoji="1" lang="en-US" altLang="ja-JP" dirty="0"/>
+          </a:p>
+          <a:p>
+            <a:pPr marL="514350" indent="-514350">
+              <a:lnSpc>
+                <a:spcPct val="200000"/>
+              </a:lnSpc>
+              <a:buFont typeface="+mj-lt"/>
+              <a:buAutoNum type="arabicPeriod"/>
+            </a:pPr>
+            <a:r>
               <a:rPr lang="ja-JP" altLang="en-US" dirty="0"/>
-              <a:t>・各店舗の売上の集計を行い</a:t>
-            </a:r>
-            <a:endParaRPr lang="en-US" altLang="ja-JP" dirty="0"/>
-          </a:p>
-          <a:p>
-            <a:pPr marL="0" indent="0">
-              <a:buNone/>
-            </a:pPr>
-            <a:r>
-              <a:rPr lang="ja-JP" altLang="en-US" dirty="0"/>
-              <a:t>　各店舗ごとに目標売上を割り振るシステム</a:t>
-            </a:r>
-            <a:endParaRPr lang="en-US" altLang="ja-JP" dirty="0"/>
-          </a:p>
-          <a:p>
-            <a:pPr marL="0" indent="0">
-              <a:buNone/>
-            </a:pPr>
+              <a:t>まとめ</a:t>
+            </a:r>
+            <a:endParaRPr kumimoji="1" lang="en-US" altLang="ja-JP" dirty="0"/>
+          </a:p>
+          <a:p>
             <a:endParaRPr kumimoji="1" lang="ja-JP" altLang="en-US" dirty="0"/>
           </a:p>
         </p:txBody>
@@ -5135,13 +5165,25 @@
     </p:spTree>
     <p:extLst>
       <p:ext uri="{BB962C8B-B14F-4D97-AF65-F5344CB8AC3E}">
-        <p14:creationId xmlns:p14="http://schemas.microsoft.com/office/powerpoint/2010/main" val="398767575"/>
+        <p14:creationId xmlns:p14="http://schemas.microsoft.com/office/powerpoint/2010/main" val="1109063089"/>
       </p:ext>
     </p:extLst>
   </p:cSld>
   <p:clrMapOvr>
     <a:masterClrMapping/>
   </p:clrMapOvr>
+  <mc:AlternateContent xmlns:mc="http://schemas.openxmlformats.org/markup-compatibility/2006">
+    <mc:Choice xmlns:p159="http://schemas.microsoft.com/office/powerpoint/2015/09/main" Requires="p159">
+      <p:transition xmlns:p14="http://schemas.microsoft.com/office/powerpoint/2010/main" spd="slow" p14:dur="2000">
+        <p159:morph option="byObject"/>
+      </p:transition>
+    </mc:Choice>
+    <mc:Fallback>
+      <p:transition spd="slow">
+        <p:fade/>
+      </p:transition>
+    </mc:Fallback>
+  </mc:AlternateContent>
 </p:sld>
 </file>
 
@@ -5167,7 +5209,7 @@
           <p:cNvPr id="2" name="タイトル 1">
             <a:extLst>
               <a:ext uri="{FF2B5EF4-FFF2-40B4-BE49-F238E27FC236}">
-                <a16:creationId xmlns:a16="http://schemas.microsoft.com/office/drawing/2014/main" id="{B6C07284-F11F-4791-A9CB-746AE29D2900}"/>
+                <a16:creationId xmlns:a16="http://schemas.microsoft.com/office/drawing/2014/main" id="{2F1DFABF-5032-4AED-8A46-F7F061B6F3FC}"/>
               </a:ext>
             </a:extLst>
           </p:cNvPr>
@@ -5184,8 +5226,12 @@
           <a:lstStyle/>
           <a:p>
             <a:r>
+              <a:rPr lang="ja-JP" altLang="en-US" dirty="0"/>
+              <a:t>売上管理</a:t>
+            </a:r>
+            <a:r>
               <a:rPr kumimoji="1" lang="ja-JP" altLang="en-US" dirty="0"/>
-              <a:t>システム要件</a:t>
+              <a:t>の説明</a:t>
             </a:r>
           </a:p>
         </p:txBody>
@@ -5195,7 +5241,7 @@
           <p:cNvPr id="3" name="コンテンツ プレースホルダー 2">
             <a:extLst>
               <a:ext uri="{FF2B5EF4-FFF2-40B4-BE49-F238E27FC236}">
-                <a16:creationId xmlns:a16="http://schemas.microsoft.com/office/drawing/2014/main" id="{FA309CE4-3C53-4698-90C6-FA303D3D2BAC}"/>
+                <a16:creationId xmlns:a16="http://schemas.microsoft.com/office/drawing/2014/main" id="{1AD50655-938E-4EEF-8546-CED5DB53ECA7}"/>
               </a:ext>
             </a:extLst>
           </p:cNvPr>
@@ -5211,91 +5257,55 @@
           <a:bodyPr/>
           <a:lstStyle/>
           <a:p>
-            <a:r>
-              <a:rPr kumimoji="1" lang="ja-JP" altLang="en-US" dirty="0"/>
-              <a:t>開発言語　　　　</a:t>
-            </a:r>
+            <a:pPr marL="0" indent="0">
+              <a:buNone/>
+            </a:pPr>
             <a:r>
               <a:rPr lang="ja-JP" altLang="en-US" dirty="0"/>
-              <a:t>：</a:t>
-            </a:r>
-            <a:r>
-              <a:rPr kumimoji="1" lang="en-US" altLang="ja-JP" dirty="0"/>
-              <a:t>PHP</a:t>
-            </a:r>
-            <a:r>
-              <a:rPr kumimoji="1" lang="ja-JP" altLang="en-US" dirty="0" err="1"/>
-              <a:t>、</a:t>
-            </a:r>
-            <a:r>
-              <a:rPr kumimoji="1" lang="en-US" altLang="ja-JP" dirty="0"/>
-              <a:t>HTML</a:t>
-            </a:r>
-            <a:r>
-              <a:rPr kumimoji="1" lang="ja-JP" altLang="en-US" dirty="0" err="1"/>
-              <a:t>、</a:t>
-            </a:r>
-            <a:r>
-              <a:rPr kumimoji="1" lang="en-US" altLang="ja-JP" dirty="0"/>
-              <a:t>CSS</a:t>
-            </a:r>
-          </a:p>
-          <a:p>
+              <a:t>・各店舗の売上の集計を行い</a:t>
+            </a:r>
             <a:endParaRPr lang="en-US" altLang="ja-JP" dirty="0"/>
           </a:p>
           <a:p>
-            <a:r>
-              <a:rPr kumimoji="1" lang="ja-JP" altLang="en-US" dirty="0"/>
-              <a:t>データベース　　：</a:t>
-            </a:r>
-            <a:r>
-              <a:rPr lang="en-US" altLang="ja-JP" dirty="0"/>
-              <a:t>MySQL</a:t>
-            </a:r>
-            <a:endParaRPr kumimoji="1" lang="en-US" altLang="ja-JP" dirty="0"/>
-          </a:p>
-          <a:p>
+            <a:pPr marL="0" indent="0">
+              <a:buNone/>
+            </a:pPr>
+            <a:r>
+              <a:rPr lang="ja-JP" altLang="en-US" dirty="0"/>
+              <a:t>　各店舗ごとに目標売上を割り振るシステム</a:t>
+            </a:r>
             <a:endParaRPr lang="en-US" altLang="ja-JP" dirty="0"/>
           </a:p>
           <a:p>
-            <a:r>
-              <a:rPr kumimoji="1" lang="ja-JP" altLang="en-US" dirty="0"/>
-              <a:t>ソースコード</a:t>
-            </a:r>
-            <a:r>
-              <a:rPr lang="ja-JP" altLang="en-US" dirty="0"/>
-              <a:t>共有</a:t>
-            </a:r>
-            <a:r>
-              <a:rPr kumimoji="1" lang="ja-JP" altLang="en-US" dirty="0"/>
-              <a:t>：</a:t>
-            </a:r>
-            <a:r>
-              <a:rPr kumimoji="1" lang="en-US" altLang="ja-JP" dirty="0" err="1"/>
-              <a:t>github</a:t>
-            </a:r>
-            <a:r>
-              <a:rPr kumimoji="1" lang="ja-JP" altLang="en-US" dirty="0" err="1"/>
-              <a:t>、</a:t>
-            </a:r>
-            <a:r>
-              <a:rPr kumimoji="1" lang="en-US" altLang="ja-JP" dirty="0" err="1"/>
-              <a:t>sourcetree</a:t>
-            </a:r>
-            <a:endParaRPr kumimoji="1" lang="en-US" altLang="ja-JP" dirty="0"/>
+            <a:pPr marL="0" indent="0">
+              <a:buNone/>
+            </a:pPr>
+            <a:endParaRPr kumimoji="1" lang="ja-JP" altLang="en-US" dirty="0"/>
           </a:p>
         </p:txBody>
       </p:sp>
     </p:spTree>
     <p:extLst>
       <p:ext uri="{BB962C8B-B14F-4D97-AF65-F5344CB8AC3E}">
-        <p14:creationId xmlns:p14="http://schemas.microsoft.com/office/powerpoint/2010/main" val="501568201"/>
+        <p14:creationId xmlns:p14="http://schemas.microsoft.com/office/powerpoint/2010/main" val="398767575"/>
       </p:ext>
     </p:extLst>
   </p:cSld>
   <p:clrMapOvr>
     <a:masterClrMapping/>
   </p:clrMapOvr>
+  <mc:AlternateContent xmlns:mc="http://schemas.openxmlformats.org/markup-compatibility/2006">
+    <mc:Choice xmlns:p159="http://schemas.microsoft.com/office/powerpoint/2015/09/main" Requires="p159">
+      <p:transition xmlns:p14="http://schemas.microsoft.com/office/powerpoint/2010/main" spd="slow" p14:dur="2000">
+        <p159:morph option="byObject"/>
+      </p:transition>
+    </mc:Choice>
+    <mc:Fallback>
+      <p:transition spd="slow">
+        <p:fade/>
+      </p:transition>
+    </mc:Fallback>
+  </mc:AlternateContent>
 </p:sld>
 </file>
 
@@ -5316,83 +5326,153 @@
           <a:chExt cx="0" cy="0"/>
         </a:xfrm>
       </p:grpSpPr>
-      <p:pic>
-        <p:nvPicPr>
-          <p:cNvPr id="5" name="コンテンツ プレースホルダー 4">
-            <a:extLst>
-              <a:ext uri="{FF2B5EF4-FFF2-40B4-BE49-F238E27FC236}">
-                <a16:creationId xmlns:a16="http://schemas.microsoft.com/office/drawing/2014/main" id="{28AA6338-1D95-4E65-B124-7C9546F50E10}"/>
-              </a:ext>
-            </a:extLst>
-          </p:cNvPr>
-          <p:cNvPicPr>
-            <a:picLocks noGrp="1" noChangeAspect="1"/>
-          </p:cNvPicPr>
+      <p:sp>
+        <p:nvSpPr>
+          <p:cNvPr id="2" name="タイトル 1">
+            <a:extLst>
+              <a:ext uri="{FF2B5EF4-FFF2-40B4-BE49-F238E27FC236}">
+                <a16:creationId xmlns:a16="http://schemas.microsoft.com/office/drawing/2014/main" id="{B6C07284-F11F-4791-A9CB-746AE29D2900}"/>
+              </a:ext>
+            </a:extLst>
+          </p:cNvPr>
+          <p:cNvSpPr>
+            <a:spLocks noGrp="1"/>
+          </p:cNvSpPr>
+          <p:nvPr>
+            <p:ph type="title"/>
+          </p:nvPr>
+        </p:nvSpPr>
+        <p:spPr/>
+        <p:txBody>
+          <a:bodyPr/>
+          <a:lstStyle/>
+          <a:p>
+            <a:r>
+              <a:rPr lang="ja-JP" altLang="en-US" dirty="0"/>
+              <a:t>開発環境</a:t>
+            </a:r>
+            <a:endParaRPr kumimoji="1" lang="ja-JP" altLang="en-US" dirty="0"/>
+          </a:p>
+        </p:txBody>
+      </p:sp>
+      <p:sp>
+        <p:nvSpPr>
+          <p:cNvPr id="3" name="コンテンツ プレースホルダー 2">
+            <a:extLst>
+              <a:ext uri="{FF2B5EF4-FFF2-40B4-BE49-F238E27FC236}">
+                <a16:creationId xmlns:a16="http://schemas.microsoft.com/office/drawing/2014/main" id="{FA309CE4-3C53-4698-90C6-FA303D3D2BAC}"/>
+              </a:ext>
+            </a:extLst>
+          </p:cNvPr>
+          <p:cNvSpPr>
+            <a:spLocks noGrp="1"/>
+          </p:cNvSpPr>
           <p:nvPr>
             <p:ph idx="1"/>
           </p:nvPr>
-        </p:nvPicPr>
-        <p:blipFill>
-          <a:blip r:embed="rId3">
-            <a:extLst>
-              <a:ext uri="{28A0092B-C50C-407E-A947-70E740481C1C}">
-                <a14:useLocalDpi xmlns:a14="http://schemas.microsoft.com/office/drawing/2010/main" val="0"/>
-              </a:ext>
-            </a:extLst>
-          </a:blip>
-          <a:stretch>
-            <a:fillRect/>
-          </a:stretch>
-        </p:blipFill>
-        <p:spPr>
-          <a:xfrm>
-            <a:off x="1899285" y="1339372"/>
-            <a:ext cx="7620635" cy="4798464"/>
-          </a:xfrm>
-        </p:spPr>
-      </p:pic>
-      <p:sp>
-        <p:nvSpPr>
-          <p:cNvPr id="2" name="タイトル 1">
-            <a:extLst>
-              <a:ext uri="{FF2B5EF4-FFF2-40B4-BE49-F238E27FC236}">
-                <a16:creationId xmlns:a16="http://schemas.microsoft.com/office/drawing/2014/main" id="{2EAC88C0-CDDB-4A00-8762-A1587B9421D8}"/>
-              </a:ext>
-            </a:extLst>
-          </p:cNvPr>
-          <p:cNvSpPr>
-            <a:spLocks noGrp="1"/>
-          </p:cNvSpPr>
-          <p:nvPr>
-            <p:ph type="title"/>
-          </p:nvPr>
-        </p:nvSpPr>
-        <p:spPr>
-          <a:solidFill>
-            <a:schemeClr val="bg1"/>
-          </a:solidFill>
-        </p:spPr>
+        </p:nvSpPr>
+        <p:spPr/>
         <p:txBody>
           <a:bodyPr/>
           <a:lstStyle/>
           <a:p>
             <a:r>
               <a:rPr kumimoji="1" lang="ja-JP" altLang="en-US" dirty="0"/>
-              <a:t>役割分担</a:t>
-            </a:r>
+              <a:t>開発言語　　　　</a:t>
+            </a:r>
+            <a:r>
+              <a:rPr lang="ja-JP" altLang="en-US" dirty="0"/>
+              <a:t>：</a:t>
+            </a:r>
+            <a:r>
+              <a:rPr kumimoji="1" lang="en-US" altLang="ja-JP" dirty="0"/>
+              <a:t>PHP</a:t>
+            </a:r>
+            <a:r>
+              <a:rPr kumimoji="1" lang="ja-JP" altLang="en-US" dirty="0" err="1"/>
+              <a:t>、</a:t>
+            </a:r>
+            <a:r>
+              <a:rPr kumimoji="1" lang="en-US" altLang="ja-JP" dirty="0"/>
+              <a:t>HTML</a:t>
+            </a:r>
+            <a:r>
+              <a:rPr kumimoji="1" lang="ja-JP" altLang="en-US" dirty="0" err="1"/>
+              <a:t>、</a:t>
+            </a:r>
+            <a:r>
+              <a:rPr kumimoji="1" lang="en-US" altLang="ja-JP" dirty="0"/>
+              <a:t>CSS</a:t>
+            </a:r>
+          </a:p>
+          <a:p>
+            <a:endParaRPr lang="en-US" altLang="ja-JP" dirty="0"/>
+          </a:p>
+          <a:p>
+            <a:r>
+              <a:rPr kumimoji="1" lang="ja-JP" altLang="en-US" dirty="0"/>
+              <a:t>データベース　　：</a:t>
+            </a:r>
+            <a:r>
+              <a:rPr lang="en-US" altLang="ja-JP" dirty="0"/>
+              <a:t>MySQL</a:t>
+            </a:r>
+            <a:endParaRPr kumimoji="1" lang="en-US" altLang="ja-JP" dirty="0"/>
+          </a:p>
+          <a:p>
+            <a:endParaRPr lang="en-US" altLang="ja-JP" dirty="0"/>
+          </a:p>
+          <a:p>
+            <a:r>
+              <a:rPr kumimoji="1" lang="ja-JP" altLang="en-US" dirty="0"/>
+              <a:t>ソースコード</a:t>
+            </a:r>
+            <a:r>
+              <a:rPr lang="ja-JP" altLang="en-US" dirty="0"/>
+              <a:t>共有</a:t>
+            </a:r>
+            <a:r>
+              <a:rPr kumimoji="1" lang="ja-JP" altLang="en-US" dirty="0"/>
+              <a:t>：</a:t>
+            </a:r>
+            <a:r>
+              <a:rPr kumimoji="1" lang="en-US" altLang="ja-JP" dirty="0" err="1"/>
+              <a:t>github</a:t>
+            </a:r>
+            <a:r>
+              <a:rPr kumimoji="1" lang="ja-JP" altLang="en-US" dirty="0" err="1"/>
+              <a:t>、</a:t>
+            </a:r>
+            <a:r>
+              <a:rPr kumimoji="1" lang="en-US" altLang="ja-JP" dirty="0" err="1"/>
+              <a:t>sourcetree</a:t>
+            </a:r>
+            <a:endParaRPr kumimoji="1" lang="en-US" altLang="ja-JP" dirty="0"/>
           </a:p>
         </p:txBody>
       </p:sp>
     </p:spTree>
     <p:extLst>
       <p:ext uri="{BB962C8B-B14F-4D97-AF65-F5344CB8AC3E}">
-        <p14:creationId xmlns:p14="http://schemas.microsoft.com/office/powerpoint/2010/main" val="465890220"/>
+        <p14:creationId xmlns:p14="http://schemas.microsoft.com/office/powerpoint/2010/main" val="501568201"/>
       </p:ext>
     </p:extLst>
   </p:cSld>
   <p:clrMapOvr>
     <a:masterClrMapping/>
   </p:clrMapOvr>
+  <mc:AlternateContent xmlns:mc="http://schemas.openxmlformats.org/markup-compatibility/2006">
+    <mc:Choice xmlns:p159="http://schemas.microsoft.com/office/powerpoint/2015/09/main" Requires="p159">
+      <p:transition xmlns:p14="http://schemas.microsoft.com/office/powerpoint/2010/main" spd="slow" p14:dur="2000">
+        <p159:morph option="byObject"/>
+      </p:transition>
+    </mc:Choice>
+    <mc:Fallback>
+      <p:transition spd="slow">
+        <p:fade/>
+      </p:transition>
+    </mc:Fallback>
+  </mc:AlternateContent>
 </p:sld>
 </file>
 
@@ -5413,40 +5493,12 @@
           <a:chExt cx="0" cy="0"/>
         </a:xfrm>
       </p:grpSpPr>
-      <p:sp>
-        <p:nvSpPr>
-          <p:cNvPr id="2" name="タイトル 1">
-            <a:extLst>
-              <a:ext uri="{FF2B5EF4-FFF2-40B4-BE49-F238E27FC236}">
-                <a16:creationId xmlns:a16="http://schemas.microsoft.com/office/drawing/2014/main" id="{CB16651E-37D9-42DA-90DD-06A586C301E4}"/>
-              </a:ext>
-            </a:extLst>
-          </p:cNvPr>
-          <p:cNvSpPr>
-            <a:spLocks noGrp="1"/>
-          </p:cNvSpPr>
-          <p:nvPr>
-            <p:ph type="title"/>
-          </p:nvPr>
-        </p:nvSpPr>
-        <p:spPr/>
-        <p:txBody>
-          <a:bodyPr/>
-          <a:lstStyle/>
-          <a:p>
-            <a:r>
-              <a:rPr kumimoji="1" lang="ja-JP" altLang="en-US" dirty="0"/>
-              <a:t>画面設計（ログイン画面）</a:t>
-            </a:r>
-          </a:p>
-        </p:txBody>
-      </p:sp>
       <p:pic>
         <p:nvPicPr>
-          <p:cNvPr id="7" name="コンテンツ プレースホルダー 6">
-            <a:extLst>
-              <a:ext uri="{FF2B5EF4-FFF2-40B4-BE49-F238E27FC236}">
-                <a16:creationId xmlns:a16="http://schemas.microsoft.com/office/drawing/2014/main" id="{A08BFECE-DD99-4924-B4B4-AC4B6F19C965}"/>
+          <p:cNvPr id="5" name="コンテンツ プレースホルダー 4">
+            <a:extLst>
+              <a:ext uri="{FF2B5EF4-FFF2-40B4-BE49-F238E27FC236}">
+                <a16:creationId xmlns:a16="http://schemas.microsoft.com/office/drawing/2014/main" id="{28AA6338-1D95-4E65-B124-7C9546F50E10}"/>
               </a:ext>
             </a:extLst>
           </p:cNvPr>
@@ -5471,21 +5523,111 @@
         </p:blipFill>
         <p:spPr>
           <a:xfrm>
-            <a:off x="2216733" y="1342811"/>
-            <a:ext cx="7708318" cy="5481471"/>
+            <a:off x="1899285" y="1339372"/>
+            <a:ext cx="7620635" cy="4798464"/>
           </a:xfrm>
         </p:spPr>
       </p:pic>
+      <p:sp>
+        <p:nvSpPr>
+          <p:cNvPr id="2" name="タイトル 1">
+            <a:extLst>
+              <a:ext uri="{FF2B5EF4-FFF2-40B4-BE49-F238E27FC236}">
+                <a16:creationId xmlns:a16="http://schemas.microsoft.com/office/drawing/2014/main" id="{2EAC88C0-CDDB-4A00-8762-A1587B9421D8}"/>
+              </a:ext>
+            </a:extLst>
+          </p:cNvPr>
+          <p:cNvSpPr>
+            <a:spLocks noGrp="1"/>
+          </p:cNvSpPr>
+          <p:nvPr>
+            <p:ph type="title"/>
+          </p:nvPr>
+        </p:nvSpPr>
+        <p:spPr>
+          <a:solidFill>
+            <a:schemeClr val="bg1"/>
+          </a:solidFill>
+        </p:spPr>
+        <p:txBody>
+          <a:bodyPr/>
+          <a:lstStyle/>
+          <a:p>
+            <a:r>
+              <a:rPr kumimoji="1" lang="ja-JP" altLang="en-US" dirty="0"/>
+              <a:t>役割分担</a:t>
+            </a:r>
+          </a:p>
+        </p:txBody>
+      </p:sp>
+      <p:sp>
+        <p:nvSpPr>
+          <p:cNvPr id="3" name="四角形: 角を丸くする 2">
+            <a:extLst>
+              <a:ext uri="{FF2B5EF4-FFF2-40B4-BE49-F238E27FC236}">
+                <a16:creationId xmlns:a16="http://schemas.microsoft.com/office/drawing/2014/main" id="{608739CF-56FB-4E32-95C4-CE6393AFD16B}"/>
+              </a:ext>
+            </a:extLst>
+          </p:cNvPr>
+          <p:cNvSpPr/>
+          <p:nvPr/>
+        </p:nvSpPr>
+        <p:spPr>
+          <a:xfrm>
+            <a:off x="2082800" y="1639888"/>
+            <a:ext cx="1524000" cy="4447148"/>
+          </a:xfrm>
+          <a:prstGeom prst="roundRect">
+            <a:avLst/>
+          </a:prstGeom>
+          <a:noFill/>
+          <a:ln w="19050"/>
+        </p:spPr>
+        <p:style>
+          <a:lnRef idx="2">
+            <a:schemeClr val="accent1"/>
+          </a:lnRef>
+          <a:fillRef idx="1">
+            <a:schemeClr val="lt1"/>
+          </a:fillRef>
+          <a:effectRef idx="0">
+            <a:schemeClr val="accent1"/>
+          </a:effectRef>
+          <a:fontRef idx="minor">
+            <a:schemeClr val="dk1"/>
+          </a:fontRef>
+        </p:style>
+        <p:txBody>
+          <a:bodyPr rtlCol="0" anchor="ctr"/>
+          <a:lstStyle/>
+          <a:p>
+            <a:pPr algn="ctr"/>
+            <a:endParaRPr kumimoji="1" lang="ja-JP" altLang="en-US"/>
+          </a:p>
+        </p:txBody>
+      </p:sp>
     </p:spTree>
     <p:extLst>
       <p:ext uri="{BB962C8B-B14F-4D97-AF65-F5344CB8AC3E}">
-        <p14:creationId xmlns:p14="http://schemas.microsoft.com/office/powerpoint/2010/main" val="4085849523"/>
+        <p14:creationId xmlns:p14="http://schemas.microsoft.com/office/powerpoint/2010/main" val="465890220"/>
       </p:ext>
     </p:extLst>
   </p:cSld>
   <p:clrMapOvr>
     <a:masterClrMapping/>
   </p:clrMapOvr>
+  <mc:AlternateContent xmlns:mc="http://schemas.openxmlformats.org/markup-compatibility/2006">
+    <mc:Choice xmlns:p159="http://schemas.microsoft.com/office/powerpoint/2015/09/main" Requires="p159">
+      <p:transition xmlns:p14="http://schemas.microsoft.com/office/powerpoint/2010/main" spd="slow" p14:dur="2000">
+        <p159:morph option="byObject"/>
+      </p:transition>
+    </mc:Choice>
+    <mc:Fallback>
+      <p:transition spd="slow">
+        <p:fade/>
+      </p:transition>
+    </mc:Fallback>
+  </mc:AlternateContent>
 </p:sld>
 </file>
 
@@ -5506,49 +5648,19 @@
           <a:chExt cx="0" cy="0"/>
         </a:xfrm>
       </p:grpSpPr>
-      <p:sp>
-        <p:nvSpPr>
-          <p:cNvPr id="2" name="タイトル 1">
-            <a:extLst>
-              <a:ext uri="{FF2B5EF4-FFF2-40B4-BE49-F238E27FC236}">
-                <a16:creationId xmlns:a16="http://schemas.microsoft.com/office/drawing/2014/main" id="{003AA91A-D675-46D0-A553-3C66EF9DB40B}"/>
-              </a:ext>
-            </a:extLst>
-          </p:cNvPr>
-          <p:cNvSpPr>
-            <a:spLocks noGrp="1"/>
-          </p:cNvSpPr>
-          <p:nvPr>
-            <p:ph type="title"/>
-          </p:nvPr>
-        </p:nvSpPr>
-        <p:spPr/>
-        <p:txBody>
-          <a:bodyPr/>
-          <a:lstStyle/>
-          <a:p>
-            <a:r>
-              <a:rPr kumimoji="1" lang="ja-JP" altLang="en-US" dirty="0"/>
-              <a:t>画面設計（メイン画面）</a:t>
-            </a:r>
-          </a:p>
-        </p:txBody>
-      </p:sp>
       <p:pic>
         <p:nvPicPr>
           <p:cNvPr id="5" name="コンテンツ プレースホルダー 4">
             <a:extLst>
               <a:ext uri="{FF2B5EF4-FFF2-40B4-BE49-F238E27FC236}">
-                <a16:creationId xmlns:a16="http://schemas.microsoft.com/office/drawing/2014/main" id="{7B979DDC-E25E-470B-B604-157574DE5D94}"/>
+                <a16:creationId xmlns:a16="http://schemas.microsoft.com/office/drawing/2014/main" id="{E0FEF72A-A4F2-4889-BD23-C008457D90AC}"/>
               </a:ext>
             </a:extLst>
           </p:cNvPr>
           <p:cNvPicPr>
-            <a:picLocks noGrp="1" noChangeAspect="1"/>
+            <a:picLocks noChangeAspect="1"/>
           </p:cNvPicPr>
-          <p:nvPr>
-            <p:ph idx="1"/>
-          </p:nvPr>
+          <p:nvPr/>
         </p:nvPicPr>
         <p:blipFill>
           <a:blip r:embed="rId3">
@@ -5564,21 +5676,405 @@
         </p:blipFill>
         <p:spPr>
           <a:xfrm>
-            <a:off x="2030982" y="1297093"/>
-            <a:ext cx="7598793" cy="5403586"/>
+            <a:off x="7805778" y="1427967"/>
+            <a:ext cx="4223979" cy="3003718"/>
+          </a:xfrm>
+          <a:prstGeom prst="rect">
+            <a:avLst/>
+          </a:prstGeom>
+        </p:spPr>
+      </p:pic>
+      <p:sp>
+        <p:nvSpPr>
+          <p:cNvPr id="2" name="タイトル 1">
+            <a:extLst>
+              <a:ext uri="{FF2B5EF4-FFF2-40B4-BE49-F238E27FC236}">
+                <a16:creationId xmlns:a16="http://schemas.microsoft.com/office/drawing/2014/main" id="{CB16651E-37D9-42DA-90DD-06A586C301E4}"/>
+              </a:ext>
+            </a:extLst>
+          </p:cNvPr>
+          <p:cNvSpPr>
+            <a:spLocks noGrp="1"/>
+          </p:cNvSpPr>
+          <p:nvPr>
+            <p:ph type="title"/>
+          </p:nvPr>
+        </p:nvSpPr>
+        <p:spPr>
+          <a:xfrm>
+            <a:off x="838200" y="365125"/>
+            <a:ext cx="10515600" cy="1325563"/>
+          </a:xfrm>
+        </p:spPr>
+        <p:txBody>
+          <a:bodyPr/>
+          <a:lstStyle/>
+          <a:p>
+            <a:r>
+              <a:rPr kumimoji="1" lang="ja-JP" altLang="en-US" dirty="0"/>
+              <a:t>画面設計</a:t>
+            </a:r>
+          </a:p>
+        </p:txBody>
+      </p:sp>
+      <p:pic>
+        <p:nvPicPr>
+          <p:cNvPr id="7" name="コンテンツ プレースホルダー 6">
+            <a:extLst>
+              <a:ext uri="{FF2B5EF4-FFF2-40B4-BE49-F238E27FC236}">
+                <a16:creationId xmlns:a16="http://schemas.microsoft.com/office/drawing/2014/main" id="{A08BFECE-DD99-4924-B4B4-AC4B6F19C965}"/>
+              </a:ext>
+            </a:extLst>
+          </p:cNvPr>
+          <p:cNvPicPr>
+            <a:picLocks noGrp="1" noChangeAspect="1"/>
+          </p:cNvPicPr>
+          <p:nvPr>
+            <p:ph idx="1"/>
+          </p:nvPr>
+        </p:nvPicPr>
+        <p:blipFill>
+          <a:blip r:embed="rId4">
+            <a:extLst>
+              <a:ext uri="{28A0092B-C50C-407E-A947-70E740481C1C}">
+                <a14:useLocalDpi xmlns:a14="http://schemas.microsoft.com/office/drawing/2010/main" val="0"/>
+              </a:ext>
+            </a:extLst>
+          </a:blip>
+          <a:stretch>
+            <a:fillRect/>
+          </a:stretch>
+        </p:blipFill>
+        <p:spPr>
+          <a:xfrm>
+            <a:off x="162243" y="1427967"/>
+            <a:ext cx="4438913" cy="3156560"/>
           </a:xfrm>
         </p:spPr>
       </p:pic>
+      <p:pic>
+        <p:nvPicPr>
+          <p:cNvPr id="4" name="コンテンツ プレースホルダー 4">
+            <a:extLst>
+              <a:ext uri="{FF2B5EF4-FFF2-40B4-BE49-F238E27FC236}">
+                <a16:creationId xmlns:a16="http://schemas.microsoft.com/office/drawing/2014/main" id="{4448BFEB-9E93-4E9C-AD04-3C436103C366}"/>
+              </a:ext>
+            </a:extLst>
+          </p:cNvPr>
+          <p:cNvPicPr>
+            <a:picLocks noChangeAspect="1"/>
+          </p:cNvPicPr>
+          <p:nvPr/>
+        </p:nvPicPr>
+        <p:blipFill>
+          <a:blip r:embed="rId5">
+            <a:extLst>
+              <a:ext uri="{28A0092B-C50C-407E-A947-70E740481C1C}">
+                <a14:useLocalDpi xmlns:a14="http://schemas.microsoft.com/office/drawing/2010/main" val="0"/>
+              </a:ext>
+            </a:extLst>
+          </a:blip>
+          <a:stretch>
+            <a:fillRect/>
+          </a:stretch>
+        </p:blipFill>
+        <p:spPr>
+          <a:xfrm>
+            <a:off x="3898650" y="3367864"/>
+            <a:ext cx="4593995" cy="3266841"/>
+          </a:xfrm>
+          <a:prstGeom prst="rect">
+            <a:avLst/>
+          </a:prstGeom>
+        </p:spPr>
+      </p:pic>
+      <p:sp>
+        <p:nvSpPr>
+          <p:cNvPr id="6" name="矢印: 下 5">
+            <a:extLst>
+              <a:ext uri="{FF2B5EF4-FFF2-40B4-BE49-F238E27FC236}">
+                <a16:creationId xmlns:a16="http://schemas.microsoft.com/office/drawing/2014/main" id="{F0E5AC86-9C0B-4D43-9C70-7952B96B7489}"/>
+              </a:ext>
+            </a:extLst>
+          </p:cNvPr>
+          <p:cNvSpPr/>
+          <p:nvPr/>
+        </p:nvSpPr>
+        <p:spPr>
+          <a:xfrm rot="18192313">
+            <a:off x="3038106" y="3552810"/>
+            <a:ext cx="648127" cy="1518178"/>
+          </a:xfrm>
+          <a:prstGeom prst="downArrow">
+            <a:avLst/>
+          </a:prstGeom>
+          <a:solidFill>
+            <a:schemeClr val="accent5">
+              <a:lumMod val="20000"/>
+              <a:lumOff val="80000"/>
+            </a:schemeClr>
+          </a:solidFill>
+        </p:spPr>
+        <p:style>
+          <a:lnRef idx="2">
+            <a:schemeClr val="accent1">
+              <a:shade val="50000"/>
+            </a:schemeClr>
+          </a:lnRef>
+          <a:fillRef idx="1">
+            <a:schemeClr val="accent1"/>
+          </a:fillRef>
+          <a:effectRef idx="0">
+            <a:schemeClr val="accent1"/>
+          </a:effectRef>
+          <a:fontRef idx="minor">
+            <a:schemeClr val="lt1"/>
+          </a:fontRef>
+        </p:style>
+        <p:txBody>
+          <a:bodyPr rtlCol="0" anchor="ctr"/>
+          <a:lstStyle/>
+          <a:p>
+            <a:pPr algn="ctr"/>
+            <a:endParaRPr kumimoji="1" lang="ja-JP" altLang="en-US" dirty="0"/>
+          </a:p>
+        </p:txBody>
+      </p:sp>
+      <p:sp>
+        <p:nvSpPr>
+          <p:cNvPr id="8" name="矢印: 下 7">
+            <a:extLst>
+              <a:ext uri="{FF2B5EF4-FFF2-40B4-BE49-F238E27FC236}">
+                <a16:creationId xmlns:a16="http://schemas.microsoft.com/office/drawing/2014/main" id="{EC1A7EA2-922F-4471-B602-A41F2BF5A350}"/>
+              </a:ext>
+            </a:extLst>
+          </p:cNvPr>
+          <p:cNvSpPr/>
+          <p:nvPr/>
+        </p:nvSpPr>
+        <p:spPr>
+          <a:xfrm rot="14409857">
+            <a:off x="8697972" y="3491616"/>
+            <a:ext cx="648127" cy="1518178"/>
+          </a:xfrm>
+          <a:prstGeom prst="downArrow">
+            <a:avLst/>
+          </a:prstGeom>
+          <a:solidFill>
+            <a:schemeClr val="accent5">
+              <a:lumMod val="20000"/>
+              <a:lumOff val="80000"/>
+            </a:schemeClr>
+          </a:solidFill>
+        </p:spPr>
+        <p:style>
+          <a:lnRef idx="2">
+            <a:schemeClr val="accent1">
+              <a:shade val="50000"/>
+            </a:schemeClr>
+          </a:lnRef>
+          <a:fillRef idx="1">
+            <a:schemeClr val="accent1"/>
+          </a:fillRef>
+          <a:effectRef idx="0">
+            <a:schemeClr val="accent1"/>
+          </a:effectRef>
+          <a:fontRef idx="minor">
+            <a:schemeClr val="lt1"/>
+          </a:fontRef>
+        </p:style>
+        <p:txBody>
+          <a:bodyPr rtlCol="0" anchor="ctr"/>
+          <a:lstStyle/>
+          <a:p>
+            <a:pPr algn="ctr"/>
+            <a:endParaRPr kumimoji="1" lang="ja-JP" altLang="en-US" dirty="0"/>
+          </a:p>
+        </p:txBody>
+      </p:sp>
+      <p:sp>
+        <p:nvSpPr>
+          <p:cNvPr id="9" name="矢印: 下 8">
+            <a:extLst>
+              <a:ext uri="{FF2B5EF4-FFF2-40B4-BE49-F238E27FC236}">
+                <a16:creationId xmlns:a16="http://schemas.microsoft.com/office/drawing/2014/main" id="{F17AB836-9253-4463-BFA9-1700ABEB510F}"/>
+              </a:ext>
+            </a:extLst>
+          </p:cNvPr>
+          <p:cNvSpPr/>
+          <p:nvPr/>
+        </p:nvSpPr>
+        <p:spPr>
+          <a:xfrm rot="3717504">
+            <a:off x="8226648" y="2865954"/>
+            <a:ext cx="648127" cy="1518178"/>
+          </a:xfrm>
+          <a:prstGeom prst="downArrow">
+            <a:avLst/>
+          </a:prstGeom>
+          <a:solidFill>
+            <a:schemeClr val="accent5">
+              <a:lumMod val="20000"/>
+              <a:lumOff val="80000"/>
+            </a:schemeClr>
+          </a:solidFill>
+        </p:spPr>
+        <p:style>
+          <a:lnRef idx="2">
+            <a:schemeClr val="accent1">
+              <a:shade val="50000"/>
+            </a:schemeClr>
+          </a:lnRef>
+          <a:fillRef idx="1">
+            <a:schemeClr val="accent1"/>
+          </a:fillRef>
+          <a:effectRef idx="0">
+            <a:schemeClr val="accent1"/>
+          </a:effectRef>
+          <a:fontRef idx="minor">
+            <a:schemeClr val="lt1"/>
+          </a:fontRef>
+        </p:style>
+        <p:txBody>
+          <a:bodyPr rtlCol="0" anchor="ctr"/>
+          <a:lstStyle/>
+          <a:p>
+            <a:pPr algn="ctr"/>
+            <a:endParaRPr kumimoji="1" lang="ja-JP" altLang="en-US" dirty="0"/>
+          </a:p>
+        </p:txBody>
+      </p:sp>
+      <p:sp>
+        <p:nvSpPr>
+          <p:cNvPr id="10" name="テキスト ボックス 9">
+            <a:extLst>
+              <a:ext uri="{FF2B5EF4-FFF2-40B4-BE49-F238E27FC236}">
+                <a16:creationId xmlns:a16="http://schemas.microsoft.com/office/drawing/2014/main" id="{CA4C053A-1CCE-4E29-9531-88E8A0880CF0}"/>
+              </a:ext>
+            </a:extLst>
+          </p:cNvPr>
+          <p:cNvSpPr txBox="1"/>
+          <p:nvPr/>
+        </p:nvSpPr>
+        <p:spPr>
+          <a:xfrm rot="20866362">
+            <a:off x="3687000" y="3247528"/>
+            <a:ext cx="1553227" cy="369332"/>
+          </a:xfrm>
+          <a:prstGeom prst="rect">
+            <a:avLst/>
+          </a:prstGeom>
+          <a:noFill/>
+        </p:spPr>
+        <p:txBody>
+          <a:bodyPr wrap="square" rtlCol="0">
+            <a:spAutoFit/>
+          </a:bodyPr>
+          <a:lstStyle/>
+          <a:p>
+            <a:r>
+              <a:rPr kumimoji="1" lang="ja-JP" altLang="en-US" dirty="0"/>
+              <a:t>メイン画面</a:t>
+            </a:r>
+          </a:p>
+        </p:txBody>
+      </p:sp>
+      <p:sp>
+        <p:nvSpPr>
+          <p:cNvPr id="12" name="テキスト ボックス 11">
+            <a:extLst>
+              <a:ext uri="{FF2B5EF4-FFF2-40B4-BE49-F238E27FC236}">
+                <a16:creationId xmlns:a16="http://schemas.microsoft.com/office/drawing/2014/main" id="{4E4639FB-2BC8-4FC2-9C2D-53E6CD09FD0B}"/>
+              </a:ext>
+            </a:extLst>
+          </p:cNvPr>
+          <p:cNvSpPr txBox="1"/>
+          <p:nvPr/>
+        </p:nvSpPr>
+        <p:spPr>
+          <a:xfrm rot="20866362">
+            <a:off x="184799" y="1851424"/>
+            <a:ext cx="1792530" cy="369332"/>
+          </a:xfrm>
+          <a:prstGeom prst="rect">
+            <a:avLst/>
+          </a:prstGeom>
+          <a:noFill/>
+        </p:spPr>
+        <p:txBody>
+          <a:bodyPr wrap="square" rtlCol="0">
+            <a:spAutoFit/>
+          </a:bodyPr>
+          <a:lstStyle/>
+          <a:p>
+            <a:r>
+              <a:rPr lang="ja-JP" altLang="en-US" dirty="0"/>
+              <a:t>ログイン</a:t>
+            </a:r>
+            <a:r>
+              <a:rPr kumimoji="1" lang="ja-JP" altLang="en-US" dirty="0"/>
+              <a:t>画面</a:t>
+            </a:r>
+          </a:p>
+        </p:txBody>
+      </p:sp>
+      <p:sp>
+        <p:nvSpPr>
+          <p:cNvPr id="13" name="テキスト ボックス 12">
+            <a:extLst>
+              <a:ext uri="{FF2B5EF4-FFF2-40B4-BE49-F238E27FC236}">
+                <a16:creationId xmlns:a16="http://schemas.microsoft.com/office/drawing/2014/main" id="{A8F334B7-93AC-497D-BC3F-7E8F124BF2CC}"/>
+              </a:ext>
+            </a:extLst>
+          </p:cNvPr>
+          <p:cNvSpPr txBox="1"/>
+          <p:nvPr/>
+        </p:nvSpPr>
+        <p:spPr>
+          <a:xfrm rot="20866362">
+            <a:off x="7762141" y="1788406"/>
+            <a:ext cx="1792530" cy="369332"/>
+          </a:xfrm>
+          <a:prstGeom prst="rect">
+            <a:avLst/>
+          </a:prstGeom>
+          <a:noFill/>
+        </p:spPr>
+        <p:txBody>
+          <a:bodyPr wrap="square" rtlCol="0">
+            <a:spAutoFit/>
+          </a:bodyPr>
+          <a:lstStyle/>
+          <a:p>
+            <a:r>
+              <a:rPr kumimoji="1" lang="ja-JP" altLang="en-US" dirty="0"/>
+              <a:t>設定画面</a:t>
+            </a:r>
+          </a:p>
+        </p:txBody>
+      </p:sp>
     </p:spTree>
     <p:extLst>
       <p:ext uri="{BB962C8B-B14F-4D97-AF65-F5344CB8AC3E}">
-        <p14:creationId xmlns:p14="http://schemas.microsoft.com/office/powerpoint/2010/main" val="2628716856"/>
+        <p14:creationId xmlns:p14="http://schemas.microsoft.com/office/powerpoint/2010/main" val="4085849523"/>
       </p:ext>
     </p:extLst>
   </p:cSld>
   <p:clrMapOvr>
     <a:masterClrMapping/>
   </p:clrMapOvr>
+  <mc:AlternateContent xmlns:mc="http://schemas.openxmlformats.org/markup-compatibility/2006">
+    <mc:Choice xmlns:p159="http://schemas.microsoft.com/office/powerpoint/2015/09/main" Requires="p159">
+      <p:transition xmlns:p14="http://schemas.microsoft.com/office/powerpoint/2010/main" spd="slow" p14:dur="2000">
+        <p159:morph option="byObject"/>
+      </p:transition>
+    </mc:Choice>
+    <mc:Fallback>
+      <p:transition spd="slow">
+        <p:fade/>
+      </p:transition>
+    </mc:Fallback>
+  </mc:AlternateContent>
 </p:sld>
 </file>
 
@@ -5601,10 +6097,10 @@
       </p:grpSpPr>
       <p:sp>
         <p:nvSpPr>
-          <p:cNvPr id="2" name="タイトル 1">
-            <a:extLst>
-              <a:ext uri="{FF2B5EF4-FFF2-40B4-BE49-F238E27FC236}">
-                <a16:creationId xmlns:a16="http://schemas.microsoft.com/office/drawing/2014/main" id="{D4FA50A4-F9D4-46EC-95FF-C9B92E5D9DBD}"/>
+          <p:cNvPr id="6" name="タイトル 1">
+            <a:extLst>
+              <a:ext uri="{FF2B5EF4-FFF2-40B4-BE49-F238E27FC236}">
+                <a16:creationId xmlns:a16="http://schemas.microsoft.com/office/drawing/2014/main" id="{585BC671-44EA-4761-B18B-11693CD5667C}"/>
               </a:ext>
             </a:extLst>
           </p:cNvPr>
@@ -5615,32 +6111,36 @@
             <p:ph type="title"/>
           </p:nvPr>
         </p:nvSpPr>
-        <p:spPr/>
-        <p:txBody>
-          <a:bodyPr/>
-          <a:lstStyle/>
-          <a:p>
+        <p:spPr>
+          <a:xfrm>
+            <a:off x="838200" y="212725"/>
+            <a:ext cx="10515600" cy="1325563"/>
+          </a:xfrm>
+          <a:solidFill>
+            <a:schemeClr val="bg1"/>
+          </a:solidFill>
+        </p:spPr>
+        <p:txBody>
+          <a:bodyPr/>
+          <a:lstStyle/>
+          <a:p>
+            <a:r>
+              <a:rPr kumimoji="1" lang="en-US" altLang="ja-JP" dirty="0"/>
+              <a:t>ER</a:t>
+            </a:r>
             <a:r>
               <a:rPr kumimoji="1" lang="ja-JP" altLang="en-US" dirty="0"/>
-              <a:t>画面設計（</a:t>
-            </a:r>
-            <a:r>
-              <a:rPr lang="ja-JP" altLang="en-US" dirty="0"/>
-              <a:t>設定</a:t>
-            </a:r>
-            <a:r>
-              <a:rPr kumimoji="1" lang="ja-JP" altLang="en-US" dirty="0"/>
-              <a:t>画面）</a:t>
+              <a:t>図</a:t>
             </a:r>
           </a:p>
         </p:txBody>
       </p:sp>
       <p:pic>
         <p:nvPicPr>
-          <p:cNvPr id="5" name="コンテンツ プレースホルダー 4">
-            <a:extLst>
-              <a:ext uri="{FF2B5EF4-FFF2-40B4-BE49-F238E27FC236}">
-                <a16:creationId xmlns:a16="http://schemas.microsoft.com/office/drawing/2014/main" id="{84FA9CE9-47E3-49C4-B63B-002B7C6BA3AC}"/>
+          <p:cNvPr id="9" name="コンテンツ プレースホルダー 8">
+            <a:extLst>
+              <a:ext uri="{FF2B5EF4-FFF2-40B4-BE49-F238E27FC236}">
+                <a16:creationId xmlns:a16="http://schemas.microsoft.com/office/drawing/2014/main" id="{EBE5E0B2-54B5-41B9-A00D-BE504217D15F}"/>
               </a:ext>
             </a:extLst>
           </p:cNvPr>
@@ -5665,21 +6165,33 @@
         </p:blipFill>
         <p:spPr>
           <a:xfrm>
-            <a:off x="2046896" y="1352549"/>
-            <a:ext cx="7531682" cy="5355863"/>
+            <a:off x="635534" y="1252603"/>
+            <a:ext cx="10920931" cy="4999517"/>
           </a:xfrm>
         </p:spPr>
       </p:pic>
     </p:spTree>
     <p:extLst>
       <p:ext uri="{BB962C8B-B14F-4D97-AF65-F5344CB8AC3E}">
-        <p14:creationId xmlns:p14="http://schemas.microsoft.com/office/powerpoint/2010/main" val="721040524"/>
+        <p14:creationId xmlns:p14="http://schemas.microsoft.com/office/powerpoint/2010/main" val="3577618292"/>
       </p:ext>
     </p:extLst>
   </p:cSld>
   <p:clrMapOvr>
     <a:masterClrMapping/>
   </p:clrMapOvr>
+  <mc:AlternateContent xmlns:mc="http://schemas.openxmlformats.org/markup-compatibility/2006">
+    <mc:Choice xmlns:p159="http://schemas.microsoft.com/office/powerpoint/2015/09/main" Requires="p159">
+      <p:transition xmlns:p14="http://schemas.microsoft.com/office/powerpoint/2010/main" spd="slow" p14:dur="2000">
+        <p159:morph option="byObject"/>
+      </p:transition>
+    </mc:Choice>
+    <mc:Fallback>
+      <p:transition spd="slow">
+        <p:fade/>
+      </p:transition>
+    </mc:Fallback>
+  </mc:AlternateContent>
 </p:sld>
 </file>
 
@@ -5702,89 +6214,79 @@
       </p:grpSpPr>
       <p:sp>
         <p:nvSpPr>
-          <p:cNvPr id="6" name="タイトル 1">
-            <a:extLst>
-              <a:ext uri="{FF2B5EF4-FFF2-40B4-BE49-F238E27FC236}">
-                <a16:creationId xmlns:a16="http://schemas.microsoft.com/office/drawing/2014/main" id="{585BC671-44EA-4761-B18B-11693CD5667C}"/>
-              </a:ext>
-            </a:extLst>
-          </p:cNvPr>
-          <p:cNvSpPr>
-            <a:spLocks noGrp="1"/>
-          </p:cNvSpPr>
-          <p:nvPr>
-            <p:ph type="title"/>
-          </p:nvPr>
-        </p:nvSpPr>
-        <p:spPr>
-          <a:xfrm>
-            <a:off x="838200" y="212725"/>
-            <a:ext cx="10515600" cy="1325563"/>
-          </a:xfrm>
-          <a:solidFill>
-            <a:schemeClr val="bg1"/>
-          </a:solidFill>
-        </p:spPr>
-        <p:txBody>
-          <a:bodyPr/>
-          <a:lstStyle/>
-          <a:p>
-            <a:r>
-              <a:rPr kumimoji="1" lang="en-US" altLang="ja-JP" dirty="0"/>
-              <a:t>ER</a:t>
-            </a:r>
+          <p:cNvPr id="2" name="タイトル 1">
+            <a:extLst>
+              <a:ext uri="{FF2B5EF4-FFF2-40B4-BE49-F238E27FC236}">
+                <a16:creationId xmlns:a16="http://schemas.microsoft.com/office/drawing/2014/main" id="{01ED2532-0476-4C83-8324-7CEFE379E995}"/>
+              </a:ext>
+            </a:extLst>
+          </p:cNvPr>
+          <p:cNvSpPr>
+            <a:spLocks noGrp="1"/>
+          </p:cNvSpPr>
+          <p:nvPr>
+            <p:ph type="ctrTitle"/>
+          </p:nvPr>
+        </p:nvSpPr>
+        <p:spPr/>
+        <p:txBody>
+          <a:bodyPr/>
+          <a:lstStyle/>
+          <a:p>
             <a:r>
               <a:rPr kumimoji="1" lang="ja-JP" altLang="en-US" dirty="0"/>
-              <a:t>図</a:t>
-            </a:r>
-          </a:p>
-        </p:txBody>
-      </p:sp>
-      <p:pic>
-        <p:nvPicPr>
-          <p:cNvPr id="7" name="コンテンツ プレースホルダー 6">
-            <a:extLst>
-              <a:ext uri="{FF2B5EF4-FFF2-40B4-BE49-F238E27FC236}">
-                <a16:creationId xmlns:a16="http://schemas.microsoft.com/office/drawing/2014/main" id="{C07FBF9D-92C0-49DA-84E3-ABD0F61727C0}"/>
-              </a:ext>
-            </a:extLst>
-          </p:cNvPr>
-          <p:cNvPicPr>
-            <a:picLocks noGrp="1" noChangeAspect="1"/>
-          </p:cNvPicPr>
-          <p:nvPr>
-            <p:ph idx="1"/>
-          </p:nvPr>
-        </p:nvPicPr>
-        <p:blipFill>
-          <a:blip r:embed="rId3">
-            <a:extLst>
-              <a:ext uri="{28A0092B-C50C-407E-A947-70E740481C1C}">
-                <a14:useLocalDpi xmlns:a14="http://schemas.microsoft.com/office/drawing/2010/main" val="0"/>
-              </a:ext>
-            </a:extLst>
-          </a:blip>
-          <a:stretch>
-            <a:fillRect/>
-          </a:stretch>
-        </p:blipFill>
-        <p:spPr>
-          <a:xfrm>
-            <a:off x="1447292" y="1104900"/>
-            <a:ext cx="8642400" cy="5101732"/>
-          </a:xfrm>
-        </p:spPr>
-      </p:pic>
+              <a:t>動作確認</a:t>
+            </a:r>
+          </a:p>
+        </p:txBody>
+      </p:sp>
+      <p:sp>
+        <p:nvSpPr>
+          <p:cNvPr id="3" name="字幕 2">
+            <a:extLst>
+              <a:ext uri="{FF2B5EF4-FFF2-40B4-BE49-F238E27FC236}">
+                <a16:creationId xmlns:a16="http://schemas.microsoft.com/office/drawing/2014/main" id="{A71E8BFB-3D4C-45D8-83CA-44A1A402A145}"/>
+              </a:ext>
+            </a:extLst>
+          </p:cNvPr>
+          <p:cNvSpPr>
+            <a:spLocks noGrp="1"/>
+          </p:cNvSpPr>
+          <p:nvPr>
+            <p:ph type="subTitle" idx="1"/>
+          </p:nvPr>
+        </p:nvSpPr>
+        <p:spPr/>
+        <p:txBody>
+          <a:bodyPr/>
+          <a:lstStyle/>
+          <a:p>
+            <a:endParaRPr kumimoji="1" lang="ja-JP" altLang="en-US" dirty="0"/>
+          </a:p>
+        </p:txBody>
+      </p:sp>
     </p:spTree>
     <p:extLst>
       <p:ext uri="{BB962C8B-B14F-4D97-AF65-F5344CB8AC3E}">
-        <p14:creationId xmlns:p14="http://schemas.microsoft.com/office/powerpoint/2010/main" val="3577618292"/>
+        <p14:creationId xmlns:p14="http://schemas.microsoft.com/office/powerpoint/2010/main" val="1762712904"/>
       </p:ext>
     </p:extLst>
   </p:cSld>
   <p:clrMapOvr>
     <a:masterClrMapping/>
   </p:clrMapOvr>
+  <mc:AlternateContent xmlns:mc="http://schemas.openxmlformats.org/markup-compatibility/2006">
+    <mc:Choice xmlns:p159="http://schemas.microsoft.com/office/powerpoint/2015/09/main" Requires="p159">
+      <p:transition xmlns:p14="http://schemas.microsoft.com/office/powerpoint/2010/main" spd="slow" p14:dur="2000">
+        <p159:morph option="byObject"/>
+      </p:transition>
+    </mc:Choice>
+    <mc:Fallback>
+      <p:transition spd="slow">
+        <p:fade/>
+      </p:transition>
+    </mc:Fallback>
+  </mc:AlternateContent>
 </p:sld>
 </file>
 
@@ -5827,9 +6329,10 @@
           <a:lstStyle/>
           <a:p>
             <a:r>
-              <a:rPr kumimoji="1" lang="ja-JP" altLang="en-US" dirty="0"/>
-              <a:t>動作確認</a:t>
-            </a:r>
+              <a:rPr lang="ja-JP" altLang="en-US" dirty="0"/>
+              <a:t>まとめ</a:t>
+            </a:r>
+            <a:endParaRPr kumimoji="1" lang="ja-JP" altLang="en-US" dirty="0"/>
           </a:p>
         </p:txBody>
       </p:sp>
@@ -5861,13 +6364,25 @@
     </p:spTree>
     <p:extLst>
       <p:ext uri="{BB962C8B-B14F-4D97-AF65-F5344CB8AC3E}">
-        <p14:creationId xmlns:p14="http://schemas.microsoft.com/office/powerpoint/2010/main" val="1762712904"/>
+        <p14:creationId xmlns:p14="http://schemas.microsoft.com/office/powerpoint/2010/main" val="973615335"/>
       </p:ext>
     </p:extLst>
   </p:cSld>
   <p:clrMapOvr>
     <a:masterClrMapping/>
   </p:clrMapOvr>
+  <mc:AlternateContent xmlns:mc="http://schemas.openxmlformats.org/markup-compatibility/2006">
+    <mc:Choice xmlns:p159="http://schemas.microsoft.com/office/powerpoint/2015/09/main" Requires="p159">
+      <p:transition xmlns:p14="http://schemas.microsoft.com/office/powerpoint/2010/main" spd="slow" p14:dur="2000">
+        <p159:morph option="byObject"/>
+      </p:transition>
+    </mc:Choice>
+    <mc:Fallback>
+      <p:transition spd="slow">
+        <p:fade/>
+      </p:transition>
+    </mc:Fallback>
+  </mc:AlternateContent>
 </p:sld>
 </file>
 

--- a/プレゼン資料/Webアプリ開発発表資料.pptx
+++ b/プレゼン資料/Webアプリ開発発表資料.pptx
@@ -11,11 +11,11 @@
     <p:sldId id="256" r:id="rId2"/>
     <p:sldId id="269" r:id="rId3"/>
     <p:sldId id="257" r:id="rId4"/>
-    <p:sldId id="267" r:id="rId5"/>
-    <p:sldId id="258" r:id="rId6"/>
-    <p:sldId id="260" r:id="rId7"/>
-    <p:sldId id="261" r:id="rId8"/>
-    <p:sldId id="268" r:id="rId9"/>
+    <p:sldId id="260" r:id="rId5"/>
+    <p:sldId id="261" r:id="rId6"/>
+    <p:sldId id="258" r:id="rId7"/>
+    <p:sldId id="268" r:id="rId8"/>
+    <p:sldId id="267" r:id="rId9"/>
     <p:sldId id="270" r:id="rId10"/>
   </p:sldIdLst>
   <p:sldSz cx="12192000" cy="6858000"/>
@@ -217,7 +217,7 @@
           <a:p>
             <a:fld id="{1948D64E-5151-4DBE-B175-EE677850562F}" type="datetimeFigureOut">
               <a:rPr kumimoji="1" lang="ja-JP" altLang="en-US" smtClean="0"/>
-              <a:t>2024/8/1</a:t>
+              <a:t>2024/8/15</a:t>
             </a:fld>
             <a:endParaRPr kumimoji="1" lang="ja-JP" altLang="en-US"/>
           </a:p>
@@ -757,9 +757,12 @@
           <a:bodyPr/>
           <a:lstStyle/>
           <a:p>
+            <a:endParaRPr kumimoji="1" lang="en-US" altLang="ja-JP" dirty="0"/>
+          </a:p>
+          <a:p>
             <a:r>
               <a:rPr kumimoji="1" lang="ja-JP" altLang="en-US" dirty="0"/>
-              <a:t>私たちが開発したのは、各店舗の売上集計を行い、各店舗ごとに目標売上を割り振る売上管理を開発しました。</a:t>
+              <a:t>私たちが開発したのは、各店舗の売上集計を行い、各店舗ごとに目標売上を割り振る売上管理を作りました。</a:t>
             </a:r>
             <a:endParaRPr kumimoji="1" lang="en-US" altLang="ja-JP" dirty="0"/>
           </a:p>
@@ -876,70 +879,64 @@
           <a:p>
             <a:r>
               <a:rPr kumimoji="1" lang="ja-JP" altLang="en-US" dirty="0"/>
-              <a:t>開発言語は、</a:t>
+              <a:t>画面設計の説明に移ります。</a:t>
+            </a:r>
+            <a:endParaRPr kumimoji="1" lang="en-US" altLang="ja-JP" dirty="0"/>
+          </a:p>
+          <a:p>
+            <a:endParaRPr kumimoji="1" lang="en-US" altLang="ja-JP" dirty="0"/>
+          </a:p>
+          <a:p>
+            <a:r>
+              <a:rPr kumimoji="1" lang="ja-JP" altLang="en-US" dirty="0"/>
+              <a:t>設計段階では、こんな感じをイメージしていました。</a:t>
+            </a:r>
+            <a:endParaRPr kumimoji="1" lang="en-US" altLang="ja-JP" dirty="0"/>
+          </a:p>
+          <a:p>
+            <a:endParaRPr kumimoji="1" lang="en-US" altLang="ja-JP" dirty="0"/>
+          </a:p>
+          <a:p>
+            <a:r>
+              <a:rPr kumimoji="1" lang="ja-JP" altLang="en-US" dirty="0"/>
+              <a:t>ログイン画面に</a:t>
             </a:r>
             <a:r>
               <a:rPr kumimoji="1" lang="en-US" altLang="ja-JP" dirty="0"/>
-              <a:t>PHP</a:t>
-            </a:r>
-            <a:r>
-              <a:rPr kumimoji="1" lang="ja-JP" altLang="en-US" dirty="0" err="1"/>
-              <a:t>、</a:t>
-            </a:r>
-            <a:r>
-              <a:rPr kumimoji="1" lang="en-US" altLang="ja-JP" dirty="0"/>
-              <a:t>HTML</a:t>
-            </a:r>
-            <a:r>
-              <a:rPr kumimoji="1" lang="ja-JP" altLang="en-US" dirty="0" err="1"/>
-              <a:t>、</a:t>
-            </a:r>
-            <a:r>
-              <a:rPr kumimoji="1" lang="en-US" altLang="ja-JP" dirty="0"/>
-              <a:t>CSS</a:t>
+              <a:t>ID</a:t>
             </a:r>
             <a:r>
               <a:rPr kumimoji="1" lang="ja-JP" altLang="en-US" dirty="0"/>
-              <a:t>を使っています。</a:t>
+              <a:t>とパスワードを入れてログインをすると</a:t>
             </a:r>
             <a:endParaRPr kumimoji="1" lang="en-US" altLang="ja-JP" dirty="0"/>
           </a:p>
           <a:p>
             <a:r>
               <a:rPr kumimoji="1" lang="ja-JP" altLang="en-US" dirty="0"/>
-              <a:t>データベースは</a:t>
-            </a:r>
-            <a:r>
-              <a:rPr kumimoji="1" lang="en-US" altLang="ja-JP" dirty="0"/>
-              <a:t>MySQL</a:t>
-            </a:r>
+              <a:t>メイン画面に遷移して、</a:t>
+            </a:r>
+            <a:endParaRPr kumimoji="1" lang="en-US" altLang="ja-JP" dirty="0"/>
+          </a:p>
+          <a:p>
+            <a:endParaRPr kumimoji="1" lang="en-US" altLang="ja-JP" dirty="0"/>
+          </a:p>
+          <a:p>
             <a:r>
               <a:rPr kumimoji="1" lang="ja-JP" altLang="en-US" dirty="0"/>
-              <a:t>を使っています。</a:t>
+              <a:t>設定ボタンをクリックすることで、設定画面に移動して</a:t>
             </a:r>
             <a:endParaRPr kumimoji="1" lang="en-US" altLang="ja-JP" dirty="0"/>
           </a:p>
           <a:p>
             <a:r>
               <a:rPr kumimoji="1" lang="ja-JP" altLang="en-US" dirty="0"/>
-              <a:t>ソースコードの共有には、</a:t>
-            </a:r>
-            <a:r>
-              <a:rPr kumimoji="1" lang="en-US" altLang="ja-JP" dirty="0" err="1"/>
-              <a:t>github</a:t>
-            </a:r>
-            <a:r>
-              <a:rPr kumimoji="1" lang="ja-JP" altLang="en-US" dirty="0"/>
-              <a:t>と</a:t>
-            </a:r>
-            <a:r>
-              <a:rPr kumimoji="1" lang="en-US" altLang="ja-JP" dirty="0" err="1"/>
-              <a:t>sourcetree</a:t>
-            </a:r>
-            <a:r>
-              <a:rPr kumimoji="1" lang="ja-JP" altLang="en-US" dirty="0"/>
-              <a:t>を使いました。</a:t>
-            </a:r>
+              <a:t>各店舗の月ごとの売上金額を設定する予定でした。</a:t>
+            </a:r>
+            <a:endParaRPr kumimoji="1" lang="en-US" altLang="ja-JP" dirty="0"/>
+          </a:p>
+          <a:p>
+            <a:endParaRPr kumimoji="1" lang="en-US" altLang="ja-JP" dirty="0"/>
           </a:p>
         </p:txBody>
       </p:sp>
@@ -969,7 +966,7 @@
     </p:spTree>
     <p:extLst>
       <p:ext uri="{BB962C8B-B14F-4D97-AF65-F5344CB8AC3E}">
-        <p14:creationId xmlns:p14="http://schemas.microsoft.com/office/powerpoint/2010/main" val="45810444"/>
+        <p14:creationId xmlns:p14="http://schemas.microsoft.com/office/powerpoint/2010/main" val="969310832"/>
       </p:ext>
     </p:extLst>
   </p:cSld>
@@ -1024,30 +1021,18 @@
           <a:lstStyle/>
           <a:p>
             <a:r>
+              <a:rPr kumimoji="1" lang="en-US" altLang="ja-JP" dirty="0"/>
+              <a:t>※</a:t>
+            </a:r>
+            <a:r>
               <a:rPr kumimoji="1" lang="ja-JP" altLang="en-US" dirty="0"/>
-              <a:t>役割分担はこんな感じで</a:t>
-            </a:r>
-            <a:endParaRPr kumimoji="1" lang="en-US" altLang="ja-JP" dirty="0"/>
-          </a:p>
-          <a:p>
-            <a:r>
-              <a:rPr kumimoji="1" lang="ja-JP" altLang="en-US" dirty="0"/>
-              <a:t>ログイン画面、メイン画面、設定画面ごとに役割を分担し</a:t>
-            </a:r>
-            <a:endParaRPr kumimoji="1" lang="en-US" altLang="ja-JP" dirty="0"/>
-          </a:p>
-          <a:p>
-            <a:r>
-              <a:rPr kumimoji="1" lang="ja-JP" altLang="en-US" dirty="0"/>
-              <a:t>進捗状況に応じて、役割を調整しました。</a:t>
-            </a:r>
-            <a:endParaRPr kumimoji="1" lang="en-US" altLang="ja-JP" dirty="0"/>
-          </a:p>
-          <a:p>
-            <a:r>
-              <a:rPr kumimoji="1" lang="ja-JP" altLang="en-US" dirty="0"/>
-              <a:t>その他は、基本的に全員で対応しました。</a:t>
-            </a:r>
+              <a:t>後日、ここの台本を考える</a:t>
+            </a:r>
+            <a:r>
+              <a:rPr kumimoji="1" lang="en-US" altLang="ja-JP" dirty="0"/>
+              <a:t>8/1</a:t>
+            </a:r>
+            <a:endParaRPr kumimoji="1" lang="ja-JP" altLang="en-US" dirty="0"/>
           </a:p>
         </p:txBody>
       </p:sp>
@@ -1077,7 +1062,7 @@
     </p:spTree>
     <p:extLst>
       <p:ext uri="{BB962C8B-B14F-4D97-AF65-F5344CB8AC3E}">
-        <p14:creationId xmlns:p14="http://schemas.microsoft.com/office/powerpoint/2010/main" val="686271573"/>
+        <p14:creationId xmlns:p14="http://schemas.microsoft.com/office/powerpoint/2010/main" val="4017356410"/>
       </p:ext>
     </p:extLst>
   </p:cSld>
@@ -1133,64 +1118,29 @@
           <a:p>
             <a:r>
               <a:rPr kumimoji="1" lang="ja-JP" altLang="en-US" dirty="0"/>
-              <a:t>画面設計の説明に移ります。</a:t>
+              <a:t>役割分担はこんな感じで</a:t>
             </a:r>
             <a:endParaRPr kumimoji="1" lang="en-US" altLang="ja-JP" dirty="0"/>
           </a:p>
           <a:p>
+            <a:r>
+              <a:rPr kumimoji="1" lang="ja-JP" altLang="en-US" dirty="0"/>
+              <a:t>ログイン画面、メイン画面、設定画面ごとに役割を分担し</a:t>
+            </a:r>
             <a:endParaRPr kumimoji="1" lang="en-US" altLang="ja-JP" dirty="0"/>
           </a:p>
           <a:p>
             <a:r>
               <a:rPr kumimoji="1" lang="ja-JP" altLang="en-US" dirty="0"/>
-              <a:t>設計段階では、こんな感じをイメージしていました。</a:t>
+              <a:t>進捗状況に応じて、役割を調整しました。</a:t>
             </a:r>
             <a:endParaRPr kumimoji="1" lang="en-US" altLang="ja-JP" dirty="0"/>
           </a:p>
           <a:p>
-            <a:endParaRPr kumimoji="1" lang="en-US" altLang="ja-JP" dirty="0"/>
-          </a:p>
-          <a:p>
             <a:r>
               <a:rPr kumimoji="1" lang="ja-JP" altLang="en-US" dirty="0"/>
-              <a:t>ログイン画面に</a:t>
-            </a:r>
-            <a:r>
-              <a:rPr kumimoji="1" lang="en-US" altLang="ja-JP" dirty="0"/>
-              <a:t>ID</a:t>
-            </a:r>
-            <a:r>
-              <a:rPr kumimoji="1" lang="ja-JP" altLang="en-US" dirty="0"/>
-              <a:t>とパスワードを入れてログインをすると</a:t>
-            </a:r>
-            <a:endParaRPr kumimoji="1" lang="en-US" altLang="ja-JP" dirty="0"/>
-          </a:p>
-          <a:p>
-            <a:r>
-              <a:rPr kumimoji="1" lang="ja-JP" altLang="en-US" dirty="0"/>
-              <a:t>メイン画面に遷移して、</a:t>
-            </a:r>
-            <a:endParaRPr kumimoji="1" lang="en-US" altLang="ja-JP" dirty="0"/>
-          </a:p>
-          <a:p>
-            <a:endParaRPr kumimoji="1" lang="en-US" altLang="ja-JP" dirty="0"/>
-          </a:p>
-          <a:p>
-            <a:r>
-              <a:rPr kumimoji="1" lang="ja-JP" altLang="en-US" dirty="0"/>
-              <a:t>設定ボタンをクリックすることで、設定画面に移動して</a:t>
-            </a:r>
-            <a:endParaRPr kumimoji="1" lang="en-US" altLang="ja-JP" dirty="0"/>
-          </a:p>
-          <a:p>
-            <a:r>
-              <a:rPr kumimoji="1" lang="ja-JP" altLang="en-US" dirty="0"/>
-              <a:t>各店舗の月ごとの売上金額を設定する予定でした。</a:t>
-            </a:r>
-            <a:endParaRPr kumimoji="1" lang="en-US" altLang="ja-JP" dirty="0"/>
-          </a:p>
-          <a:p>
-            <a:endParaRPr kumimoji="1" lang="en-US" altLang="ja-JP" dirty="0"/>
+              <a:t>その他は、基本的に全員で対応しました。</a:t>
+            </a:r>
           </a:p>
         </p:txBody>
       </p:sp>
@@ -1220,7 +1170,7 @@
     </p:spTree>
     <p:extLst>
       <p:ext uri="{BB962C8B-B14F-4D97-AF65-F5344CB8AC3E}">
-        <p14:creationId xmlns:p14="http://schemas.microsoft.com/office/powerpoint/2010/main" val="969310832"/>
+        <p14:creationId xmlns:p14="http://schemas.microsoft.com/office/powerpoint/2010/main" val="686271573"/>
       </p:ext>
     </p:extLst>
   </p:cSld>
@@ -1274,18 +1224,6 @@
           <a:bodyPr/>
           <a:lstStyle/>
           <a:p>
-            <a:r>
-              <a:rPr kumimoji="1" lang="en-US" altLang="ja-JP" dirty="0"/>
-              <a:t>※</a:t>
-            </a:r>
-            <a:r>
-              <a:rPr kumimoji="1" lang="ja-JP" altLang="en-US" dirty="0"/>
-              <a:t>後日、ここの台本を考える</a:t>
-            </a:r>
-            <a:r>
-              <a:rPr kumimoji="1" lang="en-US" altLang="ja-JP" dirty="0"/>
-              <a:t>8/1</a:t>
-            </a:r>
             <a:endParaRPr kumimoji="1" lang="ja-JP" altLang="en-US" dirty="0"/>
           </a:p>
         </p:txBody>
@@ -1316,7 +1254,240 @@
     </p:spTree>
     <p:extLst>
       <p:ext uri="{BB962C8B-B14F-4D97-AF65-F5344CB8AC3E}">
-        <p14:creationId xmlns:p14="http://schemas.microsoft.com/office/powerpoint/2010/main" val="4017356410"/>
+        <p14:creationId xmlns:p14="http://schemas.microsoft.com/office/powerpoint/2010/main" val="3213397520"/>
+      </p:ext>
+    </p:extLst>
+  </p:cSld>
+  <p:clrMapOvr>
+    <a:masterClrMapping/>
+  </p:clrMapOvr>
+</p:notes>
+</file>
+
+<file path=ppt/notesSlides/notesSlide8.xml><?xml version="1.0" encoding="utf-8"?>
+<p:notes xmlns:a="http://schemas.openxmlformats.org/drawingml/2006/main" xmlns:r="http://schemas.openxmlformats.org/officeDocument/2006/relationships" xmlns:p="http://schemas.openxmlformats.org/presentationml/2006/main">
+  <p:cSld>
+    <p:spTree>
+      <p:nvGrpSpPr>
+        <p:cNvPr id="1" name=""/>
+        <p:cNvGrpSpPr/>
+        <p:nvPr/>
+      </p:nvGrpSpPr>
+      <p:grpSpPr>
+        <a:xfrm>
+          <a:off x="0" y="0"/>
+          <a:ext cx="0" cy="0"/>
+          <a:chOff x="0" y="0"/>
+          <a:chExt cx="0" cy="0"/>
+        </a:xfrm>
+      </p:grpSpPr>
+      <p:sp>
+        <p:nvSpPr>
+          <p:cNvPr id="2" name="スライド イメージ プレースホルダー 1"/>
+          <p:cNvSpPr>
+            <a:spLocks noGrp="1" noRot="1" noChangeAspect="1"/>
+          </p:cNvSpPr>
+          <p:nvPr>
+            <p:ph type="sldImg"/>
+          </p:nvPr>
+        </p:nvSpPr>
+        <p:spPr/>
+      </p:sp>
+      <p:sp>
+        <p:nvSpPr>
+          <p:cNvPr id="3" name="ノート プレースホルダー 2"/>
+          <p:cNvSpPr>
+            <a:spLocks noGrp="1"/>
+          </p:cNvSpPr>
+          <p:nvPr>
+            <p:ph type="body" idx="1"/>
+          </p:nvPr>
+        </p:nvSpPr>
+        <p:spPr/>
+        <p:txBody>
+          <a:bodyPr/>
+          <a:lstStyle/>
+          <a:p>
+            <a:r>
+              <a:rPr kumimoji="1" lang="ja-JP" altLang="en-US" dirty="0"/>
+              <a:t>開発言語は、</a:t>
+            </a:r>
+            <a:r>
+              <a:rPr kumimoji="1" lang="en-US" altLang="ja-JP" dirty="0"/>
+              <a:t>PHP</a:t>
+            </a:r>
+            <a:r>
+              <a:rPr kumimoji="1" lang="ja-JP" altLang="en-US" dirty="0" err="1"/>
+              <a:t>、</a:t>
+            </a:r>
+            <a:r>
+              <a:rPr kumimoji="1" lang="en-US" altLang="ja-JP" dirty="0"/>
+              <a:t>HTML</a:t>
+            </a:r>
+            <a:r>
+              <a:rPr kumimoji="1" lang="ja-JP" altLang="en-US" dirty="0" err="1"/>
+              <a:t>、</a:t>
+            </a:r>
+            <a:r>
+              <a:rPr kumimoji="1" lang="en-US" altLang="ja-JP" dirty="0"/>
+              <a:t>CSS</a:t>
+            </a:r>
+            <a:r>
+              <a:rPr kumimoji="1" lang="ja-JP" altLang="en-US" dirty="0"/>
+              <a:t>を使っています。</a:t>
+            </a:r>
+            <a:endParaRPr kumimoji="1" lang="en-US" altLang="ja-JP" dirty="0"/>
+          </a:p>
+          <a:p>
+            <a:r>
+              <a:rPr kumimoji="1" lang="ja-JP" altLang="en-US" dirty="0"/>
+              <a:t>データベースは</a:t>
+            </a:r>
+            <a:r>
+              <a:rPr kumimoji="1" lang="en-US" altLang="ja-JP" dirty="0"/>
+              <a:t>MySQL</a:t>
+            </a:r>
+            <a:r>
+              <a:rPr kumimoji="1" lang="ja-JP" altLang="en-US" dirty="0"/>
+              <a:t>を使っています。</a:t>
+            </a:r>
+            <a:endParaRPr kumimoji="1" lang="en-US" altLang="ja-JP" dirty="0"/>
+          </a:p>
+          <a:p>
+            <a:r>
+              <a:rPr kumimoji="1" lang="ja-JP" altLang="en-US" dirty="0"/>
+              <a:t>ソースコードの共有には、</a:t>
+            </a:r>
+            <a:r>
+              <a:rPr kumimoji="1" lang="en-US" altLang="ja-JP" dirty="0" err="1"/>
+              <a:t>github</a:t>
+            </a:r>
+            <a:r>
+              <a:rPr kumimoji="1" lang="ja-JP" altLang="en-US" dirty="0"/>
+              <a:t>と</a:t>
+            </a:r>
+            <a:r>
+              <a:rPr kumimoji="1" lang="en-US" altLang="ja-JP" dirty="0" err="1"/>
+              <a:t>sourcetree</a:t>
+            </a:r>
+            <a:r>
+              <a:rPr kumimoji="1" lang="ja-JP" altLang="en-US" dirty="0"/>
+              <a:t>を使いました。</a:t>
+            </a:r>
+          </a:p>
+        </p:txBody>
+      </p:sp>
+      <p:sp>
+        <p:nvSpPr>
+          <p:cNvPr id="4" name="スライド番号プレースホルダー 3"/>
+          <p:cNvSpPr>
+            <a:spLocks noGrp="1"/>
+          </p:cNvSpPr>
+          <p:nvPr>
+            <p:ph type="sldNum" sz="quarter" idx="5"/>
+          </p:nvPr>
+        </p:nvSpPr>
+        <p:spPr/>
+        <p:txBody>
+          <a:bodyPr/>
+          <a:lstStyle/>
+          <a:p>
+            <a:fld id="{A5242644-000B-428D-938E-DC5A56A37292}" type="slidenum">
+              <a:rPr kumimoji="1" lang="ja-JP" altLang="en-US" smtClean="0"/>
+              <a:t>8</a:t>
+            </a:fld>
+            <a:endParaRPr kumimoji="1" lang="ja-JP" altLang="en-US"/>
+          </a:p>
+        </p:txBody>
+      </p:sp>
+    </p:spTree>
+    <p:extLst>
+      <p:ext uri="{BB962C8B-B14F-4D97-AF65-F5344CB8AC3E}">
+        <p14:creationId xmlns:p14="http://schemas.microsoft.com/office/powerpoint/2010/main" val="45810444"/>
+      </p:ext>
+    </p:extLst>
+  </p:cSld>
+  <p:clrMapOvr>
+    <a:masterClrMapping/>
+  </p:clrMapOvr>
+</p:notes>
+</file>
+
+<file path=ppt/notesSlides/notesSlide9.xml><?xml version="1.0" encoding="utf-8"?>
+<p:notes xmlns:a="http://schemas.openxmlformats.org/drawingml/2006/main" xmlns:r="http://schemas.openxmlformats.org/officeDocument/2006/relationships" xmlns:p="http://schemas.openxmlformats.org/presentationml/2006/main">
+  <p:cSld>
+    <p:spTree>
+      <p:nvGrpSpPr>
+        <p:cNvPr id="1" name=""/>
+        <p:cNvGrpSpPr/>
+        <p:nvPr/>
+      </p:nvGrpSpPr>
+      <p:grpSpPr>
+        <a:xfrm>
+          <a:off x="0" y="0"/>
+          <a:ext cx="0" cy="0"/>
+          <a:chOff x="0" y="0"/>
+          <a:chExt cx="0" cy="0"/>
+        </a:xfrm>
+      </p:grpSpPr>
+      <p:sp>
+        <p:nvSpPr>
+          <p:cNvPr id="2" name="スライド イメージ プレースホルダー 1"/>
+          <p:cNvSpPr>
+            <a:spLocks noGrp="1" noRot="1" noChangeAspect="1"/>
+          </p:cNvSpPr>
+          <p:nvPr>
+            <p:ph type="sldImg"/>
+          </p:nvPr>
+        </p:nvSpPr>
+        <p:spPr/>
+      </p:sp>
+      <p:sp>
+        <p:nvSpPr>
+          <p:cNvPr id="3" name="ノート プレースホルダー 2"/>
+          <p:cNvSpPr>
+            <a:spLocks noGrp="1"/>
+          </p:cNvSpPr>
+          <p:nvPr>
+            <p:ph type="body" idx="1"/>
+          </p:nvPr>
+        </p:nvSpPr>
+        <p:spPr/>
+        <p:txBody>
+          <a:bodyPr/>
+          <a:lstStyle/>
+          <a:p>
+            <a:endParaRPr kumimoji="1" lang="ja-JP" altLang="en-US" dirty="0"/>
+          </a:p>
+        </p:txBody>
+      </p:sp>
+      <p:sp>
+        <p:nvSpPr>
+          <p:cNvPr id="4" name="スライド番号プレースホルダー 3"/>
+          <p:cNvSpPr>
+            <a:spLocks noGrp="1"/>
+          </p:cNvSpPr>
+          <p:nvPr>
+            <p:ph type="sldNum" sz="quarter" idx="5"/>
+          </p:nvPr>
+        </p:nvSpPr>
+        <p:spPr/>
+        <p:txBody>
+          <a:bodyPr/>
+          <a:lstStyle/>
+          <a:p>
+            <a:fld id="{A5242644-000B-428D-938E-DC5A56A37292}" type="slidenum">
+              <a:rPr kumimoji="1" lang="ja-JP" altLang="en-US" smtClean="0"/>
+              <a:t>9</a:t>
+            </a:fld>
+            <a:endParaRPr kumimoji="1" lang="ja-JP" altLang="en-US"/>
+          </a:p>
+        </p:txBody>
+      </p:sp>
+    </p:spTree>
+    <p:extLst>
+      <p:ext uri="{BB962C8B-B14F-4D97-AF65-F5344CB8AC3E}">
+        <p14:creationId xmlns:p14="http://schemas.microsoft.com/office/powerpoint/2010/main" val="805672808"/>
       </p:ext>
     </p:extLst>
   </p:cSld>
@@ -1473,7 +1644,7 @@
           <a:p>
             <a:fld id="{C7088D3D-165A-46EA-B7B0-B1C3789A41AB}" type="datetimeFigureOut">
               <a:rPr kumimoji="1" lang="ja-JP" altLang="en-US" smtClean="0"/>
-              <a:t>2024/8/1</a:t>
+              <a:t>2024/8/15</a:t>
             </a:fld>
             <a:endParaRPr kumimoji="1" lang="ja-JP" altLang="en-US"/>
           </a:p>
@@ -1543,13 +1714,13 @@
   <p:clrMapOvr>
     <a:masterClrMapping/>
   </p:clrMapOvr>
-  <mc:AlternateContent xmlns:mc="http://schemas.openxmlformats.org/markup-compatibility/2006">
-    <mc:Choice xmlns:p159="http://schemas.microsoft.com/office/powerpoint/2015/09/main" Requires="p159">
+  <mc:AlternateContent xmlns:mc="http://schemas.openxmlformats.org/markup-compatibility/2006" xmlns:p159="http://schemas.microsoft.com/office/powerpoint/2015/09/main">
+    <mc:Choice Requires="p159">
       <p:transition xmlns:p14="http://schemas.microsoft.com/office/powerpoint/2010/main" spd="slow" p14:dur="2000">
         <p159:morph option="byObject"/>
       </p:transition>
     </mc:Choice>
-    <mc:Fallback>
+    <mc:Fallback xmlns="">
       <p:transition spd="slow">
         <p:fade/>
       </p:transition>
@@ -1715,7 +1886,7 @@
           <a:p>
             <a:fld id="{C7088D3D-165A-46EA-B7B0-B1C3789A41AB}" type="datetimeFigureOut">
               <a:rPr kumimoji="1" lang="ja-JP" altLang="en-US" smtClean="0"/>
-              <a:t>2024/8/1</a:t>
+              <a:t>2024/8/15</a:t>
             </a:fld>
             <a:endParaRPr kumimoji="1" lang="ja-JP" altLang="en-US"/>
           </a:p>
@@ -1785,13 +1956,13 @@
   <p:clrMapOvr>
     <a:masterClrMapping/>
   </p:clrMapOvr>
-  <mc:AlternateContent xmlns:mc="http://schemas.openxmlformats.org/markup-compatibility/2006">
-    <mc:Choice xmlns:p159="http://schemas.microsoft.com/office/powerpoint/2015/09/main" Requires="p159">
+  <mc:AlternateContent xmlns:mc="http://schemas.openxmlformats.org/markup-compatibility/2006" xmlns:p159="http://schemas.microsoft.com/office/powerpoint/2015/09/main">
+    <mc:Choice Requires="p159">
       <p:transition xmlns:p14="http://schemas.microsoft.com/office/powerpoint/2010/main" spd="slow" p14:dur="2000">
         <p159:morph option="byObject"/>
       </p:transition>
     </mc:Choice>
-    <mc:Fallback>
+    <mc:Fallback xmlns="">
       <p:transition spd="slow">
         <p:fade/>
       </p:transition>
@@ -1967,7 +2138,7 @@
           <a:p>
             <a:fld id="{C7088D3D-165A-46EA-B7B0-B1C3789A41AB}" type="datetimeFigureOut">
               <a:rPr kumimoji="1" lang="ja-JP" altLang="en-US" smtClean="0"/>
-              <a:t>2024/8/1</a:t>
+              <a:t>2024/8/15</a:t>
             </a:fld>
             <a:endParaRPr kumimoji="1" lang="ja-JP" altLang="en-US"/>
           </a:p>
@@ -2037,13 +2208,13 @@
   <p:clrMapOvr>
     <a:masterClrMapping/>
   </p:clrMapOvr>
-  <mc:AlternateContent xmlns:mc="http://schemas.openxmlformats.org/markup-compatibility/2006">
-    <mc:Choice xmlns:p159="http://schemas.microsoft.com/office/powerpoint/2015/09/main" Requires="p159">
+  <mc:AlternateContent xmlns:mc="http://schemas.openxmlformats.org/markup-compatibility/2006" xmlns:p159="http://schemas.microsoft.com/office/powerpoint/2015/09/main">
+    <mc:Choice Requires="p159">
       <p:transition xmlns:p14="http://schemas.microsoft.com/office/powerpoint/2010/main" spd="slow" p14:dur="2000">
         <p159:morph option="byObject"/>
       </p:transition>
     </mc:Choice>
-    <mc:Fallback>
+    <mc:Fallback xmlns="">
       <p:transition spd="slow">
         <p:fade/>
       </p:transition>
@@ -2209,7 +2380,7 @@
           <a:p>
             <a:fld id="{C7088D3D-165A-46EA-B7B0-B1C3789A41AB}" type="datetimeFigureOut">
               <a:rPr kumimoji="1" lang="ja-JP" altLang="en-US" smtClean="0"/>
-              <a:t>2024/8/1</a:t>
+              <a:t>2024/8/15</a:t>
             </a:fld>
             <a:endParaRPr kumimoji="1" lang="ja-JP" altLang="en-US"/>
           </a:p>
@@ -2279,13 +2450,13 @@
   <p:clrMapOvr>
     <a:masterClrMapping/>
   </p:clrMapOvr>
-  <mc:AlternateContent xmlns:mc="http://schemas.openxmlformats.org/markup-compatibility/2006">
-    <mc:Choice xmlns:p159="http://schemas.microsoft.com/office/powerpoint/2015/09/main" Requires="p159">
+  <mc:AlternateContent xmlns:mc="http://schemas.openxmlformats.org/markup-compatibility/2006" xmlns:p159="http://schemas.microsoft.com/office/powerpoint/2015/09/main">
+    <mc:Choice Requires="p159">
       <p:transition xmlns:p14="http://schemas.microsoft.com/office/powerpoint/2010/main" spd="slow" p14:dur="2000">
         <p159:morph option="byObject"/>
       </p:transition>
     </mc:Choice>
-    <mc:Fallback>
+    <mc:Fallback xmlns="">
       <p:transition spd="slow">
         <p:fade/>
       </p:transition>
@@ -2496,7 +2667,7 @@
           <a:p>
             <a:fld id="{C7088D3D-165A-46EA-B7B0-B1C3789A41AB}" type="datetimeFigureOut">
               <a:rPr kumimoji="1" lang="ja-JP" altLang="en-US" smtClean="0"/>
-              <a:t>2024/8/1</a:t>
+              <a:t>2024/8/15</a:t>
             </a:fld>
             <a:endParaRPr kumimoji="1" lang="ja-JP" altLang="en-US"/>
           </a:p>
@@ -2566,13 +2737,13 @@
   <p:clrMapOvr>
     <a:masterClrMapping/>
   </p:clrMapOvr>
-  <mc:AlternateContent xmlns:mc="http://schemas.openxmlformats.org/markup-compatibility/2006">
-    <mc:Choice xmlns:p159="http://schemas.microsoft.com/office/powerpoint/2015/09/main" Requires="p159">
+  <mc:AlternateContent xmlns:mc="http://schemas.openxmlformats.org/markup-compatibility/2006" xmlns:p159="http://schemas.microsoft.com/office/powerpoint/2015/09/main">
+    <mc:Choice Requires="p159">
       <p:transition xmlns:p14="http://schemas.microsoft.com/office/powerpoint/2010/main" spd="slow" p14:dur="2000">
         <p159:morph option="byObject"/>
       </p:transition>
     </mc:Choice>
-    <mc:Fallback>
+    <mc:Fallback xmlns="">
       <p:transition spd="slow">
         <p:fade/>
       </p:transition>
@@ -2837,7 +3008,7 @@
           <a:p>
             <a:fld id="{C7088D3D-165A-46EA-B7B0-B1C3789A41AB}" type="datetimeFigureOut">
               <a:rPr kumimoji="1" lang="ja-JP" altLang="en-US" smtClean="0"/>
-              <a:t>2024/8/1</a:t>
+              <a:t>2024/8/15</a:t>
             </a:fld>
             <a:endParaRPr kumimoji="1" lang="ja-JP" altLang="en-US"/>
           </a:p>
@@ -2907,13 +3078,13 @@
   <p:clrMapOvr>
     <a:masterClrMapping/>
   </p:clrMapOvr>
-  <mc:AlternateContent xmlns:mc="http://schemas.openxmlformats.org/markup-compatibility/2006">
-    <mc:Choice xmlns:p159="http://schemas.microsoft.com/office/powerpoint/2015/09/main" Requires="p159">
+  <mc:AlternateContent xmlns:mc="http://schemas.openxmlformats.org/markup-compatibility/2006" xmlns:p159="http://schemas.microsoft.com/office/powerpoint/2015/09/main">
+    <mc:Choice Requires="p159">
       <p:transition xmlns:p14="http://schemas.microsoft.com/office/powerpoint/2010/main" spd="slow" p14:dur="2000">
         <p159:morph option="byObject"/>
       </p:transition>
     </mc:Choice>
-    <mc:Fallback>
+    <mc:Fallback xmlns="">
       <p:transition spd="slow">
         <p:fade/>
       </p:transition>
@@ -3325,7 +3496,7 @@
           <a:p>
             <a:fld id="{C7088D3D-165A-46EA-B7B0-B1C3789A41AB}" type="datetimeFigureOut">
               <a:rPr kumimoji="1" lang="ja-JP" altLang="en-US" smtClean="0"/>
-              <a:t>2024/8/1</a:t>
+              <a:t>2024/8/15</a:t>
             </a:fld>
             <a:endParaRPr kumimoji="1" lang="ja-JP" altLang="en-US"/>
           </a:p>
@@ -3395,13 +3566,13 @@
   <p:clrMapOvr>
     <a:masterClrMapping/>
   </p:clrMapOvr>
-  <mc:AlternateContent xmlns:mc="http://schemas.openxmlformats.org/markup-compatibility/2006">
-    <mc:Choice xmlns:p159="http://schemas.microsoft.com/office/powerpoint/2015/09/main" Requires="p159">
+  <mc:AlternateContent xmlns:mc="http://schemas.openxmlformats.org/markup-compatibility/2006" xmlns:p159="http://schemas.microsoft.com/office/powerpoint/2015/09/main">
+    <mc:Choice Requires="p159">
       <p:transition xmlns:p14="http://schemas.microsoft.com/office/powerpoint/2010/main" spd="slow" p14:dur="2000">
         <p159:morph option="byObject"/>
       </p:transition>
     </mc:Choice>
-    <mc:Fallback>
+    <mc:Fallback xmlns="">
       <p:transition spd="slow">
         <p:fade/>
       </p:transition>
@@ -3478,7 +3649,7 @@
           <a:p>
             <a:fld id="{C7088D3D-165A-46EA-B7B0-B1C3789A41AB}" type="datetimeFigureOut">
               <a:rPr kumimoji="1" lang="ja-JP" altLang="en-US" smtClean="0"/>
-              <a:t>2024/8/1</a:t>
+              <a:t>2024/8/15</a:t>
             </a:fld>
             <a:endParaRPr kumimoji="1" lang="ja-JP" altLang="en-US"/>
           </a:p>
@@ -3548,13 +3719,13 @@
   <p:clrMapOvr>
     <a:masterClrMapping/>
   </p:clrMapOvr>
-  <mc:AlternateContent xmlns:mc="http://schemas.openxmlformats.org/markup-compatibility/2006">
-    <mc:Choice xmlns:p159="http://schemas.microsoft.com/office/powerpoint/2015/09/main" Requires="p159">
+  <mc:AlternateContent xmlns:mc="http://schemas.openxmlformats.org/markup-compatibility/2006" xmlns:p159="http://schemas.microsoft.com/office/powerpoint/2015/09/main">
+    <mc:Choice Requires="p159">
       <p:transition xmlns:p14="http://schemas.microsoft.com/office/powerpoint/2010/main" spd="slow" p14:dur="2000">
         <p159:morph option="byObject"/>
       </p:transition>
     </mc:Choice>
-    <mc:Fallback>
+    <mc:Fallback xmlns="">
       <p:transition spd="slow">
         <p:fade/>
       </p:transition>
@@ -3603,7 +3774,7 @@
           <a:p>
             <a:fld id="{C7088D3D-165A-46EA-B7B0-B1C3789A41AB}" type="datetimeFigureOut">
               <a:rPr kumimoji="1" lang="ja-JP" altLang="en-US" smtClean="0"/>
-              <a:t>2024/8/1</a:t>
+              <a:t>2024/8/15</a:t>
             </a:fld>
             <a:endParaRPr kumimoji="1" lang="ja-JP" altLang="en-US"/>
           </a:p>
@@ -3673,13 +3844,13 @@
   <p:clrMapOvr>
     <a:masterClrMapping/>
   </p:clrMapOvr>
-  <mc:AlternateContent xmlns:mc="http://schemas.openxmlformats.org/markup-compatibility/2006">
-    <mc:Choice xmlns:p159="http://schemas.microsoft.com/office/powerpoint/2015/09/main" Requires="p159">
+  <mc:AlternateContent xmlns:mc="http://schemas.openxmlformats.org/markup-compatibility/2006" xmlns:p159="http://schemas.microsoft.com/office/powerpoint/2015/09/main">
+    <mc:Choice Requires="p159">
       <p:transition xmlns:p14="http://schemas.microsoft.com/office/powerpoint/2010/main" spd="slow" p14:dur="2000">
         <p159:morph option="byObject"/>
       </p:transition>
     </mc:Choice>
-    <mc:Fallback>
+    <mc:Fallback xmlns="">
       <p:transition spd="slow">
         <p:fade/>
       </p:transition>
@@ -3958,7 +4129,7 @@
           <a:p>
             <a:fld id="{C7088D3D-165A-46EA-B7B0-B1C3789A41AB}" type="datetimeFigureOut">
               <a:rPr kumimoji="1" lang="ja-JP" altLang="en-US" smtClean="0"/>
-              <a:t>2024/8/1</a:t>
+              <a:t>2024/8/15</a:t>
             </a:fld>
             <a:endParaRPr kumimoji="1" lang="ja-JP" altLang="en-US"/>
           </a:p>
@@ -4028,13 +4199,13 @@
   <p:clrMapOvr>
     <a:masterClrMapping/>
   </p:clrMapOvr>
-  <mc:AlternateContent xmlns:mc="http://schemas.openxmlformats.org/markup-compatibility/2006">
-    <mc:Choice xmlns:p159="http://schemas.microsoft.com/office/powerpoint/2015/09/main" Requires="p159">
+  <mc:AlternateContent xmlns:mc="http://schemas.openxmlformats.org/markup-compatibility/2006" xmlns:p159="http://schemas.microsoft.com/office/powerpoint/2015/09/main">
+    <mc:Choice Requires="p159">
       <p:transition xmlns:p14="http://schemas.microsoft.com/office/powerpoint/2010/main" spd="slow" p14:dur="2000">
         <p159:morph option="byObject"/>
       </p:transition>
     </mc:Choice>
-    <mc:Fallback>
+    <mc:Fallback xmlns="">
       <p:transition spd="slow">
         <p:fade/>
       </p:transition>
@@ -4258,7 +4429,7 @@
           <a:p>
             <a:fld id="{C7088D3D-165A-46EA-B7B0-B1C3789A41AB}" type="datetimeFigureOut">
               <a:rPr kumimoji="1" lang="ja-JP" altLang="en-US" smtClean="0"/>
-              <a:t>2024/8/1</a:t>
+              <a:t>2024/8/15</a:t>
             </a:fld>
             <a:endParaRPr kumimoji="1" lang="ja-JP" altLang="en-US"/>
           </a:p>
@@ -4328,13 +4499,13 @@
   <p:clrMapOvr>
     <a:masterClrMapping/>
   </p:clrMapOvr>
-  <mc:AlternateContent xmlns:mc="http://schemas.openxmlformats.org/markup-compatibility/2006">
-    <mc:Choice xmlns:p159="http://schemas.microsoft.com/office/powerpoint/2015/09/main" Requires="p159">
+  <mc:AlternateContent xmlns:mc="http://schemas.openxmlformats.org/markup-compatibility/2006" xmlns:p159="http://schemas.microsoft.com/office/powerpoint/2015/09/main">
+    <mc:Choice Requires="p159">
       <p:transition xmlns:p14="http://schemas.microsoft.com/office/powerpoint/2010/main" spd="slow" p14:dur="2000">
         <p159:morph option="byObject"/>
       </p:transition>
     </mc:Choice>
-    <mc:Fallback>
+    <mc:Fallback xmlns="">
       <p:transition spd="slow">
         <p:fade/>
       </p:transition>
@@ -4543,7 +4714,7 @@
           <a:p>
             <a:fld id="{C7088D3D-165A-46EA-B7B0-B1C3789A41AB}" type="datetimeFigureOut">
               <a:rPr kumimoji="1" lang="ja-JP" altLang="en-US" smtClean="0"/>
-              <a:t>2024/8/1</a:t>
+              <a:t>2024/8/15</a:t>
             </a:fld>
             <a:endParaRPr kumimoji="1" lang="ja-JP" altLang="en-US"/>
           </a:p>
@@ -4660,13 +4831,13 @@
     <p:sldLayoutId id="2147483658" r:id="rId10"/>
     <p:sldLayoutId id="2147483659" r:id="rId11"/>
   </p:sldLayoutIdLst>
-  <mc:AlternateContent xmlns:mc="http://schemas.openxmlformats.org/markup-compatibility/2006">
-    <mc:Choice xmlns:p159="http://schemas.microsoft.com/office/powerpoint/2015/09/main" Requires="p159">
+  <mc:AlternateContent xmlns:mc="http://schemas.openxmlformats.org/markup-compatibility/2006" xmlns:p159="http://schemas.microsoft.com/office/powerpoint/2015/09/main">
+    <mc:Choice Requires="p159">
       <p:transition xmlns:p14="http://schemas.microsoft.com/office/powerpoint/2010/main" spd="slow" p14:dur="2000">
         <p159:morph option="byObject"/>
       </p:transition>
     </mc:Choice>
-    <mc:Fallback>
+    <mc:Fallback xmlns="">
       <p:transition spd="slow">
         <p:fade/>
       </p:transition>
@@ -5039,11 +5210,11 @@
   <p:clrMapOvr>
     <a:masterClrMapping/>
   </p:clrMapOvr>
-  <mc:AlternateContent xmlns:mc="http://schemas.openxmlformats.org/markup-compatibility/2006">
-    <mc:Choice xmlns:p14="http://schemas.microsoft.com/office/powerpoint/2010/main" Requires="p14">
+  <mc:AlternateContent xmlns:mc="http://schemas.openxmlformats.org/markup-compatibility/2006" xmlns:p14="http://schemas.microsoft.com/office/powerpoint/2010/main">
+    <mc:Choice Requires="p14">
       <p:transition p14:dur="0"/>
     </mc:Choice>
-    <mc:Fallback>
+    <mc:Fallback xmlns="">
       <p:transition/>
     </mc:Fallback>
   </mc:AlternateContent>
@@ -5172,13 +5343,13 @@
   <p:clrMapOvr>
     <a:masterClrMapping/>
   </p:clrMapOvr>
-  <mc:AlternateContent xmlns:mc="http://schemas.openxmlformats.org/markup-compatibility/2006">
-    <mc:Choice xmlns:p159="http://schemas.microsoft.com/office/powerpoint/2015/09/main" Requires="p159">
+  <mc:AlternateContent xmlns:mc="http://schemas.openxmlformats.org/markup-compatibility/2006" xmlns:p159="http://schemas.microsoft.com/office/powerpoint/2015/09/main">
+    <mc:Choice Requires="p159">
       <p:transition xmlns:p14="http://schemas.microsoft.com/office/powerpoint/2010/main" spd="slow" p14:dur="2000">
         <p159:morph option="byObject"/>
       </p:transition>
     </mc:Choice>
-    <mc:Fallback>
+    <mc:Fallback xmlns="">
       <p:transition spd="slow">
         <p:fade/>
       </p:transition>
@@ -5252,7 +5423,12 @@
             <p:ph idx="1"/>
           </p:nvPr>
         </p:nvSpPr>
-        <p:spPr/>
+        <p:spPr>
+          <a:xfrm>
+            <a:off x="838200" y="1825625"/>
+            <a:ext cx="10515600" cy="1425575"/>
+          </a:xfrm>
+        </p:spPr>
         <p:txBody>
           <a:bodyPr/>
           <a:lstStyle/>
@@ -5281,6 +5457,45 @@
               <a:buNone/>
             </a:pPr>
             <a:endParaRPr kumimoji="1" lang="ja-JP" altLang="en-US" dirty="0"/>
+          </a:p>
+        </p:txBody>
+      </p:sp>
+      <p:sp>
+        <p:nvSpPr>
+          <p:cNvPr id="4" name="テキスト ボックス 3">
+            <a:extLst>
+              <a:ext uri="{FF2B5EF4-FFF2-40B4-BE49-F238E27FC236}">
+                <a16:creationId xmlns:a16="http://schemas.microsoft.com/office/drawing/2014/main" id="{ECBE48ED-F186-4293-9662-685A861A9D97}"/>
+              </a:ext>
+            </a:extLst>
+          </p:cNvPr>
+          <p:cNvSpPr txBox="1"/>
+          <p:nvPr/>
+        </p:nvSpPr>
+        <p:spPr>
+          <a:xfrm>
+            <a:off x="4076700" y="4254500"/>
+            <a:ext cx="4038600" cy="369332"/>
+          </a:xfrm>
+          <a:prstGeom prst="rect">
+            <a:avLst/>
+          </a:prstGeom>
+          <a:noFill/>
+        </p:spPr>
+        <p:txBody>
+          <a:bodyPr wrap="square" rtlCol="0">
+            <a:spAutoFit/>
+          </a:bodyPr>
+          <a:lstStyle/>
+          <a:p>
+            <a:r>
+              <a:rPr kumimoji="1" lang="en-US" altLang="ja-JP" dirty="0"/>
+              <a:t>※</a:t>
+            </a:r>
+            <a:r>
+              <a:rPr kumimoji="1" lang="ja-JP" altLang="en-US" dirty="0"/>
+              <a:t>適当にイラストを追加する。</a:t>
+            </a:r>
           </a:p>
         </p:txBody>
       </p:sp>
@@ -5294,13 +5509,13 @@
   <p:clrMapOvr>
     <a:masterClrMapping/>
   </p:clrMapOvr>
-  <mc:AlternateContent xmlns:mc="http://schemas.openxmlformats.org/markup-compatibility/2006">
-    <mc:Choice xmlns:p159="http://schemas.microsoft.com/office/powerpoint/2015/09/main" Requires="p159">
+  <mc:AlternateContent xmlns:mc="http://schemas.openxmlformats.org/markup-compatibility/2006" xmlns:p159="http://schemas.microsoft.com/office/powerpoint/2015/09/main">
+    <mc:Choice Requires="p159">
       <p:transition xmlns:p14="http://schemas.microsoft.com/office/powerpoint/2010/main" spd="slow" p14:dur="2000">
         <p159:morph option="byObject"/>
       </p:transition>
     </mc:Choice>
-    <mc:Fallback>
+    <mc:Fallback xmlns="">
       <p:transition spd="slow">
         <p:fade/>
       </p:transition>
@@ -5310,328 +5525,6 @@
 </file>
 
 <file path=ppt/slides/slide4.xml><?xml version="1.0" encoding="utf-8"?>
-<p:sld xmlns:a="http://schemas.openxmlformats.org/drawingml/2006/main" xmlns:r="http://schemas.openxmlformats.org/officeDocument/2006/relationships" xmlns:p="http://schemas.openxmlformats.org/presentationml/2006/main">
-  <p:cSld>
-    <p:spTree>
-      <p:nvGrpSpPr>
-        <p:cNvPr id="1" name=""/>
-        <p:cNvGrpSpPr/>
-        <p:nvPr/>
-      </p:nvGrpSpPr>
-      <p:grpSpPr>
-        <a:xfrm>
-          <a:off x="0" y="0"/>
-          <a:ext cx="0" cy="0"/>
-          <a:chOff x="0" y="0"/>
-          <a:chExt cx="0" cy="0"/>
-        </a:xfrm>
-      </p:grpSpPr>
-      <p:sp>
-        <p:nvSpPr>
-          <p:cNvPr id="2" name="タイトル 1">
-            <a:extLst>
-              <a:ext uri="{FF2B5EF4-FFF2-40B4-BE49-F238E27FC236}">
-                <a16:creationId xmlns:a16="http://schemas.microsoft.com/office/drawing/2014/main" id="{B6C07284-F11F-4791-A9CB-746AE29D2900}"/>
-              </a:ext>
-            </a:extLst>
-          </p:cNvPr>
-          <p:cNvSpPr>
-            <a:spLocks noGrp="1"/>
-          </p:cNvSpPr>
-          <p:nvPr>
-            <p:ph type="title"/>
-          </p:nvPr>
-        </p:nvSpPr>
-        <p:spPr/>
-        <p:txBody>
-          <a:bodyPr/>
-          <a:lstStyle/>
-          <a:p>
-            <a:r>
-              <a:rPr lang="ja-JP" altLang="en-US" dirty="0"/>
-              <a:t>開発環境</a:t>
-            </a:r>
-            <a:endParaRPr kumimoji="1" lang="ja-JP" altLang="en-US" dirty="0"/>
-          </a:p>
-        </p:txBody>
-      </p:sp>
-      <p:sp>
-        <p:nvSpPr>
-          <p:cNvPr id="3" name="コンテンツ プレースホルダー 2">
-            <a:extLst>
-              <a:ext uri="{FF2B5EF4-FFF2-40B4-BE49-F238E27FC236}">
-                <a16:creationId xmlns:a16="http://schemas.microsoft.com/office/drawing/2014/main" id="{FA309CE4-3C53-4698-90C6-FA303D3D2BAC}"/>
-              </a:ext>
-            </a:extLst>
-          </p:cNvPr>
-          <p:cNvSpPr>
-            <a:spLocks noGrp="1"/>
-          </p:cNvSpPr>
-          <p:nvPr>
-            <p:ph idx="1"/>
-          </p:nvPr>
-        </p:nvSpPr>
-        <p:spPr/>
-        <p:txBody>
-          <a:bodyPr/>
-          <a:lstStyle/>
-          <a:p>
-            <a:r>
-              <a:rPr kumimoji="1" lang="ja-JP" altLang="en-US" dirty="0"/>
-              <a:t>開発言語　　　　</a:t>
-            </a:r>
-            <a:r>
-              <a:rPr lang="ja-JP" altLang="en-US" dirty="0"/>
-              <a:t>：</a:t>
-            </a:r>
-            <a:r>
-              <a:rPr kumimoji="1" lang="en-US" altLang="ja-JP" dirty="0"/>
-              <a:t>PHP</a:t>
-            </a:r>
-            <a:r>
-              <a:rPr kumimoji="1" lang="ja-JP" altLang="en-US" dirty="0" err="1"/>
-              <a:t>、</a:t>
-            </a:r>
-            <a:r>
-              <a:rPr kumimoji="1" lang="en-US" altLang="ja-JP" dirty="0"/>
-              <a:t>HTML</a:t>
-            </a:r>
-            <a:r>
-              <a:rPr kumimoji="1" lang="ja-JP" altLang="en-US" dirty="0" err="1"/>
-              <a:t>、</a:t>
-            </a:r>
-            <a:r>
-              <a:rPr kumimoji="1" lang="en-US" altLang="ja-JP" dirty="0"/>
-              <a:t>CSS</a:t>
-            </a:r>
-          </a:p>
-          <a:p>
-            <a:endParaRPr lang="en-US" altLang="ja-JP" dirty="0"/>
-          </a:p>
-          <a:p>
-            <a:r>
-              <a:rPr kumimoji="1" lang="ja-JP" altLang="en-US" dirty="0"/>
-              <a:t>データベース　　：</a:t>
-            </a:r>
-            <a:r>
-              <a:rPr lang="en-US" altLang="ja-JP" dirty="0"/>
-              <a:t>MySQL</a:t>
-            </a:r>
-            <a:endParaRPr kumimoji="1" lang="en-US" altLang="ja-JP" dirty="0"/>
-          </a:p>
-          <a:p>
-            <a:endParaRPr lang="en-US" altLang="ja-JP" dirty="0"/>
-          </a:p>
-          <a:p>
-            <a:r>
-              <a:rPr kumimoji="1" lang="ja-JP" altLang="en-US" dirty="0"/>
-              <a:t>ソースコード</a:t>
-            </a:r>
-            <a:r>
-              <a:rPr lang="ja-JP" altLang="en-US" dirty="0"/>
-              <a:t>共有</a:t>
-            </a:r>
-            <a:r>
-              <a:rPr kumimoji="1" lang="ja-JP" altLang="en-US" dirty="0"/>
-              <a:t>：</a:t>
-            </a:r>
-            <a:r>
-              <a:rPr kumimoji="1" lang="en-US" altLang="ja-JP" dirty="0" err="1"/>
-              <a:t>github</a:t>
-            </a:r>
-            <a:r>
-              <a:rPr kumimoji="1" lang="ja-JP" altLang="en-US" dirty="0" err="1"/>
-              <a:t>、</a:t>
-            </a:r>
-            <a:r>
-              <a:rPr kumimoji="1" lang="en-US" altLang="ja-JP" dirty="0" err="1"/>
-              <a:t>sourcetree</a:t>
-            </a:r>
-            <a:endParaRPr kumimoji="1" lang="en-US" altLang="ja-JP" dirty="0"/>
-          </a:p>
-        </p:txBody>
-      </p:sp>
-    </p:spTree>
-    <p:extLst>
-      <p:ext uri="{BB962C8B-B14F-4D97-AF65-F5344CB8AC3E}">
-        <p14:creationId xmlns:p14="http://schemas.microsoft.com/office/powerpoint/2010/main" val="501568201"/>
-      </p:ext>
-    </p:extLst>
-  </p:cSld>
-  <p:clrMapOvr>
-    <a:masterClrMapping/>
-  </p:clrMapOvr>
-  <mc:AlternateContent xmlns:mc="http://schemas.openxmlformats.org/markup-compatibility/2006">
-    <mc:Choice xmlns:p159="http://schemas.microsoft.com/office/powerpoint/2015/09/main" Requires="p159">
-      <p:transition xmlns:p14="http://schemas.microsoft.com/office/powerpoint/2010/main" spd="slow" p14:dur="2000">
-        <p159:morph option="byObject"/>
-      </p:transition>
-    </mc:Choice>
-    <mc:Fallback>
-      <p:transition spd="slow">
-        <p:fade/>
-      </p:transition>
-    </mc:Fallback>
-  </mc:AlternateContent>
-</p:sld>
-</file>
-
-<file path=ppt/slides/slide5.xml><?xml version="1.0" encoding="utf-8"?>
-<p:sld xmlns:a="http://schemas.openxmlformats.org/drawingml/2006/main" xmlns:r="http://schemas.openxmlformats.org/officeDocument/2006/relationships" xmlns:p="http://schemas.openxmlformats.org/presentationml/2006/main">
-  <p:cSld>
-    <p:spTree>
-      <p:nvGrpSpPr>
-        <p:cNvPr id="1" name=""/>
-        <p:cNvGrpSpPr/>
-        <p:nvPr/>
-      </p:nvGrpSpPr>
-      <p:grpSpPr>
-        <a:xfrm>
-          <a:off x="0" y="0"/>
-          <a:ext cx="0" cy="0"/>
-          <a:chOff x="0" y="0"/>
-          <a:chExt cx="0" cy="0"/>
-        </a:xfrm>
-      </p:grpSpPr>
-      <p:pic>
-        <p:nvPicPr>
-          <p:cNvPr id="5" name="コンテンツ プレースホルダー 4">
-            <a:extLst>
-              <a:ext uri="{FF2B5EF4-FFF2-40B4-BE49-F238E27FC236}">
-                <a16:creationId xmlns:a16="http://schemas.microsoft.com/office/drawing/2014/main" id="{28AA6338-1D95-4E65-B124-7C9546F50E10}"/>
-              </a:ext>
-            </a:extLst>
-          </p:cNvPr>
-          <p:cNvPicPr>
-            <a:picLocks noGrp="1" noChangeAspect="1"/>
-          </p:cNvPicPr>
-          <p:nvPr>
-            <p:ph idx="1"/>
-          </p:nvPr>
-        </p:nvPicPr>
-        <p:blipFill>
-          <a:blip r:embed="rId3">
-            <a:extLst>
-              <a:ext uri="{28A0092B-C50C-407E-A947-70E740481C1C}">
-                <a14:useLocalDpi xmlns:a14="http://schemas.microsoft.com/office/drawing/2010/main" val="0"/>
-              </a:ext>
-            </a:extLst>
-          </a:blip>
-          <a:stretch>
-            <a:fillRect/>
-          </a:stretch>
-        </p:blipFill>
-        <p:spPr>
-          <a:xfrm>
-            <a:off x="1899285" y="1339372"/>
-            <a:ext cx="7620635" cy="4798464"/>
-          </a:xfrm>
-        </p:spPr>
-      </p:pic>
-      <p:sp>
-        <p:nvSpPr>
-          <p:cNvPr id="2" name="タイトル 1">
-            <a:extLst>
-              <a:ext uri="{FF2B5EF4-FFF2-40B4-BE49-F238E27FC236}">
-                <a16:creationId xmlns:a16="http://schemas.microsoft.com/office/drawing/2014/main" id="{2EAC88C0-CDDB-4A00-8762-A1587B9421D8}"/>
-              </a:ext>
-            </a:extLst>
-          </p:cNvPr>
-          <p:cNvSpPr>
-            <a:spLocks noGrp="1"/>
-          </p:cNvSpPr>
-          <p:nvPr>
-            <p:ph type="title"/>
-          </p:nvPr>
-        </p:nvSpPr>
-        <p:spPr>
-          <a:solidFill>
-            <a:schemeClr val="bg1"/>
-          </a:solidFill>
-        </p:spPr>
-        <p:txBody>
-          <a:bodyPr/>
-          <a:lstStyle/>
-          <a:p>
-            <a:r>
-              <a:rPr kumimoji="1" lang="ja-JP" altLang="en-US" dirty="0"/>
-              <a:t>役割分担</a:t>
-            </a:r>
-          </a:p>
-        </p:txBody>
-      </p:sp>
-      <p:sp>
-        <p:nvSpPr>
-          <p:cNvPr id="3" name="四角形: 角を丸くする 2">
-            <a:extLst>
-              <a:ext uri="{FF2B5EF4-FFF2-40B4-BE49-F238E27FC236}">
-                <a16:creationId xmlns:a16="http://schemas.microsoft.com/office/drawing/2014/main" id="{608739CF-56FB-4E32-95C4-CE6393AFD16B}"/>
-              </a:ext>
-            </a:extLst>
-          </p:cNvPr>
-          <p:cNvSpPr/>
-          <p:nvPr/>
-        </p:nvSpPr>
-        <p:spPr>
-          <a:xfrm>
-            <a:off x="2082800" y="1639888"/>
-            <a:ext cx="1524000" cy="4447148"/>
-          </a:xfrm>
-          <a:prstGeom prst="roundRect">
-            <a:avLst/>
-          </a:prstGeom>
-          <a:noFill/>
-          <a:ln w="19050"/>
-        </p:spPr>
-        <p:style>
-          <a:lnRef idx="2">
-            <a:schemeClr val="accent1"/>
-          </a:lnRef>
-          <a:fillRef idx="1">
-            <a:schemeClr val="lt1"/>
-          </a:fillRef>
-          <a:effectRef idx="0">
-            <a:schemeClr val="accent1"/>
-          </a:effectRef>
-          <a:fontRef idx="minor">
-            <a:schemeClr val="dk1"/>
-          </a:fontRef>
-        </p:style>
-        <p:txBody>
-          <a:bodyPr rtlCol="0" anchor="ctr"/>
-          <a:lstStyle/>
-          <a:p>
-            <a:pPr algn="ctr"/>
-            <a:endParaRPr kumimoji="1" lang="ja-JP" altLang="en-US"/>
-          </a:p>
-        </p:txBody>
-      </p:sp>
-    </p:spTree>
-    <p:extLst>
-      <p:ext uri="{BB962C8B-B14F-4D97-AF65-F5344CB8AC3E}">
-        <p14:creationId xmlns:p14="http://schemas.microsoft.com/office/powerpoint/2010/main" val="465890220"/>
-      </p:ext>
-    </p:extLst>
-  </p:cSld>
-  <p:clrMapOvr>
-    <a:masterClrMapping/>
-  </p:clrMapOvr>
-  <mc:AlternateContent xmlns:mc="http://schemas.openxmlformats.org/markup-compatibility/2006">
-    <mc:Choice xmlns:p159="http://schemas.microsoft.com/office/powerpoint/2015/09/main" Requires="p159">
-      <p:transition xmlns:p14="http://schemas.microsoft.com/office/powerpoint/2010/main" spd="slow" p14:dur="2000">
-        <p159:morph option="byObject"/>
-      </p:transition>
-    </mc:Choice>
-    <mc:Fallback>
-      <p:transition spd="slow">
-        <p:fade/>
-      </p:transition>
-    </mc:Fallback>
-  </mc:AlternateContent>
-</p:sld>
-</file>
-
-<file path=ppt/slides/slide6.xml><?xml version="1.0" encoding="utf-8"?>
 <p:sld xmlns:a="http://schemas.openxmlformats.org/drawingml/2006/main" xmlns:r="http://schemas.openxmlformats.org/officeDocument/2006/relationships" xmlns:p="http://schemas.openxmlformats.org/presentationml/2006/main">
   <p:cSld>
     <p:spTree>
@@ -6063,13 +5956,285 @@
   <p:clrMapOvr>
     <a:masterClrMapping/>
   </p:clrMapOvr>
-  <mc:AlternateContent xmlns:mc="http://schemas.openxmlformats.org/markup-compatibility/2006">
-    <mc:Choice xmlns:p159="http://schemas.microsoft.com/office/powerpoint/2015/09/main" Requires="p159">
+  <mc:AlternateContent xmlns:mc="http://schemas.openxmlformats.org/markup-compatibility/2006" xmlns:p159="http://schemas.microsoft.com/office/powerpoint/2015/09/main">
+    <mc:Choice Requires="p159">
       <p:transition xmlns:p14="http://schemas.microsoft.com/office/powerpoint/2010/main" spd="slow" p14:dur="2000">
         <p159:morph option="byObject"/>
       </p:transition>
     </mc:Choice>
-    <mc:Fallback>
+    <mc:Fallback xmlns="">
+      <p:transition spd="slow">
+        <p:fade/>
+      </p:transition>
+    </mc:Fallback>
+  </mc:AlternateContent>
+</p:sld>
+</file>
+
+<file path=ppt/slides/slide5.xml><?xml version="1.0" encoding="utf-8"?>
+<p:sld xmlns:a="http://schemas.openxmlformats.org/drawingml/2006/main" xmlns:r="http://schemas.openxmlformats.org/officeDocument/2006/relationships" xmlns:p="http://schemas.openxmlformats.org/presentationml/2006/main">
+  <p:cSld>
+    <p:spTree>
+      <p:nvGrpSpPr>
+        <p:cNvPr id="1" name=""/>
+        <p:cNvGrpSpPr/>
+        <p:nvPr/>
+      </p:nvGrpSpPr>
+      <p:grpSpPr>
+        <a:xfrm>
+          <a:off x="0" y="0"/>
+          <a:ext cx="0" cy="0"/>
+          <a:chOff x="0" y="0"/>
+          <a:chExt cx="0" cy="0"/>
+        </a:xfrm>
+      </p:grpSpPr>
+      <p:sp>
+        <p:nvSpPr>
+          <p:cNvPr id="6" name="タイトル 1">
+            <a:extLst>
+              <a:ext uri="{FF2B5EF4-FFF2-40B4-BE49-F238E27FC236}">
+                <a16:creationId xmlns:a16="http://schemas.microsoft.com/office/drawing/2014/main" id="{585BC671-44EA-4761-B18B-11693CD5667C}"/>
+              </a:ext>
+            </a:extLst>
+          </p:cNvPr>
+          <p:cNvSpPr>
+            <a:spLocks noGrp="1"/>
+          </p:cNvSpPr>
+          <p:nvPr>
+            <p:ph type="title"/>
+          </p:nvPr>
+        </p:nvSpPr>
+        <p:spPr>
+          <a:xfrm>
+            <a:off x="838200" y="212725"/>
+            <a:ext cx="10515600" cy="1325563"/>
+          </a:xfrm>
+          <a:solidFill>
+            <a:schemeClr val="bg1"/>
+          </a:solidFill>
+        </p:spPr>
+        <p:txBody>
+          <a:bodyPr/>
+          <a:lstStyle/>
+          <a:p>
+            <a:r>
+              <a:rPr kumimoji="1" lang="en-US" altLang="ja-JP" dirty="0"/>
+              <a:t>ER</a:t>
+            </a:r>
+            <a:r>
+              <a:rPr kumimoji="1" lang="ja-JP" altLang="en-US" dirty="0"/>
+              <a:t>図</a:t>
+            </a:r>
+          </a:p>
+        </p:txBody>
+      </p:sp>
+      <p:pic>
+        <p:nvPicPr>
+          <p:cNvPr id="9" name="コンテンツ プレースホルダー 8">
+            <a:extLst>
+              <a:ext uri="{FF2B5EF4-FFF2-40B4-BE49-F238E27FC236}">
+                <a16:creationId xmlns:a16="http://schemas.microsoft.com/office/drawing/2014/main" id="{EBE5E0B2-54B5-41B9-A00D-BE504217D15F}"/>
+              </a:ext>
+            </a:extLst>
+          </p:cNvPr>
+          <p:cNvPicPr>
+            <a:picLocks noGrp="1" noChangeAspect="1"/>
+          </p:cNvPicPr>
+          <p:nvPr>
+            <p:ph idx="1"/>
+          </p:nvPr>
+        </p:nvPicPr>
+        <p:blipFill>
+          <a:blip r:embed="rId3">
+            <a:extLst>
+              <a:ext uri="{28A0092B-C50C-407E-A947-70E740481C1C}">
+                <a14:useLocalDpi xmlns:a14="http://schemas.microsoft.com/office/drawing/2010/main" val="0"/>
+              </a:ext>
+            </a:extLst>
+          </a:blip>
+          <a:stretch>
+            <a:fillRect/>
+          </a:stretch>
+        </p:blipFill>
+        <p:spPr>
+          <a:xfrm>
+            <a:off x="635534" y="1252603"/>
+            <a:ext cx="10920931" cy="4999517"/>
+          </a:xfrm>
+        </p:spPr>
+      </p:pic>
+    </p:spTree>
+    <p:extLst>
+      <p:ext uri="{BB962C8B-B14F-4D97-AF65-F5344CB8AC3E}">
+        <p14:creationId xmlns:p14="http://schemas.microsoft.com/office/powerpoint/2010/main" val="3577618292"/>
+      </p:ext>
+    </p:extLst>
+  </p:cSld>
+  <p:clrMapOvr>
+    <a:masterClrMapping/>
+  </p:clrMapOvr>
+  <mc:AlternateContent xmlns:mc="http://schemas.openxmlformats.org/markup-compatibility/2006" xmlns:p159="http://schemas.microsoft.com/office/powerpoint/2015/09/main">
+    <mc:Choice Requires="p159">
+      <p:transition xmlns:p14="http://schemas.microsoft.com/office/powerpoint/2010/main" spd="slow" p14:dur="2000">
+        <p159:morph option="byObject"/>
+      </p:transition>
+    </mc:Choice>
+    <mc:Fallback xmlns="">
+      <p:transition spd="slow">
+        <p:fade/>
+      </p:transition>
+    </mc:Fallback>
+  </mc:AlternateContent>
+</p:sld>
+</file>
+
+<file path=ppt/slides/slide6.xml><?xml version="1.0" encoding="utf-8"?>
+<p:sld xmlns:a="http://schemas.openxmlformats.org/drawingml/2006/main" xmlns:r="http://schemas.openxmlformats.org/officeDocument/2006/relationships" xmlns:p="http://schemas.openxmlformats.org/presentationml/2006/main">
+  <p:cSld>
+    <p:spTree>
+      <p:nvGrpSpPr>
+        <p:cNvPr id="1" name=""/>
+        <p:cNvGrpSpPr/>
+        <p:nvPr/>
+      </p:nvGrpSpPr>
+      <p:grpSpPr>
+        <a:xfrm>
+          <a:off x="0" y="0"/>
+          <a:ext cx="0" cy="0"/>
+          <a:chOff x="0" y="0"/>
+          <a:chExt cx="0" cy="0"/>
+        </a:xfrm>
+      </p:grpSpPr>
+      <p:pic>
+        <p:nvPicPr>
+          <p:cNvPr id="5" name="コンテンツ プレースホルダー 4">
+            <a:extLst>
+              <a:ext uri="{FF2B5EF4-FFF2-40B4-BE49-F238E27FC236}">
+                <a16:creationId xmlns:a16="http://schemas.microsoft.com/office/drawing/2014/main" id="{28AA6338-1D95-4E65-B124-7C9546F50E10}"/>
+              </a:ext>
+            </a:extLst>
+          </p:cNvPr>
+          <p:cNvPicPr>
+            <a:picLocks noGrp="1" noChangeAspect="1"/>
+          </p:cNvPicPr>
+          <p:nvPr>
+            <p:ph idx="1"/>
+          </p:nvPr>
+        </p:nvPicPr>
+        <p:blipFill>
+          <a:blip r:embed="rId3">
+            <a:extLst>
+              <a:ext uri="{28A0092B-C50C-407E-A947-70E740481C1C}">
+                <a14:useLocalDpi xmlns:a14="http://schemas.microsoft.com/office/drawing/2010/main" val="0"/>
+              </a:ext>
+            </a:extLst>
+          </a:blip>
+          <a:stretch>
+            <a:fillRect/>
+          </a:stretch>
+        </p:blipFill>
+        <p:spPr>
+          <a:xfrm>
+            <a:off x="1899285" y="1339372"/>
+            <a:ext cx="7620635" cy="4798464"/>
+          </a:xfrm>
+        </p:spPr>
+      </p:pic>
+      <p:sp>
+        <p:nvSpPr>
+          <p:cNvPr id="2" name="タイトル 1">
+            <a:extLst>
+              <a:ext uri="{FF2B5EF4-FFF2-40B4-BE49-F238E27FC236}">
+                <a16:creationId xmlns:a16="http://schemas.microsoft.com/office/drawing/2014/main" id="{2EAC88C0-CDDB-4A00-8762-A1587B9421D8}"/>
+              </a:ext>
+            </a:extLst>
+          </p:cNvPr>
+          <p:cNvSpPr>
+            <a:spLocks noGrp="1"/>
+          </p:cNvSpPr>
+          <p:nvPr>
+            <p:ph type="title"/>
+          </p:nvPr>
+        </p:nvSpPr>
+        <p:spPr>
+          <a:solidFill>
+            <a:schemeClr val="bg1"/>
+          </a:solidFill>
+        </p:spPr>
+        <p:txBody>
+          <a:bodyPr/>
+          <a:lstStyle/>
+          <a:p>
+            <a:r>
+              <a:rPr kumimoji="1" lang="ja-JP" altLang="en-US" dirty="0"/>
+              <a:t>役割分担</a:t>
+            </a:r>
+          </a:p>
+        </p:txBody>
+      </p:sp>
+      <p:sp>
+        <p:nvSpPr>
+          <p:cNvPr id="3" name="四角形: 角を丸くする 2">
+            <a:extLst>
+              <a:ext uri="{FF2B5EF4-FFF2-40B4-BE49-F238E27FC236}">
+                <a16:creationId xmlns:a16="http://schemas.microsoft.com/office/drawing/2014/main" id="{608739CF-56FB-4E32-95C4-CE6393AFD16B}"/>
+              </a:ext>
+            </a:extLst>
+          </p:cNvPr>
+          <p:cNvSpPr/>
+          <p:nvPr/>
+        </p:nvSpPr>
+        <p:spPr>
+          <a:xfrm>
+            <a:off x="2082800" y="1639888"/>
+            <a:ext cx="1524000" cy="4447148"/>
+          </a:xfrm>
+          <a:prstGeom prst="roundRect">
+            <a:avLst/>
+          </a:prstGeom>
+          <a:noFill/>
+          <a:ln w="19050"/>
+        </p:spPr>
+        <p:style>
+          <a:lnRef idx="2">
+            <a:schemeClr val="accent1"/>
+          </a:lnRef>
+          <a:fillRef idx="1">
+            <a:schemeClr val="lt1"/>
+          </a:fillRef>
+          <a:effectRef idx="0">
+            <a:schemeClr val="accent1"/>
+          </a:effectRef>
+          <a:fontRef idx="minor">
+            <a:schemeClr val="dk1"/>
+          </a:fontRef>
+        </p:style>
+        <p:txBody>
+          <a:bodyPr rtlCol="0" anchor="ctr"/>
+          <a:lstStyle/>
+          <a:p>
+            <a:pPr algn="ctr"/>
+            <a:endParaRPr kumimoji="1" lang="ja-JP" altLang="en-US"/>
+          </a:p>
+        </p:txBody>
+      </p:sp>
+    </p:spTree>
+    <p:extLst>
+      <p:ext uri="{BB962C8B-B14F-4D97-AF65-F5344CB8AC3E}">
+        <p14:creationId xmlns:p14="http://schemas.microsoft.com/office/powerpoint/2010/main" val="465890220"/>
+      </p:ext>
+    </p:extLst>
+  </p:cSld>
+  <p:clrMapOvr>
+    <a:masterClrMapping/>
+  </p:clrMapOvr>
+  <mc:AlternateContent xmlns:mc="http://schemas.openxmlformats.org/markup-compatibility/2006" xmlns:p159="http://schemas.microsoft.com/office/powerpoint/2015/09/main">
+    <mc:Choice Requires="p159">
+      <p:transition xmlns:p14="http://schemas.microsoft.com/office/powerpoint/2010/main" spd="slow" p14:dur="2000">
+        <p159:morph option="byObject"/>
+      </p:transition>
+    </mc:Choice>
+    <mc:Fallback xmlns="">
       <p:transition spd="slow">
         <p:fade/>
       </p:transition>
@@ -6097,96 +6262,82 @@
       </p:grpSpPr>
       <p:sp>
         <p:nvSpPr>
-          <p:cNvPr id="6" name="タイトル 1">
-            <a:extLst>
-              <a:ext uri="{FF2B5EF4-FFF2-40B4-BE49-F238E27FC236}">
-                <a16:creationId xmlns:a16="http://schemas.microsoft.com/office/drawing/2014/main" id="{585BC671-44EA-4761-B18B-11693CD5667C}"/>
-              </a:ext>
-            </a:extLst>
-          </p:cNvPr>
-          <p:cNvSpPr>
-            <a:spLocks noGrp="1"/>
-          </p:cNvSpPr>
-          <p:nvPr>
-            <p:ph type="title"/>
-          </p:nvPr>
-        </p:nvSpPr>
-        <p:spPr>
-          <a:xfrm>
-            <a:off x="838200" y="212725"/>
-            <a:ext cx="10515600" cy="1325563"/>
-          </a:xfrm>
-          <a:solidFill>
-            <a:schemeClr val="bg1"/>
-          </a:solidFill>
-        </p:spPr>
+          <p:cNvPr id="2" name="タイトル 1">
+            <a:extLst>
+              <a:ext uri="{FF2B5EF4-FFF2-40B4-BE49-F238E27FC236}">
+                <a16:creationId xmlns:a16="http://schemas.microsoft.com/office/drawing/2014/main" id="{01ED2532-0476-4C83-8324-7CEFE379E995}"/>
+              </a:ext>
+            </a:extLst>
+          </p:cNvPr>
+          <p:cNvSpPr>
+            <a:spLocks noGrp="1"/>
+          </p:cNvSpPr>
+          <p:nvPr>
+            <p:ph type="ctrTitle"/>
+          </p:nvPr>
+        </p:nvSpPr>
+        <p:spPr/>
+        <p:txBody>
+          <a:bodyPr/>
+          <a:lstStyle/>
+          <a:p>
+            <a:r>
+              <a:rPr kumimoji="1" lang="ja-JP" altLang="en-US" dirty="0"/>
+              <a:t>動作確認</a:t>
+            </a:r>
+          </a:p>
+        </p:txBody>
+      </p:sp>
+      <p:sp>
+        <p:nvSpPr>
+          <p:cNvPr id="3" name="字幕 2">
+            <a:extLst>
+              <a:ext uri="{FF2B5EF4-FFF2-40B4-BE49-F238E27FC236}">
+                <a16:creationId xmlns:a16="http://schemas.microsoft.com/office/drawing/2014/main" id="{A71E8BFB-3D4C-45D8-83CA-44A1A402A145}"/>
+              </a:ext>
+            </a:extLst>
+          </p:cNvPr>
+          <p:cNvSpPr>
+            <a:spLocks noGrp="1"/>
+          </p:cNvSpPr>
+          <p:nvPr>
+            <p:ph type="subTitle" idx="1"/>
+          </p:nvPr>
+        </p:nvSpPr>
+        <p:spPr/>
         <p:txBody>
           <a:bodyPr/>
           <a:lstStyle/>
           <a:p>
             <a:r>
               <a:rPr kumimoji="1" lang="en-US" altLang="ja-JP" dirty="0"/>
-              <a:t>ER</a:t>
+              <a:t>※</a:t>
             </a:r>
             <a:r>
               <a:rPr kumimoji="1" lang="ja-JP" altLang="en-US" dirty="0"/>
-              <a:t>図</a:t>
-            </a:r>
-          </a:p>
-        </p:txBody>
-      </p:sp>
-      <p:pic>
-        <p:nvPicPr>
-          <p:cNvPr id="9" name="コンテンツ プレースホルダー 8">
-            <a:extLst>
-              <a:ext uri="{FF2B5EF4-FFF2-40B4-BE49-F238E27FC236}">
-                <a16:creationId xmlns:a16="http://schemas.microsoft.com/office/drawing/2014/main" id="{EBE5E0B2-54B5-41B9-A00D-BE504217D15F}"/>
-              </a:ext>
-            </a:extLst>
-          </p:cNvPr>
-          <p:cNvPicPr>
-            <a:picLocks noGrp="1" noChangeAspect="1"/>
-          </p:cNvPicPr>
-          <p:nvPr>
-            <p:ph idx="1"/>
-          </p:nvPr>
-        </p:nvPicPr>
-        <p:blipFill>
-          <a:blip r:embed="rId3">
-            <a:extLst>
-              <a:ext uri="{28A0092B-C50C-407E-A947-70E740481C1C}">
-                <a14:useLocalDpi xmlns:a14="http://schemas.microsoft.com/office/drawing/2010/main" val="0"/>
-              </a:ext>
-            </a:extLst>
-          </a:blip>
-          <a:stretch>
-            <a:fillRect/>
-          </a:stretch>
-        </p:blipFill>
-        <p:spPr>
-          <a:xfrm>
-            <a:off x="635534" y="1252603"/>
-            <a:ext cx="10920931" cy="4999517"/>
-          </a:xfrm>
-        </p:spPr>
-      </p:pic>
+              <a:t>適当にイラストを追加する</a:t>
+            </a:r>
+            <a:endParaRPr kumimoji="1" lang="en-US" altLang="ja-JP" dirty="0"/>
+          </a:p>
+        </p:txBody>
+      </p:sp>
     </p:spTree>
     <p:extLst>
       <p:ext uri="{BB962C8B-B14F-4D97-AF65-F5344CB8AC3E}">
-        <p14:creationId xmlns:p14="http://schemas.microsoft.com/office/powerpoint/2010/main" val="3577618292"/>
+        <p14:creationId xmlns:p14="http://schemas.microsoft.com/office/powerpoint/2010/main" val="1762712904"/>
       </p:ext>
     </p:extLst>
   </p:cSld>
   <p:clrMapOvr>
     <a:masterClrMapping/>
   </p:clrMapOvr>
-  <mc:AlternateContent xmlns:mc="http://schemas.openxmlformats.org/markup-compatibility/2006">
-    <mc:Choice xmlns:p159="http://schemas.microsoft.com/office/powerpoint/2015/09/main" Requires="p159">
+  <mc:AlternateContent xmlns:mc="http://schemas.openxmlformats.org/markup-compatibility/2006" xmlns:p159="http://schemas.microsoft.com/office/powerpoint/2015/09/main">
+    <mc:Choice Requires="p159">
       <p:transition xmlns:p14="http://schemas.microsoft.com/office/powerpoint/2010/main" spd="slow" p14:dur="2000">
         <p159:morph option="byObject"/>
       </p:transition>
     </mc:Choice>
-    <mc:Fallback>
+    <mc:Fallback xmlns="">
       <p:transition spd="slow">
         <p:fade/>
       </p:transition>
@@ -6217,15 +6368,44 @@
           <p:cNvPr id="2" name="タイトル 1">
             <a:extLst>
               <a:ext uri="{FF2B5EF4-FFF2-40B4-BE49-F238E27FC236}">
-                <a16:creationId xmlns:a16="http://schemas.microsoft.com/office/drawing/2014/main" id="{01ED2532-0476-4C83-8324-7CEFE379E995}"/>
-              </a:ext>
-            </a:extLst>
-          </p:cNvPr>
-          <p:cNvSpPr>
-            <a:spLocks noGrp="1"/>
-          </p:cNvSpPr>
-          <p:nvPr>
-            <p:ph type="ctrTitle"/>
+                <a16:creationId xmlns:a16="http://schemas.microsoft.com/office/drawing/2014/main" id="{B6C07284-F11F-4791-A9CB-746AE29D2900}"/>
+              </a:ext>
+            </a:extLst>
+          </p:cNvPr>
+          <p:cNvSpPr>
+            <a:spLocks noGrp="1"/>
+          </p:cNvSpPr>
+          <p:nvPr>
+            <p:ph type="title"/>
+          </p:nvPr>
+        </p:nvSpPr>
+        <p:spPr/>
+        <p:txBody>
+          <a:bodyPr/>
+          <a:lstStyle/>
+          <a:p>
+            <a:r>
+              <a:rPr lang="ja-JP" altLang="en-US" dirty="0"/>
+              <a:t>開発環境</a:t>
+            </a:r>
+            <a:endParaRPr kumimoji="1" lang="ja-JP" altLang="en-US" dirty="0"/>
+          </a:p>
+        </p:txBody>
+      </p:sp>
+      <p:sp>
+        <p:nvSpPr>
+          <p:cNvPr id="3" name="コンテンツ プレースホルダー 2">
+            <a:extLst>
+              <a:ext uri="{FF2B5EF4-FFF2-40B4-BE49-F238E27FC236}">
+                <a16:creationId xmlns:a16="http://schemas.microsoft.com/office/drawing/2014/main" id="{FA309CE4-3C53-4698-90C6-FA303D3D2BAC}"/>
+              </a:ext>
+            </a:extLst>
+          </p:cNvPr>
+          <p:cNvSpPr>
+            <a:spLocks noGrp="1"/>
+          </p:cNvSpPr>
+          <p:nvPr>
+            <p:ph idx="1"/>
           </p:nvPr>
         </p:nvSpPr>
         <p:spPr/>
@@ -6235,53 +6415,96 @@
           <a:p>
             <a:r>
               <a:rPr kumimoji="1" lang="ja-JP" altLang="en-US" dirty="0"/>
-              <a:t>動作確認</a:t>
-            </a:r>
-          </a:p>
-        </p:txBody>
-      </p:sp>
-      <p:sp>
-        <p:nvSpPr>
-          <p:cNvPr id="3" name="字幕 2">
-            <a:extLst>
-              <a:ext uri="{FF2B5EF4-FFF2-40B4-BE49-F238E27FC236}">
-                <a16:creationId xmlns:a16="http://schemas.microsoft.com/office/drawing/2014/main" id="{A71E8BFB-3D4C-45D8-83CA-44A1A402A145}"/>
-              </a:ext>
-            </a:extLst>
-          </p:cNvPr>
-          <p:cNvSpPr>
-            <a:spLocks noGrp="1"/>
-          </p:cNvSpPr>
-          <p:nvPr>
-            <p:ph type="subTitle" idx="1"/>
-          </p:nvPr>
-        </p:nvSpPr>
-        <p:spPr/>
-        <p:txBody>
-          <a:bodyPr/>
-          <a:lstStyle/>
-          <a:p>
-            <a:endParaRPr kumimoji="1" lang="ja-JP" altLang="en-US" dirty="0"/>
+              <a:t>開発言語　　　　</a:t>
+            </a:r>
+            <a:r>
+              <a:rPr lang="ja-JP" altLang="en-US" dirty="0"/>
+              <a:t>：</a:t>
+            </a:r>
+            <a:r>
+              <a:rPr kumimoji="1" lang="en-US" altLang="ja-JP" dirty="0"/>
+              <a:t>PHP</a:t>
+            </a:r>
+            <a:r>
+              <a:rPr kumimoji="1" lang="ja-JP" altLang="en-US" dirty="0" err="1"/>
+              <a:t>、</a:t>
+            </a:r>
+            <a:r>
+              <a:rPr kumimoji="1" lang="en-US" altLang="ja-JP" dirty="0"/>
+              <a:t>HTML</a:t>
+            </a:r>
+            <a:r>
+              <a:rPr kumimoji="1" lang="ja-JP" altLang="en-US" dirty="0" err="1"/>
+              <a:t>、</a:t>
+            </a:r>
+            <a:r>
+              <a:rPr kumimoji="1" lang="en-US" altLang="ja-JP" dirty="0"/>
+              <a:t>CSS</a:t>
+            </a:r>
+          </a:p>
+          <a:p>
+            <a:endParaRPr lang="en-US" altLang="ja-JP" dirty="0"/>
+          </a:p>
+          <a:p>
+            <a:r>
+              <a:rPr kumimoji="1" lang="ja-JP" altLang="en-US" dirty="0"/>
+              <a:t>データベース　　：</a:t>
+            </a:r>
+            <a:r>
+              <a:rPr lang="en-US" altLang="ja-JP" dirty="0"/>
+              <a:t>MySQL</a:t>
+            </a:r>
+            <a:endParaRPr kumimoji="1" lang="en-US" altLang="ja-JP" dirty="0"/>
+          </a:p>
+          <a:p>
+            <a:endParaRPr lang="en-US" altLang="ja-JP" dirty="0"/>
+          </a:p>
+          <a:p>
+            <a:r>
+              <a:rPr kumimoji="1" lang="ja-JP" altLang="en-US" dirty="0"/>
+              <a:t>ソースコード</a:t>
+            </a:r>
+            <a:r>
+              <a:rPr lang="ja-JP" altLang="en-US" dirty="0"/>
+              <a:t>共有</a:t>
+            </a:r>
+            <a:r>
+              <a:rPr kumimoji="1" lang="ja-JP" altLang="en-US" dirty="0"/>
+              <a:t>：</a:t>
+            </a:r>
+            <a:r>
+              <a:rPr kumimoji="1" lang="en-US" altLang="ja-JP" dirty="0" err="1"/>
+              <a:t>github</a:t>
+            </a:r>
+            <a:r>
+              <a:rPr kumimoji="1" lang="ja-JP" altLang="en-US" dirty="0" err="1"/>
+              <a:t>、</a:t>
+            </a:r>
+            <a:r>
+              <a:rPr kumimoji="1" lang="en-US" altLang="ja-JP" dirty="0" err="1"/>
+              <a:t>sourcetree</a:t>
+            </a:r>
+            <a:endParaRPr kumimoji="1" lang="en-US" altLang="ja-JP" dirty="0"/>
           </a:p>
         </p:txBody>
       </p:sp>
     </p:spTree>
     <p:extLst>
       <p:ext uri="{BB962C8B-B14F-4D97-AF65-F5344CB8AC3E}">
-        <p14:creationId xmlns:p14="http://schemas.microsoft.com/office/powerpoint/2010/main" val="1762712904"/>
+        <p14:creationId xmlns:p14="http://schemas.microsoft.com/office/powerpoint/2010/main" val="501568201"/>
       </p:ext>
     </p:extLst>
   </p:cSld>
   <p:clrMapOvr>
     <a:masterClrMapping/>
   </p:clrMapOvr>
-  <mc:AlternateContent xmlns:mc="http://schemas.openxmlformats.org/markup-compatibility/2006">
-    <mc:Choice xmlns:p159="http://schemas.microsoft.com/office/powerpoint/2015/09/main" Requires="p159">
+  <mc:AlternateContent xmlns:mc="http://schemas.openxmlformats.org/markup-compatibility/2006" xmlns:p159="http://schemas.microsoft.com/office/powerpoint/2015/09/main">
+    <mc:Choice Requires="p159">
       <p:transition xmlns:p14="http://schemas.microsoft.com/office/powerpoint/2010/main" spd="slow" p14:dur="2000">
         <p159:morph option="byObject"/>
       </p:transition>
     </mc:Choice>
-    <mc:Fallback>
+    <mc:Fallback xmlns="">
       <p:transition spd="slow">
         <p:fade/>
       </p:transition>
@@ -6357,7 +6580,14 @@
           <a:bodyPr/>
           <a:lstStyle/>
           <a:p>
-            <a:endParaRPr kumimoji="1" lang="ja-JP" altLang="en-US" dirty="0"/>
+            <a:r>
+              <a:rPr kumimoji="1" lang="en-US" altLang="ja-JP" dirty="0"/>
+              <a:t>※</a:t>
+            </a:r>
+            <a:r>
+              <a:rPr kumimoji="1" lang="ja-JP" altLang="en-US" dirty="0"/>
+              <a:t>適当にイラストを追加する</a:t>
+            </a:r>
           </a:p>
         </p:txBody>
       </p:sp>
@@ -6371,13 +6601,13 @@
   <p:clrMapOvr>
     <a:masterClrMapping/>
   </p:clrMapOvr>
-  <mc:AlternateContent xmlns:mc="http://schemas.openxmlformats.org/markup-compatibility/2006">
-    <mc:Choice xmlns:p159="http://schemas.microsoft.com/office/powerpoint/2015/09/main" Requires="p159">
+  <mc:AlternateContent xmlns:mc="http://schemas.openxmlformats.org/markup-compatibility/2006" xmlns:p159="http://schemas.microsoft.com/office/powerpoint/2015/09/main">
+    <mc:Choice Requires="p159">
       <p:transition xmlns:p14="http://schemas.microsoft.com/office/powerpoint/2010/main" spd="slow" p14:dur="2000">
         <p159:morph option="byObject"/>
       </p:transition>
     </mc:Choice>
-    <mc:Fallback>
+    <mc:Fallback xmlns="">
       <p:transition spd="slow">
         <p:fade/>
       </p:transition>

--- a/プレゼン資料/Webアプリ開発発表資料.pptx
+++ b/プレゼン資料/Webアプリ開発発表資料.pptx
@@ -9,13 +9,13 @@
   </p:notesMasterIdLst>
   <p:sldIdLst>
     <p:sldId id="256" r:id="rId2"/>
-    <p:sldId id="269" r:id="rId3"/>
+    <p:sldId id="271" r:id="rId3"/>
     <p:sldId id="257" r:id="rId4"/>
     <p:sldId id="260" r:id="rId5"/>
     <p:sldId id="261" r:id="rId6"/>
-    <p:sldId id="258" r:id="rId7"/>
-    <p:sldId id="268" r:id="rId8"/>
-    <p:sldId id="267" r:id="rId9"/>
+    <p:sldId id="268" r:id="rId7"/>
+    <p:sldId id="267" r:id="rId8"/>
+    <p:sldId id="258" r:id="rId9"/>
     <p:sldId id="270" r:id="rId10"/>
   </p:sldIdLst>
   <p:sldSz cx="12192000" cy="6858000"/>
@@ -184,7 +184,7 @@
             </a:lvl1pPr>
           </a:lstStyle>
           <a:p>
-            <a:endParaRPr kumimoji="1" lang="ja-JP" altLang="en-US"/>
+            <a:endParaRPr kumimoji="1" lang="ja-JP" altLang="en-US" dirty="0"/>
           </a:p>
         </p:txBody>
       </p:sp>
@@ -217,9 +217,9 @@
           <a:p>
             <a:fld id="{1948D64E-5151-4DBE-B175-EE677850562F}" type="datetimeFigureOut">
               <a:rPr kumimoji="1" lang="ja-JP" altLang="en-US" smtClean="0"/>
-              <a:t>2024/8/15</a:t>
+              <a:t>2024/8/16</a:t>
             </a:fld>
-            <a:endParaRPr kumimoji="1" lang="ja-JP" altLang="en-US"/>
+            <a:endParaRPr kumimoji="1" lang="ja-JP" altLang="en-US" dirty="0"/>
           </a:p>
         </p:txBody>
       </p:sp>
@@ -252,7 +252,7 @@
           <a:bodyPr vert="horz" lIns="91440" tIns="45720" rIns="91440" bIns="45720" rtlCol="0" anchor="ctr"/>
           <a:lstStyle/>
           <a:p>
-            <a:endParaRPr lang="ja-JP" altLang="en-US"/>
+            <a:endParaRPr lang="ja-JP" altLang="en-US" dirty="0"/>
           </a:p>
         </p:txBody>
       </p:sp>
@@ -374,7 +374,7 @@
             </a:lvl1pPr>
           </a:lstStyle>
           <a:p>
-            <a:endParaRPr kumimoji="1" lang="ja-JP" altLang="en-US"/>
+            <a:endParaRPr kumimoji="1" lang="ja-JP" altLang="en-US" dirty="0"/>
           </a:p>
         </p:txBody>
       </p:sp>
@@ -409,7 +409,7 @@
               <a:rPr kumimoji="1" lang="ja-JP" altLang="en-US" smtClean="0"/>
               <a:t>‹#›</a:t>
             </a:fld>
-            <a:endParaRPr kumimoji="1" lang="ja-JP" altLang="en-US"/>
+            <a:endParaRPr kumimoji="1" lang="ja-JP" altLang="en-US" dirty="0"/>
           </a:p>
         </p:txBody>
       </p:sp>
@@ -584,7 +584,7 @@
             </a:r>
             <a:r>
               <a:rPr kumimoji="1" lang="ja-JP" altLang="en-US" dirty="0"/>
-              <a:t>チームは売上管理システムを開発しました。</a:t>
+              <a:t>チームは売上管理システムを作りました。</a:t>
             </a:r>
             <a:endParaRPr kumimoji="1" lang="en-US" altLang="ja-JP" dirty="0"/>
           </a:p>
@@ -609,7 +609,7 @@
               <a:rPr kumimoji="1" lang="ja-JP" altLang="en-US" smtClean="0"/>
               <a:t>1</a:t>
             </a:fld>
-            <a:endParaRPr kumimoji="1" lang="ja-JP" altLang="en-US"/>
+            <a:endParaRPr kumimoji="1" lang="ja-JP" altLang="en-US" dirty="0"/>
           </a:p>
         </p:txBody>
       </p:sp>
@@ -696,14 +696,14 @@
               <a:rPr kumimoji="1" lang="ja-JP" altLang="en-US" smtClean="0"/>
               <a:t>2</a:t>
             </a:fld>
-            <a:endParaRPr kumimoji="1" lang="ja-JP" altLang="en-US"/>
+            <a:endParaRPr kumimoji="1" lang="ja-JP" altLang="en-US" dirty="0"/>
           </a:p>
         </p:txBody>
       </p:sp>
     </p:spTree>
     <p:extLst>
       <p:ext uri="{BB962C8B-B14F-4D97-AF65-F5344CB8AC3E}">
-        <p14:creationId xmlns:p14="http://schemas.microsoft.com/office/powerpoint/2010/main" val="4077735723"/>
+        <p14:creationId xmlns:p14="http://schemas.microsoft.com/office/powerpoint/2010/main" val="3655092818"/>
       </p:ext>
     </p:extLst>
   </p:cSld>
@@ -762,7 +762,7 @@
           <a:p>
             <a:r>
               <a:rPr kumimoji="1" lang="ja-JP" altLang="en-US" dirty="0"/>
-              <a:t>私たちが開発したのは、各店舗の売上集計を行い、各店舗ごとに目標売上を割り振る売上管理を作りました。</a:t>
+              <a:t>私たちが作ったのは、各店舗の売上集計を行い、各店舗ごとに目標売上を割り振る売上管理を作りました。</a:t>
             </a:r>
             <a:endParaRPr kumimoji="1" lang="en-US" altLang="ja-JP" dirty="0"/>
           </a:p>
@@ -772,21 +772,21 @@
           <a:p>
             <a:r>
               <a:rPr kumimoji="1" lang="ja-JP" altLang="en-US" dirty="0"/>
-              <a:t>それを開発しようと思ったきっかけは、就活の一環で様々な企業説明会に参加させていただいた際に</a:t>
+              <a:t>作ろうと思ったきっかけは、就活の一環で様々な企業説明会に参加させていただいた際に</a:t>
             </a:r>
             <a:endParaRPr kumimoji="1" lang="en-US" altLang="ja-JP" dirty="0"/>
           </a:p>
           <a:p>
             <a:r>
               <a:rPr kumimoji="1" lang="ja-JP" altLang="en-US" dirty="0"/>
-              <a:t>管理システムを開発されている企業さんが多かったため、就職後に何かしらの形で、今回開発した内容が役に立つのではないかと思い</a:t>
+              <a:t>管理システムを開発されている企業さんが多く、今後活かせるキッカケがあるのではないかと思い</a:t>
             </a:r>
             <a:endParaRPr kumimoji="1" lang="en-US" altLang="ja-JP" dirty="0"/>
           </a:p>
           <a:p>
             <a:r>
               <a:rPr kumimoji="1" lang="ja-JP" altLang="en-US" dirty="0"/>
-              <a:t>システム管理を作ることにしました。</a:t>
+              <a:t>管理システムを作ることにしました。</a:t>
             </a:r>
           </a:p>
           <a:p>
@@ -816,7 +816,7 @@
               <a:rPr kumimoji="1" lang="ja-JP" altLang="en-US" smtClean="0"/>
               <a:t>3</a:t>
             </a:fld>
-            <a:endParaRPr kumimoji="1" lang="ja-JP" altLang="en-US"/>
+            <a:endParaRPr kumimoji="1" lang="ja-JP" altLang="en-US" dirty="0"/>
           </a:p>
         </p:txBody>
       </p:sp>
@@ -884,6 +884,10 @@
             <a:endParaRPr kumimoji="1" lang="en-US" altLang="ja-JP" dirty="0"/>
           </a:p>
           <a:p>
+            <a:r>
+              <a:rPr kumimoji="1" lang="ja-JP" altLang="en-US" dirty="0"/>
+              <a:t>実際作ったものと、だいぶ違ってくるんですが</a:t>
+            </a:r>
             <a:endParaRPr kumimoji="1" lang="en-US" altLang="ja-JP" dirty="0"/>
           </a:p>
           <a:p>
@@ -959,7 +963,7 @@
               <a:rPr kumimoji="1" lang="ja-JP" altLang="en-US" smtClean="0"/>
               <a:t>4</a:t>
             </a:fld>
-            <a:endParaRPr kumimoji="1" lang="ja-JP" altLang="en-US"/>
+            <a:endParaRPr kumimoji="1" lang="ja-JP" altLang="en-US" dirty="0"/>
           </a:p>
         </p:txBody>
       </p:sp>
@@ -1022,17 +1026,83 @@
           <a:p>
             <a:r>
               <a:rPr kumimoji="1" lang="en-US" altLang="ja-JP" dirty="0"/>
-              <a:t>※</a:t>
+              <a:t>ER</a:t>
             </a:r>
             <a:r>
               <a:rPr kumimoji="1" lang="ja-JP" altLang="en-US" dirty="0"/>
-              <a:t>後日、ここの台本を考える</a:t>
+              <a:t>図はこんな感じになっていまして</a:t>
+            </a:r>
+            <a:endParaRPr kumimoji="1" lang="en-US" altLang="ja-JP" dirty="0"/>
+          </a:p>
+          <a:p>
+            <a:r>
+              <a:rPr kumimoji="1" lang="ja-JP" altLang="en-US" dirty="0"/>
+              <a:t>データベースの構成は、全部で６つのテーブルを作って</a:t>
+            </a:r>
+            <a:endParaRPr kumimoji="1" lang="en-US" altLang="ja-JP" dirty="0"/>
+          </a:p>
+          <a:p>
+            <a:r>
+              <a:rPr kumimoji="1" lang="ja-JP" altLang="en-US" dirty="0"/>
+              <a:t>データを管理しています。</a:t>
+            </a:r>
+            <a:endParaRPr kumimoji="1" lang="en-US" altLang="ja-JP" dirty="0"/>
+          </a:p>
+          <a:p>
+            <a:endParaRPr kumimoji="1" lang="en-US" altLang="ja-JP" dirty="0"/>
+          </a:p>
+          <a:p>
+            <a:r>
+              <a:rPr kumimoji="1" lang="ja-JP" altLang="en-US" dirty="0"/>
+              <a:t>管理者テーブルは</a:t>
+            </a:r>
+            <a:endParaRPr kumimoji="1" lang="en-US" altLang="ja-JP" dirty="0"/>
+          </a:p>
+          <a:p>
+            <a:r>
+              <a:rPr kumimoji="1" lang="ja-JP" altLang="en-US" dirty="0"/>
+              <a:t>ログイン</a:t>
             </a:r>
             <a:r>
               <a:rPr kumimoji="1" lang="en-US" altLang="ja-JP" dirty="0"/>
-              <a:t>8/1</a:t>
-            </a:r>
-            <a:endParaRPr kumimoji="1" lang="ja-JP" altLang="en-US" dirty="0"/>
+              <a:t>ID</a:t>
+            </a:r>
+            <a:r>
+              <a:rPr kumimoji="1" lang="ja-JP" altLang="en-US" dirty="0"/>
+              <a:t>を主キーにして、店舗</a:t>
+            </a:r>
+            <a:r>
+              <a:rPr kumimoji="1" lang="en-US" altLang="ja-JP" dirty="0"/>
+              <a:t>ID</a:t>
+            </a:r>
+            <a:r>
+              <a:rPr kumimoji="1" lang="ja-JP" altLang="en-US" dirty="0"/>
+              <a:t>を外部キーにすることで</a:t>
+            </a:r>
+            <a:endParaRPr kumimoji="1" lang="en-US" altLang="ja-JP" dirty="0"/>
+          </a:p>
+          <a:p>
+            <a:r>
+              <a:rPr kumimoji="1" lang="ja-JP" altLang="en-US" dirty="0"/>
+              <a:t>特定の人が特定の店舗しか編集できないようにしてます。</a:t>
+            </a:r>
+            <a:endParaRPr kumimoji="1" lang="en-US" altLang="ja-JP" dirty="0"/>
+          </a:p>
+          <a:p>
+            <a:endParaRPr kumimoji="1" lang="en-US" altLang="ja-JP" dirty="0"/>
+          </a:p>
+          <a:p>
+            <a:r>
+              <a:rPr kumimoji="1" lang="ja-JP" altLang="en-US" dirty="0"/>
+              <a:t>売上テーブルに</a:t>
+            </a:r>
+            <a:endParaRPr kumimoji="1" lang="en-US" altLang="ja-JP" dirty="0"/>
+          </a:p>
+          <a:p>
+            <a:r>
+              <a:rPr kumimoji="1" lang="ja-JP" altLang="en-US" dirty="0"/>
+              <a:t>その日の売上データを管理するようにしています。</a:t>
+            </a:r>
           </a:p>
         </p:txBody>
       </p:sp>
@@ -1055,7 +1125,7 @@
               <a:rPr kumimoji="1" lang="ja-JP" altLang="en-US" smtClean="0"/>
               <a:t>5</a:t>
             </a:fld>
-            <a:endParaRPr kumimoji="1" lang="ja-JP" altLang="en-US"/>
+            <a:endParaRPr kumimoji="1" lang="ja-JP" altLang="en-US" dirty="0"/>
           </a:p>
         </p:txBody>
       </p:sp>
@@ -1116,31 +1186,7 @@
           <a:bodyPr/>
           <a:lstStyle/>
           <a:p>
-            <a:r>
-              <a:rPr kumimoji="1" lang="ja-JP" altLang="en-US" dirty="0"/>
-              <a:t>役割分担はこんな感じで</a:t>
-            </a:r>
-            <a:endParaRPr kumimoji="1" lang="en-US" altLang="ja-JP" dirty="0"/>
-          </a:p>
-          <a:p>
-            <a:r>
-              <a:rPr kumimoji="1" lang="ja-JP" altLang="en-US" dirty="0"/>
-              <a:t>ログイン画面、メイン画面、設定画面ごとに役割を分担し</a:t>
-            </a:r>
-            <a:endParaRPr kumimoji="1" lang="en-US" altLang="ja-JP" dirty="0"/>
-          </a:p>
-          <a:p>
-            <a:r>
-              <a:rPr kumimoji="1" lang="ja-JP" altLang="en-US" dirty="0"/>
-              <a:t>進捗状況に応じて、役割を調整しました。</a:t>
-            </a:r>
-            <a:endParaRPr kumimoji="1" lang="en-US" altLang="ja-JP" dirty="0"/>
-          </a:p>
-          <a:p>
-            <a:r>
-              <a:rPr kumimoji="1" lang="ja-JP" altLang="en-US" dirty="0"/>
-              <a:t>その他は、基本的に全員で対応しました。</a:t>
-            </a:r>
+            <a:endParaRPr kumimoji="1" lang="ja-JP" altLang="en-US" dirty="0"/>
           </a:p>
         </p:txBody>
       </p:sp>
@@ -1163,14 +1209,14 @@
               <a:rPr kumimoji="1" lang="ja-JP" altLang="en-US" smtClean="0"/>
               <a:t>6</a:t>
             </a:fld>
-            <a:endParaRPr kumimoji="1" lang="ja-JP" altLang="en-US"/>
+            <a:endParaRPr kumimoji="1" lang="ja-JP" altLang="en-US" dirty="0"/>
           </a:p>
         </p:txBody>
       </p:sp>
     </p:spTree>
     <p:extLst>
       <p:ext uri="{BB962C8B-B14F-4D97-AF65-F5344CB8AC3E}">
-        <p14:creationId xmlns:p14="http://schemas.microsoft.com/office/powerpoint/2010/main" val="686271573"/>
+        <p14:creationId xmlns:p14="http://schemas.microsoft.com/office/powerpoint/2010/main" val="3213397520"/>
       </p:ext>
     </p:extLst>
   </p:cSld>
@@ -1224,7 +1270,72 @@
           <a:bodyPr/>
           <a:lstStyle/>
           <a:p>
-            <a:endParaRPr kumimoji="1" lang="ja-JP" altLang="en-US" dirty="0"/>
+            <a:r>
+              <a:rPr kumimoji="1" lang="ja-JP" altLang="en-US" dirty="0"/>
+              <a:t>開発言語は、</a:t>
+            </a:r>
+            <a:r>
+              <a:rPr kumimoji="1" lang="en-US" altLang="ja-JP" dirty="0"/>
+              <a:t>PHP</a:t>
+            </a:r>
+            <a:r>
+              <a:rPr kumimoji="1" lang="ja-JP" altLang="en-US" dirty="0" err="1"/>
+              <a:t>、</a:t>
+            </a:r>
+            <a:r>
+              <a:rPr kumimoji="1" lang="en-US" altLang="ja-JP" dirty="0"/>
+              <a:t>HTML</a:t>
+            </a:r>
+            <a:r>
+              <a:rPr kumimoji="1" lang="ja-JP" altLang="en-US" dirty="0" err="1"/>
+              <a:t>、</a:t>
+            </a:r>
+            <a:r>
+              <a:rPr kumimoji="1" lang="en-US" altLang="ja-JP" dirty="0"/>
+              <a:t>CSS</a:t>
+            </a:r>
+            <a:r>
+              <a:rPr kumimoji="1" lang="ja-JP" altLang="en-US" dirty="0"/>
+              <a:t>を使っています。</a:t>
+            </a:r>
+            <a:endParaRPr kumimoji="1" lang="en-US" altLang="ja-JP" dirty="0"/>
+          </a:p>
+          <a:p>
+            <a:r>
+              <a:rPr kumimoji="1" lang="ja-JP" altLang="en-US" dirty="0"/>
+              <a:t>データベースは</a:t>
+            </a:r>
+            <a:r>
+              <a:rPr kumimoji="1" lang="en-US" altLang="ja-JP" dirty="0"/>
+              <a:t>MySQL</a:t>
+            </a:r>
+            <a:r>
+              <a:rPr kumimoji="1" lang="ja-JP" altLang="en-US" dirty="0"/>
+              <a:t>を使っています。</a:t>
+            </a:r>
+            <a:endParaRPr kumimoji="1" lang="en-US" altLang="ja-JP" dirty="0"/>
+          </a:p>
+          <a:p>
+            <a:r>
+              <a:rPr kumimoji="1" lang="ja-JP" altLang="en-US" dirty="0"/>
+              <a:t>ソースコードの共有には、</a:t>
+            </a:r>
+            <a:r>
+              <a:rPr kumimoji="1" lang="en-US" altLang="ja-JP" dirty="0" err="1"/>
+              <a:t>github</a:t>
+            </a:r>
+            <a:r>
+              <a:rPr kumimoji="1" lang="ja-JP" altLang="en-US" dirty="0"/>
+              <a:t>と</a:t>
+            </a:r>
+            <a:r>
+              <a:rPr kumimoji="1" lang="en-US" altLang="ja-JP" dirty="0" err="1"/>
+              <a:t>sourcetree</a:t>
+            </a:r>
+            <a:r>
+              <a:rPr kumimoji="1" lang="ja-JP" altLang="en-US" dirty="0"/>
+              <a:t>を使いました。</a:t>
+            </a:r>
           </a:p>
         </p:txBody>
       </p:sp>
@@ -1254,7 +1365,7 @@
     </p:spTree>
     <p:extLst>
       <p:ext uri="{BB962C8B-B14F-4D97-AF65-F5344CB8AC3E}">
-        <p14:creationId xmlns:p14="http://schemas.microsoft.com/office/powerpoint/2010/main" val="3213397520"/>
+        <p14:creationId xmlns:p14="http://schemas.microsoft.com/office/powerpoint/2010/main" val="45810444"/>
       </p:ext>
     </p:extLst>
   </p:cSld>
@@ -1310,70 +1421,47 @@
           <a:p>
             <a:r>
               <a:rPr kumimoji="1" lang="ja-JP" altLang="en-US" dirty="0"/>
-              <a:t>開発言語は、</a:t>
-            </a:r>
-            <a:r>
-              <a:rPr kumimoji="1" lang="en-US" altLang="ja-JP" dirty="0"/>
-              <a:t>PHP</a:t>
-            </a:r>
-            <a:r>
-              <a:rPr kumimoji="1" lang="ja-JP" altLang="en-US" dirty="0" err="1"/>
-              <a:t>、</a:t>
-            </a:r>
-            <a:r>
-              <a:rPr kumimoji="1" lang="en-US" altLang="ja-JP" dirty="0"/>
-              <a:t>HTML</a:t>
-            </a:r>
-            <a:r>
-              <a:rPr kumimoji="1" lang="ja-JP" altLang="en-US" dirty="0" err="1"/>
-              <a:t>、</a:t>
-            </a:r>
-            <a:r>
-              <a:rPr kumimoji="1" lang="en-US" altLang="ja-JP" dirty="0"/>
-              <a:t>CSS</a:t>
-            </a:r>
+              <a:t>役割分担はこんな感じで</a:t>
+            </a:r>
+            <a:endParaRPr kumimoji="1" lang="en-US" altLang="ja-JP" dirty="0"/>
+          </a:p>
+          <a:p>
             <a:r>
               <a:rPr kumimoji="1" lang="ja-JP" altLang="en-US" dirty="0"/>
-              <a:t>を使っています。</a:t>
+              <a:t>ログイン画面、メイン画面、設定画面ごとに役割を分担し、</a:t>
             </a:r>
             <a:endParaRPr kumimoji="1" lang="en-US" altLang="ja-JP" dirty="0"/>
           </a:p>
           <a:p>
             <a:r>
               <a:rPr kumimoji="1" lang="ja-JP" altLang="en-US" dirty="0"/>
-              <a:t>データベースは</a:t>
-            </a:r>
-            <a:r>
-              <a:rPr kumimoji="1" lang="en-US" altLang="ja-JP" dirty="0"/>
-              <a:t>MySQL</a:t>
-            </a:r>
+              <a:t>その他は、基本的に全員で対応しました。</a:t>
+            </a:r>
+            <a:endParaRPr kumimoji="1" lang="en-US" altLang="ja-JP" dirty="0"/>
+          </a:p>
+          <a:p>
+            <a:pPr marL="0" marR="0" lvl="0" indent="0" algn="l" defTabSz="914400" rtl="0" eaLnBrk="1" fontAlgn="auto" latinLnBrk="0" hangingPunct="1">
+              <a:lnSpc>
+                <a:spcPct val="100000"/>
+              </a:lnSpc>
+              <a:spcBef>
+                <a:spcPts val="0"/>
+              </a:spcBef>
+              <a:spcAft>
+                <a:spcPts val="0"/>
+              </a:spcAft>
+              <a:buClrTx/>
+              <a:buSzTx/>
+              <a:buFontTx/>
+              <a:buNone/>
+              <a:tabLst/>
+              <a:defRPr/>
+            </a:pPr>
             <a:r>
               <a:rPr kumimoji="1" lang="ja-JP" altLang="en-US" dirty="0"/>
-              <a:t>を使っています。</a:t>
+              <a:t>進捗状況に応じて、役割を調整していきました。</a:t>
             </a:r>
             <a:endParaRPr kumimoji="1" lang="en-US" altLang="ja-JP" dirty="0"/>
-          </a:p>
-          <a:p>
-            <a:r>
-              <a:rPr kumimoji="1" lang="ja-JP" altLang="en-US" dirty="0"/>
-              <a:t>ソースコードの共有には、</a:t>
-            </a:r>
-            <a:r>
-              <a:rPr kumimoji="1" lang="en-US" altLang="ja-JP" dirty="0" err="1"/>
-              <a:t>github</a:t>
-            </a:r>
-            <a:r>
-              <a:rPr kumimoji="1" lang="ja-JP" altLang="en-US" dirty="0"/>
-              <a:t>と</a:t>
-            </a:r>
-            <a:r>
-              <a:rPr kumimoji="1" lang="en-US" altLang="ja-JP" dirty="0" err="1"/>
-              <a:t>sourcetree</a:t>
-            </a:r>
-            <a:r>
-              <a:rPr kumimoji="1" lang="ja-JP" altLang="en-US" dirty="0"/>
-              <a:t>を使いました。</a:t>
-            </a:r>
           </a:p>
         </p:txBody>
       </p:sp>
@@ -1396,14 +1484,14 @@
               <a:rPr kumimoji="1" lang="ja-JP" altLang="en-US" smtClean="0"/>
               <a:t>8</a:t>
             </a:fld>
-            <a:endParaRPr kumimoji="1" lang="ja-JP" altLang="en-US"/>
+            <a:endParaRPr kumimoji="1" lang="ja-JP" altLang="en-US" dirty="0"/>
           </a:p>
         </p:txBody>
       </p:sp>
     </p:spTree>
     <p:extLst>
       <p:ext uri="{BB962C8B-B14F-4D97-AF65-F5344CB8AC3E}">
-        <p14:creationId xmlns:p14="http://schemas.microsoft.com/office/powerpoint/2010/main" val="45810444"/>
+        <p14:creationId xmlns:p14="http://schemas.microsoft.com/office/powerpoint/2010/main" val="686271573"/>
       </p:ext>
     </p:extLst>
   </p:cSld>
@@ -1480,7 +1568,7 @@
               <a:rPr kumimoji="1" lang="ja-JP" altLang="en-US" smtClean="0"/>
               <a:t>9</a:t>
             </a:fld>
-            <a:endParaRPr kumimoji="1" lang="ja-JP" altLang="en-US"/>
+            <a:endParaRPr kumimoji="1" lang="ja-JP" altLang="en-US" dirty="0"/>
           </a:p>
         </p:txBody>
       </p:sp>
@@ -1644,9 +1732,9 @@
           <a:p>
             <a:fld id="{C7088D3D-165A-46EA-B7B0-B1C3789A41AB}" type="datetimeFigureOut">
               <a:rPr kumimoji="1" lang="ja-JP" altLang="en-US" smtClean="0"/>
-              <a:t>2024/8/15</a:t>
+              <a:t>2024/8/16</a:t>
             </a:fld>
-            <a:endParaRPr kumimoji="1" lang="ja-JP" altLang="en-US"/>
+            <a:endParaRPr kumimoji="1" lang="ja-JP" altLang="en-US" dirty="0"/>
           </a:p>
         </p:txBody>
       </p:sp>
@@ -1671,7 +1759,7 @@
           <a:bodyPr/>
           <a:lstStyle/>
           <a:p>
-            <a:endParaRPr kumimoji="1" lang="ja-JP" altLang="en-US"/>
+            <a:endParaRPr kumimoji="1" lang="ja-JP" altLang="en-US" dirty="0"/>
           </a:p>
         </p:txBody>
       </p:sp>
@@ -1700,7 +1788,7 @@
               <a:rPr kumimoji="1" lang="ja-JP" altLang="en-US" smtClean="0"/>
               <a:t>‹#›</a:t>
             </a:fld>
-            <a:endParaRPr kumimoji="1" lang="ja-JP" altLang="en-US"/>
+            <a:endParaRPr kumimoji="1" lang="ja-JP" altLang="en-US" dirty="0"/>
           </a:p>
         </p:txBody>
       </p:sp>
@@ -1886,9 +1974,9 @@
           <a:p>
             <a:fld id="{C7088D3D-165A-46EA-B7B0-B1C3789A41AB}" type="datetimeFigureOut">
               <a:rPr kumimoji="1" lang="ja-JP" altLang="en-US" smtClean="0"/>
-              <a:t>2024/8/15</a:t>
+              <a:t>2024/8/16</a:t>
             </a:fld>
-            <a:endParaRPr kumimoji="1" lang="ja-JP" altLang="en-US"/>
+            <a:endParaRPr kumimoji="1" lang="ja-JP" altLang="en-US" dirty="0"/>
           </a:p>
         </p:txBody>
       </p:sp>
@@ -1913,7 +2001,7 @@
           <a:bodyPr/>
           <a:lstStyle/>
           <a:p>
-            <a:endParaRPr kumimoji="1" lang="ja-JP" altLang="en-US"/>
+            <a:endParaRPr kumimoji="1" lang="ja-JP" altLang="en-US" dirty="0"/>
           </a:p>
         </p:txBody>
       </p:sp>
@@ -1942,7 +2030,7 @@
               <a:rPr kumimoji="1" lang="ja-JP" altLang="en-US" smtClean="0"/>
               <a:t>‹#›</a:t>
             </a:fld>
-            <a:endParaRPr kumimoji="1" lang="ja-JP" altLang="en-US"/>
+            <a:endParaRPr kumimoji="1" lang="ja-JP" altLang="en-US" dirty="0"/>
           </a:p>
         </p:txBody>
       </p:sp>
@@ -2138,9 +2226,9 @@
           <a:p>
             <a:fld id="{C7088D3D-165A-46EA-B7B0-B1C3789A41AB}" type="datetimeFigureOut">
               <a:rPr kumimoji="1" lang="ja-JP" altLang="en-US" smtClean="0"/>
-              <a:t>2024/8/15</a:t>
+              <a:t>2024/8/16</a:t>
             </a:fld>
-            <a:endParaRPr kumimoji="1" lang="ja-JP" altLang="en-US"/>
+            <a:endParaRPr kumimoji="1" lang="ja-JP" altLang="en-US" dirty="0"/>
           </a:p>
         </p:txBody>
       </p:sp>
@@ -2165,7 +2253,7 @@
           <a:bodyPr/>
           <a:lstStyle/>
           <a:p>
-            <a:endParaRPr kumimoji="1" lang="ja-JP" altLang="en-US"/>
+            <a:endParaRPr kumimoji="1" lang="ja-JP" altLang="en-US" dirty="0"/>
           </a:p>
         </p:txBody>
       </p:sp>
@@ -2194,7 +2282,7 @@
               <a:rPr kumimoji="1" lang="ja-JP" altLang="en-US" smtClean="0"/>
               <a:t>‹#›</a:t>
             </a:fld>
-            <a:endParaRPr kumimoji="1" lang="ja-JP" altLang="en-US"/>
+            <a:endParaRPr kumimoji="1" lang="ja-JP" altLang="en-US" dirty="0"/>
           </a:p>
         </p:txBody>
       </p:sp>
@@ -2380,9 +2468,9 @@
           <a:p>
             <a:fld id="{C7088D3D-165A-46EA-B7B0-B1C3789A41AB}" type="datetimeFigureOut">
               <a:rPr kumimoji="1" lang="ja-JP" altLang="en-US" smtClean="0"/>
-              <a:t>2024/8/15</a:t>
+              <a:t>2024/8/16</a:t>
             </a:fld>
-            <a:endParaRPr kumimoji="1" lang="ja-JP" altLang="en-US"/>
+            <a:endParaRPr kumimoji="1" lang="ja-JP" altLang="en-US" dirty="0"/>
           </a:p>
         </p:txBody>
       </p:sp>
@@ -2407,7 +2495,7 @@
           <a:bodyPr/>
           <a:lstStyle/>
           <a:p>
-            <a:endParaRPr kumimoji="1" lang="ja-JP" altLang="en-US"/>
+            <a:endParaRPr kumimoji="1" lang="ja-JP" altLang="en-US" dirty="0"/>
           </a:p>
         </p:txBody>
       </p:sp>
@@ -2436,7 +2524,7 @@
               <a:rPr kumimoji="1" lang="ja-JP" altLang="en-US" smtClean="0"/>
               <a:t>‹#›</a:t>
             </a:fld>
-            <a:endParaRPr kumimoji="1" lang="ja-JP" altLang="en-US"/>
+            <a:endParaRPr kumimoji="1" lang="ja-JP" altLang="en-US" dirty="0"/>
           </a:p>
         </p:txBody>
       </p:sp>
@@ -2667,9 +2755,9 @@
           <a:p>
             <a:fld id="{C7088D3D-165A-46EA-B7B0-B1C3789A41AB}" type="datetimeFigureOut">
               <a:rPr kumimoji="1" lang="ja-JP" altLang="en-US" smtClean="0"/>
-              <a:t>2024/8/15</a:t>
+              <a:t>2024/8/16</a:t>
             </a:fld>
-            <a:endParaRPr kumimoji="1" lang="ja-JP" altLang="en-US"/>
+            <a:endParaRPr kumimoji="1" lang="ja-JP" altLang="en-US" dirty="0"/>
           </a:p>
         </p:txBody>
       </p:sp>
@@ -2694,7 +2782,7 @@
           <a:bodyPr/>
           <a:lstStyle/>
           <a:p>
-            <a:endParaRPr kumimoji="1" lang="ja-JP" altLang="en-US"/>
+            <a:endParaRPr kumimoji="1" lang="ja-JP" altLang="en-US" dirty="0"/>
           </a:p>
         </p:txBody>
       </p:sp>
@@ -2723,7 +2811,7 @@
               <a:rPr kumimoji="1" lang="ja-JP" altLang="en-US" smtClean="0"/>
               <a:t>‹#›</a:t>
             </a:fld>
-            <a:endParaRPr kumimoji="1" lang="ja-JP" altLang="en-US"/>
+            <a:endParaRPr kumimoji="1" lang="ja-JP" altLang="en-US" dirty="0"/>
           </a:p>
         </p:txBody>
       </p:sp>
@@ -3008,9 +3096,9 @@
           <a:p>
             <a:fld id="{C7088D3D-165A-46EA-B7B0-B1C3789A41AB}" type="datetimeFigureOut">
               <a:rPr kumimoji="1" lang="ja-JP" altLang="en-US" smtClean="0"/>
-              <a:t>2024/8/15</a:t>
+              <a:t>2024/8/16</a:t>
             </a:fld>
-            <a:endParaRPr kumimoji="1" lang="ja-JP" altLang="en-US"/>
+            <a:endParaRPr kumimoji="1" lang="ja-JP" altLang="en-US" dirty="0"/>
           </a:p>
         </p:txBody>
       </p:sp>
@@ -3035,7 +3123,7 @@
           <a:bodyPr/>
           <a:lstStyle/>
           <a:p>
-            <a:endParaRPr kumimoji="1" lang="ja-JP" altLang="en-US"/>
+            <a:endParaRPr kumimoji="1" lang="ja-JP" altLang="en-US" dirty="0"/>
           </a:p>
         </p:txBody>
       </p:sp>
@@ -3064,7 +3152,7 @@
               <a:rPr kumimoji="1" lang="ja-JP" altLang="en-US" smtClean="0"/>
               <a:t>‹#›</a:t>
             </a:fld>
-            <a:endParaRPr kumimoji="1" lang="ja-JP" altLang="en-US"/>
+            <a:endParaRPr kumimoji="1" lang="ja-JP" altLang="en-US" dirty="0"/>
           </a:p>
         </p:txBody>
       </p:sp>
@@ -3496,9 +3584,9 @@
           <a:p>
             <a:fld id="{C7088D3D-165A-46EA-B7B0-B1C3789A41AB}" type="datetimeFigureOut">
               <a:rPr kumimoji="1" lang="ja-JP" altLang="en-US" smtClean="0"/>
-              <a:t>2024/8/15</a:t>
+              <a:t>2024/8/16</a:t>
             </a:fld>
-            <a:endParaRPr kumimoji="1" lang="ja-JP" altLang="en-US"/>
+            <a:endParaRPr kumimoji="1" lang="ja-JP" altLang="en-US" dirty="0"/>
           </a:p>
         </p:txBody>
       </p:sp>
@@ -3523,7 +3611,7 @@
           <a:bodyPr/>
           <a:lstStyle/>
           <a:p>
-            <a:endParaRPr kumimoji="1" lang="ja-JP" altLang="en-US"/>
+            <a:endParaRPr kumimoji="1" lang="ja-JP" altLang="en-US" dirty="0"/>
           </a:p>
         </p:txBody>
       </p:sp>
@@ -3552,7 +3640,7 @@
               <a:rPr kumimoji="1" lang="ja-JP" altLang="en-US" smtClean="0"/>
               <a:t>‹#›</a:t>
             </a:fld>
-            <a:endParaRPr kumimoji="1" lang="ja-JP" altLang="en-US"/>
+            <a:endParaRPr kumimoji="1" lang="ja-JP" altLang="en-US" dirty="0"/>
           </a:p>
         </p:txBody>
       </p:sp>
@@ -3649,9 +3737,9 @@
           <a:p>
             <a:fld id="{C7088D3D-165A-46EA-B7B0-B1C3789A41AB}" type="datetimeFigureOut">
               <a:rPr kumimoji="1" lang="ja-JP" altLang="en-US" smtClean="0"/>
-              <a:t>2024/8/15</a:t>
+              <a:t>2024/8/16</a:t>
             </a:fld>
-            <a:endParaRPr kumimoji="1" lang="ja-JP" altLang="en-US"/>
+            <a:endParaRPr kumimoji="1" lang="ja-JP" altLang="en-US" dirty="0"/>
           </a:p>
         </p:txBody>
       </p:sp>
@@ -3676,7 +3764,7 @@
           <a:bodyPr/>
           <a:lstStyle/>
           <a:p>
-            <a:endParaRPr kumimoji="1" lang="ja-JP" altLang="en-US"/>
+            <a:endParaRPr kumimoji="1" lang="ja-JP" altLang="en-US" dirty="0"/>
           </a:p>
         </p:txBody>
       </p:sp>
@@ -3705,7 +3793,7 @@
               <a:rPr kumimoji="1" lang="ja-JP" altLang="en-US" smtClean="0"/>
               <a:t>‹#›</a:t>
             </a:fld>
-            <a:endParaRPr kumimoji="1" lang="ja-JP" altLang="en-US"/>
+            <a:endParaRPr kumimoji="1" lang="ja-JP" altLang="en-US" dirty="0"/>
           </a:p>
         </p:txBody>
       </p:sp>
@@ -3774,9 +3862,9 @@
           <a:p>
             <a:fld id="{C7088D3D-165A-46EA-B7B0-B1C3789A41AB}" type="datetimeFigureOut">
               <a:rPr kumimoji="1" lang="ja-JP" altLang="en-US" smtClean="0"/>
-              <a:t>2024/8/15</a:t>
+              <a:t>2024/8/16</a:t>
             </a:fld>
-            <a:endParaRPr kumimoji="1" lang="ja-JP" altLang="en-US"/>
+            <a:endParaRPr kumimoji="1" lang="ja-JP" altLang="en-US" dirty="0"/>
           </a:p>
         </p:txBody>
       </p:sp>
@@ -3801,7 +3889,7 @@
           <a:bodyPr/>
           <a:lstStyle/>
           <a:p>
-            <a:endParaRPr kumimoji="1" lang="ja-JP" altLang="en-US"/>
+            <a:endParaRPr kumimoji="1" lang="ja-JP" altLang="en-US" dirty="0"/>
           </a:p>
         </p:txBody>
       </p:sp>
@@ -3830,7 +3918,7 @@
               <a:rPr kumimoji="1" lang="ja-JP" altLang="en-US" smtClean="0"/>
               <a:t>‹#›</a:t>
             </a:fld>
-            <a:endParaRPr kumimoji="1" lang="ja-JP" altLang="en-US"/>
+            <a:endParaRPr kumimoji="1" lang="ja-JP" altLang="en-US" dirty="0"/>
           </a:p>
         </p:txBody>
       </p:sp>
@@ -4129,9 +4217,9 @@
           <a:p>
             <a:fld id="{C7088D3D-165A-46EA-B7B0-B1C3789A41AB}" type="datetimeFigureOut">
               <a:rPr kumimoji="1" lang="ja-JP" altLang="en-US" smtClean="0"/>
-              <a:t>2024/8/15</a:t>
+              <a:t>2024/8/16</a:t>
             </a:fld>
-            <a:endParaRPr kumimoji="1" lang="ja-JP" altLang="en-US"/>
+            <a:endParaRPr kumimoji="1" lang="ja-JP" altLang="en-US" dirty="0"/>
           </a:p>
         </p:txBody>
       </p:sp>
@@ -4156,7 +4244,7 @@
           <a:bodyPr/>
           <a:lstStyle/>
           <a:p>
-            <a:endParaRPr kumimoji="1" lang="ja-JP" altLang="en-US"/>
+            <a:endParaRPr kumimoji="1" lang="ja-JP" altLang="en-US" dirty="0"/>
           </a:p>
         </p:txBody>
       </p:sp>
@@ -4185,7 +4273,7 @@
               <a:rPr kumimoji="1" lang="ja-JP" altLang="en-US" smtClean="0"/>
               <a:t>‹#›</a:t>
             </a:fld>
-            <a:endParaRPr kumimoji="1" lang="ja-JP" altLang="en-US"/>
+            <a:endParaRPr kumimoji="1" lang="ja-JP" altLang="en-US" dirty="0"/>
           </a:p>
         </p:txBody>
       </p:sp>
@@ -4331,7 +4419,7 @@
             </a:lvl9pPr>
           </a:lstStyle>
           <a:p>
-            <a:endParaRPr kumimoji="1" lang="ja-JP" altLang="en-US"/>
+            <a:endParaRPr kumimoji="1" lang="ja-JP" altLang="en-US" dirty="0"/>
           </a:p>
         </p:txBody>
       </p:sp>
@@ -4429,9 +4517,9 @@
           <a:p>
             <a:fld id="{C7088D3D-165A-46EA-B7B0-B1C3789A41AB}" type="datetimeFigureOut">
               <a:rPr kumimoji="1" lang="ja-JP" altLang="en-US" smtClean="0"/>
-              <a:t>2024/8/15</a:t>
+              <a:t>2024/8/16</a:t>
             </a:fld>
-            <a:endParaRPr kumimoji="1" lang="ja-JP" altLang="en-US"/>
+            <a:endParaRPr kumimoji="1" lang="ja-JP" altLang="en-US" dirty="0"/>
           </a:p>
         </p:txBody>
       </p:sp>
@@ -4456,7 +4544,7 @@
           <a:bodyPr/>
           <a:lstStyle/>
           <a:p>
-            <a:endParaRPr kumimoji="1" lang="ja-JP" altLang="en-US"/>
+            <a:endParaRPr kumimoji="1" lang="ja-JP" altLang="en-US" dirty="0"/>
           </a:p>
         </p:txBody>
       </p:sp>
@@ -4485,7 +4573,7 @@
               <a:rPr kumimoji="1" lang="ja-JP" altLang="en-US" smtClean="0"/>
               <a:t>‹#›</a:t>
             </a:fld>
-            <a:endParaRPr kumimoji="1" lang="ja-JP" altLang="en-US"/>
+            <a:endParaRPr kumimoji="1" lang="ja-JP" altLang="en-US" dirty="0"/>
           </a:p>
         </p:txBody>
       </p:sp>
@@ -4714,9 +4802,9 @@
           <a:p>
             <a:fld id="{C7088D3D-165A-46EA-B7B0-B1C3789A41AB}" type="datetimeFigureOut">
               <a:rPr kumimoji="1" lang="ja-JP" altLang="en-US" smtClean="0"/>
-              <a:t>2024/8/15</a:t>
+              <a:t>2024/8/16</a:t>
             </a:fld>
-            <a:endParaRPr kumimoji="1" lang="ja-JP" altLang="en-US"/>
+            <a:endParaRPr kumimoji="1" lang="ja-JP" altLang="en-US" dirty="0"/>
           </a:p>
         </p:txBody>
       </p:sp>
@@ -4759,7 +4847,7 @@
             </a:lvl1pPr>
           </a:lstStyle>
           <a:p>
-            <a:endParaRPr kumimoji="1" lang="ja-JP" altLang="en-US"/>
+            <a:endParaRPr kumimoji="1" lang="ja-JP" altLang="en-US" dirty="0"/>
           </a:p>
         </p:txBody>
       </p:sp>
@@ -4806,7 +4894,7 @@
               <a:rPr kumimoji="1" lang="ja-JP" altLang="en-US" smtClean="0"/>
               <a:t>‹#›</a:t>
             </a:fld>
-            <a:endParaRPr kumimoji="1" lang="ja-JP" altLang="en-US"/>
+            <a:endParaRPr kumimoji="1" lang="ja-JP" altLang="en-US" dirty="0"/>
           </a:p>
         </p:txBody>
       </p:sp>
@@ -5165,7 +5253,7 @@
           <a:lstStyle/>
           <a:p>
             <a:r>
-              <a:rPr kumimoji="1" lang="ja-JP" altLang="en-US" dirty="0"/>
+              <a:rPr kumimoji="1" lang="ja-JP" altLang="en-US" b="1" dirty="0"/>
               <a:t>売上管理システム</a:t>
             </a:r>
           </a:p>
@@ -5260,7 +5348,7 @@
           <a:lstStyle/>
           <a:p>
             <a:r>
-              <a:rPr kumimoji="1" lang="ja-JP" altLang="en-US" dirty="0"/>
+              <a:rPr kumimoji="1" lang="ja-JP" altLang="en-US" b="1" dirty="0"/>
               <a:t>目次</a:t>
             </a:r>
           </a:p>
@@ -5336,7 +5424,7 @@
     </p:spTree>
     <p:extLst>
       <p:ext uri="{BB962C8B-B14F-4D97-AF65-F5344CB8AC3E}">
-        <p14:creationId xmlns:p14="http://schemas.microsoft.com/office/powerpoint/2010/main" val="1109063089"/>
+        <p14:creationId xmlns:p14="http://schemas.microsoft.com/office/powerpoint/2010/main" val="303189881"/>
       </p:ext>
     </p:extLst>
   </p:cSld>
@@ -5377,6 +5465,52 @@
       </p:grpSpPr>
       <p:sp>
         <p:nvSpPr>
+          <p:cNvPr id="9" name="矢印: V 字型 8">
+            <a:extLst>
+              <a:ext uri="{FF2B5EF4-FFF2-40B4-BE49-F238E27FC236}">
+                <a16:creationId xmlns:a16="http://schemas.microsoft.com/office/drawing/2014/main" id="{3A3D6778-FB1B-47A4-9D13-C02FB955FC1D}"/>
+              </a:ext>
+            </a:extLst>
+          </p:cNvPr>
+          <p:cNvSpPr/>
+          <p:nvPr/>
+        </p:nvSpPr>
+        <p:spPr>
+          <a:xfrm>
+            <a:off x="1661320" y="3108126"/>
+            <a:ext cx="5780880" cy="2961482"/>
+          </a:xfrm>
+          <a:prstGeom prst="notchedRightArrow">
+            <a:avLst/>
+          </a:prstGeom>
+        </p:spPr>
+        <p:style>
+          <a:lnRef idx="2">
+            <a:schemeClr val="accent3">
+              <a:shade val="50000"/>
+            </a:schemeClr>
+          </a:lnRef>
+          <a:fillRef idx="1">
+            <a:schemeClr val="accent3"/>
+          </a:fillRef>
+          <a:effectRef idx="0">
+            <a:schemeClr val="accent3"/>
+          </a:effectRef>
+          <a:fontRef idx="minor">
+            <a:schemeClr val="lt1"/>
+          </a:fontRef>
+        </p:style>
+        <p:txBody>
+          <a:bodyPr rtlCol="0" anchor="ctr"/>
+          <a:lstStyle/>
+          <a:p>
+            <a:pPr algn="ctr"/>
+            <a:endParaRPr kumimoji="1" lang="ja-JP" altLang="en-US"/>
+          </a:p>
+        </p:txBody>
+      </p:sp>
+      <p:sp>
+        <p:nvSpPr>
           <p:cNvPr id="2" name="タイトル 1">
             <a:extLst>
               <a:ext uri="{FF2B5EF4-FFF2-40B4-BE49-F238E27FC236}">
@@ -5397,11 +5531,11 @@
           <a:lstStyle/>
           <a:p>
             <a:r>
-              <a:rPr lang="ja-JP" altLang="en-US" dirty="0"/>
+              <a:rPr lang="ja-JP" altLang="en-US" b="1" dirty="0"/>
               <a:t>売上管理</a:t>
             </a:r>
             <a:r>
-              <a:rPr kumimoji="1" lang="ja-JP" altLang="en-US" dirty="0"/>
+              <a:rPr kumimoji="1" lang="ja-JP" altLang="en-US" b="1" dirty="0"/>
               <a:t>の説明</a:t>
             </a:r>
           </a:p>
@@ -5460,45 +5594,150 @@
           </a:p>
         </p:txBody>
       </p:sp>
-      <p:sp>
-        <p:nvSpPr>
-          <p:cNvPr id="4" name="テキスト ボックス 3">
-            <a:extLst>
-              <a:ext uri="{FF2B5EF4-FFF2-40B4-BE49-F238E27FC236}">
-                <a16:creationId xmlns:a16="http://schemas.microsoft.com/office/drawing/2014/main" id="{ECBE48ED-F186-4293-9662-685A861A9D97}"/>
-              </a:ext>
-            </a:extLst>
-          </p:cNvPr>
-          <p:cNvSpPr txBox="1"/>
+      <p:pic>
+        <p:nvPicPr>
+          <p:cNvPr id="6" name="図 5">
+            <a:extLst>
+              <a:ext uri="{FF2B5EF4-FFF2-40B4-BE49-F238E27FC236}">
+                <a16:creationId xmlns:a16="http://schemas.microsoft.com/office/drawing/2014/main" id="{8A4D28DD-50D9-4EEF-A74C-6BECD6A65909}"/>
+              </a:ext>
+            </a:extLst>
+          </p:cNvPr>
+          <p:cNvPicPr>
+            <a:picLocks noChangeAspect="1"/>
+          </p:cNvPicPr>
           <p:nvPr/>
-        </p:nvSpPr>
+        </p:nvPicPr>
+        <p:blipFill>
+          <a:blip r:embed="rId3">
+            <a:extLst>
+              <a:ext uri="{28A0092B-C50C-407E-A947-70E740481C1C}">
+                <a14:useLocalDpi xmlns:a14="http://schemas.microsoft.com/office/drawing/2010/main" val="0"/>
+              </a:ext>
+            </a:extLst>
+          </a:blip>
+          <a:stretch>
+            <a:fillRect/>
+          </a:stretch>
+        </p:blipFill>
         <p:spPr>
           <a:xfrm>
-            <a:off x="4076700" y="4254500"/>
-            <a:ext cx="4038600" cy="369332"/>
+            <a:off x="3933818" y="3133327"/>
+            <a:ext cx="919163" cy="1105693"/>
           </a:xfrm>
           <a:prstGeom prst="rect">
             <a:avLst/>
           </a:prstGeom>
-          <a:noFill/>
         </p:spPr>
-        <p:txBody>
-          <a:bodyPr wrap="square" rtlCol="0">
-            <a:spAutoFit/>
-          </a:bodyPr>
-          <a:lstStyle/>
-          <a:p>
-            <a:r>
-              <a:rPr kumimoji="1" lang="en-US" altLang="ja-JP" dirty="0"/>
-              <a:t>※</a:t>
-            </a:r>
-            <a:r>
-              <a:rPr kumimoji="1" lang="ja-JP" altLang="en-US" dirty="0"/>
-              <a:t>適当にイラストを追加する。</a:t>
-            </a:r>
-          </a:p>
-        </p:txBody>
-      </p:sp>
+      </p:pic>
+      <p:pic>
+        <p:nvPicPr>
+          <p:cNvPr id="7" name="図 6">
+            <a:extLst>
+              <a:ext uri="{FF2B5EF4-FFF2-40B4-BE49-F238E27FC236}">
+                <a16:creationId xmlns:a16="http://schemas.microsoft.com/office/drawing/2014/main" id="{C342C2F8-0B11-4B18-AFEA-DDE83FC596B6}"/>
+              </a:ext>
+            </a:extLst>
+          </p:cNvPr>
+          <p:cNvPicPr>
+            <a:picLocks noChangeAspect="1"/>
+          </p:cNvPicPr>
+          <p:nvPr/>
+        </p:nvPicPr>
+        <p:blipFill>
+          <a:blip r:embed="rId3">
+            <a:extLst>
+              <a:ext uri="{28A0092B-C50C-407E-A947-70E740481C1C}">
+                <a14:useLocalDpi xmlns:a14="http://schemas.microsoft.com/office/drawing/2010/main" val="0"/>
+              </a:ext>
+            </a:extLst>
+          </a:blip>
+          <a:stretch>
+            <a:fillRect/>
+          </a:stretch>
+        </p:blipFill>
+        <p:spPr>
+          <a:xfrm>
+            <a:off x="2492374" y="4036021"/>
+            <a:ext cx="919163" cy="1105693"/>
+          </a:xfrm>
+          <a:prstGeom prst="rect">
+            <a:avLst/>
+          </a:prstGeom>
+        </p:spPr>
+      </p:pic>
+      <p:pic>
+        <p:nvPicPr>
+          <p:cNvPr id="8" name="図 7">
+            <a:extLst>
+              <a:ext uri="{FF2B5EF4-FFF2-40B4-BE49-F238E27FC236}">
+                <a16:creationId xmlns:a16="http://schemas.microsoft.com/office/drawing/2014/main" id="{6CE0DDFF-649C-4E59-BD29-63AC0CD3AC48}"/>
+              </a:ext>
+            </a:extLst>
+          </p:cNvPr>
+          <p:cNvPicPr>
+            <a:picLocks noChangeAspect="1"/>
+          </p:cNvPicPr>
+          <p:nvPr/>
+        </p:nvPicPr>
+        <p:blipFill>
+          <a:blip r:embed="rId3">
+            <a:extLst>
+              <a:ext uri="{28A0092B-C50C-407E-A947-70E740481C1C}">
+                <a14:useLocalDpi xmlns:a14="http://schemas.microsoft.com/office/drawing/2010/main" val="0"/>
+              </a:ext>
+            </a:extLst>
+          </a:blip>
+          <a:stretch>
+            <a:fillRect/>
+          </a:stretch>
+        </p:blipFill>
+        <p:spPr>
+          <a:xfrm>
+            <a:off x="4659309" y="4720829"/>
+            <a:ext cx="919163" cy="1105693"/>
+          </a:xfrm>
+          <a:prstGeom prst="rect">
+            <a:avLst/>
+          </a:prstGeom>
+        </p:spPr>
+      </p:pic>
+      <p:pic>
+        <p:nvPicPr>
+          <p:cNvPr id="11" name="図 10">
+            <a:extLst>
+              <a:ext uri="{FF2B5EF4-FFF2-40B4-BE49-F238E27FC236}">
+                <a16:creationId xmlns:a16="http://schemas.microsoft.com/office/drawing/2014/main" id="{7BB6F585-77C5-42E1-9FEB-8AC7AF5CF2E7}"/>
+              </a:ext>
+            </a:extLst>
+          </p:cNvPr>
+          <p:cNvPicPr>
+            <a:picLocks noChangeAspect="1"/>
+          </p:cNvPicPr>
+          <p:nvPr/>
+        </p:nvPicPr>
+        <p:blipFill>
+          <a:blip r:embed="rId4">
+            <a:extLst>
+              <a:ext uri="{28A0092B-C50C-407E-A947-70E740481C1C}">
+                <a14:useLocalDpi xmlns:a14="http://schemas.microsoft.com/office/drawing/2010/main" val="0"/>
+              </a:ext>
+            </a:extLst>
+          </a:blip>
+          <a:stretch>
+            <a:fillRect/>
+          </a:stretch>
+        </p:blipFill>
+        <p:spPr>
+          <a:xfrm>
+            <a:off x="7604336" y="4036021"/>
+            <a:ext cx="1844464" cy="1540073"/>
+          </a:xfrm>
+          <a:prstGeom prst="rect">
+            <a:avLst/>
+          </a:prstGeom>
+        </p:spPr>
+      </p:pic>
     </p:spTree>
     <p:extLst>
       <p:ext uri="{BB962C8B-B14F-4D97-AF65-F5344CB8AC3E}">
@@ -5569,7 +5808,7 @@
         </p:blipFill>
         <p:spPr>
           <a:xfrm>
-            <a:off x="7805778" y="1427967"/>
+            <a:off x="7805778" y="1612633"/>
             <a:ext cx="4223979" cy="3003718"/>
           </a:xfrm>
           <a:prstGeom prst="rect">
@@ -5604,7 +5843,7 @@
           <a:lstStyle/>
           <a:p>
             <a:r>
-              <a:rPr kumimoji="1" lang="ja-JP" altLang="en-US" dirty="0"/>
+              <a:rPr kumimoji="1" lang="ja-JP" altLang="en-US" b="1" dirty="0"/>
               <a:t>画面設計</a:t>
             </a:r>
           </a:p>
@@ -5640,7 +5879,7 @@
         </p:blipFill>
         <p:spPr>
           <a:xfrm>
-            <a:off x="162243" y="1427967"/>
+            <a:off x="162243" y="1603062"/>
             <a:ext cx="4438913" cy="3156560"/>
           </a:xfrm>
         </p:spPr>
@@ -5673,7 +5912,7 @@
         </p:blipFill>
         <p:spPr>
           <a:xfrm>
-            <a:off x="3898650" y="3367864"/>
+            <a:off x="3898650" y="3465139"/>
             <a:ext cx="4593995" cy="3266841"/>
           </a:xfrm>
           <a:prstGeom prst="rect">
@@ -5701,76 +5940,18 @@
           <a:prstGeom prst="downArrow">
             <a:avLst/>
           </a:prstGeom>
-          <a:solidFill>
-            <a:schemeClr val="accent5">
-              <a:lumMod val="20000"/>
-              <a:lumOff val="80000"/>
-            </a:schemeClr>
-          </a:solidFill>
         </p:spPr>
         <p:style>
           <a:lnRef idx="2">
-            <a:schemeClr val="accent1">
+            <a:schemeClr val="accent3">
               <a:shade val="50000"/>
             </a:schemeClr>
           </a:lnRef>
-          <a:fillRef idx="1">
-            <a:schemeClr val="accent1"/>
+          <a:fillRef idx="1001">
+            <a:schemeClr val="lt2"/>
           </a:fillRef>
           <a:effectRef idx="0">
-            <a:schemeClr val="accent1"/>
-          </a:effectRef>
-          <a:fontRef idx="minor">
-            <a:schemeClr val="lt1"/>
-          </a:fontRef>
-        </p:style>
-        <p:txBody>
-          <a:bodyPr rtlCol="0" anchor="ctr"/>
-          <a:lstStyle/>
-          <a:p>
-            <a:pPr algn="ctr"/>
-            <a:endParaRPr kumimoji="1" lang="ja-JP" altLang="en-US" dirty="0"/>
-          </a:p>
-        </p:txBody>
-      </p:sp>
-      <p:sp>
-        <p:nvSpPr>
-          <p:cNvPr id="8" name="矢印: 下 7">
-            <a:extLst>
-              <a:ext uri="{FF2B5EF4-FFF2-40B4-BE49-F238E27FC236}">
-                <a16:creationId xmlns:a16="http://schemas.microsoft.com/office/drawing/2014/main" id="{EC1A7EA2-922F-4471-B602-A41F2BF5A350}"/>
-              </a:ext>
-            </a:extLst>
-          </p:cNvPr>
-          <p:cNvSpPr/>
-          <p:nvPr/>
-        </p:nvSpPr>
-        <p:spPr>
-          <a:xfrm rot="14409857">
-            <a:off x="8697972" y="3491616"/>
-            <a:ext cx="648127" cy="1518178"/>
-          </a:xfrm>
-          <a:prstGeom prst="downArrow">
-            <a:avLst/>
-          </a:prstGeom>
-          <a:solidFill>
-            <a:schemeClr val="accent5">
-              <a:lumMod val="20000"/>
-              <a:lumOff val="80000"/>
-            </a:schemeClr>
-          </a:solidFill>
-        </p:spPr>
-        <p:style>
-          <a:lnRef idx="2">
-            <a:schemeClr val="accent1">
-              <a:shade val="50000"/>
-            </a:schemeClr>
-          </a:lnRef>
-          <a:fillRef idx="1">
-            <a:schemeClr val="accent1"/>
-          </a:fillRef>
-          <a:effectRef idx="0">
-            <a:schemeClr val="accent1"/>
+            <a:schemeClr val="accent3"/>
           </a:effectRef>
           <a:fontRef idx="minor">
             <a:schemeClr val="lt1"/>
@@ -5805,24 +5986,18 @@
           <a:prstGeom prst="downArrow">
             <a:avLst/>
           </a:prstGeom>
-          <a:solidFill>
-            <a:schemeClr val="accent5">
-              <a:lumMod val="20000"/>
-              <a:lumOff val="80000"/>
-            </a:schemeClr>
-          </a:solidFill>
         </p:spPr>
         <p:style>
           <a:lnRef idx="2">
-            <a:schemeClr val="accent1">
+            <a:schemeClr val="accent3">
               <a:shade val="50000"/>
             </a:schemeClr>
           </a:lnRef>
-          <a:fillRef idx="1">
-            <a:schemeClr val="accent1"/>
+          <a:fillRef idx="1001">
+            <a:schemeClr val="lt2"/>
           </a:fillRef>
           <a:effectRef idx="0">
-            <a:schemeClr val="accent1"/>
+            <a:schemeClr val="accent3"/>
           </a:effectRef>
           <a:fontRef idx="minor">
             <a:schemeClr val="lt1"/>
@@ -5850,14 +6025,19 @@
           <p:nvPr/>
         </p:nvSpPr>
         <p:spPr>
-          <a:xfrm rot="20866362">
-            <a:off x="3687000" y="3247528"/>
-            <a:ext cx="1553227" cy="369332"/>
+          <a:xfrm>
+            <a:off x="3981222" y="3143345"/>
+            <a:ext cx="1331923" cy="369332"/>
           </a:xfrm>
           <a:prstGeom prst="rect">
             <a:avLst/>
           </a:prstGeom>
           <a:noFill/>
+          <a:ln>
+            <a:solidFill>
+              <a:schemeClr val="accent1"/>
+            </a:solidFill>
+          </a:ln>
         </p:spPr>
         <p:txBody>
           <a:bodyPr wrap="square" rtlCol="0">
@@ -5866,7 +6046,7 @@
           <a:lstStyle/>
           <a:p>
             <a:r>
-              <a:rPr kumimoji="1" lang="ja-JP" altLang="en-US" dirty="0"/>
+              <a:rPr kumimoji="1" lang="ja-JP" altLang="en-US" b="1" dirty="0"/>
               <a:t>メイン画面</a:t>
             </a:r>
           </a:p>
@@ -5885,14 +6065,19 @@
           <p:nvPr/>
         </p:nvSpPr>
         <p:spPr>
-          <a:xfrm rot="20866362">
-            <a:off x="184799" y="1851424"/>
-            <a:ext cx="1792530" cy="369332"/>
+          <a:xfrm>
+            <a:off x="393249" y="1298158"/>
+            <a:ext cx="1559293" cy="369332"/>
           </a:xfrm>
           <a:prstGeom prst="rect">
             <a:avLst/>
           </a:prstGeom>
           <a:noFill/>
+          <a:ln>
+            <a:solidFill>
+              <a:schemeClr val="accent1"/>
+            </a:solidFill>
+          </a:ln>
         </p:spPr>
         <p:txBody>
           <a:bodyPr wrap="square" rtlCol="0">
@@ -5901,11 +6086,11 @@
           <a:lstStyle/>
           <a:p>
             <a:r>
-              <a:rPr lang="ja-JP" altLang="en-US" dirty="0"/>
+              <a:rPr lang="ja-JP" altLang="en-US" b="1" dirty="0"/>
               <a:t>ログイン</a:t>
             </a:r>
             <a:r>
-              <a:rPr kumimoji="1" lang="ja-JP" altLang="en-US" dirty="0"/>
+              <a:rPr kumimoji="1" lang="ja-JP" altLang="en-US" b="1" dirty="0"/>
               <a:t>画面</a:t>
             </a:r>
           </a:p>
@@ -5924,14 +6109,19 @@
           <p:nvPr/>
         </p:nvSpPr>
         <p:spPr>
-          <a:xfrm rot="20866362">
-            <a:off x="7762141" y="1788406"/>
-            <a:ext cx="1792530" cy="369332"/>
+          <a:xfrm>
+            <a:off x="8041274" y="1298158"/>
+            <a:ext cx="1150853" cy="369332"/>
           </a:xfrm>
           <a:prstGeom prst="rect">
             <a:avLst/>
           </a:prstGeom>
           <a:noFill/>
+          <a:ln>
+            <a:solidFill>
+              <a:schemeClr val="accent1"/>
+            </a:solidFill>
+          </a:ln>
         </p:spPr>
         <p:txBody>
           <a:bodyPr wrap="square" rtlCol="0">
@@ -5940,9 +6130,55 @@
           <a:lstStyle/>
           <a:p>
             <a:r>
-              <a:rPr kumimoji="1" lang="ja-JP" altLang="en-US" dirty="0"/>
+              <a:rPr kumimoji="1" lang="ja-JP" altLang="en-US" b="1" dirty="0"/>
               <a:t>設定画面</a:t>
             </a:r>
+          </a:p>
+        </p:txBody>
+      </p:sp>
+      <p:sp>
+        <p:nvSpPr>
+          <p:cNvPr id="14" name="矢印: 下 13">
+            <a:extLst>
+              <a:ext uri="{FF2B5EF4-FFF2-40B4-BE49-F238E27FC236}">
+                <a16:creationId xmlns:a16="http://schemas.microsoft.com/office/drawing/2014/main" id="{3B5CEB4D-EB59-4FD6-B9A9-252739F7704F}"/>
+              </a:ext>
+            </a:extLst>
+          </p:cNvPr>
+          <p:cNvSpPr/>
+          <p:nvPr/>
+        </p:nvSpPr>
+        <p:spPr>
+          <a:xfrm rot="14453838">
+            <a:off x="8676073" y="3405942"/>
+            <a:ext cx="648127" cy="1518178"/>
+          </a:xfrm>
+          <a:prstGeom prst="downArrow">
+            <a:avLst/>
+          </a:prstGeom>
+        </p:spPr>
+        <p:style>
+          <a:lnRef idx="2">
+            <a:schemeClr val="accent3">
+              <a:shade val="50000"/>
+            </a:schemeClr>
+          </a:lnRef>
+          <a:fillRef idx="1001">
+            <a:schemeClr val="lt2"/>
+          </a:fillRef>
+          <a:effectRef idx="0">
+            <a:schemeClr val="accent3"/>
+          </a:effectRef>
+          <a:fontRef idx="minor">
+            <a:schemeClr val="lt1"/>
+          </a:fontRef>
+        </p:style>
+        <p:txBody>
+          <a:bodyPr rtlCol="0" anchor="ctr"/>
+          <a:lstStyle/>
+          <a:p>
+            <a:pPr algn="ctr"/>
+            <a:endParaRPr kumimoji="1" lang="ja-JP" altLang="en-US" dirty="0"/>
           </a:p>
         </p:txBody>
       </p:sp>
@@ -6018,11 +6254,11 @@
           <a:lstStyle/>
           <a:p>
             <a:r>
-              <a:rPr kumimoji="1" lang="en-US" altLang="ja-JP" dirty="0"/>
+              <a:rPr kumimoji="1" lang="en-US" altLang="ja-JP" b="1" dirty="0"/>
               <a:t>ER</a:t>
             </a:r>
             <a:r>
-              <a:rPr kumimoji="1" lang="ja-JP" altLang="en-US" dirty="0"/>
+              <a:rPr kumimoji="1" lang="ja-JP" altLang="en-US" b="1" dirty="0"/>
               <a:t>図</a:t>
             </a:r>
           </a:p>
@@ -6107,19 +6343,17 @@
       </p:grpSpPr>
       <p:pic>
         <p:nvPicPr>
-          <p:cNvPr id="5" name="コンテンツ プレースホルダー 4">
-            <a:extLst>
-              <a:ext uri="{FF2B5EF4-FFF2-40B4-BE49-F238E27FC236}">
-                <a16:creationId xmlns:a16="http://schemas.microsoft.com/office/drawing/2014/main" id="{28AA6338-1D95-4E65-B124-7C9546F50E10}"/>
+          <p:cNvPr id="5" name="図 4">
+            <a:extLst>
+              <a:ext uri="{FF2B5EF4-FFF2-40B4-BE49-F238E27FC236}">
+                <a16:creationId xmlns:a16="http://schemas.microsoft.com/office/drawing/2014/main" id="{86FEC9D1-3A5A-4D1E-97EE-D0979F8D5888}"/>
               </a:ext>
             </a:extLst>
           </p:cNvPr>
           <p:cNvPicPr>
-            <a:picLocks noGrp="1" noChangeAspect="1"/>
+            <a:picLocks noChangeAspect="1"/>
           </p:cNvPicPr>
-          <p:nvPr>
-            <p:ph idx="1"/>
-          </p:nvPr>
+          <p:nvPr/>
         </p:nvPicPr>
         <p:blipFill>
           <a:blip r:embed="rId3">
@@ -6135,9 +6369,12 @@
         </p:blipFill>
         <p:spPr>
           <a:xfrm>
-            <a:off x="1899285" y="1339372"/>
-            <a:ext cx="7620635" cy="4798464"/>
+            <a:off x="3524572" y="4293842"/>
+            <a:ext cx="5142856" cy="4323307"/>
           </a:xfrm>
+          <a:prstGeom prst="rect">
+            <a:avLst/>
+          </a:prstGeom>
         </p:spPr>
       </p:pic>
       <p:sp>
@@ -6145,83 +6382,33 @@
           <p:cNvPr id="2" name="タイトル 1">
             <a:extLst>
               <a:ext uri="{FF2B5EF4-FFF2-40B4-BE49-F238E27FC236}">
-                <a16:creationId xmlns:a16="http://schemas.microsoft.com/office/drawing/2014/main" id="{2EAC88C0-CDDB-4A00-8762-A1587B9421D8}"/>
-              </a:ext>
-            </a:extLst>
-          </p:cNvPr>
-          <p:cNvSpPr>
-            <a:spLocks noGrp="1"/>
-          </p:cNvSpPr>
-          <p:nvPr>
-            <p:ph type="title"/>
-          </p:nvPr>
-        </p:nvSpPr>
-        <p:spPr>
-          <a:solidFill>
-            <a:schemeClr val="bg1"/>
-          </a:solidFill>
-        </p:spPr>
-        <p:txBody>
-          <a:bodyPr/>
-          <a:lstStyle/>
-          <a:p>
-            <a:r>
-              <a:rPr kumimoji="1" lang="ja-JP" altLang="en-US" dirty="0"/>
-              <a:t>役割分担</a:t>
-            </a:r>
-          </a:p>
-        </p:txBody>
-      </p:sp>
-      <p:sp>
-        <p:nvSpPr>
-          <p:cNvPr id="3" name="四角形: 角を丸くする 2">
-            <a:extLst>
-              <a:ext uri="{FF2B5EF4-FFF2-40B4-BE49-F238E27FC236}">
-                <a16:creationId xmlns:a16="http://schemas.microsoft.com/office/drawing/2014/main" id="{608739CF-56FB-4E32-95C4-CE6393AFD16B}"/>
-              </a:ext>
-            </a:extLst>
-          </p:cNvPr>
-          <p:cNvSpPr/>
-          <p:nvPr/>
-        </p:nvSpPr>
-        <p:spPr>
-          <a:xfrm>
-            <a:off x="2082800" y="1639888"/>
-            <a:ext cx="1524000" cy="4447148"/>
-          </a:xfrm>
-          <a:prstGeom prst="roundRect">
-            <a:avLst/>
-          </a:prstGeom>
-          <a:noFill/>
-          <a:ln w="19050"/>
-        </p:spPr>
-        <p:style>
-          <a:lnRef idx="2">
-            <a:schemeClr val="accent1"/>
-          </a:lnRef>
-          <a:fillRef idx="1">
-            <a:schemeClr val="lt1"/>
-          </a:fillRef>
-          <a:effectRef idx="0">
-            <a:schemeClr val="accent1"/>
-          </a:effectRef>
-          <a:fontRef idx="minor">
-            <a:schemeClr val="dk1"/>
-          </a:fontRef>
-        </p:style>
-        <p:txBody>
-          <a:bodyPr rtlCol="0" anchor="ctr"/>
-          <a:lstStyle/>
-          <a:p>
-            <a:pPr algn="ctr"/>
-            <a:endParaRPr kumimoji="1" lang="ja-JP" altLang="en-US"/>
+                <a16:creationId xmlns:a16="http://schemas.microsoft.com/office/drawing/2014/main" id="{01ED2532-0476-4C83-8324-7CEFE379E995}"/>
+              </a:ext>
+            </a:extLst>
+          </p:cNvPr>
+          <p:cNvSpPr>
+            <a:spLocks noGrp="1"/>
+          </p:cNvSpPr>
+          <p:nvPr>
+            <p:ph type="ctrTitle"/>
+          </p:nvPr>
+        </p:nvSpPr>
+        <p:spPr/>
+        <p:txBody>
+          <a:bodyPr/>
+          <a:lstStyle/>
+          <a:p>
+            <a:r>
+              <a:rPr kumimoji="1" lang="ja-JP" altLang="en-US" b="1" dirty="0"/>
+              <a:t>動作確認</a:t>
+            </a:r>
           </a:p>
         </p:txBody>
       </p:sp>
     </p:spTree>
     <p:extLst>
       <p:ext uri="{BB962C8B-B14F-4D97-AF65-F5344CB8AC3E}">
-        <p14:creationId xmlns:p14="http://schemas.microsoft.com/office/powerpoint/2010/main" val="465890220"/>
+        <p14:creationId xmlns:p14="http://schemas.microsoft.com/office/powerpoint/2010/main" val="1762712904"/>
       </p:ext>
     </p:extLst>
   </p:cSld>
@@ -6265,15 +6452,44 @@
           <p:cNvPr id="2" name="タイトル 1">
             <a:extLst>
               <a:ext uri="{FF2B5EF4-FFF2-40B4-BE49-F238E27FC236}">
-                <a16:creationId xmlns:a16="http://schemas.microsoft.com/office/drawing/2014/main" id="{01ED2532-0476-4C83-8324-7CEFE379E995}"/>
-              </a:ext>
-            </a:extLst>
-          </p:cNvPr>
-          <p:cNvSpPr>
-            <a:spLocks noGrp="1"/>
-          </p:cNvSpPr>
-          <p:nvPr>
-            <p:ph type="ctrTitle"/>
+                <a16:creationId xmlns:a16="http://schemas.microsoft.com/office/drawing/2014/main" id="{B6C07284-F11F-4791-A9CB-746AE29D2900}"/>
+              </a:ext>
+            </a:extLst>
+          </p:cNvPr>
+          <p:cNvSpPr>
+            <a:spLocks noGrp="1"/>
+          </p:cNvSpPr>
+          <p:nvPr>
+            <p:ph type="title"/>
+          </p:nvPr>
+        </p:nvSpPr>
+        <p:spPr/>
+        <p:txBody>
+          <a:bodyPr/>
+          <a:lstStyle/>
+          <a:p>
+            <a:r>
+              <a:rPr lang="ja-JP" altLang="en-US" b="1" dirty="0"/>
+              <a:t>開発環境</a:t>
+            </a:r>
+            <a:endParaRPr kumimoji="1" lang="ja-JP" altLang="en-US" b="1" dirty="0"/>
+          </a:p>
+        </p:txBody>
+      </p:sp>
+      <p:sp>
+        <p:nvSpPr>
+          <p:cNvPr id="3" name="コンテンツ プレースホルダー 2">
+            <a:extLst>
+              <a:ext uri="{FF2B5EF4-FFF2-40B4-BE49-F238E27FC236}">
+                <a16:creationId xmlns:a16="http://schemas.microsoft.com/office/drawing/2014/main" id="{FA309CE4-3C53-4698-90C6-FA303D3D2BAC}"/>
+              </a:ext>
+            </a:extLst>
+          </p:cNvPr>
+          <p:cNvSpPr>
+            <a:spLocks noGrp="1"/>
+          </p:cNvSpPr>
+          <p:nvPr>
+            <p:ph idx="1"/>
           </p:nvPr>
         </p:nvSpPr>
         <p:spPr/>
@@ -6283,39 +6499,74 @@
           <a:p>
             <a:r>
               <a:rPr kumimoji="1" lang="ja-JP" altLang="en-US" dirty="0"/>
-              <a:t>動作確認</a:t>
-            </a:r>
-          </a:p>
-        </p:txBody>
-      </p:sp>
-      <p:sp>
-        <p:nvSpPr>
-          <p:cNvPr id="3" name="字幕 2">
-            <a:extLst>
-              <a:ext uri="{FF2B5EF4-FFF2-40B4-BE49-F238E27FC236}">
-                <a16:creationId xmlns:a16="http://schemas.microsoft.com/office/drawing/2014/main" id="{A71E8BFB-3D4C-45D8-83CA-44A1A402A145}"/>
-              </a:ext>
-            </a:extLst>
-          </p:cNvPr>
-          <p:cNvSpPr>
-            <a:spLocks noGrp="1"/>
-          </p:cNvSpPr>
-          <p:nvPr>
-            <p:ph type="subTitle" idx="1"/>
-          </p:nvPr>
-        </p:nvSpPr>
-        <p:spPr/>
-        <p:txBody>
-          <a:bodyPr/>
-          <a:lstStyle/>
-          <a:p>
+              <a:t>開発言語　　　　</a:t>
+            </a:r>
+            <a:r>
+              <a:rPr lang="ja-JP" altLang="en-US" dirty="0"/>
+              <a:t>：</a:t>
+            </a:r>
             <a:r>
               <a:rPr kumimoji="1" lang="en-US" altLang="ja-JP" dirty="0"/>
-              <a:t>※</a:t>
-            </a:r>
+              <a:t>PHP</a:t>
+            </a:r>
+            <a:r>
+              <a:rPr kumimoji="1" lang="ja-JP" altLang="en-US" dirty="0" err="1"/>
+              <a:t>、</a:t>
+            </a:r>
+            <a:r>
+              <a:rPr kumimoji="1" lang="en-US" altLang="ja-JP" dirty="0"/>
+              <a:t>HTML</a:t>
+            </a:r>
+            <a:r>
+              <a:rPr kumimoji="1" lang="ja-JP" altLang="en-US" dirty="0" err="1"/>
+              <a:t>、</a:t>
+            </a:r>
+            <a:r>
+              <a:rPr kumimoji="1" lang="en-US" altLang="ja-JP" dirty="0"/>
+              <a:t>CSS</a:t>
+            </a:r>
+          </a:p>
+          <a:p>
+            <a:endParaRPr lang="en-US" altLang="ja-JP" dirty="0"/>
+          </a:p>
+          <a:p>
             <a:r>
               <a:rPr kumimoji="1" lang="ja-JP" altLang="en-US" dirty="0"/>
-              <a:t>適当にイラストを追加する</a:t>
+              <a:t>データベース　　：</a:t>
+            </a:r>
+            <a:r>
+              <a:rPr lang="en-US" altLang="ja-JP" dirty="0"/>
+              <a:t>MySQL</a:t>
+            </a:r>
+            <a:endParaRPr kumimoji="1" lang="en-US" altLang="ja-JP" dirty="0"/>
+          </a:p>
+          <a:p>
+            <a:endParaRPr lang="en-US" altLang="ja-JP" dirty="0"/>
+          </a:p>
+          <a:p>
+            <a:r>
+              <a:rPr kumimoji="1" lang="ja-JP" altLang="en-US" dirty="0"/>
+              <a:t>ソースコード</a:t>
+            </a:r>
+            <a:r>
+              <a:rPr lang="ja-JP" altLang="en-US" dirty="0"/>
+              <a:t>共有</a:t>
+            </a:r>
+            <a:r>
+              <a:rPr kumimoji="1" lang="ja-JP" altLang="en-US" dirty="0"/>
+              <a:t>：</a:t>
+            </a:r>
+            <a:r>
+              <a:rPr kumimoji="1" lang="en-US" altLang="ja-JP" dirty="0" err="1"/>
+              <a:t>github</a:t>
+            </a:r>
+            <a:r>
+              <a:rPr kumimoji="1" lang="ja-JP" altLang="en-US" dirty="0" err="1"/>
+              <a:t>、</a:t>
+            </a:r>
+            <a:r>
+              <a:rPr kumimoji="1" lang="en-US" altLang="ja-JP" dirty="0" err="1"/>
+              <a:t>sourcetree</a:t>
             </a:r>
             <a:endParaRPr kumimoji="1" lang="en-US" altLang="ja-JP" dirty="0"/>
           </a:p>
@@ -6324,7 +6575,7 @@
     </p:spTree>
     <p:extLst>
       <p:ext uri="{BB962C8B-B14F-4D97-AF65-F5344CB8AC3E}">
-        <p14:creationId xmlns:p14="http://schemas.microsoft.com/office/powerpoint/2010/main" val="1762712904"/>
+        <p14:creationId xmlns:p14="http://schemas.microsoft.com/office/powerpoint/2010/main" val="501568201"/>
       </p:ext>
     </p:extLst>
   </p:cSld>
@@ -6363,12 +6614,47 @@
           <a:chExt cx="0" cy="0"/>
         </a:xfrm>
       </p:grpSpPr>
+      <p:pic>
+        <p:nvPicPr>
+          <p:cNvPr id="5" name="コンテンツ プレースホルダー 4">
+            <a:extLst>
+              <a:ext uri="{FF2B5EF4-FFF2-40B4-BE49-F238E27FC236}">
+                <a16:creationId xmlns:a16="http://schemas.microsoft.com/office/drawing/2014/main" id="{28AA6338-1D95-4E65-B124-7C9546F50E10}"/>
+              </a:ext>
+            </a:extLst>
+          </p:cNvPr>
+          <p:cNvPicPr>
+            <a:picLocks noGrp="1" noChangeAspect="1"/>
+          </p:cNvPicPr>
+          <p:nvPr>
+            <p:ph idx="1"/>
+          </p:nvPr>
+        </p:nvPicPr>
+        <p:blipFill>
+          <a:blip r:embed="rId3">
+            <a:extLst>
+              <a:ext uri="{28A0092B-C50C-407E-A947-70E740481C1C}">
+                <a14:useLocalDpi xmlns:a14="http://schemas.microsoft.com/office/drawing/2010/main" val="0"/>
+              </a:ext>
+            </a:extLst>
+          </a:blip>
+          <a:stretch>
+            <a:fillRect/>
+          </a:stretch>
+        </p:blipFill>
+        <p:spPr>
+          <a:xfrm>
+            <a:off x="1899285" y="1339372"/>
+            <a:ext cx="7620635" cy="4798464"/>
+          </a:xfrm>
+        </p:spPr>
+      </p:pic>
       <p:sp>
         <p:nvSpPr>
           <p:cNvPr id="2" name="タイトル 1">
             <a:extLst>
               <a:ext uri="{FF2B5EF4-FFF2-40B4-BE49-F238E27FC236}">
-                <a16:creationId xmlns:a16="http://schemas.microsoft.com/office/drawing/2014/main" id="{B6C07284-F11F-4791-A9CB-746AE29D2900}"/>
+                <a16:creationId xmlns:a16="http://schemas.microsoft.com/office/drawing/2014/main" id="{2EAC88C0-CDDB-4A00-8762-A1587B9421D8}"/>
               </a:ext>
             </a:extLst>
           </p:cNvPr>
@@ -6379,119 +6665,72 @@
             <p:ph type="title"/>
           </p:nvPr>
         </p:nvSpPr>
-        <p:spPr/>
-        <p:txBody>
-          <a:bodyPr/>
-          <a:lstStyle/>
-          <a:p>
-            <a:r>
-              <a:rPr lang="ja-JP" altLang="en-US" dirty="0"/>
-              <a:t>開発環境</a:t>
-            </a:r>
+        <p:spPr>
+          <a:solidFill>
+            <a:schemeClr val="bg1"/>
+          </a:solidFill>
+        </p:spPr>
+        <p:txBody>
+          <a:bodyPr/>
+          <a:lstStyle/>
+          <a:p>
+            <a:r>
+              <a:rPr kumimoji="1" lang="ja-JP" altLang="en-US" b="1" dirty="0"/>
+              <a:t>役割分担</a:t>
+            </a:r>
+          </a:p>
+        </p:txBody>
+      </p:sp>
+      <p:sp>
+        <p:nvSpPr>
+          <p:cNvPr id="3" name="四角形: 角を丸くする 2">
+            <a:extLst>
+              <a:ext uri="{FF2B5EF4-FFF2-40B4-BE49-F238E27FC236}">
+                <a16:creationId xmlns:a16="http://schemas.microsoft.com/office/drawing/2014/main" id="{608739CF-56FB-4E32-95C4-CE6393AFD16B}"/>
+              </a:ext>
+            </a:extLst>
+          </p:cNvPr>
+          <p:cNvSpPr/>
+          <p:nvPr/>
+        </p:nvSpPr>
+        <p:spPr>
+          <a:xfrm>
+            <a:off x="2082800" y="1639888"/>
+            <a:ext cx="1524000" cy="4447148"/>
+          </a:xfrm>
+          <a:prstGeom prst="roundRect">
+            <a:avLst/>
+          </a:prstGeom>
+          <a:noFill/>
+          <a:ln w="19050"/>
+        </p:spPr>
+        <p:style>
+          <a:lnRef idx="2">
+            <a:schemeClr val="accent1"/>
+          </a:lnRef>
+          <a:fillRef idx="1">
+            <a:schemeClr val="lt1"/>
+          </a:fillRef>
+          <a:effectRef idx="0">
+            <a:schemeClr val="accent1"/>
+          </a:effectRef>
+          <a:fontRef idx="minor">
+            <a:schemeClr val="dk1"/>
+          </a:fontRef>
+        </p:style>
+        <p:txBody>
+          <a:bodyPr rtlCol="0" anchor="ctr"/>
+          <a:lstStyle/>
+          <a:p>
+            <a:pPr algn="ctr"/>
             <a:endParaRPr kumimoji="1" lang="ja-JP" altLang="en-US" dirty="0"/>
-          </a:p>
-        </p:txBody>
-      </p:sp>
-      <p:sp>
-        <p:nvSpPr>
-          <p:cNvPr id="3" name="コンテンツ プレースホルダー 2">
-            <a:extLst>
-              <a:ext uri="{FF2B5EF4-FFF2-40B4-BE49-F238E27FC236}">
-                <a16:creationId xmlns:a16="http://schemas.microsoft.com/office/drawing/2014/main" id="{FA309CE4-3C53-4698-90C6-FA303D3D2BAC}"/>
-              </a:ext>
-            </a:extLst>
-          </p:cNvPr>
-          <p:cNvSpPr>
-            <a:spLocks noGrp="1"/>
-          </p:cNvSpPr>
-          <p:nvPr>
-            <p:ph idx="1"/>
-          </p:nvPr>
-        </p:nvSpPr>
-        <p:spPr/>
-        <p:txBody>
-          <a:bodyPr/>
-          <a:lstStyle/>
-          <a:p>
-            <a:r>
-              <a:rPr kumimoji="1" lang="ja-JP" altLang="en-US" dirty="0"/>
-              <a:t>開発言語　　　　</a:t>
-            </a:r>
-            <a:r>
-              <a:rPr lang="ja-JP" altLang="en-US" dirty="0"/>
-              <a:t>：</a:t>
-            </a:r>
-            <a:r>
-              <a:rPr kumimoji="1" lang="en-US" altLang="ja-JP" dirty="0"/>
-              <a:t>PHP</a:t>
-            </a:r>
-            <a:r>
-              <a:rPr kumimoji="1" lang="ja-JP" altLang="en-US" dirty="0" err="1"/>
-              <a:t>、</a:t>
-            </a:r>
-            <a:r>
-              <a:rPr kumimoji="1" lang="en-US" altLang="ja-JP" dirty="0"/>
-              <a:t>HTML</a:t>
-            </a:r>
-            <a:r>
-              <a:rPr kumimoji="1" lang="ja-JP" altLang="en-US" dirty="0" err="1"/>
-              <a:t>、</a:t>
-            </a:r>
-            <a:r>
-              <a:rPr kumimoji="1" lang="en-US" altLang="ja-JP" dirty="0"/>
-              <a:t>CSS</a:t>
-            </a:r>
-          </a:p>
-          <a:p>
-            <a:endParaRPr lang="en-US" altLang="ja-JP" dirty="0"/>
-          </a:p>
-          <a:p>
-            <a:r>
-              <a:rPr kumimoji="1" lang="ja-JP" altLang="en-US" dirty="0"/>
-              <a:t>データベース　　：</a:t>
-            </a:r>
-            <a:r>
-              <a:rPr lang="en-US" altLang="ja-JP" dirty="0"/>
-              <a:t>MySQL</a:t>
-            </a:r>
-            <a:endParaRPr kumimoji="1" lang="en-US" altLang="ja-JP" dirty="0"/>
-          </a:p>
-          <a:p>
-            <a:endParaRPr lang="en-US" altLang="ja-JP" dirty="0"/>
-          </a:p>
-          <a:p>
-            <a:r>
-              <a:rPr kumimoji="1" lang="ja-JP" altLang="en-US" dirty="0"/>
-              <a:t>ソースコード</a:t>
-            </a:r>
-            <a:r>
-              <a:rPr lang="ja-JP" altLang="en-US" dirty="0"/>
-              <a:t>共有</a:t>
-            </a:r>
-            <a:r>
-              <a:rPr kumimoji="1" lang="ja-JP" altLang="en-US" dirty="0"/>
-              <a:t>：</a:t>
-            </a:r>
-            <a:r>
-              <a:rPr kumimoji="1" lang="en-US" altLang="ja-JP" dirty="0" err="1"/>
-              <a:t>github</a:t>
-            </a:r>
-            <a:r>
-              <a:rPr kumimoji="1" lang="ja-JP" altLang="en-US" dirty="0" err="1"/>
-              <a:t>、</a:t>
-            </a:r>
-            <a:r>
-              <a:rPr kumimoji="1" lang="en-US" altLang="ja-JP" dirty="0" err="1"/>
-              <a:t>sourcetree</a:t>
-            </a:r>
-            <a:endParaRPr kumimoji="1" lang="en-US" altLang="ja-JP" dirty="0"/>
           </a:p>
         </p:txBody>
       </p:sp>
     </p:spTree>
     <p:extLst>
       <p:ext uri="{BB962C8B-B14F-4D97-AF65-F5344CB8AC3E}">
-        <p14:creationId xmlns:p14="http://schemas.microsoft.com/office/powerpoint/2010/main" val="501568201"/>
+        <p14:creationId xmlns:p14="http://schemas.microsoft.com/office/powerpoint/2010/main" val="465890220"/>
       </p:ext>
     </p:extLst>
   </p:cSld>
@@ -6530,6 +6769,42 @@
           <a:chExt cx="0" cy="0"/>
         </a:xfrm>
       </p:grpSpPr>
+      <p:pic>
+        <p:nvPicPr>
+          <p:cNvPr id="7" name="図 6">
+            <a:extLst>
+              <a:ext uri="{FF2B5EF4-FFF2-40B4-BE49-F238E27FC236}">
+                <a16:creationId xmlns:a16="http://schemas.microsoft.com/office/drawing/2014/main" id="{8BF5DEAF-E833-4710-BDB0-1C6F7F291B65}"/>
+              </a:ext>
+            </a:extLst>
+          </p:cNvPr>
+          <p:cNvPicPr>
+            <a:picLocks noChangeAspect="1"/>
+          </p:cNvPicPr>
+          <p:nvPr/>
+        </p:nvPicPr>
+        <p:blipFill>
+          <a:blip r:embed="rId3">
+            <a:extLst>
+              <a:ext uri="{28A0092B-C50C-407E-A947-70E740481C1C}">
+                <a14:useLocalDpi xmlns:a14="http://schemas.microsoft.com/office/drawing/2010/main" val="0"/>
+              </a:ext>
+            </a:extLst>
+          </a:blip>
+          <a:stretch>
+            <a:fillRect/>
+          </a:stretch>
+        </p:blipFill>
+        <p:spPr>
+          <a:xfrm rot="702412">
+            <a:off x="7080641" y="2617528"/>
+            <a:ext cx="1291377" cy="1276867"/>
+          </a:xfrm>
+          <a:prstGeom prst="rect">
+            <a:avLst/>
+          </a:prstGeom>
+        </p:spPr>
+      </p:pic>
       <p:sp>
         <p:nvSpPr>
           <p:cNvPr id="2" name="タイトル 1">
@@ -6552,19 +6827,19 @@
           <a:lstStyle/>
           <a:p>
             <a:r>
-              <a:rPr lang="ja-JP" altLang="en-US" dirty="0"/>
+              <a:rPr lang="ja-JP" altLang="en-US" b="1" dirty="0"/>
               <a:t>まとめ</a:t>
             </a:r>
-            <a:endParaRPr kumimoji="1" lang="ja-JP" altLang="en-US" dirty="0"/>
-          </a:p>
-        </p:txBody>
-      </p:sp>
-      <p:sp>
-        <p:nvSpPr>
-          <p:cNvPr id="3" name="字幕 2">
-            <a:extLst>
-              <a:ext uri="{FF2B5EF4-FFF2-40B4-BE49-F238E27FC236}">
-                <a16:creationId xmlns:a16="http://schemas.microsoft.com/office/drawing/2014/main" id="{A71E8BFB-3D4C-45D8-83CA-44A1A402A145}"/>
+            <a:endParaRPr kumimoji="1" lang="ja-JP" altLang="en-US" b="1" dirty="0"/>
+          </a:p>
+        </p:txBody>
+      </p:sp>
+      <p:sp>
+        <p:nvSpPr>
+          <p:cNvPr id="9" name="字幕 8">
+            <a:extLst>
+              <a:ext uri="{FF2B5EF4-FFF2-40B4-BE49-F238E27FC236}">
+                <a16:creationId xmlns:a16="http://schemas.microsoft.com/office/drawing/2014/main" id="{8986DA8E-564A-4B46-82FC-346CC8D7E153}"/>
               </a:ext>
             </a:extLst>
           </p:cNvPr>
@@ -6580,14 +6855,7 @@
           <a:bodyPr/>
           <a:lstStyle/>
           <a:p>
-            <a:r>
-              <a:rPr kumimoji="1" lang="en-US" altLang="ja-JP" dirty="0"/>
-              <a:t>※</a:t>
-            </a:r>
-            <a:r>
-              <a:rPr kumimoji="1" lang="ja-JP" altLang="en-US" dirty="0"/>
-              <a:t>適当にイラストを追加する</a:t>
-            </a:r>
+            <a:endParaRPr lang="ja-JP" altLang="en-US" dirty="0"/>
           </a:p>
         </p:txBody>
       </p:sp>

--- a/プレゼン資料/Webアプリ開発発表資料.pptx
+++ b/プレゼン資料/Webアプリ開発発表資料.pptx
@@ -217,7 +217,7 @@
           <a:p>
             <a:fld id="{1948D64E-5151-4DBE-B175-EE677850562F}" type="datetimeFigureOut">
               <a:rPr kumimoji="1" lang="ja-JP" altLang="en-US" smtClean="0"/>
-              <a:t>2024/8/16</a:t>
+              <a:t>2024/8/19</a:t>
             </a:fld>
             <a:endParaRPr kumimoji="1" lang="ja-JP" altLang="en-US" dirty="0"/>
           </a:p>
@@ -1732,7 +1732,7 @@
           <a:p>
             <a:fld id="{C7088D3D-165A-46EA-B7B0-B1C3789A41AB}" type="datetimeFigureOut">
               <a:rPr kumimoji="1" lang="ja-JP" altLang="en-US" smtClean="0"/>
-              <a:t>2024/8/16</a:t>
+              <a:t>2024/8/19</a:t>
             </a:fld>
             <a:endParaRPr kumimoji="1" lang="ja-JP" altLang="en-US" dirty="0"/>
           </a:p>
@@ -1974,7 +1974,7 @@
           <a:p>
             <a:fld id="{C7088D3D-165A-46EA-B7B0-B1C3789A41AB}" type="datetimeFigureOut">
               <a:rPr kumimoji="1" lang="ja-JP" altLang="en-US" smtClean="0"/>
-              <a:t>2024/8/16</a:t>
+              <a:t>2024/8/19</a:t>
             </a:fld>
             <a:endParaRPr kumimoji="1" lang="ja-JP" altLang="en-US" dirty="0"/>
           </a:p>
@@ -2226,7 +2226,7 @@
           <a:p>
             <a:fld id="{C7088D3D-165A-46EA-B7B0-B1C3789A41AB}" type="datetimeFigureOut">
               <a:rPr kumimoji="1" lang="ja-JP" altLang="en-US" smtClean="0"/>
-              <a:t>2024/8/16</a:t>
+              <a:t>2024/8/19</a:t>
             </a:fld>
             <a:endParaRPr kumimoji="1" lang="ja-JP" altLang="en-US" dirty="0"/>
           </a:p>
@@ -2468,7 +2468,7 @@
           <a:p>
             <a:fld id="{C7088D3D-165A-46EA-B7B0-B1C3789A41AB}" type="datetimeFigureOut">
               <a:rPr kumimoji="1" lang="ja-JP" altLang="en-US" smtClean="0"/>
-              <a:t>2024/8/16</a:t>
+              <a:t>2024/8/19</a:t>
             </a:fld>
             <a:endParaRPr kumimoji="1" lang="ja-JP" altLang="en-US" dirty="0"/>
           </a:p>
@@ -2755,7 +2755,7 @@
           <a:p>
             <a:fld id="{C7088D3D-165A-46EA-B7B0-B1C3789A41AB}" type="datetimeFigureOut">
               <a:rPr kumimoji="1" lang="ja-JP" altLang="en-US" smtClean="0"/>
-              <a:t>2024/8/16</a:t>
+              <a:t>2024/8/19</a:t>
             </a:fld>
             <a:endParaRPr kumimoji="1" lang="ja-JP" altLang="en-US" dirty="0"/>
           </a:p>
@@ -3096,7 +3096,7 @@
           <a:p>
             <a:fld id="{C7088D3D-165A-46EA-B7B0-B1C3789A41AB}" type="datetimeFigureOut">
               <a:rPr kumimoji="1" lang="ja-JP" altLang="en-US" smtClean="0"/>
-              <a:t>2024/8/16</a:t>
+              <a:t>2024/8/19</a:t>
             </a:fld>
             <a:endParaRPr kumimoji="1" lang="ja-JP" altLang="en-US" dirty="0"/>
           </a:p>
@@ -3584,7 +3584,7 @@
           <a:p>
             <a:fld id="{C7088D3D-165A-46EA-B7B0-B1C3789A41AB}" type="datetimeFigureOut">
               <a:rPr kumimoji="1" lang="ja-JP" altLang="en-US" smtClean="0"/>
-              <a:t>2024/8/16</a:t>
+              <a:t>2024/8/19</a:t>
             </a:fld>
             <a:endParaRPr kumimoji="1" lang="ja-JP" altLang="en-US" dirty="0"/>
           </a:p>
@@ -3737,7 +3737,7 @@
           <a:p>
             <a:fld id="{C7088D3D-165A-46EA-B7B0-B1C3789A41AB}" type="datetimeFigureOut">
               <a:rPr kumimoji="1" lang="ja-JP" altLang="en-US" smtClean="0"/>
-              <a:t>2024/8/16</a:t>
+              <a:t>2024/8/19</a:t>
             </a:fld>
             <a:endParaRPr kumimoji="1" lang="ja-JP" altLang="en-US" dirty="0"/>
           </a:p>
@@ -3862,7 +3862,7 @@
           <a:p>
             <a:fld id="{C7088D3D-165A-46EA-B7B0-B1C3789A41AB}" type="datetimeFigureOut">
               <a:rPr kumimoji="1" lang="ja-JP" altLang="en-US" smtClean="0"/>
-              <a:t>2024/8/16</a:t>
+              <a:t>2024/8/19</a:t>
             </a:fld>
             <a:endParaRPr kumimoji="1" lang="ja-JP" altLang="en-US" dirty="0"/>
           </a:p>
@@ -4217,7 +4217,7 @@
           <a:p>
             <a:fld id="{C7088D3D-165A-46EA-B7B0-B1C3789A41AB}" type="datetimeFigureOut">
               <a:rPr kumimoji="1" lang="ja-JP" altLang="en-US" smtClean="0"/>
-              <a:t>2024/8/16</a:t>
+              <a:t>2024/8/19</a:t>
             </a:fld>
             <a:endParaRPr kumimoji="1" lang="ja-JP" altLang="en-US" dirty="0"/>
           </a:p>
@@ -4517,7 +4517,7 @@
           <a:p>
             <a:fld id="{C7088D3D-165A-46EA-B7B0-B1C3789A41AB}" type="datetimeFigureOut">
               <a:rPr kumimoji="1" lang="ja-JP" altLang="en-US" smtClean="0"/>
-              <a:t>2024/8/16</a:t>
+              <a:t>2024/8/19</a:t>
             </a:fld>
             <a:endParaRPr kumimoji="1" lang="ja-JP" altLang="en-US" dirty="0"/>
           </a:p>
@@ -4802,7 +4802,7 @@
           <a:p>
             <a:fld id="{C7088D3D-165A-46EA-B7B0-B1C3789A41AB}" type="datetimeFigureOut">
               <a:rPr kumimoji="1" lang="ja-JP" altLang="en-US" smtClean="0"/>
-              <a:t>2024/8/16</a:t>
+              <a:t>2024/8/19</a:t>
             </a:fld>
             <a:endParaRPr kumimoji="1" lang="ja-JP" altLang="en-US" dirty="0"/>
           </a:p>
@@ -6749,6 +6749,95 @@
       </p:transition>
     </mc:Fallback>
   </mc:AlternateContent>
+  <p:timing>
+    <p:tnLst>
+      <p:par>
+        <p:cTn id="1" dur="indefinite" restart="never" nodeType="tmRoot">
+          <p:childTnLst>
+            <p:seq concurrent="1" nextAc="seek">
+              <p:cTn id="2" dur="indefinite" nodeType="mainSeq">
+                <p:childTnLst>
+                  <p:par>
+                    <p:cTn id="3" fill="hold">
+                      <p:stCondLst>
+                        <p:cond delay="indefinite"/>
+                        <p:cond evt="onBegin" delay="0">
+                          <p:tn val="2"/>
+                        </p:cond>
+                      </p:stCondLst>
+                      <p:childTnLst>
+                        <p:par>
+                          <p:cTn id="4" fill="hold">
+                            <p:stCondLst>
+                              <p:cond delay="0"/>
+                            </p:stCondLst>
+                            <p:childTnLst>
+                              <p:par>
+                                <p:cTn id="5" presetID="10" presetClass="entr" presetSubtype="0" fill="hold" grpId="0" nodeType="afterEffect">
+                                  <p:stCondLst>
+                                    <p:cond delay="100"/>
+                                  </p:stCondLst>
+                                  <p:childTnLst>
+                                    <p:set>
+                                      <p:cBhvr>
+                                        <p:cTn id="6" dur="1" fill="hold">
+                                          <p:stCondLst>
+                                            <p:cond delay="0"/>
+                                          </p:stCondLst>
+                                        </p:cTn>
+                                        <p:tgtEl>
+                                          <p:spTgt spid="3"/>
+                                        </p:tgtEl>
+                                        <p:attrNameLst>
+                                          <p:attrName>style.visibility</p:attrName>
+                                        </p:attrNameLst>
+                                      </p:cBhvr>
+                                      <p:to>
+                                        <p:strVal val="visible"/>
+                                      </p:to>
+                                    </p:set>
+                                    <p:animEffect transition="in" filter="fade">
+                                      <p:cBhvr>
+                                        <p:cTn id="7" dur="400"/>
+                                        <p:tgtEl>
+                                          <p:spTgt spid="3"/>
+                                        </p:tgtEl>
+                                      </p:cBhvr>
+                                    </p:animEffect>
+                                  </p:childTnLst>
+                                </p:cTn>
+                              </p:par>
+                            </p:childTnLst>
+                          </p:cTn>
+                        </p:par>
+                      </p:childTnLst>
+                    </p:cTn>
+                  </p:par>
+                </p:childTnLst>
+              </p:cTn>
+              <p:prevCondLst>
+                <p:cond evt="onPrev" delay="0">
+                  <p:tgtEl>
+                    <p:sldTgt/>
+                  </p:tgtEl>
+                </p:cond>
+              </p:prevCondLst>
+              <p:nextCondLst>
+                <p:cond evt="onNext" delay="0">
+                  <p:tgtEl>
+                    <p:sldTgt/>
+                  </p:tgtEl>
+                </p:cond>
+              </p:nextCondLst>
+            </p:seq>
+          </p:childTnLst>
+        </p:cTn>
+      </p:par>
+    </p:tnLst>
+    <p:bldLst>
+      <p:bldP spid="3" grpId="0" animBg="1"/>
+    </p:bldLst>
+  </p:timing>
 </p:sld>
 </file>
 

--- a/プレゼン資料/Webアプリ開発発表資料.pptx
+++ b/プレゼン資料/Webアプリ開発発表資料.pptx
@@ -2,30 +2,31 @@
 <file path=ppt/presentation.xml><?xml version="1.0" encoding="utf-8"?>
 <p:presentation xmlns:a="http://schemas.openxmlformats.org/drawingml/2006/main" xmlns:r="http://schemas.openxmlformats.org/officeDocument/2006/relationships" xmlns:p="http://schemas.openxmlformats.org/presentationml/2006/main" saveSubsetFonts="1">
   <p:sldMasterIdLst>
-    <p:sldMasterId id="2147483648" r:id="rId1"/>
+    <p:sldMasterId id="2147483756" r:id="rId1"/>
   </p:sldMasterIdLst>
   <p:notesMasterIdLst>
-    <p:notesMasterId r:id="rId11"/>
+    <p:notesMasterId r:id="rId12"/>
   </p:notesMasterIdLst>
   <p:sldIdLst>
     <p:sldId id="256" r:id="rId2"/>
     <p:sldId id="271" r:id="rId3"/>
     <p:sldId id="257" r:id="rId4"/>
     <p:sldId id="260" r:id="rId5"/>
-    <p:sldId id="261" r:id="rId6"/>
-    <p:sldId id="268" r:id="rId7"/>
-    <p:sldId id="267" r:id="rId8"/>
-    <p:sldId id="258" r:id="rId9"/>
-    <p:sldId id="270" r:id="rId10"/>
+    <p:sldId id="268" r:id="rId6"/>
+    <p:sldId id="267" r:id="rId7"/>
+    <p:sldId id="272" r:id="rId8"/>
+    <p:sldId id="261" r:id="rId9"/>
+    <p:sldId id="258" r:id="rId10"/>
+    <p:sldId id="270" r:id="rId11"/>
   </p:sldIdLst>
   <p:sldSz cx="12192000" cy="6858000"/>
   <p:notesSz cx="6858000" cy="9144000"/>
   <p:defaultTextStyle>
     <a:defPPr>
-      <a:defRPr lang="ja-JP"/>
+      <a:defRPr lang="en-US"/>
     </a:defPPr>
-    <a:lvl1pPr marL="0" algn="l" defTabSz="914400" rtl="0" eaLnBrk="1" latinLnBrk="0" hangingPunct="1">
-      <a:defRPr kumimoji="1" sz="1800" kern="1200">
+    <a:lvl1pPr marL="0" algn="l" defTabSz="457200" rtl="0" eaLnBrk="1" latinLnBrk="0" hangingPunct="1">
+      <a:defRPr sz="1800" kern="1200">
         <a:solidFill>
           <a:schemeClr val="tx1"/>
         </a:solidFill>
@@ -34,8 +35,8 @@
         <a:cs typeface="+mn-cs"/>
       </a:defRPr>
     </a:lvl1pPr>
-    <a:lvl2pPr marL="457200" algn="l" defTabSz="914400" rtl="0" eaLnBrk="1" latinLnBrk="0" hangingPunct="1">
-      <a:defRPr kumimoji="1" sz="1800" kern="1200">
+    <a:lvl2pPr marL="457200" algn="l" defTabSz="457200" rtl="0" eaLnBrk="1" latinLnBrk="0" hangingPunct="1">
+      <a:defRPr sz="1800" kern="1200">
         <a:solidFill>
           <a:schemeClr val="tx1"/>
         </a:solidFill>
@@ -44,8 +45,8 @@
         <a:cs typeface="+mn-cs"/>
       </a:defRPr>
     </a:lvl2pPr>
-    <a:lvl3pPr marL="914400" algn="l" defTabSz="914400" rtl="0" eaLnBrk="1" latinLnBrk="0" hangingPunct="1">
-      <a:defRPr kumimoji="1" sz="1800" kern="1200">
+    <a:lvl3pPr marL="914400" algn="l" defTabSz="457200" rtl="0" eaLnBrk="1" latinLnBrk="0" hangingPunct="1">
+      <a:defRPr sz="1800" kern="1200">
         <a:solidFill>
           <a:schemeClr val="tx1"/>
         </a:solidFill>
@@ -54,8 +55,8 @@
         <a:cs typeface="+mn-cs"/>
       </a:defRPr>
     </a:lvl3pPr>
-    <a:lvl4pPr marL="1371600" algn="l" defTabSz="914400" rtl="0" eaLnBrk="1" latinLnBrk="0" hangingPunct="1">
-      <a:defRPr kumimoji="1" sz="1800" kern="1200">
+    <a:lvl4pPr marL="1371600" algn="l" defTabSz="457200" rtl="0" eaLnBrk="1" latinLnBrk="0" hangingPunct="1">
+      <a:defRPr sz="1800" kern="1200">
         <a:solidFill>
           <a:schemeClr val="tx1"/>
         </a:solidFill>
@@ -64,8 +65,8 @@
         <a:cs typeface="+mn-cs"/>
       </a:defRPr>
     </a:lvl4pPr>
-    <a:lvl5pPr marL="1828800" algn="l" defTabSz="914400" rtl="0" eaLnBrk="1" latinLnBrk="0" hangingPunct="1">
-      <a:defRPr kumimoji="1" sz="1800" kern="1200">
+    <a:lvl5pPr marL="1828800" algn="l" defTabSz="457200" rtl="0" eaLnBrk="1" latinLnBrk="0" hangingPunct="1">
+      <a:defRPr sz="1800" kern="1200">
         <a:solidFill>
           <a:schemeClr val="tx1"/>
         </a:solidFill>
@@ -74,8 +75,8 @@
         <a:cs typeface="+mn-cs"/>
       </a:defRPr>
     </a:lvl5pPr>
-    <a:lvl6pPr marL="2286000" algn="l" defTabSz="914400" rtl="0" eaLnBrk="1" latinLnBrk="0" hangingPunct="1">
-      <a:defRPr kumimoji="1" sz="1800" kern="1200">
+    <a:lvl6pPr marL="2286000" algn="l" defTabSz="457200" rtl="0" eaLnBrk="1" latinLnBrk="0" hangingPunct="1">
+      <a:defRPr sz="1800" kern="1200">
         <a:solidFill>
           <a:schemeClr val="tx1"/>
         </a:solidFill>
@@ -84,8 +85,8 @@
         <a:cs typeface="+mn-cs"/>
       </a:defRPr>
     </a:lvl6pPr>
-    <a:lvl7pPr marL="2743200" algn="l" defTabSz="914400" rtl="0" eaLnBrk="1" latinLnBrk="0" hangingPunct="1">
-      <a:defRPr kumimoji="1" sz="1800" kern="1200">
+    <a:lvl7pPr marL="2743200" algn="l" defTabSz="457200" rtl="0" eaLnBrk="1" latinLnBrk="0" hangingPunct="1">
+      <a:defRPr sz="1800" kern="1200">
         <a:solidFill>
           <a:schemeClr val="tx1"/>
         </a:solidFill>
@@ -94,8 +95,8 @@
         <a:cs typeface="+mn-cs"/>
       </a:defRPr>
     </a:lvl7pPr>
-    <a:lvl8pPr marL="3200400" algn="l" defTabSz="914400" rtl="0" eaLnBrk="1" latinLnBrk="0" hangingPunct="1">
-      <a:defRPr kumimoji="1" sz="1800" kern="1200">
+    <a:lvl8pPr marL="3200400" algn="l" defTabSz="457200" rtl="0" eaLnBrk="1" latinLnBrk="0" hangingPunct="1">
+      <a:defRPr sz="1800" kern="1200">
         <a:solidFill>
           <a:schemeClr val="tx1"/>
         </a:solidFill>
@@ -104,8 +105,8 @@
         <a:cs typeface="+mn-cs"/>
       </a:defRPr>
     </a:lvl8pPr>
-    <a:lvl9pPr marL="3657600" algn="l" defTabSz="914400" rtl="0" eaLnBrk="1" latinLnBrk="0" hangingPunct="1">
-      <a:defRPr kumimoji="1" sz="1800" kern="1200">
+    <a:lvl9pPr marL="3657600" algn="l" defTabSz="457200" rtl="0" eaLnBrk="1" latinLnBrk="0" hangingPunct="1">
+      <a:defRPr sz="1800" kern="1200">
         <a:solidFill>
           <a:schemeClr val="tx1"/>
         </a:solidFill>
@@ -217,7 +218,7 @@
           <a:p>
             <a:fld id="{1948D64E-5151-4DBE-B175-EE677850562F}" type="datetimeFigureOut">
               <a:rPr kumimoji="1" lang="ja-JP" altLang="en-US" smtClean="0"/>
-              <a:t>2024/8/19</a:t>
+              <a:t>2024/9/17</a:t>
             </a:fld>
             <a:endParaRPr kumimoji="1" lang="ja-JP" altLang="en-US" dirty="0"/>
           </a:p>
@@ -626,6 +627,90 @@
 </p:notes>
 </file>
 
+<file path=ppt/notesSlides/notesSlide10.xml><?xml version="1.0" encoding="utf-8"?>
+<p:notes xmlns:a="http://schemas.openxmlformats.org/drawingml/2006/main" xmlns:r="http://schemas.openxmlformats.org/officeDocument/2006/relationships" xmlns:p="http://schemas.openxmlformats.org/presentationml/2006/main">
+  <p:cSld>
+    <p:spTree>
+      <p:nvGrpSpPr>
+        <p:cNvPr id="1" name=""/>
+        <p:cNvGrpSpPr/>
+        <p:nvPr/>
+      </p:nvGrpSpPr>
+      <p:grpSpPr>
+        <a:xfrm>
+          <a:off x="0" y="0"/>
+          <a:ext cx="0" cy="0"/>
+          <a:chOff x="0" y="0"/>
+          <a:chExt cx="0" cy="0"/>
+        </a:xfrm>
+      </p:grpSpPr>
+      <p:sp>
+        <p:nvSpPr>
+          <p:cNvPr id="2" name="スライド イメージ プレースホルダー 1"/>
+          <p:cNvSpPr>
+            <a:spLocks noGrp="1" noRot="1" noChangeAspect="1"/>
+          </p:cNvSpPr>
+          <p:nvPr>
+            <p:ph type="sldImg"/>
+          </p:nvPr>
+        </p:nvSpPr>
+        <p:spPr/>
+      </p:sp>
+      <p:sp>
+        <p:nvSpPr>
+          <p:cNvPr id="3" name="ノート プレースホルダー 2"/>
+          <p:cNvSpPr>
+            <a:spLocks noGrp="1"/>
+          </p:cNvSpPr>
+          <p:nvPr>
+            <p:ph type="body" idx="1"/>
+          </p:nvPr>
+        </p:nvSpPr>
+        <p:spPr/>
+        <p:txBody>
+          <a:bodyPr/>
+          <a:lstStyle/>
+          <a:p>
+            <a:endParaRPr kumimoji="1" lang="ja-JP" altLang="en-US" dirty="0"/>
+          </a:p>
+        </p:txBody>
+      </p:sp>
+      <p:sp>
+        <p:nvSpPr>
+          <p:cNvPr id="4" name="スライド番号プレースホルダー 3"/>
+          <p:cNvSpPr>
+            <a:spLocks noGrp="1"/>
+          </p:cNvSpPr>
+          <p:nvPr>
+            <p:ph type="sldNum" sz="quarter" idx="5"/>
+          </p:nvPr>
+        </p:nvSpPr>
+        <p:spPr/>
+        <p:txBody>
+          <a:bodyPr/>
+          <a:lstStyle/>
+          <a:p>
+            <a:fld id="{A5242644-000B-428D-938E-DC5A56A37292}" type="slidenum">
+              <a:rPr kumimoji="1" lang="ja-JP" altLang="en-US" smtClean="0"/>
+              <a:t>10</a:t>
+            </a:fld>
+            <a:endParaRPr kumimoji="1" lang="ja-JP" altLang="en-US" dirty="0"/>
+          </a:p>
+        </p:txBody>
+      </p:sp>
+    </p:spTree>
+    <p:extLst>
+      <p:ext uri="{BB962C8B-B14F-4D97-AF65-F5344CB8AC3E}">
+        <p14:creationId xmlns:p14="http://schemas.microsoft.com/office/powerpoint/2010/main" val="805672808"/>
+      </p:ext>
+    </p:extLst>
+  </p:cSld>
+  <p:clrMapOvr>
+    <a:masterClrMapping/>
+  </p:clrMapOvr>
+</p:notes>
+</file>
+
 <file path=ppt/notesSlides/notesSlide2.xml><?xml version="1.0" encoding="utf-8"?>
 <p:notes xmlns:a="http://schemas.openxmlformats.org/drawingml/2006/main" xmlns:r="http://schemas.openxmlformats.org/officeDocument/2006/relationships" xmlns:p="http://schemas.openxmlformats.org/presentationml/2006/main">
   <p:cSld>
@@ -1024,85 +1109,7 @@
           <a:bodyPr/>
           <a:lstStyle/>
           <a:p>
-            <a:r>
-              <a:rPr kumimoji="1" lang="en-US" altLang="ja-JP" dirty="0"/>
-              <a:t>ER</a:t>
-            </a:r>
-            <a:r>
-              <a:rPr kumimoji="1" lang="ja-JP" altLang="en-US" dirty="0"/>
-              <a:t>図はこんな感じになっていまして</a:t>
-            </a:r>
-            <a:endParaRPr kumimoji="1" lang="en-US" altLang="ja-JP" dirty="0"/>
-          </a:p>
-          <a:p>
-            <a:r>
-              <a:rPr kumimoji="1" lang="ja-JP" altLang="en-US" dirty="0"/>
-              <a:t>データベースの構成は、全部で６つのテーブルを作って</a:t>
-            </a:r>
-            <a:endParaRPr kumimoji="1" lang="en-US" altLang="ja-JP" dirty="0"/>
-          </a:p>
-          <a:p>
-            <a:r>
-              <a:rPr kumimoji="1" lang="ja-JP" altLang="en-US" dirty="0"/>
-              <a:t>データを管理しています。</a:t>
-            </a:r>
-            <a:endParaRPr kumimoji="1" lang="en-US" altLang="ja-JP" dirty="0"/>
-          </a:p>
-          <a:p>
-            <a:endParaRPr kumimoji="1" lang="en-US" altLang="ja-JP" dirty="0"/>
-          </a:p>
-          <a:p>
-            <a:r>
-              <a:rPr kumimoji="1" lang="ja-JP" altLang="en-US" dirty="0"/>
-              <a:t>管理者テーブルは</a:t>
-            </a:r>
-            <a:endParaRPr kumimoji="1" lang="en-US" altLang="ja-JP" dirty="0"/>
-          </a:p>
-          <a:p>
-            <a:r>
-              <a:rPr kumimoji="1" lang="ja-JP" altLang="en-US" dirty="0"/>
-              <a:t>ログイン</a:t>
-            </a:r>
-            <a:r>
-              <a:rPr kumimoji="1" lang="en-US" altLang="ja-JP" dirty="0"/>
-              <a:t>ID</a:t>
-            </a:r>
-            <a:r>
-              <a:rPr kumimoji="1" lang="ja-JP" altLang="en-US" dirty="0"/>
-              <a:t>を主キーにして、店舗</a:t>
-            </a:r>
-            <a:r>
-              <a:rPr kumimoji="1" lang="en-US" altLang="ja-JP" dirty="0"/>
-              <a:t>ID</a:t>
-            </a:r>
-            <a:r>
-              <a:rPr kumimoji="1" lang="ja-JP" altLang="en-US" dirty="0"/>
-              <a:t>を外部キーにすることで</a:t>
-            </a:r>
-            <a:endParaRPr kumimoji="1" lang="en-US" altLang="ja-JP" dirty="0"/>
-          </a:p>
-          <a:p>
-            <a:r>
-              <a:rPr kumimoji="1" lang="ja-JP" altLang="en-US" dirty="0"/>
-              <a:t>特定の人が特定の店舗しか編集できないようにしてます。</a:t>
-            </a:r>
-            <a:endParaRPr kumimoji="1" lang="en-US" altLang="ja-JP" dirty="0"/>
-          </a:p>
-          <a:p>
-            <a:endParaRPr kumimoji="1" lang="en-US" altLang="ja-JP" dirty="0"/>
-          </a:p>
-          <a:p>
-            <a:r>
-              <a:rPr kumimoji="1" lang="ja-JP" altLang="en-US" dirty="0"/>
-              <a:t>売上テーブルに</a:t>
-            </a:r>
-            <a:endParaRPr kumimoji="1" lang="en-US" altLang="ja-JP" dirty="0"/>
-          </a:p>
-          <a:p>
-            <a:r>
-              <a:rPr kumimoji="1" lang="ja-JP" altLang="en-US" dirty="0"/>
-              <a:t>その日の売上データを管理するようにしています。</a:t>
-            </a:r>
+            <a:endParaRPr kumimoji="1" lang="ja-JP" altLang="en-US" dirty="0"/>
           </a:p>
         </p:txBody>
       </p:sp>
@@ -1132,7 +1139,7 @@
     </p:spTree>
     <p:extLst>
       <p:ext uri="{BB962C8B-B14F-4D97-AF65-F5344CB8AC3E}">
-        <p14:creationId xmlns:p14="http://schemas.microsoft.com/office/powerpoint/2010/main" val="4017356410"/>
+        <p14:creationId xmlns:p14="http://schemas.microsoft.com/office/powerpoint/2010/main" val="3213397520"/>
       </p:ext>
     </p:extLst>
   </p:cSld>
@@ -1186,7 +1193,72 @@
           <a:bodyPr/>
           <a:lstStyle/>
           <a:p>
-            <a:endParaRPr kumimoji="1" lang="ja-JP" altLang="en-US" dirty="0"/>
+            <a:r>
+              <a:rPr kumimoji="1" lang="ja-JP" altLang="en-US" dirty="0"/>
+              <a:t>開発言語は、</a:t>
+            </a:r>
+            <a:r>
+              <a:rPr kumimoji="1" lang="en-US" altLang="ja-JP" dirty="0"/>
+              <a:t>PHP</a:t>
+            </a:r>
+            <a:r>
+              <a:rPr kumimoji="1" lang="ja-JP" altLang="en-US" dirty="0" err="1"/>
+              <a:t>、</a:t>
+            </a:r>
+            <a:r>
+              <a:rPr kumimoji="1" lang="en-US" altLang="ja-JP" dirty="0"/>
+              <a:t>HTML</a:t>
+            </a:r>
+            <a:r>
+              <a:rPr kumimoji="1" lang="ja-JP" altLang="en-US" dirty="0" err="1"/>
+              <a:t>、</a:t>
+            </a:r>
+            <a:r>
+              <a:rPr kumimoji="1" lang="en-US" altLang="ja-JP" dirty="0"/>
+              <a:t>CSS</a:t>
+            </a:r>
+            <a:r>
+              <a:rPr kumimoji="1" lang="ja-JP" altLang="en-US" dirty="0"/>
+              <a:t>を使っています。</a:t>
+            </a:r>
+            <a:endParaRPr kumimoji="1" lang="en-US" altLang="ja-JP" dirty="0"/>
+          </a:p>
+          <a:p>
+            <a:r>
+              <a:rPr kumimoji="1" lang="ja-JP" altLang="en-US" dirty="0"/>
+              <a:t>データベースは</a:t>
+            </a:r>
+            <a:r>
+              <a:rPr kumimoji="1" lang="en-US" altLang="ja-JP" dirty="0"/>
+              <a:t>MySQL</a:t>
+            </a:r>
+            <a:r>
+              <a:rPr kumimoji="1" lang="ja-JP" altLang="en-US" dirty="0"/>
+              <a:t>を使っています。</a:t>
+            </a:r>
+            <a:endParaRPr kumimoji="1" lang="en-US" altLang="ja-JP" dirty="0"/>
+          </a:p>
+          <a:p>
+            <a:r>
+              <a:rPr kumimoji="1" lang="ja-JP" altLang="en-US" dirty="0"/>
+              <a:t>ソースコードの共有には、</a:t>
+            </a:r>
+            <a:r>
+              <a:rPr kumimoji="1" lang="en-US" altLang="ja-JP" dirty="0" err="1"/>
+              <a:t>github</a:t>
+            </a:r>
+            <a:r>
+              <a:rPr kumimoji="1" lang="ja-JP" altLang="en-US" dirty="0"/>
+              <a:t>と</a:t>
+            </a:r>
+            <a:r>
+              <a:rPr kumimoji="1" lang="en-US" altLang="ja-JP" dirty="0" err="1"/>
+              <a:t>sourcetree</a:t>
+            </a:r>
+            <a:r>
+              <a:rPr kumimoji="1" lang="ja-JP" altLang="en-US" dirty="0"/>
+              <a:t>を使いました。</a:t>
+            </a:r>
           </a:p>
         </p:txBody>
       </p:sp>
@@ -1209,14 +1281,14 @@
               <a:rPr kumimoji="1" lang="ja-JP" altLang="en-US" smtClean="0"/>
               <a:t>6</a:t>
             </a:fld>
-            <a:endParaRPr kumimoji="1" lang="ja-JP" altLang="en-US" dirty="0"/>
+            <a:endParaRPr kumimoji="1" lang="ja-JP" altLang="en-US"/>
           </a:p>
         </p:txBody>
       </p:sp>
     </p:spTree>
     <p:extLst>
       <p:ext uri="{BB962C8B-B14F-4D97-AF65-F5344CB8AC3E}">
-        <p14:creationId xmlns:p14="http://schemas.microsoft.com/office/powerpoint/2010/main" val="3213397520"/>
+        <p14:creationId xmlns:p14="http://schemas.microsoft.com/office/powerpoint/2010/main" val="45810444"/>
       </p:ext>
     </p:extLst>
   </p:cSld>
@@ -1270,72 +1342,7 @@
           <a:bodyPr/>
           <a:lstStyle/>
           <a:p>
-            <a:r>
-              <a:rPr kumimoji="1" lang="ja-JP" altLang="en-US" dirty="0"/>
-              <a:t>開発言語は、</a:t>
-            </a:r>
-            <a:r>
-              <a:rPr kumimoji="1" lang="en-US" altLang="ja-JP" dirty="0"/>
-              <a:t>PHP</a:t>
-            </a:r>
-            <a:r>
-              <a:rPr kumimoji="1" lang="ja-JP" altLang="en-US" dirty="0" err="1"/>
-              <a:t>、</a:t>
-            </a:r>
-            <a:r>
-              <a:rPr kumimoji="1" lang="en-US" altLang="ja-JP" dirty="0"/>
-              <a:t>HTML</a:t>
-            </a:r>
-            <a:r>
-              <a:rPr kumimoji="1" lang="ja-JP" altLang="en-US" dirty="0" err="1"/>
-              <a:t>、</a:t>
-            </a:r>
-            <a:r>
-              <a:rPr kumimoji="1" lang="en-US" altLang="ja-JP" dirty="0"/>
-              <a:t>CSS</a:t>
-            </a:r>
-            <a:r>
-              <a:rPr kumimoji="1" lang="ja-JP" altLang="en-US" dirty="0"/>
-              <a:t>を使っています。</a:t>
-            </a:r>
-            <a:endParaRPr kumimoji="1" lang="en-US" altLang="ja-JP" dirty="0"/>
-          </a:p>
-          <a:p>
-            <a:r>
-              <a:rPr kumimoji="1" lang="ja-JP" altLang="en-US" dirty="0"/>
-              <a:t>データベースは</a:t>
-            </a:r>
-            <a:r>
-              <a:rPr kumimoji="1" lang="en-US" altLang="ja-JP" dirty="0"/>
-              <a:t>MySQL</a:t>
-            </a:r>
-            <a:r>
-              <a:rPr kumimoji="1" lang="ja-JP" altLang="en-US" dirty="0"/>
-              <a:t>を使っています。</a:t>
-            </a:r>
-            <a:endParaRPr kumimoji="1" lang="en-US" altLang="ja-JP" dirty="0"/>
-          </a:p>
-          <a:p>
-            <a:r>
-              <a:rPr kumimoji="1" lang="ja-JP" altLang="en-US" dirty="0"/>
-              <a:t>ソースコードの共有には、</a:t>
-            </a:r>
-            <a:r>
-              <a:rPr kumimoji="1" lang="en-US" altLang="ja-JP" dirty="0" err="1"/>
-              <a:t>github</a:t>
-            </a:r>
-            <a:r>
-              <a:rPr kumimoji="1" lang="ja-JP" altLang="en-US" dirty="0"/>
-              <a:t>と</a:t>
-            </a:r>
-            <a:r>
-              <a:rPr kumimoji="1" lang="en-US" altLang="ja-JP" dirty="0" err="1"/>
-              <a:t>sourcetree</a:t>
-            </a:r>
-            <a:r>
-              <a:rPr kumimoji="1" lang="ja-JP" altLang="en-US" dirty="0"/>
-              <a:t>を使いました。</a:t>
-            </a:r>
+            <a:endParaRPr kumimoji="1" lang="ja-JP" altLang="en-US" dirty="0"/>
           </a:p>
         </p:txBody>
       </p:sp>
@@ -1358,14 +1365,14 @@
               <a:rPr kumimoji="1" lang="ja-JP" altLang="en-US" smtClean="0"/>
               <a:t>7</a:t>
             </a:fld>
-            <a:endParaRPr kumimoji="1" lang="ja-JP" altLang="en-US"/>
+            <a:endParaRPr kumimoji="1" lang="ja-JP" altLang="en-US" dirty="0"/>
           </a:p>
         </p:txBody>
       </p:sp>
     </p:spTree>
     <p:extLst>
       <p:ext uri="{BB962C8B-B14F-4D97-AF65-F5344CB8AC3E}">
-        <p14:creationId xmlns:p14="http://schemas.microsoft.com/office/powerpoint/2010/main" val="45810444"/>
+        <p14:creationId xmlns:p14="http://schemas.microsoft.com/office/powerpoint/2010/main" val="1667457771"/>
       </p:ext>
     </p:extLst>
   </p:cSld>
@@ -1420,48 +1427,84 @@
           <a:lstStyle/>
           <a:p>
             <a:r>
+              <a:rPr kumimoji="1" lang="en-US" altLang="ja-JP" dirty="0"/>
+              <a:t>ER</a:t>
+            </a:r>
+            <a:r>
               <a:rPr kumimoji="1" lang="ja-JP" altLang="en-US" dirty="0"/>
-              <a:t>役割分担はこんな感じで</a:t>
+              <a:t>図はこんな感じになっていまして</a:t>
             </a:r>
             <a:endParaRPr kumimoji="1" lang="en-US" altLang="ja-JP" dirty="0"/>
           </a:p>
           <a:p>
             <a:r>
               <a:rPr kumimoji="1" lang="ja-JP" altLang="en-US" dirty="0"/>
-              <a:t>ログイン画面、メイン画面、設定画面ごとに役割を分担し、</a:t>
+              <a:t>データベースの構成は、全部で６つのテーブルを作って</a:t>
             </a:r>
             <a:endParaRPr kumimoji="1" lang="en-US" altLang="ja-JP" dirty="0"/>
           </a:p>
           <a:p>
             <a:r>
               <a:rPr kumimoji="1" lang="ja-JP" altLang="en-US" dirty="0"/>
-              <a:t>その他は、基本的に全員で対応しました。</a:t>
+              <a:t>データを管理しています。</a:t>
             </a:r>
             <a:endParaRPr kumimoji="1" lang="en-US" altLang="ja-JP" dirty="0"/>
           </a:p>
           <a:p>
-            <a:pPr marL="0" marR="0" lvl="0" indent="0" algn="l" defTabSz="914400" rtl="0" eaLnBrk="1" fontAlgn="auto" latinLnBrk="0" hangingPunct="1">
-              <a:lnSpc>
-                <a:spcPct val="100000"/>
-              </a:lnSpc>
-              <a:spcBef>
-                <a:spcPts val="0"/>
-              </a:spcBef>
-              <a:spcAft>
-                <a:spcPts val="0"/>
-              </a:spcAft>
-              <a:buClrTx/>
-              <a:buSzTx/>
-              <a:buFontTx/>
-              <a:buNone/>
-              <a:tabLst/>
-              <a:defRPr/>
-            </a:pPr>
+            <a:endParaRPr kumimoji="1" lang="en-US" altLang="ja-JP" dirty="0"/>
+          </a:p>
+          <a:p>
             <a:r>
               <a:rPr kumimoji="1" lang="ja-JP" altLang="en-US" dirty="0"/>
-              <a:t>進捗状況に応じて、役割を調整していきました。</a:t>
+              <a:t>管理者テーブルは</a:t>
             </a:r>
             <a:endParaRPr kumimoji="1" lang="en-US" altLang="ja-JP" dirty="0"/>
+          </a:p>
+          <a:p>
+            <a:r>
+              <a:rPr kumimoji="1" lang="ja-JP" altLang="en-US" dirty="0"/>
+              <a:t>ログイン</a:t>
+            </a:r>
+            <a:r>
+              <a:rPr kumimoji="1" lang="en-US" altLang="ja-JP" dirty="0"/>
+              <a:t>ID</a:t>
+            </a:r>
+            <a:r>
+              <a:rPr kumimoji="1" lang="ja-JP" altLang="en-US" dirty="0"/>
+              <a:t>を主キーにして、店舗</a:t>
+            </a:r>
+            <a:r>
+              <a:rPr kumimoji="1" lang="en-US" altLang="ja-JP" dirty="0"/>
+              <a:t>ID</a:t>
+            </a:r>
+            <a:r>
+              <a:rPr kumimoji="1" lang="ja-JP" altLang="en-US" dirty="0"/>
+              <a:t>を外部キーにすることで</a:t>
+            </a:r>
+            <a:endParaRPr kumimoji="1" lang="en-US" altLang="ja-JP" dirty="0"/>
+          </a:p>
+          <a:p>
+            <a:r>
+              <a:rPr kumimoji="1" lang="ja-JP" altLang="en-US" dirty="0"/>
+              <a:t>特定の人が特定の店舗しか編集できないようにしてます。</a:t>
+            </a:r>
+            <a:endParaRPr kumimoji="1" lang="en-US" altLang="ja-JP" dirty="0"/>
+          </a:p>
+          <a:p>
+            <a:endParaRPr kumimoji="1" lang="en-US" altLang="ja-JP" dirty="0"/>
+          </a:p>
+          <a:p>
+            <a:r>
+              <a:rPr kumimoji="1" lang="ja-JP" altLang="en-US" dirty="0"/>
+              <a:t>売上テーブルに</a:t>
+            </a:r>
+            <a:endParaRPr kumimoji="1" lang="en-US" altLang="ja-JP" dirty="0"/>
+          </a:p>
+          <a:p>
+            <a:r>
+              <a:rPr kumimoji="1" lang="ja-JP" altLang="en-US" dirty="0"/>
+              <a:t>その日の売上データを管理するようにしています。</a:t>
+            </a:r>
           </a:p>
         </p:txBody>
       </p:sp>
@@ -1491,7 +1534,7 @@
     </p:spTree>
     <p:extLst>
       <p:ext uri="{BB962C8B-B14F-4D97-AF65-F5344CB8AC3E}">
-        <p14:creationId xmlns:p14="http://schemas.microsoft.com/office/powerpoint/2010/main" val="686271573"/>
+        <p14:creationId xmlns:p14="http://schemas.microsoft.com/office/powerpoint/2010/main" val="4017356410"/>
       </p:ext>
     </p:extLst>
   </p:cSld>
@@ -1545,7 +1588,49 @@
           <a:bodyPr/>
           <a:lstStyle/>
           <a:p>
-            <a:endParaRPr kumimoji="1" lang="ja-JP" altLang="en-US" dirty="0"/>
+            <a:r>
+              <a:rPr kumimoji="1" lang="ja-JP" altLang="en-US" dirty="0"/>
+              <a:t>役割分担はこんな感じで</a:t>
+            </a:r>
+            <a:endParaRPr kumimoji="1" lang="en-US" altLang="ja-JP" dirty="0"/>
+          </a:p>
+          <a:p>
+            <a:r>
+              <a:rPr kumimoji="1" lang="ja-JP" altLang="en-US" dirty="0"/>
+              <a:t>ログイン画面、メイン画面、設定画面ごとに役割を分担し、</a:t>
+            </a:r>
+            <a:endParaRPr kumimoji="1" lang="en-US" altLang="ja-JP" dirty="0"/>
+          </a:p>
+          <a:p>
+            <a:r>
+              <a:rPr kumimoji="1" lang="ja-JP" altLang="en-US" dirty="0"/>
+              <a:t>その他は、基本的に全員で対応しました。</a:t>
+            </a:r>
+            <a:endParaRPr kumimoji="1" lang="en-US" altLang="ja-JP" dirty="0"/>
+          </a:p>
+          <a:p>
+            <a:pPr marL="0" marR="0" lvl="0" indent="0" algn="l" defTabSz="914400" rtl="0" eaLnBrk="1" fontAlgn="auto" latinLnBrk="0" hangingPunct="1">
+              <a:lnSpc>
+                <a:spcPct val="100000"/>
+              </a:lnSpc>
+              <a:spcBef>
+                <a:spcPts val="0"/>
+              </a:spcBef>
+              <a:spcAft>
+                <a:spcPts val="0"/>
+              </a:spcAft>
+              <a:buClrTx/>
+              <a:buSzTx/>
+              <a:buFontTx/>
+              <a:buNone/>
+              <a:tabLst/>
+              <a:defRPr/>
+            </a:pPr>
+            <a:r>
+              <a:rPr kumimoji="1" lang="ja-JP" altLang="en-US" dirty="0"/>
+              <a:t>進捗状況に応じて、役割を調整していきました。</a:t>
+            </a:r>
+            <a:endParaRPr kumimoji="1" lang="en-US" altLang="ja-JP" dirty="0"/>
           </a:p>
         </p:txBody>
       </p:sp>
@@ -1575,7 +1660,7 @@
     </p:spTree>
     <p:extLst>
       <p:ext uri="{BB962C8B-B14F-4D97-AF65-F5344CB8AC3E}">
-        <p14:creationId xmlns:p14="http://schemas.microsoft.com/office/powerpoint/2010/main" val="805672808"/>
+        <p14:creationId xmlns:p14="http://schemas.microsoft.com/office/powerpoint/2010/main" val="686271573"/>
       </p:ext>
     </p:extLst>
   </p:cSld>
@@ -1586,7 +1671,7 @@
 </file>
 
 <file path=ppt/slideLayouts/slideLayout1.xml><?xml version="1.0" encoding="utf-8"?>
-<p:sldLayout xmlns:a="http://schemas.openxmlformats.org/drawingml/2006/main" xmlns:r="http://schemas.openxmlformats.org/officeDocument/2006/relationships" xmlns:p="http://schemas.openxmlformats.org/presentationml/2006/main" type="title" preserve="1">
+<p:sldLayout xmlns:a="http://schemas.openxmlformats.org/drawingml/2006/main" xmlns:r="http://schemas.openxmlformats.org/officeDocument/2006/relationships" xmlns:p="http://schemas.openxmlformats.org/presentationml/2006/main" showMasterSp="0" type="title" preserve="1">
   <p:cSld name="タイトル スライド">
     <p:spTree>
       <p:nvGrpSpPr>
@@ -1604,50 +1689,127 @@
       </p:grpSpPr>
       <p:sp>
         <p:nvSpPr>
-          <p:cNvPr id="2" name="タイトル 1">
-            <a:extLst>
-              <a:ext uri="{FF2B5EF4-FFF2-40B4-BE49-F238E27FC236}">
-                <a16:creationId xmlns:a16="http://schemas.microsoft.com/office/drawing/2014/main" id="{EC82EBF8-FA9B-4F57-9286-10E82E8101E7}"/>
-              </a:ext>
-            </a:extLst>
-          </p:cNvPr>
-          <p:cNvSpPr>
-            <a:spLocks noGrp="1"/>
-          </p:cNvSpPr>
-          <p:nvPr>
-            <p:ph type="ctrTitle"/>
-          </p:nvPr>
+          <p:cNvPr id="7" name="Rectangle 6"/>
+          <p:cNvSpPr/>
+          <p:nvPr/>
         </p:nvSpPr>
         <p:spPr>
           <a:xfrm>
-            <a:off x="1524000" y="1122363"/>
-            <a:ext cx="9144000" cy="2387600"/>
+            <a:off x="3175" y="6400800"/>
+            <a:ext cx="12188825" cy="457200"/>
+          </a:xfrm>
+          <a:prstGeom prst="rect">
+            <a:avLst/>
+          </a:prstGeom>
+          <a:solidFill>
+            <a:schemeClr val="accent2"/>
+          </a:solidFill>
+          <a:ln>
+            <a:noFill/>
+          </a:ln>
+        </p:spPr>
+        <p:style>
+          <a:lnRef idx="2">
+            <a:schemeClr val="accent1">
+              <a:shade val="50000"/>
+            </a:schemeClr>
+          </a:lnRef>
+          <a:fillRef idx="1">
+            <a:schemeClr val="accent1"/>
+          </a:fillRef>
+          <a:effectRef idx="0">
+            <a:schemeClr val="accent1"/>
+          </a:effectRef>
+          <a:fontRef idx="minor">
+            <a:schemeClr val="lt1"/>
+          </a:fontRef>
+        </p:style>
+      </p:sp>
+      <p:sp>
+        <p:nvSpPr>
+          <p:cNvPr id="8" name="Rectangle 7"/>
+          <p:cNvSpPr/>
+          <p:nvPr/>
+        </p:nvSpPr>
+        <p:spPr>
+          <a:xfrm>
+            <a:off x="15" y="6334316"/>
+            <a:ext cx="12188825" cy="64008"/>
+          </a:xfrm>
+          <a:prstGeom prst="rect">
+            <a:avLst/>
+          </a:prstGeom>
+          <a:solidFill>
+            <a:schemeClr val="accent1"/>
+          </a:solidFill>
+          <a:ln>
+            <a:noFill/>
+          </a:ln>
+        </p:spPr>
+        <p:style>
+          <a:lnRef idx="2">
+            <a:schemeClr val="accent1">
+              <a:shade val="50000"/>
+            </a:schemeClr>
+          </a:lnRef>
+          <a:fillRef idx="1">
+            <a:schemeClr val="accent1"/>
+          </a:fillRef>
+          <a:effectRef idx="0">
+            <a:schemeClr val="accent1"/>
+          </a:effectRef>
+          <a:fontRef idx="minor">
+            <a:schemeClr val="lt1"/>
+          </a:fontRef>
+        </p:style>
+      </p:sp>
+      <p:sp>
+        <p:nvSpPr>
+          <p:cNvPr id="2" name="Title 1"/>
+          <p:cNvSpPr>
+            <a:spLocks noGrp="1"/>
+          </p:cNvSpPr>
+          <p:nvPr>
+            <p:ph type="ctrTitle"/>
+          </p:nvPr>
+        </p:nvSpPr>
+        <p:spPr>
+          <a:xfrm>
+            <a:off x="1097280" y="758952"/>
+            <a:ext cx="10058400" cy="3566160"/>
           </a:xfrm>
         </p:spPr>
         <p:txBody>
-          <a:bodyPr anchor="b"/>
+          <a:bodyPr anchor="b">
+            <a:normAutofit/>
+          </a:bodyPr>
           <a:lstStyle>
-            <a:lvl1pPr algn="ctr">
-              <a:defRPr sz="6000"/>
+            <a:lvl1pPr algn="l">
+              <a:lnSpc>
+                <a:spcPct val="85000"/>
+              </a:lnSpc>
+              <a:defRPr sz="8000" spc="-50" baseline="0">
+                <a:solidFill>
+                  <a:schemeClr val="tx1">
+                    <a:lumMod val="85000"/>
+                    <a:lumOff val="15000"/>
+                  </a:schemeClr>
+                </a:solidFill>
+              </a:defRPr>
             </a:lvl1pPr>
           </a:lstStyle>
           <a:p>
             <a:r>
-              <a:rPr kumimoji="1" lang="ja-JP" altLang="en-US"/>
+              <a:rPr lang="ja-JP" altLang="en-US"/>
               <a:t>マスター タイトルの書式設定</a:t>
             </a:r>
-          </a:p>
-        </p:txBody>
-      </p:sp>
-      <p:sp>
-        <p:nvSpPr>
-          <p:cNvPr id="3" name="字幕 2">
-            <a:extLst>
-              <a:ext uri="{FF2B5EF4-FFF2-40B4-BE49-F238E27FC236}">
-                <a16:creationId xmlns:a16="http://schemas.microsoft.com/office/drawing/2014/main" id="{105C24BB-E92A-47D7-B78E-124E729A0441}"/>
-              </a:ext>
-            </a:extLst>
-          </p:cNvPr>
+            <a:endParaRPr lang="en-US" dirty="0"/>
+          </a:p>
+        </p:txBody>
+      </p:sp>
+      <p:sp>
+        <p:nvSpPr>
+          <p:cNvPr id="3" name="Subtitle 2"/>
           <p:cNvSpPr>
             <a:spLocks noGrp="1"/>
           </p:cNvSpPr>
@@ -1657,67 +1819,69 @@
         </p:nvSpPr>
         <p:spPr>
           <a:xfrm>
-            <a:off x="1524000" y="3602038"/>
-            <a:ext cx="9144000" cy="1655762"/>
+            <a:off x="1100051" y="4455620"/>
+            <a:ext cx="10058400" cy="1143000"/>
           </a:xfrm>
         </p:spPr>
         <p:txBody>
-          <a:bodyPr/>
+          <a:bodyPr lIns="91440" rIns="91440">
+            <a:normAutofit/>
+          </a:bodyPr>
           <a:lstStyle>
-            <a:lvl1pPr marL="0" indent="0" algn="ctr">
+            <a:lvl1pPr marL="0" indent="0" algn="l">
               <a:buNone/>
-              <a:defRPr sz="2400"/>
+              <a:defRPr sz="2400" cap="all" spc="200" baseline="0">
+                <a:solidFill>
+                  <a:schemeClr val="tx2"/>
+                </a:solidFill>
+                <a:latin typeface="+mj-lt"/>
+              </a:defRPr>
             </a:lvl1pPr>
             <a:lvl2pPr marL="457200" indent="0" algn="ctr">
               <a:buNone/>
-              <a:defRPr sz="2000"/>
+              <a:defRPr sz="2400"/>
             </a:lvl2pPr>
             <a:lvl3pPr marL="914400" indent="0" algn="ctr">
               <a:buNone/>
-              <a:defRPr sz="1800"/>
+              <a:defRPr sz="2400"/>
             </a:lvl3pPr>
             <a:lvl4pPr marL="1371600" indent="0" algn="ctr">
               <a:buNone/>
-              <a:defRPr sz="1600"/>
+              <a:defRPr sz="2000"/>
             </a:lvl4pPr>
             <a:lvl5pPr marL="1828800" indent="0" algn="ctr">
               <a:buNone/>
-              <a:defRPr sz="1600"/>
+              <a:defRPr sz="2000"/>
             </a:lvl5pPr>
             <a:lvl6pPr marL="2286000" indent="0" algn="ctr">
               <a:buNone/>
-              <a:defRPr sz="1600"/>
+              <a:defRPr sz="2000"/>
             </a:lvl6pPr>
             <a:lvl7pPr marL="2743200" indent="0" algn="ctr">
               <a:buNone/>
-              <a:defRPr sz="1600"/>
+              <a:defRPr sz="2000"/>
             </a:lvl7pPr>
             <a:lvl8pPr marL="3200400" indent="0" algn="ctr">
               <a:buNone/>
-              <a:defRPr sz="1600"/>
+              <a:defRPr sz="2000"/>
             </a:lvl8pPr>
             <a:lvl9pPr marL="3657600" indent="0" algn="ctr">
               <a:buNone/>
-              <a:defRPr sz="1600"/>
+              <a:defRPr sz="2000"/>
             </a:lvl9pPr>
           </a:lstStyle>
           <a:p>
             <a:r>
-              <a:rPr kumimoji="1" lang="ja-JP" altLang="en-US"/>
+              <a:rPr lang="ja-JP" altLang="en-US"/>
               <a:t>マスター サブタイトルの書式設定</a:t>
             </a:r>
-          </a:p>
-        </p:txBody>
-      </p:sp>
-      <p:sp>
-        <p:nvSpPr>
-          <p:cNvPr id="4" name="日付プレースホルダー 3">
-            <a:extLst>
-              <a:ext uri="{FF2B5EF4-FFF2-40B4-BE49-F238E27FC236}">
-                <a16:creationId xmlns:a16="http://schemas.microsoft.com/office/drawing/2014/main" id="{0D66EC13-3E6A-4EAB-AED8-37B837CD6390}"/>
-              </a:ext>
-            </a:extLst>
-          </p:cNvPr>
+            <a:endParaRPr lang="en-US" dirty="0"/>
+          </a:p>
+        </p:txBody>
+      </p:sp>
+      <p:sp>
+        <p:nvSpPr>
+          <p:cNvPr id="4" name="Date Placeholder 3"/>
           <p:cNvSpPr>
             <a:spLocks noGrp="1"/>
           </p:cNvSpPr>
@@ -1732,7 +1896,7 @@
           <a:p>
             <a:fld id="{C7088D3D-165A-46EA-B7B0-B1C3789A41AB}" type="datetimeFigureOut">
               <a:rPr kumimoji="1" lang="ja-JP" altLang="en-US" smtClean="0"/>
-              <a:t>2024/8/19</a:t>
+              <a:t>2024/9/17</a:t>
             </a:fld>
             <a:endParaRPr kumimoji="1" lang="ja-JP" altLang="en-US" dirty="0"/>
           </a:p>
@@ -1740,13 +1904,7 @@
       </p:sp>
       <p:sp>
         <p:nvSpPr>
-          <p:cNvPr id="5" name="フッター プレースホルダー 4">
-            <a:extLst>
-              <a:ext uri="{FF2B5EF4-FFF2-40B4-BE49-F238E27FC236}">
-                <a16:creationId xmlns:a16="http://schemas.microsoft.com/office/drawing/2014/main" id="{B5476337-511A-4A61-B4CF-DAA18D4631F2}"/>
-              </a:ext>
-            </a:extLst>
-          </p:cNvPr>
+          <p:cNvPr id="5" name="Footer Placeholder 4"/>
           <p:cNvSpPr>
             <a:spLocks noGrp="1"/>
           </p:cNvSpPr>
@@ -1765,13 +1923,7 @@
       </p:sp>
       <p:sp>
         <p:nvSpPr>
-          <p:cNvPr id="6" name="スライド番号プレースホルダー 5">
-            <a:extLst>
-              <a:ext uri="{FF2B5EF4-FFF2-40B4-BE49-F238E27FC236}">
-                <a16:creationId xmlns:a16="http://schemas.microsoft.com/office/drawing/2014/main" id="{C5B2C2B3-28CA-40CB-8097-EDC0F8B5E128}"/>
-              </a:ext>
-            </a:extLst>
-          </p:cNvPr>
+          <p:cNvPr id="6" name="Slide Number Placeholder 5"/>
           <p:cNvSpPr>
             <a:spLocks noGrp="1"/>
           </p:cNvSpPr>
@@ -1792,10 +1944,48 @@
           </a:p>
         </p:txBody>
       </p:sp>
+      <p:cxnSp>
+        <p:nvCxnSpPr>
+          <p:cNvPr id="9" name="Straight Connector 8"/>
+          <p:cNvCxnSpPr/>
+          <p:nvPr/>
+        </p:nvCxnSpPr>
+        <p:spPr>
+          <a:xfrm>
+            <a:off x="1207658" y="4343400"/>
+            <a:ext cx="9875520" cy="0"/>
+          </a:xfrm>
+          <a:prstGeom prst="line">
+            <a:avLst/>
+          </a:prstGeom>
+          <a:ln w="6350">
+            <a:solidFill>
+              <a:schemeClr val="tx1">
+                <a:lumMod val="50000"/>
+                <a:lumOff val="50000"/>
+              </a:schemeClr>
+            </a:solidFill>
+          </a:ln>
+        </p:spPr>
+        <p:style>
+          <a:lnRef idx="1">
+            <a:schemeClr val="accent1"/>
+          </a:lnRef>
+          <a:fillRef idx="0">
+            <a:schemeClr val="accent1"/>
+          </a:fillRef>
+          <a:effectRef idx="0">
+            <a:schemeClr val="accent1"/>
+          </a:effectRef>
+          <a:fontRef idx="minor">
+            <a:schemeClr val="tx1"/>
+          </a:fontRef>
+        </p:style>
+      </p:cxnSp>
     </p:spTree>
     <p:extLst>
       <p:ext uri="{BB962C8B-B14F-4D97-AF65-F5344CB8AC3E}">
-        <p14:creationId xmlns:p14="http://schemas.microsoft.com/office/powerpoint/2010/main" val="279463762"/>
+        <p14:creationId xmlns:p14="http://schemas.microsoft.com/office/powerpoint/2010/main" val="2274571713"/>
       </p:ext>
     </p:extLst>
   </p:cSld>
@@ -1836,13 +2026,7 @@
       </p:grpSpPr>
       <p:sp>
         <p:nvSpPr>
-          <p:cNvPr id="2" name="タイトル 1">
-            <a:extLst>
-              <a:ext uri="{FF2B5EF4-FFF2-40B4-BE49-F238E27FC236}">
-                <a16:creationId xmlns:a16="http://schemas.microsoft.com/office/drawing/2014/main" id="{7AEFEB8D-5D4B-44A9-98AD-E792FBFD7DF8}"/>
-              </a:ext>
-            </a:extLst>
-          </p:cNvPr>
+          <p:cNvPr id="2" name="Title 1"/>
           <p:cNvSpPr>
             <a:spLocks noGrp="1"/>
           </p:cNvSpPr>
@@ -1856,21 +2040,16 @@
           <a:lstStyle/>
           <a:p>
             <a:r>
-              <a:rPr kumimoji="1" lang="ja-JP" altLang="en-US"/>
+              <a:rPr lang="ja-JP" altLang="en-US"/>
               <a:t>マスター タイトルの書式設定</a:t>
             </a:r>
-          </a:p>
-        </p:txBody>
-      </p:sp>
-      <p:sp>
-        <p:nvSpPr>
-          <p:cNvPr id="3" name="縦書きテキスト プレースホルダー 2">
-            <a:extLst>
-              <a:ext uri="{FF2B5EF4-FFF2-40B4-BE49-F238E27FC236}">
-                <a16:creationId xmlns:a16="http://schemas.microsoft.com/office/drawing/2014/main" id="{01A79B47-6425-4AAF-B039-2D441FD77696}"/>
-              </a:ext>
-            </a:extLst>
-          </p:cNvPr>
+            <a:endParaRPr lang="en-US" dirty="0"/>
+          </a:p>
+        </p:txBody>
+      </p:sp>
+      <p:sp>
+        <p:nvSpPr>
+          <p:cNvPr id="3" name="Vertical Text Placeholder 2"/>
           <p:cNvSpPr>
             <a:spLocks noGrp="1"/>
           </p:cNvSpPr>
@@ -1880,86 +2059,81 @@
         </p:nvSpPr>
         <p:spPr/>
         <p:txBody>
-          <a:bodyPr vert="eaVert"/>
+          <a:bodyPr vert="eaVert" lIns="45720" tIns="0" rIns="45720" bIns="0"/>
           <a:lstStyle/>
           <a:p>
             <a:pPr lvl="0"/>
             <a:r>
-              <a:rPr kumimoji="1" lang="ja-JP" altLang="en-US"/>
+              <a:rPr lang="ja-JP" altLang="en-US"/>
               <a:t>マスター テキストの書式設定</a:t>
             </a:r>
           </a:p>
           <a:p>
             <a:pPr lvl="1"/>
             <a:r>
-              <a:rPr kumimoji="1" lang="ja-JP" altLang="en-US"/>
+              <a:rPr lang="ja-JP" altLang="en-US"/>
               <a:t>第 </a:t>
             </a:r>
             <a:r>
-              <a:rPr kumimoji="1" lang="en-US" altLang="ja-JP"/>
+              <a:rPr lang="en-US" altLang="ja-JP"/>
               <a:t>2 </a:t>
             </a:r>
             <a:r>
-              <a:rPr kumimoji="1" lang="ja-JP" altLang="en-US"/>
+              <a:rPr lang="ja-JP" altLang="en-US"/>
               <a:t>レベル</a:t>
             </a:r>
           </a:p>
           <a:p>
             <a:pPr lvl="2"/>
             <a:r>
-              <a:rPr kumimoji="1" lang="ja-JP" altLang="en-US"/>
+              <a:rPr lang="ja-JP" altLang="en-US"/>
               <a:t>第 </a:t>
             </a:r>
             <a:r>
-              <a:rPr kumimoji="1" lang="en-US" altLang="ja-JP"/>
+              <a:rPr lang="en-US" altLang="ja-JP"/>
               <a:t>3 </a:t>
             </a:r>
             <a:r>
-              <a:rPr kumimoji="1" lang="ja-JP" altLang="en-US"/>
+              <a:rPr lang="ja-JP" altLang="en-US"/>
               <a:t>レベル</a:t>
             </a:r>
           </a:p>
           <a:p>
             <a:pPr lvl="3"/>
             <a:r>
-              <a:rPr kumimoji="1" lang="ja-JP" altLang="en-US"/>
+              <a:rPr lang="ja-JP" altLang="en-US"/>
               <a:t>第 </a:t>
             </a:r>
             <a:r>
-              <a:rPr kumimoji="1" lang="en-US" altLang="ja-JP"/>
+              <a:rPr lang="en-US" altLang="ja-JP"/>
               <a:t>4 </a:t>
             </a:r>
             <a:r>
-              <a:rPr kumimoji="1" lang="ja-JP" altLang="en-US"/>
+              <a:rPr lang="ja-JP" altLang="en-US"/>
               <a:t>レベル</a:t>
             </a:r>
           </a:p>
           <a:p>
             <a:pPr lvl="4"/>
             <a:r>
-              <a:rPr kumimoji="1" lang="ja-JP" altLang="en-US"/>
+              <a:rPr lang="ja-JP" altLang="en-US"/>
               <a:t>第 </a:t>
             </a:r>
             <a:r>
-              <a:rPr kumimoji="1" lang="en-US" altLang="ja-JP"/>
+              <a:rPr lang="en-US" altLang="ja-JP"/>
               <a:t>5 </a:t>
             </a:r>
             <a:r>
-              <a:rPr kumimoji="1" lang="ja-JP" altLang="en-US"/>
+              <a:rPr lang="ja-JP" altLang="en-US"/>
               <a:t>レベル</a:t>
             </a:r>
-          </a:p>
-        </p:txBody>
-      </p:sp>
-      <p:sp>
-        <p:nvSpPr>
-          <p:cNvPr id="4" name="日付プレースホルダー 3">
-            <a:extLst>
-              <a:ext uri="{FF2B5EF4-FFF2-40B4-BE49-F238E27FC236}">
-                <a16:creationId xmlns:a16="http://schemas.microsoft.com/office/drawing/2014/main" id="{4C75E1CB-C619-4F43-9EA5-996A1ACFEB8C}"/>
-              </a:ext>
-            </a:extLst>
-          </p:cNvPr>
+            <a:endParaRPr lang="en-US" dirty="0"/>
+          </a:p>
+        </p:txBody>
+      </p:sp>
+      <p:sp>
+        <p:nvSpPr>
+          <p:cNvPr id="4" name="Date Placeholder 3"/>
           <p:cNvSpPr>
             <a:spLocks noGrp="1"/>
           </p:cNvSpPr>
@@ -1974,7 +2148,7 @@
           <a:p>
             <a:fld id="{C7088D3D-165A-46EA-B7B0-B1C3789A41AB}" type="datetimeFigureOut">
               <a:rPr kumimoji="1" lang="ja-JP" altLang="en-US" smtClean="0"/>
-              <a:t>2024/8/19</a:t>
+              <a:t>2024/9/17</a:t>
             </a:fld>
             <a:endParaRPr kumimoji="1" lang="ja-JP" altLang="en-US" dirty="0"/>
           </a:p>
@@ -1982,13 +2156,7 @@
       </p:sp>
       <p:sp>
         <p:nvSpPr>
-          <p:cNvPr id="5" name="フッター プレースホルダー 4">
-            <a:extLst>
-              <a:ext uri="{FF2B5EF4-FFF2-40B4-BE49-F238E27FC236}">
-                <a16:creationId xmlns:a16="http://schemas.microsoft.com/office/drawing/2014/main" id="{3321B0FA-040D-4E1B-A3AF-EF433A1A3F09}"/>
-              </a:ext>
-            </a:extLst>
-          </p:cNvPr>
+          <p:cNvPr id="5" name="Footer Placeholder 4"/>
           <p:cNvSpPr>
             <a:spLocks noGrp="1"/>
           </p:cNvSpPr>
@@ -2007,13 +2175,7 @@
       </p:sp>
       <p:sp>
         <p:nvSpPr>
-          <p:cNvPr id="6" name="スライド番号プレースホルダー 5">
-            <a:extLst>
-              <a:ext uri="{FF2B5EF4-FFF2-40B4-BE49-F238E27FC236}">
-                <a16:creationId xmlns:a16="http://schemas.microsoft.com/office/drawing/2014/main" id="{1E62E08C-5BB1-4572-9C88-9EAFAF99A2C2}"/>
-              </a:ext>
-            </a:extLst>
-          </p:cNvPr>
+          <p:cNvPr id="6" name="Slide Number Placeholder 5"/>
           <p:cNvSpPr>
             <a:spLocks noGrp="1"/>
           </p:cNvSpPr>
@@ -2037,30 +2199,18 @@
     </p:spTree>
     <p:extLst>
       <p:ext uri="{BB962C8B-B14F-4D97-AF65-F5344CB8AC3E}">
-        <p14:creationId xmlns:p14="http://schemas.microsoft.com/office/powerpoint/2010/main" val="2218784630"/>
+        <p14:creationId xmlns:p14="http://schemas.microsoft.com/office/powerpoint/2010/main" val="76899535"/>
       </p:ext>
     </p:extLst>
   </p:cSld>
   <p:clrMapOvr>
     <a:masterClrMapping/>
   </p:clrMapOvr>
-  <mc:AlternateContent xmlns:mc="http://schemas.openxmlformats.org/markup-compatibility/2006" xmlns:p159="http://schemas.microsoft.com/office/powerpoint/2015/09/main">
-    <mc:Choice Requires="p159">
-      <p:transition xmlns:p14="http://schemas.microsoft.com/office/powerpoint/2010/main" spd="slow" p14:dur="2000">
-        <p159:morph option="byObject"/>
-      </p:transition>
-    </mc:Choice>
-    <mc:Fallback xmlns="">
-      <p:transition spd="slow">
-        <p:fade/>
-      </p:transition>
-    </mc:Fallback>
-  </mc:AlternateContent>
 </p:sldLayout>
 </file>
 
 <file path=ppt/slideLayouts/slideLayout11.xml><?xml version="1.0" encoding="utf-8"?>
-<p:sldLayout xmlns:a="http://schemas.openxmlformats.org/drawingml/2006/main" xmlns:r="http://schemas.openxmlformats.org/officeDocument/2006/relationships" xmlns:p="http://schemas.openxmlformats.org/presentationml/2006/main" type="vertTitleAndTx" preserve="1">
+<p:sldLayout xmlns:a="http://schemas.openxmlformats.org/drawingml/2006/main" xmlns:r="http://schemas.openxmlformats.org/officeDocument/2006/relationships" xmlns:p="http://schemas.openxmlformats.org/presentationml/2006/main" showMasterSp="0" type="vertTitleAndTx" preserve="1">
   <p:cSld name="縦書きタイトルと&#10;縦書きテキスト">
     <p:spTree>
       <p:nvGrpSpPr>
@@ -2078,24 +2228,94 @@
       </p:grpSpPr>
       <p:sp>
         <p:nvSpPr>
-          <p:cNvPr id="2" name="縦書きタイトル 1">
-            <a:extLst>
-              <a:ext uri="{FF2B5EF4-FFF2-40B4-BE49-F238E27FC236}">
-                <a16:creationId xmlns:a16="http://schemas.microsoft.com/office/drawing/2014/main" id="{3C8EDB1B-0CB7-49A1-8773-D01823E78D08}"/>
-              </a:ext>
-            </a:extLst>
-          </p:cNvPr>
-          <p:cNvSpPr>
-            <a:spLocks noGrp="1"/>
-          </p:cNvSpPr>
-          <p:nvPr>
-            <p:ph type="title" orient="vert"/>
-          </p:nvPr>
+          <p:cNvPr id="7" name="Rectangle 6"/>
+          <p:cNvSpPr/>
+          <p:nvPr/>
         </p:nvSpPr>
         <p:spPr>
           <a:xfrm>
-            <a:off x="8724900" y="365125"/>
-            <a:ext cx="2628900" cy="5811838"/>
+            <a:off x="3175" y="6400800"/>
+            <a:ext cx="12188825" cy="457200"/>
+          </a:xfrm>
+          <a:prstGeom prst="rect">
+            <a:avLst/>
+          </a:prstGeom>
+          <a:solidFill>
+            <a:schemeClr val="accent2"/>
+          </a:solidFill>
+          <a:ln>
+            <a:noFill/>
+          </a:ln>
+        </p:spPr>
+        <p:style>
+          <a:lnRef idx="2">
+            <a:schemeClr val="accent1">
+              <a:shade val="50000"/>
+            </a:schemeClr>
+          </a:lnRef>
+          <a:fillRef idx="1">
+            <a:schemeClr val="accent1"/>
+          </a:fillRef>
+          <a:effectRef idx="0">
+            <a:schemeClr val="accent1"/>
+          </a:effectRef>
+          <a:fontRef idx="minor">
+            <a:schemeClr val="lt1"/>
+          </a:fontRef>
+        </p:style>
+      </p:sp>
+      <p:sp>
+        <p:nvSpPr>
+          <p:cNvPr id="8" name="Rectangle 7"/>
+          <p:cNvSpPr/>
+          <p:nvPr/>
+        </p:nvSpPr>
+        <p:spPr>
+          <a:xfrm>
+            <a:off x="15" y="6334316"/>
+            <a:ext cx="12188825" cy="64008"/>
+          </a:xfrm>
+          <a:prstGeom prst="rect">
+            <a:avLst/>
+          </a:prstGeom>
+          <a:solidFill>
+            <a:schemeClr val="accent1"/>
+          </a:solidFill>
+          <a:ln>
+            <a:noFill/>
+          </a:ln>
+        </p:spPr>
+        <p:style>
+          <a:lnRef idx="2">
+            <a:schemeClr val="accent1">
+              <a:shade val="50000"/>
+            </a:schemeClr>
+          </a:lnRef>
+          <a:fillRef idx="1">
+            <a:schemeClr val="accent1"/>
+          </a:fillRef>
+          <a:effectRef idx="0">
+            <a:schemeClr val="accent1"/>
+          </a:effectRef>
+          <a:fontRef idx="minor">
+            <a:schemeClr val="lt1"/>
+          </a:fontRef>
+        </p:style>
+      </p:sp>
+      <p:sp>
+        <p:nvSpPr>
+          <p:cNvPr id="2" name="Vertical Title 1"/>
+          <p:cNvSpPr>
+            <a:spLocks noGrp="1"/>
+          </p:cNvSpPr>
+          <p:nvPr>
+            <p:ph type="title" orient="vert"/>
+          </p:nvPr>
+        </p:nvSpPr>
+        <p:spPr>
+          <a:xfrm>
+            <a:off x="8724900" y="414778"/>
+            <a:ext cx="2628900" cy="5757421"/>
           </a:xfrm>
         </p:spPr>
         <p:txBody>
@@ -2103,21 +2323,16 @@
           <a:lstStyle/>
           <a:p>
             <a:r>
-              <a:rPr kumimoji="1" lang="ja-JP" altLang="en-US"/>
+              <a:rPr lang="ja-JP" altLang="en-US"/>
               <a:t>マスター タイトルの書式設定</a:t>
             </a:r>
-          </a:p>
-        </p:txBody>
-      </p:sp>
-      <p:sp>
-        <p:nvSpPr>
-          <p:cNvPr id="3" name="縦書きテキスト プレースホルダー 2">
-            <a:extLst>
-              <a:ext uri="{FF2B5EF4-FFF2-40B4-BE49-F238E27FC236}">
-                <a16:creationId xmlns:a16="http://schemas.microsoft.com/office/drawing/2014/main" id="{30BF6C24-BD44-4B86-BFE6-2D9289352AE7}"/>
-              </a:ext>
-            </a:extLst>
-          </p:cNvPr>
+            <a:endParaRPr lang="en-US" dirty="0"/>
+          </a:p>
+        </p:txBody>
+      </p:sp>
+      <p:sp>
+        <p:nvSpPr>
+          <p:cNvPr id="3" name="Vertical Text Placeholder 2"/>
           <p:cNvSpPr>
             <a:spLocks noGrp="1"/>
           </p:cNvSpPr>
@@ -2127,91 +2342,86 @@
         </p:nvSpPr>
         <p:spPr>
           <a:xfrm>
-            <a:off x="838200" y="365125"/>
-            <a:ext cx="7734300" cy="5811838"/>
+            <a:off x="838200" y="414778"/>
+            <a:ext cx="7734300" cy="5757422"/>
           </a:xfrm>
         </p:spPr>
         <p:txBody>
-          <a:bodyPr vert="eaVert"/>
+          <a:bodyPr vert="eaVert" lIns="45720" tIns="0" rIns="45720" bIns="0"/>
           <a:lstStyle/>
           <a:p>
             <a:pPr lvl="0"/>
             <a:r>
-              <a:rPr kumimoji="1" lang="ja-JP" altLang="en-US"/>
+              <a:rPr lang="ja-JP" altLang="en-US"/>
               <a:t>マスター テキストの書式設定</a:t>
             </a:r>
           </a:p>
           <a:p>
             <a:pPr lvl="1"/>
             <a:r>
-              <a:rPr kumimoji="1" lang="ja-JP" altLang="en-US"/>
+              <a:rPr lang="ja-JP" altLang="en-US"/>
               <a:t>第 </a:t>
             </a:r>
             <a:r>
-              <a:rPr kumimoji="1" lang="en-US" altLang="ja-JP"/>
+              <a:rPr lang="en-US" altLang="ja-JP"/>
               <a:t>2 </a:t>
             </a:r>
             <a:r>
-              <a:rPr kumimoji="1" lang="ja-JP" altLang="en-US"/>
+              <a:rPr lang="ja-JP" altLang="en-US"/>
               <a:t>レベル</a:t>
             </a:r>
           </a:p>
           <a:p>
             <a:pPr lvl="2"/>
             <a:r>
-              <a:rPr kumimoji="1" lang="ja-JP" altLang="en-US"/>
+              <a:rPr lang="ja-JP" altLang="en-US"/>
               <a:t>第 </a:t>
             </a:r>
             <a:r>
-              <a:rPr kumimoji="1" lang="en-US" altLang="ja-JP"/>
+              <a:rPr lang="en-US" altLang="ja-JP"/>
               <a:t>3 </a:t>
             </a:r>
             <a:r>
-              <a:rPr kumimoji="1" lang="ja-JP" altLang="en-US"/>
+              <a:rPr lang="ja-JP" altLang="en-US"/>
               <a:t>レベル</a:t>
             </a:r>
           </a:p>
           <a:p>
             <a:pPr lvl="3"/>
             <a:r>
-              <a:rPr kumimoji="1" lang="ja-JP" altLang="en-US"/>
+              <a:rPr lang="ja-JP" altLang="en-US"/>
               <a:t>第 </a:t>
             </a:r>
             <a:r>
-              <a:rPr kumimoji="1" lang="en-US" altLang="ja-JP"/>
+              <a:rPr lang="en-US" altLang="ja-JP"/>
               <a:t>4 </a:t>
             </a:r>
             <a:r>
-              <a:rPr kumimoji="1" lang="ja-JP" altLang="en-US"/>
+              <a:rPr lang="ja-JP" altLang="en-US"/>
               <a:t>レベル</a:t>
             </a:r>
           </a:p>
           <a:p>
             <a:pPr lvl="4"/>
             <a:r>
-              <a:rPr kumimoji="1" lang="ja-JP" altLang="en-US"/>
+              <a:rPr lang="ja-JP" altLang="en-US"/>
               <a:t>第 </a:t>
             </a:r>
             <a:r>
-              <a:rPr kumimoji="1" lang="en-US" altLang="ja-JP"/>
+              <a:rPr lang="en-US" altLang="ja-JP"/>
               <a:t>5 </a:t>
             </a:r>
             <a:r>
-              <a:rPr kumimoji="1" lang="ja-JP" altLang="en-US"/>
+              <a:rPr lang="ja-JP" altLang="en-US"/>
               <a:t>レベル</a:t>
             </a:r>
-          </a:p>
-        </p:txBody>
-      </p:sp>
-      <p:sp>
-        <p:nvSpPr>
-          <p:cNvPr id="4" name="日付プレースホルダー 3">
-            <a:extLst>
-              <a:ext uri="{FF2B5EF4-FFF2-40B4-BE49-F238E27FC236}">
-                <a16:creationId xmlns:a16="http://schemas.microsoft.com/office/drawing/2014/main" id="{A5B05933-438E-41C0-A63E-1CB26D79EF66}"/>
-              </a:ext>
-            </a:extLst>
-          </p:cNvPr>
+            <a:endParaRPr lang="en-US" dirty="0"/>
+          </a:p>
+        </p:txBody>
+      </p:sp>
+      <p:sp>
+        <p:nvSpPr>
+          <p:cNvPr id="4" name="Date Placeholder 3"/>
           <p:cNvSpPr>
             <a:spLocks noGrp="1"/>
           </p:cNvSpPr>
@@ -2226,7 +2436,7 @@
           <a:p>
             <a:fld id="{C7088D3D-165A-46EA-B7B0-B1C3789A41AB}" type="datetimeFigureOut">
               <a:rPr kumimoji="1" lang="ja-JP" altLang="en-US" smtClean="0"/>
-              <a:t>2024/8/19</a:t>
+              <a:t>2024/9/17</a:t>
             </a:fld>
             <a:endParaRPr kumimoji="1" lang="ja-JP" altLang="en-US" dirty="0"/>
           </a:p>
@@ -2234,13 +2444,7 @@
       </p:sp>
       <p:sp>
         <p:nvSpPr>
-          <p:cNvPr id="5" name="フッター プレースホルダー 4">
-            <a:extLst>
-              <a:ext uri="{FF2B5EF4-FFF2-40B4-BE49-F238E27FC236}">
-                <a16:creationId xmlns:a16="http://schemas.microsoft.com/office/drawing/2014/main" id="{B56BF9F6-00E7-4DC1-A63A-C6E1A67E9158}"/>
-              </a:ext>
-            </a:extLst>
-          </p:cNvPr>
+          <p:cNvPr id="5" name="Footer Placeholder 4"/>
           <p:cNvSpPr>
             <a:spLocks noGrp="1"/>
           </p:cNvSpPr>
@@ -2259,13 +2463,7 @@
       </p:sp>
       <p:sp>
         <p:nvSpPr>
-          <p:cNvPr id="6" name="スライド番号プレースホルダー 5">
-            <a:extLst>
-              <a:ext uri="{FF2B5EF4-FFF2-40B4-BE49-F238E27FC236}">
-                <a16:creationId xmlns:a16="http://schemas.microsoft.com/office/drawing/2014/main" id="{2A1DBF06-C49B-4579-BE1F-32F600A64164}"/>
-              </a:ext>
-            </a:extLst>
-          </p:cNvPr>
+          <p:cNvPr id="6" name="Slide Number Placeholder 5"/>
           <p:cNvSpPr>
             <a:spLocks noGrp="1"/>
           </p:cNvSpPr>
@@ -2289,25 +2487,13 @@
     </p:spTree>
     <p:extLst>
       <p:ext uri="{BB962C8B-B14F-4D97-AF65-F5344CB8AC3E}">
-        <p14:creationId xmlns:p14="http://schemas.microsoft.com/office/powerpoint/2010/main" val="3897200707"/>
+        <p14:creationId xmlns:p14="http://schemas.microsoft.com/office/powerpoint/2010/main" val="2128460110"/>
       </p:ext>
     </p:extLst>
   </p:cSld>
   <p:clrMapOvr>
     <a:masterClrMapping/>
   </p:clrMapOvr>
-  <mc:AlternateContent xmlns:mc="http://schemas.openxmlformats.org/markup-compatibility/2006" xmlns:p159="http://schemas.microsoft.com/office/powerpoint/2015/09/main">
-    <mc:Choice Requires="p159">
-      <p:transition xmlns:p14="http://schemas.microsoft.com/office/powerpoint/2010/main" spd="slow" p14:dur="2000">
-        <p159:morph option="byObject"/>
-      </p:transition>
-    </mc:Choice>
-    <mc:Fallback xmlns="">
-      <p:transition spd="slow">
-        <p:fade/>
-      </p:transition>
-    </mc:Fallback>
-  </mc:AlternateContent>
 </p:sldLayout>
 </file>
 
@@ -2330,13 +2516,7 @@
       </p:grpSpPr>
       <p:sp>
         <p:nvSpPr>
-          <p:cNvPr id="2" name="タイトル 1">
-            <a:extLst>
-              <a:ext uri="{FF2B5EF4-FFF2-40B4-BE49-F238E27FC236}">
-                <a16:creationId xmlns:a16="http://schemas.microsoft.com/office/drawing/2014/main" id="{EF7046DF-5EE6-47AF-956B-815A5F1F331A}"/>
-              </a:ext>
-            </a:extLst>
-          </p:cNvPr>
+          <p:cNvPr id="2" name="Title 1"/>
           <p:cNvSpPr>
             <a:spLocks noGrp="1"/>
           </p:cNvSpPr>
@@ -2347,24 +2527,23 @@
         <p:spPr/>
         <p:txBody>
           <a:bodyPr/>
-          <a:lstStyle/>
-          <a:p>
-            <a:r>
-              <a:rPr kumimoji="1" lang="ja-JP" altLang="en-US"/>
+          <a:lstStyle>
+            <a:lvl1pPr marL="0">
+              <a:defRPr/>
+            </a:lvl1pPr>
+          </a:lstStyle>
+          <a:p>
+            <a:r>
+              <a:rPr lang="ja-JP" altLang="en-US"/>
               <a:t>マスター タイトルの書式設定</a:t>
             </a:r>
-          </a:p>
-        </p:txBody>
-      </p:sp>
-      <p:sp>
-        <p:nvSpPr>
-          <p:cNvPr id="3" name="コンテンツ プレースホルダー 2">
-            <a:extLst>
-              <a:ext uri="{FF2B5EF4-FFF2-40B4-BE49-F238E27FC236}">
-                <a16:creationId xmlns:a16="http://schemas.microsoft.com/office/drawing/2014/main" id="{719131F3-D255-484A-BBE2-C3974634E51D}"/>
-              </a:ext>
-            </a:extLst>
-          </p:cNvPr>
+            <a:endParaRPr lang="en-US" dirty="0"/>
+          </a:p>
+        </p:txBody>
+      </p:sp>
+      <p:sp>
+        <p:nvSpPr>
+          <p:cNvPr id="3" name="Content Placeholder 2"/>
           <p:cNvSpPr>
             <a:spLocks noGrp="1"/>
           </p:cNvSpPr>
@@ -2379,81 +2558,76 @@
           <a:p>
             <a:pPr lvl="0"/>
             <a:r>
-              <a:rPr kumimoji="1" lang="ja-JP" altLang="en-US"/>
+              <a:rPr lang="ja-JP" altLang="en-US"/>
               <a:t>マスター テキストの書式設定</a:t>
             </a:r>
           </a:p>
           <a:p>
             <a:pPr lvl="1"/>
             <a:r>
-              <a:rPr kumimoji="1" lang="ja-JP" altLang="en-US"/>
+              <a:rPr lang="ja-JP" altLang="en-US"/>
               <a:t>第 </a:t>
             </a:r>
             <a:r>
-              <a:rPr kumimoji="1" lang="en-US" altLang="ja-JP"/>
+              <a:rPr lang="en-US" altLang="ja-JP"/>
               <a:t>2 </a:t>
             </a:r>
             <a:r>
-              <a:rPr kumimoji="1" lang="ja-JP" altLang="en-US"/>
+              <a:rPr lang="ja-JP" altLang="en-US"/>
               <a:t>レベル</a:t>
             </a:r>
           </a:p>
           <a:p>
             <a:pPr lvl="2"/>
             <a:r>
-              <a:rPr kumimoji="1" lang="ja-JP" altLang="en-US"/>
+              <a:rPr lang="ja-JP" altLang="en-US"/>
               <a:t>第 </a:t>
             </a:r>
             <a:r>
-              <a:rPr kumimoji="1" lang="en-US" altLang="ja-JP"/>
+              <a:rPr lang="en-US" altLang="ja-JP"/>
               <a:t>3 </a:t>
             </a:r>
             <a:r>
-              <a:rPr kumimoji="1" lang="ja-JP" altLang="en-US"/>
+              <a:rPr lang="ja-JP" altLang="en-US"/>
               <a:t>レベル</a:t>
             </a:r>
           </a:p>
           <a:p>
             <a:pPr lvl="3"/>
             <a:r>
-              <a:rPr kumimoji="1" lang="ja-JP" altLang="en-US"/>
+              <a:rPr lang="ja-JP" altLang="en-US"/>
               <a:t>第 </a:t>
             </a:r>
             <a:r>
-              <a:rPr kumimoji="1" lang="en-US" altLang="ja-JP"/>
+              <a:rPr lang="en-US" altLang="ja-JP"/>
               <a:t>4 </a:t>
             </a:r>
             <a:r>
-              <a:rPr kumimoji="1" lang="ja-JP" altLang="en-US"/>
+              <a:rPr lang="ja-JP" altLang="en-US"/>
               <a:t>レベル</a:t>
             </a:r>
           </a:p>
           <a:p>
             <a:pPr lvl="4"/>
             <a:r>
-              <a:rPr kumimoji="1" lang="ja-JP" altLang="en-US"/>
+              <a:rPr lang="ja-JP" altLang="en-US"/>
               <a:t>第 </a:t>
             </a:r>
             <a:r>
-              <a:rPr kumimoji="1" lang="en-US" altLang="ja-JP"/>
+              <a:rPr lang="en-US" altLang="ja-JP"/>
               <a:t>5 </a:t>
             </a:r>
             <a:r>
-              <a:rPr kumimoji="1" lang="ja-JP" altLang="en-US"/>
+              <a:rPr lang="ja-JP" altLang="en-US"/>
               <a:t>レベル</a:t>
             </a:r>
-          </a:p>
-        </p:txBody>
-      </p:sp>
-      <p:sp>
-        <p:nvSpPr>
-          <p:cNvPr id="4" name="日付プレースホルダー 3">
-            <a:extLst>
-              <a:ext uri="{FF2B5EF4-FFF2-40B4-BE49-F238E27FC236}">
-                <a16:creationId xmlns:a16="http://schemas.microsoft.com/office/drawing/2014/main" id="{48D157DA-C059-4A08-A8B3-F869A5DF4C5B}"/>
-              </a:ext>
-            </a:extLst>
-          </p:cNvPr>
+            <a:endParaRPr lang="en-US" dirty="0"/>
+          </a:p>
+        </p:txBody>
+      </p:sp>
+      <p:sp>
+        <p:nvSpPr>
+          <p:cNvPr id="4" name="Date Placeholder 3"/>
           <p:cNvSpPr>
             <a:spLocks noGrp="1"/>
           </p:cNvSpPr>
@@ -2468,7 +2642,7 @@
           <a:p>
             <a:fld id="{C7088D3D-165A-46EA-B7B0-B1C3789A41AB}" type="datetimeFigureOut">
               <a:rPr kumimoji="1" lang="ja-JP" altLang="en-US" smtClean="0"/>
-              <a:t>2024/8/19</a:t>
+              <a:t>2024/9/17</a:t>
             </a:fld>
             <a:endParaRPr kumimoji="1" lang="ja-JP" altLang="en-US" dirty="0"/>
           </a:p>
@@ -2476,13 +2650,7 @@
       </p:sp>
       <p:sp>
         <p:nvSpPr>
-          <p:cNvPr id="5" name="フッター プレースホルダー 4">
-            <a:extLst>
-              <a:ext uri="{FF2B5EF4-FFF2-40B4-BE49-F238E27FC236}">
-                <a16:creationId xmlns:a16="http://schemas.microsoft.com/office/drawing/2014/main" id="{458D4CBC-CDDE-48E2-B087-34A384259BDE}"/>
-              </a:ext>
-            </a:extLst>
-          </p:cNvPr>
+          <p:cNvPr id="5" name="Footer Placeholder 4"/>
           <p:cNvSpPr>
             <a:spLocks noGrp="1"/>
           </p:cNvSpPr>
@@ -2501,13 +2669,7 @@
       </p:sp>
       <p:sp>
         <p:nvSpPr>
-          <p:cNvPr id="6" name="スライド番号プレースホルダー 5">
-            <a:extLst>
-              <a:ext uri="{FF2B5EF4-FFF2-40B4-BE49-F238E27FC236}">
-                <a16:creationId xmlns:a16="http://schemas.microsoft.com/office/drawing/2014/main" id="{350D101F-2ADC-4D7E-B0BF-F91B4A61C101}"/>
-              </a:ext>
-            </a:extLst>
-          </p:cNvPr>
+          <p:cNvPr id="6" name="Slide Number Placeholder 5"/>
           <p:cNvSpPr>
             <a:spLocks noGrp="1"/>
           </p:cNvSpPr>
@@ -2531,31 +2693,27 @@
     </p:spTree>
     <p:extLst>
       <p:ext uri="{BB962C8B-B14F-4D97-AF65-F5344CB8AC3E}">
-        <p14:creationId xmlns:p14="http://schemas.microsoft.com/office/powerpoint/2010/main" val="83147149"/>
+        <p14:creationId xmlns:p14="http://schemas.microsoft.com/office/powerpoint/2010/main" val="1159492322"/>
       </p:ext>
     </p:extLst>
   </p:cSld>
   <p:clrMapOvr>
     <a:masterClrMapping/>
   </p:clrMapOvr>
-  <mc:AlternateContent xmlns:mc="http://schemas.openxmlformats.org/markup-compatibility/2006" xmlns:p159="http://schemas.microsoft.com/office/powerpoint/2015/09/main">
-    <mc:Choice Requires="p159">
-      <p:transition xmlns:p14="http://schemas.microsoft.com/office/powerpoint/2010/main" spd="slow" p14:dur="2000">
-        <p159:morph option="byObject"/>
-      </p:transition>
-    </mc:Choice>
-    <mc:Fallback xmlns="">
-      <p:transition spd="slow">
-        <p:fade/>
-      </p:transition>
-    </mc:Fallback>
-  </mc:AlternateContent>
 </p:sldLayout>
 </file>
 
 <file path=ppt/slideLayouts/slideLayout3.xml><?xml version="1.0" encoding="utf-8"?>
-<p:sldLayout xmlns:a="http://schemas.openxmlformats.org/drawingml/2006/main" xmlns:r="http://schemas.openxmlformats.org/officeDocument/2006/relationships" xmlns:p="http://schemas.openxmlformats.org/presentationml/2006/main" type="secHead" preserve="1">
+<p:sldLayout xmlns:a="http://schemas.openxmlformats.org/drawingml/2006/main" xmlns:r="http://schemas.openxmlformats.org/officeDocument/2006/relationships" xmlns:p="http://schemas.openxmlformats.org/presentationml/2006/main" showMasterSp="0" type="secHead" preserve="1">
   <p:cSld name="セクション見出し">
+    <p:bg>
+      <p:bgPr>
+        <a:solidFill>
+          <a:schemeClr val="bg1"/>
+        </a:solidFill>
+        <a:effectLst/>
+      </p:bgPr>
+    </p:bg>
     <p:spTree>
       <p:nvGrpSpPr>
         <p:cNvPr id="1" name=""/>
@@ -2572,79 +2730,157 @@
       </p:grpSpPr>
       <p:sp>
         <p:nvSpPr>
-          <p:cNvPr id="2" name="タイトル 1">
-            <a:extLst>
-              <a:ext uri="{FF2B5EF4-FFF2-40B4-BE49-F238E27FC236}">
-                <a16:creationId xmlns:a16="http://schemas.microsoft.com/office/drawing/2014/main" id="{8A49BC05-B9AB-4CB8-9431-FBF22E796F64}"/>
-              </a:ext>
-            </a:extLst>
-          </p:cNvPr>
-          <p:cNvSpPr>
-            <a:spLocks noGrp="1"/>
-          </p:cNvSpPr>
-          <p:nvPr>
-            <p:ph type="title"/>
-          </p:nvPr>
+          <p:cNvPr id="7" name="Rectangle 6"/>
+          <p:cNvSpPr/>
+          <p:nvPr/>
         </p:nvSpPr>
         <p:spPr>
           <a:xfrm>
-            <a:off x="831850" y="1709738"/>
-            <a:ext cx="10515600" cy="2852737"/>
+            <a:off x="3175" y="6400800"/>
+            <a:ext cx="12188825" cy="457200"/>
+          </a:xfrm>
+          <a:prstGeom prst="rect">
+            <a:avLst/>
+          </a:prstGeom>
+          <a:solidFill>
+            <a:schemeClr val="accent2"/>
+          </a:solidFill>
+          <a:ln>
+            <a:noFill/>
+          </a:ln>
+        </p:spPr>
+        <p:style>
+          <a:lnRef idx="2">
+            <a:schemeClr val="accent1">
+              <a:shade val="50000"/>
+            </a:schemeClr>
+          </a:lnRef>
+          <a:fillRef idx="1">
+            <a:schemeClr val="accent1"/>
+          </a:fillRef>
+          <a:effectRef idx="0">
+            <a:schemeClr val="accent1"/>
+          </a:effectRef>
+          <a:fontRef idx="minor">
+            <a:schemeClr val="lt1"/>
+          </a:fontRef>
+        </p:style>
+      </p:sp>
+      <p:sp>
+        <p:nvSpPr>
+          <p:cNvPr id="8" name="Rectangle 7"/>
+          <p:cNvSpPr/>
+          <p:nvPr/>
+        </p:nvSpPr>
+        <p:spPr>
+          <a:xfrm>
+            <a:off x="15" y="6334316"/>
+            <a:ext cx="12188825" cy="64008"/>
+          </a:xfrm>
+          <a:prstGeom prst="rect">
+            <a:avLst/>
+          </a:prstGeom>
+          <a:solidFill>
+            <a:schemeClr val="accent1"/>
+          </a:solidFill>
+          <a:ln>
+            <a:noFill/>
+          </a:ln>
+        </p:spPr>
+        <p:style>
+          <a:lnRef idx="2">
+            <a:schemeClr val="accent1">
+              <a:shade val="50000"/>
+            </a:schemeClr>
+          </a:lnRef>
+          <a:fillRef idx="1">
+            <a:schemeClr val="accent1"/>
+          </a:fillRef>
+          <a:effectRef idx="0">
+            <a:schemeClr val="accent1"/>
+          </a:effectRef>
+          <a:fontRef idx="minor">
+            <a:schemeClr val="lt1"/>
+          </a:fontRef>
+        </p:style>
+      </p:sp>
+      <p:sp>
+        <p:nvSpPr>
+          <p:cNvPr id="2" name="Title 1"/>
+          <p:cNvSpPr>
+            <a:spLocks noGrp="1"/>
+          </p:cNvSpPr>
+          <p:nvPr>
+            <p:ph type="title"/>
+          </p:nvPr>
+        </p:nvSpPr>
+        <p:spPr>
+          <a:xfrm>
+            <a:off x="1097280" y="758952"/>
+            <a:ext cx="10058400" cy="3566160"/>
           </a:xfrm>
         </p:spPr>
         <p:txBody>
-          <a:bodyPr anchor="b"/>
+          <a:bodyPr anchor="b" anchorCtr="0">
+            <a:normAutofit/>
+          </a:bodyPr>
           <a:lstStyle>
             <a:lvl1pPr>
-              <a:defRPr sz="6000"/>
-            </a:lvl1pPr>
-          </a:lstStyle>
-          <a:p>
-            <a:r>
-              <a:rPr kumimoji="1" lang="ja-JP" altLang="en-US"/>
-              <a:t>マスター タイトルの書式設定</a:t>
-            </a:r>
-          </a:p>
-        </p:txBody>
-      </p:sp>
-      <p:sp>
-        <p:nvSpPr>
-          <p:cNvPr id="3" name="テキスト プレースホルダー 2">
-            <a:extLst>
-              <a:ext uri="{FF2B5EF4-FFF2-40B4-BE49-F238E27FC236}">
-                <a16:creationId xmlns:a16="http://schemas.microsoft.com/office/drawing/2014/main" id="{D16F93BB-C0BC-4C8B-AF22-FE3DFB850305}"/>
-              </a:ext>
-            </a:extLst>
-          </p:cNvPr>
-          <p:cNvSpPr>
-            <a:spLocks noGrp="1"/>
-          </p:cNvSpPr>
-          <p:nvPr>
-            <p:ph type="body" idx="1"/>
-          </p:nvPr>
-        </p:nvSpPr>
-        <p:spPr>
-          <a:xfrm>
-            <a:off x="831850" y="4589463"/>
-            <a:ext cx="10515600" cy="1500187"/>
-          </a:xfrm>
-        </p:spPr>
-        <p:txBody>
-          <a:bodyPr/>
-          <a:lstStyle>
-            <a:lvl1pPr marL="0" indent="0">
-              <a:buNone/>
-              <a:defRPr sz="2400">
+              <a:lnSpc>
+                <a:spcPct val="85000"/>
+              </a:lnSpc>
+              <a:defRPr sz="8000" b="0">
                 <a:solidFill>
                   <a:schemeClr val="tx1">
-                    <a:tint val="75000"/>
+                    <a:lumMod val="85000"/>
+                    <a:lumOff val="15000"/>
                   </a:schemeClr>
                 </a:solidFill>
               </a:defRPr>
             </a:lvl1pPr>
+          </a:lstStyle>
+          <a:p>
+            <a:r>
+              <a:rPr lang="ja-JP" altLang="en-US"/>
+              <a:t>マスター タイトルの書式設定</a:t>
+            </a:r>
+            <a:endParaRPr lang="en-US" dirty="0"/>
+          </a:p>
+        </p:txBody>
+      </p:sp>
+      <p:sp>
+        <p:nvSpPr>
+          <p:cNvPr id="3" name="Text Placeholder 2"/>
+          <p:cNvSpPr>
+            <a:spLocks noGrp="1"/>
+          </p:cNvSpPr>
+          <p:nvPr>
+            <p:ph type="body" idx="1"/>
+          </p:nvPr>
+        </p:nvSpPr>
+        <p:spPr>
+          <a:xfrm>
+            <a:off x="1097280" y="4453128"/>
+            <a:ext cx="10058400" cy="1143000"/>
+          </a:xfrm>
+        </p:spPr>
+        <p:txBody>
+          <a:bodyPr lIns="91440" rIns="91440" anchor="t" anchorCtr="0">
+            <a:normAutofit/>
+          </a:bodyPr>
+          <a:lstStyle>
+            <a:lvl1pPr marL="0" indent="0">
+              <a:buNone/>
+              <a:defRPr sz="2400" cap="all" spc="200" baseline="0">
+                <a:solidFill>
+                  <a:schemeClr val="tx2"/>
+                </a:solidFill>
+                <a:latin typeface="+mj-lt"/>
+              </a:defRPr>
+            </a:lvl1pPr>
             <a:lvl2pPr marL="457200" indent="0">
               <a:buNone/>
-              <a:defRPr sz="2000">
+              <a:defRPr sz="1800">
                 <a:solidFill>
                   <a:schemeClr val="tx1">
                     <a:tint val="75000"/>
@@ -2654,7 +2890,7 @@
             </a:lvl2pPr>
             <a:lvl3pPr marL="914400" indent="0">
               <a:buNone/>
-              <a:defRPr sz="1800">
+              <a:defRPr sz="1600">
                 <a:solidFill>
                   <a:schemeClr val="tx1">
                     <a:tint val="75000"/>
@@ -2664,7 +2900,7 @@
             </a:lvl3pPr>
             <a:lvl4pPr marL="1371600" indent="0">
               <a:buNone/>
-              <a:defRPr sz="1600">
+              <a:defRPr sz="1400">
                 <a:solidFill>
                   <a:schemeClr val="tx1">
                     <a:tint val="75000"/>
@@ -2674,7 +2910,7 @@
             </a:lvl4pPr>
             <a:lvl5pPr marL="1828800" indent="0">
               <a:buNone/>
-              <a:defRPr sz="1600">
+              <a:defRPr sz="1400">
                 <a:solidFill>
                   <a:schemeClr val="tx1">
                     <a:tint val="75000"/>
@@ -2684,7 +2920,7 @@
             </a:lvl5pPr>
             <a:lvl6pPr marL="2286000" indent="0">
               <a:buNone/>
-              <a:defRPr sz="1600">
+              <a:defRPr sz="1400">
                 <a:solidFill>
                   <a:schemeClr val="tx1">
                     <a:tint val="75000"/>
@@ -2694,7 +2930,7 @@
             </a:lvl6pPr>
             <a:lvl7pPr marL="2743200" indent="0">
               <a:buNone/>
-              <a:defRPr sz="1600">
+              <a:defRPr sz="1400">
                 <a:solidFill>
                   <a:schemeClr val="tx1">
                     <a:tint val="75000"/>
@@ -2704,7 +2940,7 @@
             </a:lvl7pPr>
             <a:lvl8pPr marL="3200400" indent="0">
               <a:buNone/>
-              <a:defRPr sz="1600">
+              <a:defRPr sz="1400">
                 <a:solidFill>
                   <a:schemeClr val="tx1">
                     <a:tint val="75000"/>
@@ -2714,7 +2950,7 @@
             </a:lvl8pPr>
             <a:lvl9pPr marL="3657600" indent="0">
               <a:buNone/>
-              <a:defRPr sz="1600">
+              <a:defRPr sz="1400">
                 <a:solidFill>
                   <a:schemeClr val="tx1">
                     <a:tint val="75000"/>
@@ -2726,7 +2962,7 @@
           <a:p>
             <a:pPr lvl="0"/>
             <a:r>
-              <a:rPr kumimoji="1" lang="ja-JP" altLang="en-US"/>
+              <a:rPr lang="ja-JP" altLang="en-US"/>
               <a:t>マスター テキストの書式設定</a:t>
             </a:r>
           </a:p>
@@ -2734,13 +2970,7 @@
       </p:sp>
       <p:sp>
         <p:nvSpPr>
-          <p:cNvPr id="4" name="日付プレースホルダー 3">
-            <a:extLst>
-              <a:ext uri="{FF2B5EF4-FFF2-40B4-BE49-F238E27FC236}">
-                <a16:creationId xmlns:a16="http://schemas.microsoft.com/office/drawing/2014/main" id="{F27D93A1-0986-497F-865E-766E2FAF0941}"/>
-              </a:ext>
-            </a:extLst>
-          </p:cNvPr>
+          <p:cNvPr id="4" name="Date Placeholder 3"/>
           <p:cNvSpPr>
             <a:spLocks noGrp="1"/>
           </p:cNvSpPr>
@@ -2755,7 +2985,7 @@
           <a:p>
             <a:fld id="{C7088D3D-165A-46EA-B7B0-B1C3789A41AB}" type="datetimeFigureOut">
               <a:rPr kumimoji="1" lang="ja-JP" altLang="en-US" smtClean="0"/>
-              <a:t>2024/8/19</a:t>
+              <a:t>2024/9/17</a:t>
             </a:fld>
             <a:endParaRPr kumimoji="1" lang="ja-JP" altLang="en-US" dirty="0"/>
           </a:p>
@@ -2763,13 +2993,7 @@
       </p:sp>
       <p:sp>
         <p:nvSpPr>
-          <p:cNvPr id="5" name="フッター プレースホルダー 4">
-            <a:extLst>
-              <a:ext uri="{FF2B5EF4-FFF2-40B4-BE49-F238E27FC236}">
-                <a16:creationId xmlns:a16="http://schemas.microsoft.com/office/drawing/2014/main" id="{0A74A8D6-E3BE-46E6-BEAB-00C7C7C8E1F9}"/>
-              </a:ext>
-            </a:extLst>
-          </p:cNvPr>
+          <p:cNvPr id="5" name="Footer Placeholder 4"/>
           <p:cNvSpPr>
             <a:spLocks noGrp="1"/>
           </p:cNvSpPr>
@@ -2788,13 +3012,7 @@
       </p:sp>
       <p:sp>
         <p:nvSpPr>
-          <p:cNvPr id="6" name="スライド番号プレースホルダー 5">
-            <a:extLst>
-              <a:ext uri="{FF2B5EF4-FFF2-40B4-BE49-F238E27FC236}">
-                <a16:creationId xmlns:a16="http://schemas.microsoft.com/office/drawing/2014/main" id="{30C78435-7A33-4A91-8731-4929ADB34BA5}"/>
-              </a:ext>
-            </a:extLst>
-          </p:cNvPr>
+          <p:cNvPr id="6" name="Slide Number Placeholder 5"/>
           <p:cNvSpPr>
             <a:spLocks noGrp="1"/>
           </p:cNvSpPr>
@@ -2815,10 +3033,48 @@
           </a:p>
         </p:txBody>
       </p:sp>
+      <p:cxnSp>
+        <p:nvCxnSpPr>
+          <p:cNvPr id="9" name="Straight Connector 8"/>
+          <p:cNvCxnSpPr/>
+          <p:nvPr/>
+        </p:nvCxnSpPr>
+        <p:spPr>
+          <a:xfrm>
+            <a:off x="1207658" y="4343400"/>
+            <a:ext cx="9875520" cy="0"/>
+          </a:xfrm>
+          <a:prstGeom prst="line">
+            <a:avLst/>
+          </a:prstGeom>
+          <a:ln w="6350">
+            <a:solidFill>
+              <a:schemeClr val="tx1">
+                <a:lumMod val="50000"/>
+                <a:lumOff val="50000"/>
+              </a:schemeClr>
+            </a:solidFill>
+          </a:ln>
+        </p:spPr>
+        <p:style>
+          <a:lnRef idx="1">
+            <a:schemeClr val="accent1"/>
+          </a:lnRef>
+          <a:fillRef idx="0">
+            <a:schemeClr val="accent1"/>
+          </a:fillRef>
+          <a:effectRef idx="0">
+            <a:schemeClr val="accent1"/>
+          </a:effectRef>
+          <a:fontRef idx="minor">
+            <a:schemeClr val="tx1"/>
+          </a:fontRef>
+        </p:style>
+      </p:cxnSp>
     </p:spTree>
     <p:extLst>
       <p:ext uri="{BB962C8B-B14F-4D97-AF65-F5344CB8AC3E}">
-        <p14:creationId xmlns:p14="http://schemas.microsoft.com/office/powerpoint/2010/main" val="1367431022"/>
+        <p14:creationId xmlns:p14="http://schemas.microsoft.com/office/powerpoint/2010/main" val="336948917"/>
       </p:ext>
     </p:extLst>
   </p:cSld>
@@ -2859,146 +3115,46 @@
       </p:grpSpPr>
       <p:sp>
         <p:nvSpPr>
-          <p:cNvPr id="2" name="タイトル 1">
-            <a:extLst>
-              <a:ext uri="{FF2B5EF4-FFF2-40B4-BE49-F238E27FC236}">
-                <a16:creationId xmlns:a16="http://schemas.microsoft.com/office/drawing/2014/main" id="{5FC1993C-99EA-42D7-967B-AB72564DF7AD}"/>
-              </a:ext>
-            </a:extLst>
-          </p:cNvPr>
+          <p:cNvPr id="8" name="Title 7"/>
           <p:cNvSpPr>
             <a:spLocks noGrp="1"/>
           </p:cNvSpPr>
           <p:nvPr>
             <p:ph type="title"/>
-          </p:nvPr>
-        </p:nvSpPr>
-        <p:spPr/>
-        <p:txBody>
-          <a:bodyPr/>
-          <a:lstStyle/>
-          <a:p>
-            <a:r>
-              <a:rPr kumimoji="1" lang="ja-JP" altLang="en-US"/>
-              <a:t>マスター タイトルの書式設定</a:t>
-            </a:r>
-          </a:p>
-        </p:txBody>
-      </p:sp>
-      <p:sp>
-        <p:nvSpPr>
-          <p:cNvPr id="3" name="コンテンツ プレースホルダー 2">
-            <a:extLst>
-              <a:ext uri="{FF2B5EF4-FFF2-40B4-BE49-F238E27FC236}">
-                <a16:creationId xmlns:a16="http://schemas.microsoft.com/office/drawing/2014/main" id="{A3E0F9AE-5E70-445F-8D62-07FBDB80EA08}"/>
-              </a:ext>
-            </a:extLst>
-          </p:cNvPr>
-          <p:cNvSpPr>
-            <a:spLocks noGrp="1"/>
-          </p:cNvSpPr>
-          <p:nvPr>
-            <p:ph sz="half" idx="1"/>
           </p:nvPr>
         </p:nvSpPr>
         <p:spPr>
           <a:xfrm>
-            <a:off x="838200" y="1825625"/>
-            <a:ext cx="5181600" cy="4351338"/>
+            <a:off x="1097280" y="286603"/>
+            <a:ext cx="10058400" cy="1450757"/>
           </a:xfrm>
         </p:spPr>
         <p:txBody>
           <a:bodyPr/>
           <a:lstStyle/>
           <a:p>
-            <a:pPr lvl="0"/>
-            <a:r>
-              <a:rPr kumimoji="1" lang="ja-JP" altLang="en-US"/>
-              <a:t>マスター テキストの書式設定</a:t>
-            </a:r>
-          </a:p>
-          <a:p>
-            <a:pPr lvl="1"/>
-            <a:r>
-              <a:rPr kumimoji="1" lang="ja-JP" altLang="en-US"/>
-              <a:t>第 </a:t>
-            </a:r>
-            <a:r>
-              <a:rPr kumimoji="1" lang="en-US" altLang="ja-JP"/>
-              <a:t>2 </a:t>
-            </a:r>
-            <a:r>
-              <a:rPr kumimoji="1" lang="ja-JP" altLang="en-US"/>
-              <a:t>レベル</a:t>
-            </a:r>
-          </a:p>
-          <a:p>
-            <a:pPr lvl="2"/>
-            <a:r>
-              <a:rPr kumimoji="1" lang="ja-JP" altLang="en-US"/>
-              <a:t>第 </a:t>
-            </a:r>
-            <a:r>
-              <a:rPr kumimoji="1" lang="en-US" altLang="ja-JP"/>
-              <a:t>3 </a:t>
-            </a:r>
-            <a:r>
-              <a:rPr kumimoji="1" lang="ja-JP" altLang="en-US"/>
-              <a:t>レベル</a:t>
-            </a:r>
-          </a:p>
-          <a:p>
-            <a:pPr lvl="3"/>
-            <a:r>
-              <a:rPr kumimoji="1" lang="ja-JP" altLang="en-US"/>
-              <a:t>第 </a:t>
-            </a:r>
-            <a:r>
-              <a:rPr kumimoji="1" lang="en-US" altLang="ja-JP"/>
-              <a:t>4 </a:t>
-            </a:r>
-            <a:r>
-              <a:rPr kumimoji="1" lang="ja-JP" altLang="en-US"/>
-              <a:t>レベル</a:t>
-            </a:r>
-          </a:p>
-          <a:p>
-            <a:pPr lvl="4"/>
-            <a:r>
-              <a:rPr kumimoji="1" lang="ja-JP" altLang="en-US"/>
-              <a:t>第 </a:t>
-            </a:r>
-            <a:r>
-              <a:rPr kumimoji="1" lang="en-US" altLang="ja-JP"/>
-              <a:t>5 </a:t>
-            </a:r>
-            <a:r>
-              <a:rPr kumimoji="1" lang="ja-JP" altLang="en-US"/>
-              <a:t>レベル</a:t>
-            </a:r>
-          </a:p>
-        </p:txBody>
-      </p:sp>
-      <p:sp>
-        <p:nvSpPr>
-          <p:cNvPr id="4" name="コンテンツ プレースホルダー 3">
-            <a:extLst>
-              <a:ext uri="{FF2B5EF4-FFF2-40B4-BE49-F238E27FC236}">
-                <a16:creationId xmlns:a16="http://schemas.microsoft.com/office/drawing/2014/main" id="{78219028-A26C-4B0D-B242-F4E01420CCF9}"/>
-              </a:ext>
-            </a:extLst>
-          </p:cNvPr>
-          <p:cNvSpPr>
-            <a:spLocks noGrp="1"/>
-          </p:cNvSpPr>
-          <p:nvPr>
-            <p:ph sz="half" idx="2"/>
+            <a:r>
+              <a:rPr lang="ja-JP" altLang="en-US"/>
+              <a:t>マスター タイトルの書式設定</a:t>
+            </a:r>
+            <a:endParaRPr lang="en-US" dirty="0"/>
+          </a:p>
+        </p:txBody>
+      </p:sp>
+      <p:sp>
+        <p:nvSpPr>
+          <p:cNvPr id="3" name="Content Placeholder 2"/>
+          <p:cNvSpPr>
+            <a:spLocks noGrp="1"/>
+          </p:cNvSpPr>
+          <p:nvPr>
+            <p:ph sz="half" idx="1"/>
           </p:nvPr>
         </p:nvSpPr>
         <p:spPr>
           <a:xfrm>
-            <a:off x="6172200" y="1825625"/>
-            <a:ext cx="5181600" cy="4351338"/>
+            <a:off x="1097279" y="1845734"/>
+            <a:ext cx="4937760" cy="4023360"/>
           </a:xfrm>
         </p:spPr>
         <p:txBody>
@@ -3007,81 +3163,165 @@
           <a:p>
             <a:pPr lvl="0"/>
             <a:r>
-              <a:rPr kumimoji="1" lang="ja-JP" altLang="en-US"/>
+              <a:rPr lang="ja-JP" altLang="en-US"/>
               <a:t>マスター テキストの書式設定</a:t>
             </a:r>
           </a:p>
           <a:p>
             <a:pPr lvl="1"/>
             <a:r>
-              <a:rPr kumimoji="1" lang="ja-JP" altLang="en-US"/>
+              <a:rPr lang="ja-JP" altLang="en-US"/>
               <a:t>第 </a:t>
             </a:r>
             <a:r>
-              <a:rPr kumimoji="1" lang="en-US" altLang="ja-JP"/>
+              <a:rPr lang="en-US" altLang="ja-JP"/>
               <a:t>2 </a:t>
             </a:r>
             <a:r>
-              <a:rPr kumimoji="1" lang="ja-JP" altLang="en-US"/>
+              <a:rPr lang="ja-JP" altLang="en-US"/>
               <a:t>レベル</a:t>
             </a:r>
           </a:p>
           <a:p>
             <a:pPr lvl="2"/>
             <a:r>
-              <a:rPr kumimoji="1" lang="ja-JP" altLang="en-US"/>
+              <a:rPr lang="ja-JP" altLang="en-US"/>
               <a:t>第 </a:t>
             </a:r>
             <a:r>
-              <a:rPr kumimoji="1" lang="en-US" altLang="ja-JP"/>
+              <a:rPr lang="en-US" altLang="ja-JP"/>
               <a:t>3 </a:t>
             </a:r>
             <a:r>
-              <a:rPr kumimoji="1" lang="ja-JP" altLang="en-US"/>
+              <a:rPr lang="ja-JP" altLang="en-US"/>
               <a:t>レベル</a:t>
             </a:r>
           </a:p>
           <a:p>
             <a:pPr lvl="3"/>
             <a:r>
-              <a:rPr kumimoji="1" lang="ja-JP" altLang="en-US"/>
+              <a:rPr lang="ja-JP" altLang="en-US"/>
               <a:t>第 </a:t>
             </a:r>
             <a:r>
-              <a:rPr kumimoji="1" lang="en-US" altLang="ja-JP"/>
+              <a:rPr lang="en-US" altLang="ja-JP"/>
               <a:t>4 </a:t>
             </a:r>
             <a:r>
-              <a:rPr kumimoji="1" lang="ja-JP" altLang="en-US"/>
+              <a:rPr lang="ja-JP" altLang="en-US"/>
               <a:t>レベル</a:t>
             </a:r>
           </a:p>
           <a:p>
             <a:pPr lvl="4"/>
             <a:r>
-              <a:rPr kumimoji="1" lang="ja-JP" altLang="en-US"/>
+              <a:rPr lang="ja-JP" altLang="en-US"/>
               <a:t>第 </a:t>
             </a:r>
             <a:r>
-              <a:rPr kumimoji="1" lang="en-US" altLang="ja-JP"/>
+              <a:rPr lang="en-US" altLang="ja-JP"/>
               <a:t>5 </a:t>
             </a:r>
             <a:r>
-              <a:rPr kumimoji="1" lang="ja-JP" altLang="en-US"/>
+              <a:rPr lang="ja-JP" altLang="en-US"/>
               <a:t>レベル</a:t>
             </a:r>
-          </a:p>
-        </p:txBody>
-      </p:sp>
-      <p:sp>
-        <p:nvSpPr>
-          <p:cNvPr id="5" name="日付プレースホルダー 4">
-            <a:extLst>
-              <a:ext uri="{FF2B5EF4-FFF2-40B4-BE49-F238E27FC236}">
-                <a16:creationId xmlns:a16="http://schemas.microsoft.com/office/drawing/2014/main" id="{7BB2646B-7ECA-4AFE-9A51-C9143EAADF28}"/>
-              </a:ext>
-            </a:extLst>
-          </p:cNvPr>
+            <a:endParaRPr lang="en-US" dirty="0"/>
+          </a:p>
+        </p:txBody>
+      </p:sp>
+      <p:sp>
+        <p:nvSpPr>
+          <p:cNvPr id="4" name="Content Placeholder 3"/>
+          <p:cNvSpPr>
+            <a:spLocks noGrp="1"/>
+          </p:cNvSpPr>
+          <p:nvPr>
+            <p:ph sz="half" idx="2"/>
+          </p:nvPr>
+        </p:nvSpPr>
+        <p:spPr>
+          <a:xfrm>
+            <a:off x="6217920" y="1845735"/>
+            <a:ext cx="4937760" cy="4023360"/>
+          </a:xfrm>
+        </p:spPr>
+        <p:txBody>
+          <a:bodyPr/>
+          <a:lstStyle/>
+          <a:p>
+            <a:pPr lvl="0"/>
+            <a:r>
+              <a:rPr lang="ja-JP" altLang="en-US"/>
+              <a:t>マスター テキストの書式設定</a:t>
+            </a:r>
+          </a:p>
+          <a:p>
+            <a:pPr lvl="1"/>
+            <a:r>
+              <a:rPr lang="ja-JP" altLang="en-US"/>
+              <a:t>第 </a:t>
+            </a:r>
+            <a:r>
+              <a:rPr lang="en-US" altLang="ja-JP"/>
+              <a:t>2 </a:t>
+            </a:r>
+            <a:r>
+              <a:rPr lang="ja-JP" altLang="en-US"/>
+              <a:t>レベル</a:t>
+            </a:r>
+          </a:p>
+          <a:p>
+            <a:pPr lvl="2"/>
+            <a:r>
+              <a:rPr lang="ja-JP" altLang="en-US"/>
+              <a:t>第 </a:t>
+            </a:r>
+            <a:r>
+              <a:rPr lang="en-US" altLang="ja-JP"/>
+              <a:t>3 </a:t>
+            </a:r>
+            <a:r>
+              <a:rPr lang="ja-JP" altLang="en-US"/>
+              <a:t>レベル</a:t>
+            </a:r>
+          </a:p>
+          <a:p>
+            <a:pPr lvl="3"/>
+            <a:r>
+              <a:rPr lang="ja-JP" altLang="en-US"/>
+              <a:t>第 </a:t>
+            </a:r>
+            <a:r>
+              <a:rPr lang="en-US" altLang="ja-JP"/>
+              <a:t>4 </a:t>
+            </a:r>
+            <a:r>
+              <a:rPr lang="ja-JP" altLang="en-US"/>
+              <a:t>レベル</a:t>
+            </a:r>
+          </a:p>
+          <a:p>
+            <a:pPr lvl="4"/>
+            <a:r>
+              <a:rPr lang="ja-JP" altLang="en-US"/>
+              <a:t>第 </a:t>
+            </a:r>
+            <a:r>
+              <a:rPr lang="en-US" altLang="ja-JP"/>
+              <a:t>5 </a:t>
+            </a:r>
+            <a:r>
+              <a:rPr lang="ja-JP" altLang="en-US"/>
+              <a:t>レベル</a:t>
+            </a:r>
+            <a:endParaRPr lang="en-US" dirty="0"/>
+          </a:p>
+        </p:txBody>
+      </p:sp>
+      <p:sp>
+        <p:nvSpPr>
+          <p:cNvPr id="5" name="Date Placeholder 4"/>
           <p:cNvSpPr>
             <a:spLocks noGrp="1"/>
           </p:cNvSpPr>
@@ -3096,7 +3336,7 @@
           <a:p>
             <a:fld id="{C7088D3D-165A-46EA-B7B0-B1C3789A41AB}" type="datetimeFigureOut">
               <a:rPr kumimoji="1" lang="ja-JP" altLang="en-US" smtClean="0"/>
-              <a:t>2024/8/19</a:t>
+              <a:t>2024/9/17</a:t>
             </a:fld>
             <a:endParaRPr kumimoji="1" lang="ja-JP" altLang="en-US" dirty="0"/>
           </a:p>
@@ -3104,13 +3344,7 @@
       </p:sp>
       <p:sp>
         <p:nvSpPr>
-          <p:cNvPr id="6" name="フッター プレースホルダー 5">
-            <a:extLst>
-              <a:ext uri="{FF2B5EF4-FFF2-40B4-BE49-F238E27FC236}">
-                <a16:creationId xmlns:a16="http://schemas.microsoft.com/office/drawing/2014/main" id="{6D5874BD-B4E1-40A7-8E57-3AB0C9B735E2}"/>
-              </a:ext>
-            </a:extLst>
-          </p:cNvPr>
+          <p:cNvPr id="6" name="Footer Placeholder 5"/>
           <p:cNvSpPr>
             <a:spLocks noGrp="1"/>
           </p:cNvSpPr>
@@ -3129,13 +3363,7 @@
       </p:sp>
       <p:sp>
         <p:nvSpPr>
-          <p:cNvPr id="7" name="スライド番号プレースホルダー 6">
-            <a:extLst>
-              <a:ext uri="{FF2B5EF4-FFF2-40B4-BE49-F238E27FC236}">
-                <a16:creationId xmlns:a16="http://schemas.microsoft.com/office/drawing/2014/main" id="{E627AE11-B954-4164-AA9E-617ED229F043}"/>
-              </a:ext>
-            </a:extLst>
-          </p:cNvPr>
+          <p:cNvPr id="7" name="Slide Number Placeholder 6"/>
           <p:cNvSpPr>
             <a:spLocks noGrp="1"/>
           </p:cNvSpPr>
@@ -3159,25 +3387,13 @@
     </p:spTree>
     <p:extLst>
       <p:ext uri="{BB962C8B-B14F-4D97-AF65-F5344CB8AC3E}">
-        <p14:creationId xmlns:p14="http://schemas.microsoft.com/office/powerpoint/2010/main" val="783354590"/>
+        <p14:creationId xmlns:p14="http://schemas.microsoft.com/office/powerpoint/2010/main" val="1309551245"/>
       </p:ext>
     </p:extLst>
   </p:cSld>
   <p:clrMapOvr>
     <a:masterClrMapping/>
   </p:clrMapOvr>
-  <mc:AlternateContent xmlns:mc="http://schemas.openxmlformats.org/markup-compatibility/2006" xmlns:p159="http://schemas.microsoft.com/office/powerpoint/2015/09/main">
-    <mc:Choice Requires="p159">
-      <p:transition xmlns:p14="http://schemas.microsoft.com/office/powerpoint/2010/main" spd="slow" p14:dur="2000">
-        <p159:morph option="byObject"/>
-      </p:transition>
-    </mc:Choice>
-    <mc:Fallback xmlns="">
-      <p:transition spd="slow">
-        <p:fade/>
-      </p:transition>
-    </mc:Fallback>
-  </mc:AlternateContent>
 </p:sldLayout>
 </file>
 
@@ -3200,13 +3416,7 @@
       </p:grpSpPr>
       <p:sp>
         <p:nvSpPr>
-          <p:cNvPr id="2" name="タイトル 1">
-            <a:extLst>
-              <a:ext uri="{FF2B5EF4-FFF2-40B4-BE49-F238E27FC236}">
-                <a16:creationId xmlns:a16="http://schemas.microsoft.com/office/drawing/2014/main" id="{3B5FBA35-96FD-4CD8-8BE4-68DC8E7D7722}"/>
-              </a:ext>
-            </a:extLst>
-          </p:cNvPr>
+          <p:cNvPr id="10" name="Title 9"/>
           <p:cNvSpPr>
             <a:spLocks noGrp="1"/>
           </p:cNvSpPr>
@@ -3216,8 +3426,8 @@
         </p:nvSpPr>
         <p:spPr>
           <a:xfrm>
-            <a:off x="839788" y="365125"/>
-            <a:ext cx="10515600" cy="1325563"/>
+            <a:off x="1097280" y="286603"/>
+            <a:ext cx="10058400" cy="1450757"/>
           </a:xfrm>
         </p:spPr>
         <p:txBody>
@@ -3225,21 +3435,16 @@
           <a:lstStyle/>
           <a:p>
             <a:r>
-              <a:rPr kumimoji="1" lang="ja-JP" altLang="en-US"/>
+              <a:rPr lang="ja-JP" altLang="en-US"/>
               <a:t>マスター タイトルの書式設定</a:t>
             </a:r>
-          </a:p>
-        </p:txBody>
-      </p:sp>
-      <p:sp>
-        <p:nvSpPr>
-          <p:cNvPr id="3" name="テキスト プレースホルダー 2">
-            <a:extLst>
-              <a:ext uri="{FF2B5EF4-FFF2-40B4-BE49-F238E27FC236}">
-                <a16:creationId xmlns:a16="http://schemas.microsoft.com/office/drawing/2014/main" id="{0A7B8C33-A4CB-49E0-B63E-445F2AE75418}"/>
-              </a:ext>
-            </a:extLst>
-          </p:cNvPr>
+            <a:endParaRPr lang="en-US" dirty="0"/>
+          </a:p>
+        </p:txBody>
+      </p:sp>
+      <p:sp>
+        <p:nvSpPr>
+          <p:cNvPr id="3" name="Text Placeholder 2"/>
           <p:cNvSpPr>
             <a:spLocks noGrp="1"/>
           </p:cNvSpPr>
@@ -3249,16 +3454,22 @@
         </p:nvSpPr>
         <p:spPr>
           <a:xfrm>
-            <a:off x="839788" y="1681163"/>
-            <a:ext cx="5157787" cy="823912"/>
+            <a:off x="1097280" y="1846052"/>
+            <a:ext cx="4937760" cy="736282"/>
           </a:xfrm>
         </p:spPr>
         <p:txBody>
-          <a:bodyPr anchor="b"/>
+          <a:bodyPr lIns="91440" rIns="91440" anchor="ctr">
+            <a:normAutofit/>
+          </a:bodyPr>
           <a:lstStyle>
             <a:lvl1pPr marL="0" indent="0">
               <a:buNone/>
-              <a:defRPr sz="2400" b="1"/>
+              <a:defRPr sz="2000" b="0" cap="all" baseline="0">
+                <a:solidFill>
+                  <a:schemeClr val="tx2"/>
+                </a:solidFill>
+              </a:defRPr>
             </a:lvl1pPr>
             <a:lvl2pPr marL="457200" indent="0">
               <a:buNone/>
@@ -3296,7 +3507,7 @@
           <a:p>
             <a:pPr lvl="0"/>
             <a:r>
-              <a:rPr kumimoji="1" lang="ja-JP" altLang="en-US"/>
+              <a:rPr lang="ja-JP" altLang="en-US"/>
               <a:t>マスター テキストの書式設定</a:t>
             </a:r>
           </a:p>
@@ -3304,13 +3515,7 @@
       </p:sp>
       <p:sp>
         <p:nvSpPr>
-          <p:cNvPr id="4" name="コンテンツ プレースホルダー 3">
-            <a:extLst>
-              <a:ext uri="{FF2B5EF4-FFF2-40B4-BE49-F238E27FC236}">
-                <a16:creationId xmlns:a16="http://schemas.microsoft.com/office/drawing/2014/main" id="{A24CC423-1817-4896-9CCD-DB296D7D42CE}"/>
-              </a:ext>
-            </a:extLst>
-          </p:cNvPr>
+          <p:cNvPr id="4" name="Content Placeholder 3"/>
           <p:cNvSpPr>
             <a:spLocks noGrp="1"/>
           </p:cNvSpPr>
@@ -3320,8 +3525,8 @@
         </p:nvSpPr>
         <p:spPr>
           <a:xfrm>
-            <a:off x="839788" y="2505075"/>
-            <a:ext cx="5157787" cy="3684588"/>
+            <a:off x="1097280" y="2582334"/>
+            <a:ext cx="4937760" cy="3378200"/>
           </a:xfrm>
         </p:spPr>
         <p:txBody>
@@ -3330,81 +3535,76 @@
           <a:p>
             <a:pPr lvl="0"/>
             <a:r>
-              <a:rPr kumimoji="1" lang="ja-JP" altLang="en-US"/>
+              <a:rPr lang="ja-JP" altLang="en-US"/>
               <a:t>マスター テキストの書式設定</a:t>
             </a:r>
           </a:p>
           <a:p>
             <a:pPr lvl="1"/>
             <a:r>
-              <a:rPr kumimoji="1" lang="ja-JP" altLang="en-US"/>
+              <a:rPr lang="ja-JP" altLang="en-US"/>
               <a:t>第 </a:t>
             </a:r>
             <a:r>
-              <a:rPr kumimoji="1" lang="en-US" altLang="ja-JP"/>
+              <a:rPr lang="en-US" altLang="ja-JP"/>
               <a:t>2 </a:t>
             </a:r>
             <a:r>
-              <a:rPr kumimoji="1" lang="ja-JP" altLang="en-US"/>
+              <a:rPr lang="ja-JP" altLang="en-US"/>
               <a:t>レベル</a:t>
             </a:r>
           </a:p>
           <a:p>
             <a:pPr lvl="2"/>
             <a:r>
-              <a:rPr kumimoji="1" lang="ja-JP" altLang="en-US"/>
+              <a:rPr lang="ja-JP" altLang="en-US"/>
               <a:t>第 </a:t>
             </a:r>
             <a:r>
-              <a:rPr kumimoji="1" lang="en-US" altLang="ja-JP"/>
+              <a:rPr lang="en-US" altLang="ja-JP"/>
               <a:t>3 </a:t>
             </a:r>
             <a:r>
-              <a:rPr kumimoji="1" lang="ja-JP" altLang="en-US"/>
+              <a:rPr lang="ja-JP" altLang="en-US"/>
               <a:t>レベル</a:t>
             </a:r>
           </a:p>
           <a:p>
             <a:pPr lvl="3"/>
             <a:r>
-              <a:rPr kumimoji="1" lang="ja-JP" altLang="en-US"/>
+              <a:rPr lang="ja-JP" altLang="en-US"/>
               <a:t>第 </a:t>
             </a:r>
             <a:r>
-              <a:rPr kumimoji="1" lang="en-US" altLang="ja-JP"/>
+              <a:rPr lang="en-US" altLang="ja-JP"/>
               <a:t>4 </a:t>
             </a:r>
             <a:r>
-              <a:rPr kumimoji="1" lang="ja-JP" altLang="en-US"/>
+              <a:rPr lang="ja-JP" altLang="en-US"/>
               <a:t>レベル</a:t>
             </a:r>
           </a:p>
           <a:p>
             <a:pPr lvl="4"/>
             <a:r>
-              <a:rPr kumimoji="1" lang="ja-JP" altLang="en-US"/>
+              <a:rPr lang="ja-JP" altLang="en-US"/>
               <a:t>第 </a:t>
             </a:r>
             <a:r>
-              <a:rPr kumimoji="1" lang="en-US" altLang="ja-JP"/>
+              <a:rPr lang="en-US" altLang="ja-JP"/>
               <a:t>5 </a:t>
             </a:r>
             <a:r>
-              <a:rPr kumimoji="1" lang="ja-JP" altLang="en-US"/>
+              <a:rPr lang="ja-JP" altLang="en-US"/>
               <a:t>レベル</a:t>
             </a:r>
-          </a:p>
-        </p:txBody>
-      </p:sp>
-      <p:sp>
-        <p:nvSpPr>
-          <p:cNvPr id="5" name="テキスト プレースホルダー 4">
-            <a:extLst>
-              <a:ext uri="{FF2B5EF4-FFF2-40B4-BE49-F238E27FC236}">
-                <a16:creationId xmlns:a16="http://schemas.microsoft.com/office/drawing/2014/main" id="{7E347DCC-0AC3-4B87-BF0E-CB94D1F3C18F}"/>
-              </a:ext>
-            </a:extLst>
-          </p:cNvPr>
+            <a:endParaRPr lang="en-US" dirty="0"/>
+          </a:p>
+        </p:txBody>
+      </p:sp>
+      <p:sp>
+        <p:nvSpPr>
+          <p:cNvPr id="5" name="Text Placeholder 4"/>
           <p:cNvSpPr>
             <a:spLocks noGrp="1"/>
           </p:cNvSpPr>
@@ -3414,16 +3614,22 @@
         </p:nvSpPr>
         <p:spPr>
           <a:xfrm>
-            <a:off x="6172200" y="1681163"/>
-            <a:ext cx="5183188" cy="823912"/>
+            <a:off x="6217920" y="1846052"/>
+            <a:ext cx="4937760" cy="736282"/>
           </a:xfrm>
         </p:spPr>
         <p:txBody>
-          <a:bodyPr anchor="b"/>
+          <a:bodyPr lIns="91440" rIns="91440" anchor="ctr">
+            <a:normAutofit/>
+          </a:bodyPr>
           <a:lstStyle>
             <a:lvl1pPr marL="0" indent="0">
               <a:buNone/>
-              <a:defRPr sz="2400" b="1"/>
+              <a:defRPr sz="2000" b="0" cap="all" baseline="0">
+                <a:solidFill>
+                  <a:schemeClr val="tx2"/>
+                </a:solidFill>
+              </a:defRPr>
             </a:lvl1pPr>
             <a:lvl2pPr marL="457200" indent="0">
               <a:buNone/>
@@ -3461,7 +3667,7 @@
           <a:p>
             <a:pPr lvl="0"/>
             <a:r>
-              <a:rPr kumimoji="1" lang="ja-JP" altLang="en-US"/>
+              <a:rPr lang="ja-JP" altLang="en-US"/>
               <a:t>マスター テキストの書式設定</a:t>
             </a:r>
           </a:p>
@@ -3469,13 +3675,7 @@
       </p:sp>
       <p:sp>
         <p:nvSpPr>
-          <p:cNvPr id="6" name="コンテンツ プレースホルダー 5">
-            <a:extLst>
-              <a:ext uri="{FF2B5EF4-FFF2-40B4-BE49-F238E27FC236}">
-                <a16:creationId xmlns:a16="http://schemas.microsoft.com/office/drawing/2014/main" id="{C129ED82-E468-42F1-ADF2-4F7B7FD9DEF9}"/>
-              </a:ext>
-            </a:extLst>
-          </p:cNvPr>
+          <p:cNvPr id="6" name="Content Placeholder 5"/>
           <p:cNvSpPr>
             <a:spLocks noGrp="1"/>
           </p:cNvSpPr>
@@ -3485,8 +3685,8 @@
         </p:nvSpPr>
         <p:spPr>
           <a:xfrm>
-            <a:off x="6172200" y="2505075"/>
-            <a:ext cx="5183188" cy="3684588"/>
+            <a:off x="6217920" y="2582334"/>
+            <a:ext cx="4937760" cy="3378200"/>
           </a:xfrm>
         </p:spPr>
         <p:txBody>
@@ -3495,81 +3695,76 @@
           <a:p>
             <a:pPr lvl="0"/>
             <a:r>
-              <a:rPr kumimoji="1" lang="ja-JP" altLang="en-US"/>
+              <a:rPr lang="ja-JP" altLang="en-US"/>
               <a:t>マスター テキストの書式設定</a:t>
             </a:r>
           </a:p>
           <a:p>
             <a:pPr lvl="1"/>
             <a:r>
-              <a:rPr kumimoji="1" lang="ja-JP" altLang="en-US"/>
+              <a:rPr lang="ja-JP" altLang="en-US"/>
               <a:t>第 </a:t>
             </a:r>
             <a:r>
-              <a:rPr kumimoji="1" lang="en-US" altLang="ja-JP"/>
+              <a:rPr lang="en-US" altLang="ja-JP"/>
               <a:t>2 </a:t>
             </a:r>
             <a:r>
-              <a:rPr kumimoji="1" lang="ja-JP" altLang="en-US"/>
+              <a:rPr lang="ja-JP" altLang="en-US"/>
               <a:t>レベル</a:t>
             </a:r>
           </a:p>
           <a:p>
             <a:pPr lvl="2"/>
             <a:r>
-              <a:rPr kumimoji="1" lang="ja-JP" altLang="en-US"/>
+              <a:rPr lang="ja-JP" altLang="en-US"/>
               <a:t>第 </a:t>
             </a:r>
             <a:r>
-              <a:rPr kumimoji="1" lang="en-US" altLang="ja-JP"/>
+              <a:rPr lang="en-US" altLang="ja-JP"/>
               <a:t>3 </a:t>
             </a:r>
             <a:r>
-              <a:rPr kumimoji="1" lang="ja-JP" altLang="en-US"/>
+              <a:rPr lang="ja-JP" altLang="en-US"/>
               <a:t>レベル</a:t>
             </a:r>
           </a:p>
           <a:p>
             <a:pPr lvl="3"/>
             <a:r>
-              <a:rPr kumimoji="1" lang="ja-JP" altLang="en-US"/>
+              <a:rPr lang="ja-JP" altLang="en-US"/>
               <a:t>第 </a:t>
             </a:r>
             <a:r>
-              <a:rPr kumimoji="1" lang="en-US" altLang="ja-JP"/>
+              <a:rPr lang="en-US" altLang="ja-JP"/>
               <a:t>4 </a:t>
             </a:r>
             <a:r>
-              <a:rPr kumimoji="1" lang="ja-JP" altLang="en-US"/>
+              <a:rPr lang="ja-JP" altLang="en-US"/>
               <a:t>レベル</a:t>
             </a:r>
           </a:p>
           <a:p>
             <a:pPr lvl="4"/>
             <a:r>
-              <a:rPr kumimoji="1" lang="ja-JP" altLang="en-US"/>
+              <a:rPr lang="ja-JP" altLang="en-US"/>
               <a:t>第 </a:t>
             </a:r>
             <a:r>
-              <a:rPr kumimoji="1" lang="en-US" altLang="ja-JP"/>
+              <a:rPr lang="en-US" altLang="ja-JP"/>
               <a:t>5 </a:t>
             </a:r>
             <a:r>
-              <a:rPr kumimoji="1" lang="ja-JP" altLang="en-US"/>
+              <a:rPr lang="ja-JP" altLang="en-US"/>
               <a:t>レベル</a:t>
             </a:r>
-          </a:p>
-        </p:txBody>
-      </p:sp>
-      <p:sp>
-        <p:nvSpPr>
-          <p:cNvPr id="7" name="日付プレースホルダー 6">
-            <a:extLst>
-              <a:ext uri="{FF2B5EF4-FFF2-40B4-BE49-F238E27FC236}">
-                <a16:creationId xmlns:a16="http://schemas.microsoft.com/office/drawing/2014/main" id="{4DEEEE01-7D02-4662-AD8D-518E6F910EE8}"/>
-              </a:ext>
-            </a:extLst>
-          </p:cNvPr>
+            <a:endParaRPr lang="en-US" dirty="0"/>
+          </a:p>
+        </p:txBody>
+      </p:sp>
+      <p:sp>
+        <p:nvSpPr>
+          <p:cNvPr id="7" name="Date Placeholder 6"/>
           <p:cNvSpPr>
             <a:spLocks noGrp="1"/>
           </p:cNvSpPr>
@@ -3584,7 +3779,7 @@
           <a:p>
             <a:fld id="{C7088D3D-165A-46EA-B7B0-B1C3789A41AB}" type="datetimeFigureOut">
               <a:rPr kumimoji="1" lang="ja-JP" altLang="en-US" smtClean="0"/>
-              <a:t>2024/8/19</a:t>
+              <a:t>2024/9/17</a:t>
             </a:fld>
             <a:endParaRPr kumimoji="1" lang="ja-JP" altLang="en-US" dirty="0"/>
           </a:p>
@@ -3592,13 +3787,7 @@
       </p:sp>
       <p:sp>
         <p:nvSpPr>
-          <p:cNvPr id="8" name="フッター プレースホルダー 7">
-            <a:extLst>
-              <a:ext uri="{FF2B5EF4-FFF2-40B4-BE49-F238E27FC236}">
-                <a16:creationId xmlns:a16="http://schemas.microsoft.com/office/drawing/2014/main" id="{194EFD7A-C203-4068-AEE7-EC5D6C90421A}"/>
-              </a:ext>
-            </a:extLst>
-          </p:cNvPr>
+          <p:cNvPr id="8" name="Footer Placeholder 7"/>
           <p:cNvSpPr>
             <a:spLocks noGrp="1"/>
           </p:cNvSpPr>
@@ -3617,13 +3806,7 @@
       </p:sp>
       <p:sp>
         <p:nvSpPr>
-          <p:cNvPr id="9" name="スライド番号プレースホルダー 8">
-            <a:extLst>
-              <a:ext uri="{FF2B5EF4-FFF2-40B4-BE49-F238E27FC236}">
-                <a16:creationId xmlns:a16="http://schemas.microsoft.com/office/drawing/2014/main" id="{BB1DA7A2-890E-4385-BA7B-31665799263B}"/>
-              </a:ext>
-            </a:extLst>
-          </p:cNvPr>
+          <p:cNvPr id="9" name="Slide Number Placeholder 8"/>
           <p:cNvSpPr>
             <a:spLocks noGrp="1"/>
           </p:cNvSpPr>
@@ -3647,25 +3830,13 @@
     </p:spTree>
     <p:extLst>
       <p:ext uri="{BB962C8B-B14F-4D97-AF65-F5344CB8AC3E}">
-        <p14:creationId xmlns:p14="http://schemas.microsoft.com/office/powerpoint/2010/main" val="3869794850"/>
+        <p14:creationId xmlns:p14="http://schemas.microsoft.com/office/powerpoint/2010/main" val="1997585315"/>
       </p:ext>
     </p:extLst>
   </p:cSld>
   <p:clrMapOvr>
     <a:masterClrMapping/>
   </p:clrMapOvr>
-  <mc:AlternateContent xmlns:mc="http://schemas.openxmlformats.org/markup-compatibility/2006" xmlns:p159="http://schemas.microsoft.com/office/powerpoint/2015/09/main">
-    <mc:Choice Requires="p159">
-      <p:transition xmlns:p14="http://schemas.microsoft.com/office/powerpoint/2010/main" spd="slow" p14:dur="2000">
-        <p159:morph option="byObject"/>
-      </p:transition>
-    </mc:Choice>
-    <mc:Fallback xmlns="">
-      <p:transition spd="slow">
-        <p:fade/>
-      </p:transition>
-    </mc:Fallback>
-  </mc:AlternateContent>
 </p:sldLayout>
 </file>
 
@@ -3688,13 +3859,7 @@
       </p:grpSpPr>
       <p:sp>
         <p:nvSpPr>
-          <p:cNvPr id="2" name="タイトル 1">
-            <a:extLst>
-              <a:ext uri="{FF2B5EF4-FFF2-40B4-BE49-F238E27FC236}">
-                <a16:creationId xmlns:a16="http://schemas.microsoft.com/office/drawing/2014/main" id="{82C3165C-7EBC-4DD9-9F66-5ADFDAB517D8}"/>
-              </a:ext>
-            </a:extLst>
-          </p:cNvPr>
+          <p:cNvPr id="2" name="Title 1"/>
           <p:cNvSpPr>
             <a:spLocks noGrp="1"/>
           </p:cNvSpPr>
@@ -3708,21 +3873,16 @@
           <a:lstStyle/>
           <a:p>
             <a:r>
-              <a:rPr kumimoji="1" lang="ja-JP" altLang="en-US"/>
+              <a:rPr lang="ja-JP" altLang="en-US"/>
               <a:t>マスター タイトルの書式設定</a:t>
             </a:r>
-          </a:p>
-        </p:txBody>
-      </p:sp>
-      <p:sp>
-        <p:nvSpPr>
-          <p:cNvPr id="3" name="日付プレースホルダー 2">
-            <a:extLst>
-              <a:ext uri="{FF2B5EF4-FFF2-40B4-BE49-F238E27FC236}">
-                <a16:creationId xmlns:a16="http://schemas.microsoft.com/office/drawing/2014/main" id="{EB8C9DFC-8D02-4891-B41D-B08A3844C55E}"/>
-              </a:ext>
-            </a:extLst>
-          </p:cNvPr>
+            <a:endParaRPr lang="en-US" dirty="0"/>
+          </a:p>
+        </p:txBody>
+      </p:sp>
+      <p:sp>
+        <p:nvSpPr>
+          <p:cNvPr id="3" name="Date Placeholder 2"/>
           <p:cNvSpPr>
             <a:spLocks noGrp="1"/>
           </p:cNvSpPr>
@@ -3737,7 +3897,7 @@
           <a:p>
             <a:fld id="{C7088D3D-165A-46EA-B7B0-B1C3789A41AB}" type="datetimeFigureOut">
               <a:rPr kumimoji="1" lang="ja-JP" altLang="en-US" smtClean="0"/>
-              <a:t>2024/8/19</a:t>
+              <a:t>2024/9/17</a:t>
             </a:fld>
             <a:endParaRPr kumimoji="1" lang="ja-JP" altLang="en-US" dirty="0"/>
           </a:p>
@@ -3745,13 +3905,7 @@
       </p:sp>
       <p:sp>
         <p:nvSpPr>
-          <p:cNvPr id="4" name="フッター プレースホルダー 3">
-            <a:extLst>
-              <a:ext uri="{FF2B5EF4-FFF2-40B4-BE49-F238E27FC236}">
-                <a16:creationId xmlns:a16="http://schemas.microsoft.com/office/drawing/2014/main" id="{51FCA073-D432-4ACA-9E65-27B304606454}"/>
-              </a:ext>
-            </a:extLst>
-          </p:cNvPr>
+          <p:cNvPr id="4" name="Footer Placeholder 3"/>
           <p:cNvSpPr>
             <a:spLocks noGrp="1"/>
           </p:cNvSpPr>
@@ -3770,13 +3924,7 @@
       </p:sp>
       <p:sp>
         <p:nvSpPr>
-          <p:cNvPr id="5" name="スライド番号プレースホルダー 4">
-            <a:extLst>
-              <a:ext uri="{FF2B5EF4-FFF2-40B4-BE49-F238E27FC236}">
-                <a16:creationId xmlns:a16="http://schemas.microsoft.com/office/drawing/2014/main" id="{EAD56FC5-F4BD-47FB-A34A-D5F7CAE1232A}"/>
-              </a:ext>
-            </a:extLst>
-          </p:cNvPr>
+          <p:cNvPr id="5" name="Slide Number Placeholder 4"/>
           <p:cNvSpPr>
             <a:spLocks noGrp="1"/>
           </p:cNvSpPr>
@@ -3800,7 +3948,7 @@
     </p:spTree>
     <p:extLst>
       <p:ext uri="{BB962C8B-B14F-4D97-AF65-F5344CB8AC3E}">
-        <p14:creationId xmlns:p14="http://schemas.microsoft.com/office/powerpoint/2010/main" val="4066436816"/>
+        <p14:creationId xmlns:p14="http://schemas.microsoft.com/office/powerpoint/2010/main" val="2218114224"/>
       </p:ext>
     </p:extLst>
   </p:cSld>
@@ -3823,7 +3971,7 @@
 </file>
 
 <file path=ppt/slideLayouts/slideLayout7.xml><?xml version="1.0" encoding="utf-8"?>
-<p:sldLayout xmlns:a="http://schemas.openxmlformats.org/drawingml/2006/main" xmlns:r="http://schemas.openxmlformats.org/officeDocument/2006/relationships" xmlns:p="http://schemas.openxmlformats.org/presentationml/2006/main" type="blank" preserve="1">
+<p:sldLayout xmlns:a="http://schemas.openxmlformats.org/drawingml/2006/main" xmlns:r="http://schemas.openxmlformats.org/officeDocument/2006/relationships" xmlns:p="http://schemas.openxmlformats.org/presentationml/2006/main" showMasterSp="0" type="blank" preserve="1">
   <p:cSld name="白紙">
     <p:spTree>
       <p:nvGrpSpPr>
@@ -3841,13 +3989,83 @@
       </p:grpSpPr>
       <p:sp>
         <p:nvSpPr>
-          <p:cNvPr id="2" name="日付プレースホルダー 1">
-            <a:extLst>
-              <a:ext uri="{FF2B5EF4-FFF2-40B4-BE49-F238E27FC236}">
-                <a16:creationId xmlns:a16="http://schemas.microsoft.com/office/drawing/2014/main" id="{483F8779-270B-4065-BEE6-2C8D9EC566C8}"/>
-              </a:ext>
-            </a:extLst>
-          </p:cNvPr>
+          <p:cNvPr id="5" name="Rectangle 4"/>
+          <p:cNvSpPr/>
+          <p:nvPr/>
+        </p:nvSpPr>
+        <p:spPr>
+          <a:xfrm>
+            <a:off x="3175" y="6400800"/>
+            <a:ext cx="12188825" cy="457200"/>
+          </a:xfrm>
+          <a:prstGeom prst="rect">
+            <a:avLst/>
+          </a:prstGeom>
+          <a:solidFill>
+            <a:schemeClr val="accent2"/>
+          </a:solidFill>
+          <a:ln>
+            <a:noFill/>
+          </a:ln>
+        </p:spPr>
+        <p:style>
+          <a:lnRef idx="2">
+            <a:schemeClr val="accent1">
+              <a:shade val="50000"/>
+            </a:schemeClr>
+          </a:lnRef>
+          <a:fillRef idx="1">
+            <a:schemeClr val="accent1"/>
+          </a:fillRef>
+          <a:effectRef idx="0">
+            <a:schemeClr val="accent1"/>
+          </a:effectRef>
+          <a:fontRef idx="minor">
+            <a:schemeClr val="lt1"/>
+          </a:fontRef>
+        </p:style>
+      </p:sp>
+      <p:sp>
+        <p:nvSpPr>
+          <p:cNvPr id="6" name="Rectangle 5"/>
+          <p:cNvSpPr/>
+          <p:nvPr/>
+        </p:nvSpPr>
+        <p:spPr>
+          <a:xfrm>
+            <a:off x="15" y="6334316"/>
+            <a:ext cx="12188825" cy="64008"/>
+          </a:xfrm>
+          <a:prstGeom prst="rect">
+            <a:avLst/>
+          </a:prstGeom>
+          <a:solidFill>
+            <a:schemeClr val="accent1"/>
+          </a:solidFill>
+          <a:ln>
+            <a:noFill/>
+          </a:ln>
+        </p:spPr>
+        <p:style>
+          <a:lnRef idx="2">
+            <a:schemeClr val="accent1">
+              <a:shade val="50000"/>
+            </a:schemeClr>
+          </a:lnRef>
+          <a:fillRef idx="1">
+            <a:schemeClr val="accent1"/>
+          </a:fillRef>
+          <a:effectRef idx="0">
+            <a:schemeClr val="accent1"/>
+          </a:effectRef>
+          <a:fontRef idx="minor">
+            <a:schemeClr val="lt1"/>
+          </a:fontRef>
+        </p:style>
+      </p:sp>
+      <p:sp>
+        <p:nvSpPr>
+          <p:cNvPr id="7" name="Date Placeholder 6"/>
           <p:cNvSpPr>
             <a:spLocks noGrp="1"/>
           </p:cNvSpPr>
@@ -3862,7 +4080,7 @@
           <a:p>
             <a:fld id="{C7088D3D-165A-46EA-B7B0-B1C3789A41AB}" type="datetimeFigureOut">
               <a:rPr kumimoji="1" lang="ja-JP" altLang="en-US" smtClean="0"/>
-              <a:t>2024/8/19</a:t>
+              <a:t>2024/9/17</a:t>
             </a:fld>
             <a:endParaRPr kumimoji="1" lang="ja-JP" altLang="en-US" dirty="0"/>
           </a:p>
@@ -3870,13 +4088,7 @@
       </p:sp>
       <p:sp>
         <p:nvSpPr>
-          <p:cNvPr id="3" name="フッター プレースホルダー 2">
-            <a:extLst>
-              <a:ext uri="{FF2B5EF4-FFF2-40B4-BE49-F238E27FC236}">
-                <a16:creationId xmlns:a16="http://schemas.microsoft.com/office/drawing/2014/main" id="{8EDD0D40-DF0C-4C21-8B96-D4D9C7EE15AB}"/>
-              </a:ext>
-            </a:extLst>
-          </p:cNvPr>
+          <p:cNvPr id="8" name="Footer Placeholder 7"/>
           <p:cNvSpPr>
             <a:spLocks noGrp="1"/>
           </p:cNvSpPr>
@@ -3887,7 +4099,15 @@
         <p:spPr/>
         <p:txBody>
           <a:bodyPr/>
-          <a:lstStyle/>
+          <a:lstStyle>
+            <a:lvl1pPr>
+              <a:defRPr>
+                <a:solidFill>
+                  <a:srgbClr val="FFFFFF"/>
+                </a:solidFill>
+              </a:defRPr>
+            </a:lvl1pPr>
+          </a:lstStyle>
           <a:p>
             <a:endParaRPr kumimoji="1" lang="ja-JP" altLang="en-US" dirty="0"/>
           </a:p>
@@ -3895,13 +4115,7 @@
       </p:sp>
       <p:sp>
         <p:nvSpPr>
-          <p:cNvPr id="4" name="スライド番号プレースホルダー 3">
-            <a:extLst>
-              <a:ext uri="{FF2B5EF4-FFF2-40B4-BE49-F238E27FC236}">
-                <a16:creationId xmlns:a16="http://schemas.microsoft.com/office/drawing/2014/main" id="{0B8023D1-2EF6-4FF0-8056-98294EA27F71}"/>
-              </a:ext>
-            </a:extLst>
-          </p:cNvPr>
+          <p:cNvPr id="9" name="Slide Number Placeholder 8"/>
           <p:cNvSpPr>
             <a:spLocks noGrp="1"/>
           </p:cNvSpPr>
@@ -3925,7 +4139,7 @@
     </p:spTree>
     <p:extLst>
       <p:ext uri="{BB962C8B-B14F-4D97-AF65-F5344CB8AC3E}">
-        <p14:creationId xmlns:p14="http://schemas.microsoft.com/office/powerpoint/2010/main" val="343209361"/>
+        <p14:creationId xmlns:p14="http://schemas.microsoft.com/office/powerpoint/2010/main" val="1895744548"/>
       </p:ext>
     </p:extLst>
   </p:cSld>
@@ -3948,7 +4162,7 @@
 </file>
 
 <file path=ppt/slideLayouts/slideLayout8.xml><?xml version="1.0" encoding="utf-8"?>
-<p:sldLayout xmlns:a="http://schemas.openxmlformats.org/drawingml/2006/main" xmlns:r="http://schemas.openxmlformats.org/officeDocument/2006/relationships" xmlns:p="http://schemas.openxmlformats.org/presentationml/2006/main" type="objTx" preserve="1">
+<p:sldLayout xmlns:a="http://schemas.openxmlformats.org/drawingml/2006/main" xmlns:r="http://schemas.openxmlformats.org/officeDocument/2006/relationships" xmlns:p="http://schemas.openxmlformats.org/presentationml/2006/main" showMasterSp="0" type="objTx" preserve="1">
   <p:cSld name="タイトル付きのコンテンツ">
     <p:spTree>
       <p:nvGrpSpPr>
@@ -3966,50 +4180,121 @@
       </p:grpSpPr>
       <p:sp>
         <p:nvSpPr>
-          <p:cNvPr id="2" name="タイトル 1">
-            <a:extLst>
-              <a:ext uri="{FF2B5EF4-FFF2-40B4-BE49-F238E27FC236}">
-                <a16:creationId xmlns:a16="http://schemas.microsoft.com/office/drawing/2014/main" id="{E83DFA84-CEEE-4F56-A5D6-6B50EB197618}"/>
-              </a:ext>
-            </a:extLst>
-          </p:cNvPr>
-          <p:cNvSpPr>
-            <a:spLocks noGrp="1"/>
-          </p:cNvSpPr>
-          <p:nvPr>
-            <p:ph type="title"/>
-          </p:nvPr>
+          <p:cNvPr id="8" name="Rectangle 7"/>
+          <p:cNvSpPr/>
+          <p:nvPr/>
         </p:nvSpPr>
         <p:spPr>
           <a:xfrm>
-            <a:off x="839788" y="457200"/>
-            <a:ext cx="3932237" cy="1600200"/>
+            <a:off x="16" y="0"/>
+            <a:ext cx="4050791" cy="6858000"/>
+          </a:xfrm>
+          <a:prstGeom prst="rect">
+            <a:avLst/>
+          </a:prstGeom>
+          <a:solidFill>
+            <a:schemeClr val="accent2"/>
+          </a:solidFill>
+          <a:ln>
+            <a:noFill/>
+          </a:ln>
+        </p:spPr>
+        <p:style>
+          <a:lnRef idx="2">
+            <a:schemeClr val="accent1">
+              <a:shade val="50000"/>
+            </a:schemeClr>
+          </a:lnRef>
+          <a:fillRef idx="1">
+            <a:schemeClr val="accent1"/>
+          </a:fillRef>
+          <a:effectRef idx="0">
+            <a:schemeClr val="accent1"/>
+          </a:effectRef>
+          <a:fontRef idx="minor">
+            <a:schemeClr val="lt1"/>
+          </a:fontRef>
+        </p:style>
+      </p:sp>
+      <p:sp>
+        <p:nvSpPr>
+          <p:cNvPr id="9" name="Rectangle 8"/>
+          <p:cNvSpPr/>
+          <p:nvPr/>
+        </p:nvSpPr>
+        <p:spPr>
+          <a:xfrm>
+            <a:off x="4040071" y="0"/>
+            <a:ext cx="64008" cy="6858000"/>
+          </a:xfrm>
+          <a:prstGeom prst="rect">
+            <a:avLst/>
+          </a:prstGeom>
+          <a:solidFill>
+            <a:schemeClr val="accent1"/>
+          </a:solidFill>
+          <a:ln>
+            <a:noFill/>
+          </a:ln>
+        </p:spPr>
+        <p:style>
+          <a:lnRef idx="2">
+            <a:schemeClr val="accent1">
+              <a:shade val="50000"/>
+            </a:schemeClr>
+          </a:lnRef>
+          <a:fillRef idx="1">
+            <a:schemeClr val="accent1"/>
+          </a:fillRef>
+          <a:effectRef idx="0">
+            <a:schemeClr val="accent1"/>
+          </a:effectRef>
+          <a:fontRef idx="minor">
+            <a:schemeClr val="lt1"/>
+          </a:fontRef>
+        </p:style>
+      </p:sp>
+      <p:sp>
+        <p:nvSpPr>
+          <p:cNvPr id="2" name="Title 1"/>
+          <p:cNvSpPr>
+            <a:spLocks noGrp="1"/>
+          </p:cNvSpPr>
+          <p:nvPr>
+            <p:ph type="title"/>
+          </p:nvPr>
+        </p:nvSpPr>
+        <p:spPr>
+          <a:xfrm>
+            <a:off x="457200" y="594359"/>
+            <a:ext cx="3200400" cy="2286000"/>
           </a:xfrm>
         </p:spPr>
         <p:txBody>
-          <a:bodyPr anchor="b"/>
+          <a:bodyPr anchor="b">
+            <a:normAutofit/>
+          </a:bodyPr>
           <a:lstStyle>
             <a:lvl1pPr>
-              <a:defRPr sz="3200"/>
+              <a:defRPr sz="3600" b="0">
+                <a:solidFill>
+                  <a:srgbClr val="FFFFFF"/>
+                </a:solidFill>
+              </a:defRPr>
             </a:lvl1pPr>
           </a:lstStyle>
           <a:p>
             <a:r>
-              <a:rPr kumimoji="1" lang="ja-JP" altLang="en-US"/>
+              <a:rPr lang="ja-JP" altLang="en-US"/>
               <a:t>マスター タイトルの書式設定</a:t>
             </a:r>
-          </a:p>
-        </p:txBody>
-      </p:sp>
-      <p:sp>
-        <p:nvSpPr>
-          <p:cNvPr id="3" name="コンテンツ プレースホルダー 2">
-            <a:extLst>
-              <a:ext uri="{FF2B5EF4-FFF2-40B4-BE49-F238E27FC236}">
-                <a16:creationId xmlns:a16="http://schemas.microsoft.com/office/drawing/2014/main" id="{E42568AF-9A80-4996-A556-D6257EFA05B8}"/>
-              </a:ext>
-            </a:extLst>
-          </p:cNvPr>
+            <a:endParaRPr lang="en-US" dirty="0"/>
+          </a:p>
+        </p:txBody>
+      </p:sp>
+      <p:sp>
+        <p:nvSpPr>
+          <p:cNvPr id="3" name="Content Placeholder 2"/>
           <p:cNvSpPr>
             <a:spLocks noGrp="1"/>
           </p:cNvSpPr>
@@ -4019,255 +4304,240 @@
         </p:nvSpPr>
         <p:spPr>
           <a:xfrm>
-            <a:off x="5183188" y="987425"/>
-            <a:ext cx="6172200" cy="4873625"/>
+            <a:off x="4800600" y="731520"/>
+            <a:ext cx="6492240" cy="5257800"/>
           </a:xfrm>
         </p:spPr>
+        <p:txBody>
+          <a:bodyPr/>
+          <a:lstStyle/>
+          <a:p>
+            <a:pPr lvl="0"/>
+            <a:r>
+              <a:rPr lang="ja-JP" altLang="en-US"/>
+              <a:t>マスター テキストの書式設定</a:t>
+            </a:r>
+          </a:p>
+          <a:p>
+            <a:pPr lvl="1"/>
+            <a:r>
+              <a:rPr lang="ja-JP" altLang="en-US"/>
+              <a:t>第 </a:t>
+            </a:r>
+            <a:r>
+              <a:rPr lang="en-US" altLang="ja-JP"/>
+              <a:t>2 </a:t>
+            </a:r>
+            <a:r>
+              <a:rPr lang="ja-JP" altLang="en-US"/>
+              <a:t>レベル</a:t>
+            </a:r>
+          </a:p>
+          <a:p>
+            <a:pPr lvl="2"/>
+            <a:r>
+              <a:rPr lang="ja-JP" altLang="en-US"/>
+              <a:t>第 </a:t>
+            </a:r>
+            <a:r>
+              <a:rPr lang="en-US" altLang="ja-JP"/>
+              <a:t>3 </a:t>
+            </a:r>
+            <a:r>
+              <a:rPr lang="ja-JP" altLang="en-US"/>
+              <a:t>レベル</a:t>
+            </a:r>
+          </a:p>
+          <a:p>
+            <a:pPr lvl="3"/>
+            <a:r>
+              <a:rPr lang="ja-JP" altLang="en-US"/>
+              <a:t>第 </a:t>
+            </a:r>
+            <a:r>
+              <a:rPr lang="en-US" altLang="ja-JP"/>
+              <a:t>4 </a:t>
+            </a:r>
+            <a:r>
+              <a:rPr lang="ja-JP" altLang="en-US"/>
+              <a:t>レベル</a:t>
+            </a:r>
+          </a:p>
+          <a:p>
+            <a:pPr lvl="4"/>
+            <a:r>
+              <a:rPr lang="ja-JP" altLang="en-US"/>
+              <a:t>第 </a:t>
+            </a:r>
+            <a:r>
+              <a:rPr lang="en-US" altLang="ja-JP"/>
+              <a:t>5 </a:t>
+            </a:r>
+            <a:r>
+              <a:rPr lang="ja-JP" altLang="en-US"/>
+              <a:t>レベル</a:t>
+            </a:r>
+            <a:endParaRPr lang="en-US" dirty="0"/>
+          </a:p>
+        </p:txBody>
+      </p:sp>
+      <p:sp>
+        <p:nvSpPr>
+          <p:cNvPr id="4" name="Text Placeholder 3"/>
+          <p:cNvSpPr>
+            <a:spLocks noGrp="1"/>
+          </p:cNvSpPr>
+          <p:nvPr>
+            <p:ph type="body" sz="half" idx="2"/>
+          </p:nvPr>
+        </p:nvSpPr>
+        <p:spPr>
+          <a:xfrm>
+            <a:off x="457200" y="2926080"/>
+            <a:ext cx="3200400" cy="3379124"/>
+          </a:xfrm>
+        </p:spPr>
+        <p:txBody>
+          <a:bodyPr lIns="91440" rIns="91440">
+            <a:normAutofit/>
+          </a:bodyPr>
+          <a:lstStyle>
+            <a:lvl1pPr marL="0" indent="0">
+              <a:buNone/>
+              <a:defRPr sz="1500">
+                <a:solidFill>
+                  <a:srgbClr val="FFFFFF"/>
+                </a:solidFill>
+              </a:defRPr>
+            </a:lvl1pPr>
+            <a:lvl2pPr marL="457200" indent="0">
+              <a:buNone/>
+              <a:defRPr sz="1200"/>
+            </a:lvl2pPr>
+            <a:lvl3pPr marL="914400" indent="0">
+              <a:buNone/>
+              <a:defRPr sz="1000"/>
+            </a:lvl3pPr>
+            <a:lvl4pPr marL="1371600" indent="0">
+              <a:buNone/>
+              <a:defRPr sz="900"/>
+            </a:lvl4pPr>
+            <a:lvl5pPr marL="1828800" indent="0">
+              <a:buNone/>
+              <a:defRPr sz="900"/>
+            </a:lvl5pPr>
+            <a:lvl6pPr marL="2286000" indent="0">
+              <a:buNone/>
+              <a:defRPr sz="900"/>
+            </a:lvl6pPr>
+            <a:lvl7pPr marL="2743200" indent="0">
+              <a:buNone/>
+              <a:defRPr sz="900"/>
+            </a:lvl7pPr>
+            <a:lvl8pPr marL="3200400" indent="0">
+              <a:buNone/>
+              <a:defRPr sz="900"/>
+            </a:lvl8pPr>
+            <a:lvl9pPr marL="3657600" indent="0">
+              <a:buNone/>
+              <a:defRPr sz="900"/>
+            </a:lvl9pPr>
+          </a:lstStyle>
+          <a:p>
+            <a:pPr lvl="0"/>
+            <a:r>
+              <a:rPr lang="ja-JP" altLang="en-US"/>
+              <a:t>マスター テキストの書式設定</a:t>
+            </a:r>
+          </a:p>
+        </p:txBody>
+      </p:sp>
+      <p:sp>
+        <p:nvSpPr>
+          <p:cNvPr id="5" name="Date Placeholder 4"/>
+          <p:cNvSpPr>
+            <a:spLocks noGrp="1"/>
+          </p:cNvSpPr>
+          <p:nvPr>
+            <p:ph type="dt" sz="half" idx="10"/>
+          </p:nvPr>
+        </p:nvSpPr>
+        <p:spPr>
+          <a:xfrm>
+            <a:off x="465512" y="6459785"/>
+            <a:ext cx="2618510" cy="365125"/>
+          </a:xfrm>
+        </p:spPr>
+        <p:txBody>
+          <a:bodyPr/>
+          <a:lstStyle>
+            <a:lvl1pPr algn="l">
+              <a:defRPr/>
+            </a:lvl1pPr>
+          </a:lstStyle>
+          <a:p>
+            <a:fld id="{C7088D3D-165A-46EA-B7B0-B1C3789A41AB}" type="datetimeFigureOut">
+              <a:rPr kumimoji="1" lang="ja-JP" altLang="en-US" smtClean="0"/>
+              <a:t>2024/9/17</a:t>
+            </a:fld>
+            <a:endParaRPr kumimoji="1" lang="ja-JP" altLang="en-US" dirty="0"/>
+          </a:p>
+        </p:txBody>
+      </p:sp>
+      <p:sp>
+        <p:nvSpPr>
+          <p:cNvPr id="6" name="Footer Placeholder 5"/>
+          <p:cNvSpPr>
+            <a:spLocks noGrp="1"/>
+          </p:cNvSpPr>
+          <p:nvPr>
+            <p:ph type="ftr" sz="quarter" idx="11"/>
+          </p:nvPr>
+        </p:nvSpPr>
+        <p:spPr>
+          <a:xfrm>
+            <a:off x="4800600" y="6459785"/>
+            <a:ext cx="4648200" cy="365125"/>
+          </a:xfrm>
+        </p:spPr>
+        <p:txBody>
+          <a:bodyPr/>
+          <a:lstStyle>
+            <a:lvl1pPr algn="l">
+              <a:defRPr>
+                <a:solidFill>
+                  <a:schemeClr val="tx2"/>
+                </a:solidFill>
+              </a:defRPr>
+            </a:lvl1pPr>
+          </a:lstStyle>
+          <a:p>
+            <a:endParaRPr kumimoji="1" lang="ja-JP" altLang="en-US" dirty="0"/>
+          </a:p>
+        </p:txBody>
+      </p:sp>
+      <p:sp>
+        <p:nvSpPr>
+          <p:cNvPr id="7" name="Slide Number Placeholder 6"/>
+          <p:cNvSpPr>
+            <a:spLocks noGrp="1"/>
+          </p:cNvSpPr>
+          <p:nvPr>
+            <p:ph type="sldNum" sz="quarter" idx="12"/>
+          </p:nvPr>
+        </p:nvSpPr>
+        <p:spPr/>
         <p:txBody>
           <a:bodyPr/>
           <a:lstStyle>
             <a:lvl1pPr>
-              <a:defRPr sz="3200"/>
+              <a:defRPr>
+                <a:solidFill>
+                  <a:schemeClr val="tx2"/>
+                </a:solidFill>
+              </a:defRPr>
             </a:lvl1pPr>
-            <a:lvl2pPr>
-              <a:defRPr sz="2800"/>
-            </a:lvl2pPr>
-            <a:lvl3pPr>
-              <a:defRPr sz="2400"/>
-            </a:lvl3pPr>
-            <a:lvl4pPr>
-              <a:defRPr sz="2000"/>
-            </a:lvl4pPr>
-            <a:lvl5pPr>
-              <a:defRPr sz="2000"/>
-            </a:lvl5pPr>
-            <a:lvl6pPr>
-              <a:defRPr sz="2000"/>
-            </a:lvl6pPr>
-            <a:lvl7pPr>
-              <a:defRPr sz="2000"/>
-            </a:lvl7pPr>
-            <a:lvl8pPr>
-              <a:defRPr sz="2000"/>
-            </a:lvl8pPr>
-            <a:lvl9pPr>
-              <a:defRPr sz="2000"/>
-            </a:lvl9pPr>
           </a:lstStyle>
-          <a:p>
-            <a:pPr lvl="0"/>
-            <a:r>
-              <a:rPr kumimoji="1" lang="ja-JP" altLang="en-US"/>
-              <a:t>マスター テキストの書式設定</a:t>
-            </a:r>
-          </a:p>
-          <a:p>
-            <a:pPr lvl="1"/>
-            <a:r>
-              <a:rPr kumimoji="1" lang="ja-JP" altLang="en-US"/>
-              <a:t>第 </a:t>
-            </a:r>
-            <a:r>
-              <a:rPr kumimoji="1" lang="en-US" altLang="ja-JP"/>
-              <a:t>2 </a:t>
-            </a:r>
-            <a:r>
-              <a:rPr kumimoji="1" lang="ja-JP" altLang="en-US"/>
-              <a:t>レベル</a:t>
-            </a:r>
-          </a:p>
-          <a:p>
-            <a:pPr lvl="2"/>
-            <a:r>
-              <a:rPr kumimoji="1" lang="ja-JP" altLang="en-US"/>
-              <a:t>第 </a:t>
-            </a:r>
-            <a:r>
-              <a:rPr kumimoji="1" lang="en-US" altLang="ja-JP"/>
-              <a:t>3 </a:t>
-            </a:r>
-            <a:r>
-              <a:rPr kumimoji="1" lang="ja-JP" altLang="en-US"/>
-              <a:t>レベル</a:t>
-            </a:r>
-          </a:p>
-          <a:p>
-            <a:pPr lvl="3"/>
-            <a:r>
-              <a:rPr kumimoji="1" lang="ja-JP" altLang="en-US"/>
-              <a:t>第 </a:t>
-            </a:r>
-            <a:r>
-              <a:rPr kumimoji="1" lang="en-US" altLang="ja-JP"/>
-              <a:t>4 </a:t>
-            </a:r>
-            <a:r>
-              <a:rPr kumimoji="1" lang="ja-JP" altLang="en-US"/>
-              <a:t>レベル</a:t>
-            </a:r>
-          </a:p>
-          <a:p>
-            <a:pPr lvl="4"/>
-            <a:r>
-              <a:rPr kumimoji="1" lang="ja-JP" altLang="en-US"/>
-              <a:t>第 </a:t>
-            </a:r>
-            <a:r>
-              <a:rPr kumimoji="1" lang="en-US" altLang="ja-JP"/>
-              <a:t>5 </a:t>
-            </a:r>
-            <a:r>
-              <a:rPr kumimoji="1" lang="ja-JP" altLang="en-US"/>
-              <a:t>レベル</a:t>
-            </a:r>
-          </a:p>
-        </p:txBody>
-      </p:sp>
-      <p:sp>
-        <p:nvSpPr>
-          <p:cNvPr id="4" name="テキスト プレースホルダー 3">
-            <a:extLst>
-              <a:ext uri="{FF2B5EF4-FFF2-40B4-BE49-F238E27FC236}">
-                <a16:creationId xmlns:a16="http://schemas.microsoft.com/office/drawing/2014/main" id="{777435A4-E66B-4876-B277-E68E3A6A6D70}"/>
-              </a:ext>
-            </a:extLst>
-          </p:cNvPr>
-          <p:cNvSpPr>
-            <a:spLocks noGrp="1"/>
-          </p:cNvSpPr>
-          <p:nvPr>
-            <p:ph type="body" sz="half" idx="2"/>
-          </p:nvPr>
-        </p:nvSpPr>
-        <p:spPr>
-          <a:xfrm>
-            <a:off x="839788" y="2057400"/>
-            <a:ext cx="3932237" cy="3811588"/>
-          </a:xfrm>
-        </p:spPr>
-        <p:txBody>
-          <a:bodyPr/>
-          <a:lstStyle>
-            <a:lvl1pPr marL="0" indent="0">
-              <a:buNone/>
-              <a:defRPr sz="1600"/>
-            </a:lvl1pPr>
-            <a:lvl2pPr marL="457200" indent="0">
-              <a:buNone/>
-              <a:defRPr sz="1400"/>
-            </a:lvl2pPr>
-            <a:lvl3pPr marL="914400" indent="0">
-              <a:buNone/>
-              <a:defRPr sz="1200"/>
-            </a:lvl3pPr>
-            <a:lvl4pPr marL="1371600" indent="0">
-              <a:buNone/>
-              <a:defRPr sz="1000"/>
-            </a:lvl4pPr>
-            <a:lvl5pPr marL="1828800" indent="0">
-              <a:buNone/>
-              <a:defRPr sz="1000"/>
-            </a:lvl5pPr>
-            <a:lvl6pPr marL="2286000" indent="0">
-              <a:buNone/>
-              <a:defRPr sz="1000"/>
-            </a:lvl6pPr>
-            <a:lvl7pPr marL="2743200" indent="0">
-              <a:buNone/>
-              <a:defRPr sz="1000"/>
-            </a:lvl7pPr>
-            <a:lvl8pPr marL="3200400" indent="0">
-              <a:buNone/>
-              <a:defRPr sz="1000"/>
-            </a:lvl8pPr>
-            <a:lvl9pPr marL="3657600" indent="0">
-              <a:buNone/>
-              <a:defRPr sz="1000"/>
-            </a:lvl9pPr>
-          </a:lstStyle>
-          <a:p>
-            <a:pPr lvl="0"/>
-            <a:r>
-              <a:rPr kumimoji="1" lang="ja-JP" altLang="en-US"/>
-              <a:t>マスター テキストの書式設定</a:t>
-            </a:r>
-          </a:p>
-        </p:txBody>
-      </p:sp>
-      <p:sp>
-        <p:nvSpPr>
-          <p:cNvPr id="5" name="日付プレースホルダー 4">
-            <a:extLst>
-              <a:ext uri="{FF2B5EF4-FFF2-40B4-BE49-F238E27FC236}">
-                <a16:creationId xmlns:a16="http://schemas.microsoft.com/office/drawing/2014/main" id="{266A295C-E49F-42E7-BEB2-062820FA20ED}"/>
-              </a:ext>
-            </a:extLst>
-          </p:cNvPr>
-          <p:cNvSpPr>
-            <a:spLocks noGrp="1"/>
-          </p:cNvSpPr>
-          <p:nvPr>
-            <p:ph type="dt" sz="half" idx="10"/>
-          </p:nvPr>
-        </p:nvSpPr>
-        <p:spPr/>
-        <p:txBody>
-          <a:bodyPr/>
-          <a:lstStyle/>
-          <a:p>
-            <a:fld id="{C7088D3D-165A-46EA-B7B0-B1C3789A41AB}" type="datetimeFigureOut">
-              <a:rPr kumimoji="1" lang="ja-JP" altLang="en-US" smtClean="0"/>
-              <a:t>2024/8/19</a:t>
-            </a:fld>
-            <a:endParaRPr kumimoji="1" lang="ja-JP" altLang="en-US" dirty="0"/>
-          </a:p>
-        </p:txBody>
-      </p:sp>
-      <p:sp>
-        <p:nvSpPr>
-          <p:cNvPr id="6" name="フッター プレースホルダー 5">
-            <a:extLst>
-              <a:ext uri="{FF2B5EF4-FFF2-40B4-BE49-F238E27FC236}">
-                <a16:creationId xmlns:a16="http://schemas.microsoft.com/office/drawing/2014/main" id="{F349A9B9-3950-4D2C-9C4E-F3198A005F42}"/>
-              </a:ext>
-            </a:extLst>
-          </p:cNvPr>
-          <p:cNvSpPr>
-            <a:spLocks noGrp="1"/>
-          </p:cNvSpPr>
-          <p:nvPr>
-            <p:ph type="ftr" sz="quarter" idx="11"/>
-          </p:nvPr>
-        </p:nvSpPr>
-        <p:spPr/>
-        <p:txBody>
-          <a:bodyPr/>
-          <a:lstStyle/>
-          <a:p>
-            <a:endParaRPr kumimoji="1" lang="ja-JP" altLang="en-US" dirty="0"/>
-          </a:p>
-        </p:txBody>
-      </p:sp>
-      <p:sp>
-        <p:nvSpPr>
-          <p:cNvPr id="7" name="スライド番号プレースホルダー 6">
-            <a:extLst>
-              <a:ext uri="{FF2B5EF4-FFF2-40B4-BE49-F238E27FC236}">
-                <a16:creationId xmlns:a16="http://schemas.microsoft.com/office/drawing/2014/main" id="{87AEC61E-280D-4987-9A41-7E2A3C60766B}"/>
-              </a:ext>
-            </a:extLst>
-          </p:cNvPr>
-          <p:cNvSpPr>
-            <a:spLocks noGrp="1"/>
-          </p:cNvSpPr>
-          <p:nvPr>
-            <p:ph type="sldNum" sz="quarter" idx="12"/>
-          </p:nvPr>
-        </p:nvSpPr>
-        <p:spPr/>
-        <p:txBody>
-          <a:bodyPr/>
-          <a:lstStyle/>
           <a:p>
             <a:fld id="{A3DE33CB-5839-4DFF-8E04-643563D60251}" type="slidenum">
               <a:rPr kumimoji="1" lang="ja-JP" altLang="en-US" smtClean="0"/>
@@ -4280,30 +4550,18 @@
     </p:spTree>
     <p:extLst>
       <p:ext uri="{BB962C8B-B14F-4D97-AF65-F5344CB8AC3E}">
-        <p14:creationId xmlns:p14="http://schemas.microsoft.com/office/powerpoint/2010/main" val="1154251161"/>
+        <p14:creationId xmlns:p14="http://schemas.microsoft.com/office/powerpoint/2010/main" val="2373060058"/>
       </p:ext>
     </p:extLst>
   </p:cSld>
   <p:clrMapOvr>
     <a:masterClrMapping/>
   </p:clrMapOvr>
-  <mc:AlternateContent xmlns:mc="http://schemas.openxmlformats.org/markup-compatibility/2006" xmlns:p159="http://schemas.microsoft.com/office/powerpoint/2015/09/main">
-    <mc:Choice Requires="p159">
-      <p:transition xmlns:p14="http://schemas.microsoft.com/office/powerpoint/2010/main" spd="slow" p14:dur="2000">
-        <p159:morph option="byObject"/>
-      </p:transition>
-    </mc:Choice>
-    <mc:Fallback xmlns="">
-      <p:transition spd="slow">
-        <p:fade/>
-      </p:transition>
-    </mc:Fallback>
-  </mc:AlternateContent>
 </p:sldLayout>
 </file>
 
 <file path=ppt/slideLayouts/slideLayout9.xml><?xml version="1.0" encoding="utf-8"?>
-<p:sldLayout xmlns:a="http://schemas.openxmlformats.org/drawingml/2006/main" xmlns:r="http://schemas.openxmlformats.org/officeDocument/2006/relationships" xmlns:p="http://schemas.openxmlformats.org/presentationml/2006/main" type="picTx" preserve="1">
+<p:sldLayout xmlns:a="http://schemas.openxmlformats.org/drawingml/2006/main" xmlns:r="http://schemas.openxmlformats.org/officeDocument/2006/relationships" xmlns:p="http://schemas.openxmlformats.org/presentationml/2006/main" showMasterSp="0" type="picTx" preserve="1">
   <p:cSld name="タイトル付きの図">
     <p:spTree>
       <p:nvGrpSpPr>
@@ -4321,52 +4579,123 @@
       </p:grpSpPr>
       <p:sp>
         <p:nvSpPr>
-          <p:cNvPr id="2" name="タイトル 1">
-            <a:extLst>
-              <a:ext uri="{FF2B5EF4-FFF2-40B4-BE49-F238E27FC236}">
-                <a16:creationId xmlns:a16="http://schemas.microsoft.com/office/drawing/2014/main" id="{B8677C2D-1A72-47CE-8E40-39069677A9D4}"/>
-              </a:ext>
-            </a:extLst>
-          </p:cNvPr>
-          <p:cNvSpPr>
-            <a:spLocks noGrp="1"/>
-          </p:cNvSpPr>
-          <p:nvPr>
-            <p:ph type="title"/>
-          </p:nvPr>
+          <p:cNvPr id="8" name="Rectangle 7"/>
+          <p:cNvSpPr/>
+          <p:nvPr/>
         </p:nvSpPr>
         <p:spPr>
           <a:xfrm>
-            <a:off x="839788" y="457200"/>
-            <a:ext cx="3932237" cy="1600200"/>
+            <a:off x="0" y="4953000"/>
+            <a:ext cx="12188825" cy="1905000"/>
+          </a:xfrm>
+          <a:prstGeom prst="rect">
+            <a:avLst/>
+          </a:prstGeom>
+          <a:solidFill>
+            <a:schemeClr val="accent2"/>
+          </a:solidFill>
+          <a:ln>
+            <a:noFill/>
+          </a:ln>
+        </p:spPr>
+        <p:style>
+          <a:lnRef idx="2">
+            <a:schemeClr val="accent1">
+              <a:shade val="50000"/>
+            </a:schemeClr>
+          </a:lnRef>
+          <a:fillRef idx="1">
+            <a:schemeClr val="accent1"/>
+          </a:fillRef>
+          <a:effectRef idx="0">
+            <a:schemeClr val="accent1"/>
+          </a:effectRef>
+          <a:fontRef idx="minor">
+            <a:schemeClr val="lt1"/>
+          </a:fontRef>
+        </p:style>
+      </p:sp>
+      <p:sp>
+        <p:nvSpPr>
+          <p:cNvPr id="9" name="Rectangle 8"/>
+          <p:cNvSpPr/>
+          <p:nvPr/>
+        </p:nvSpPr>
+        <p:spPr>
+          <a:xfrm>
+            <a:off x="15" y="4915076"/>
+            <a:ext cx="12188825" cy="64008"/>
+          </a:xfrm>
+          <a:prstGeom prst="rect">
+            <a:avLst/>
+          </a:prstGeom>
+          <a:solidFill>
+            <a:schemeClr val="accent1"/>
+          </a:solidFill>
+          <a:ln>
+            <a:noFill/>
+          </a:ln>
+        </p:spPr>
+        <p:style>
+          <a:lnRef idx="2">
+            <a:schemeClr val="accent1">
+              <a:shade val="50000"/>
+            </a:schemeClr>
+          </a:lnRef>
+          <a:fillRef idx="1">
+            <a:schemeClr val="accent1"/>
+          </a:fillRef>
+          <a:effectRef idx="0">
+            <a:schemeClr val="accent1"/>
+          </a:effectRef>
+          <a:fontRef idx="minor">
+            <a:schemeClr val="lt1"/>
+          </a:fontRef>
+        </p:style>
+      </p:sp>
+      <p:sp>
+        <p:nvSpPr>
+          <p:cNvPr id="2" name="Title 1"/>
+          <p:cNvSpPr>
+            <a:spLocks noGrp="1"/>
+          </p:cNvSpPr>
+          <p:nvPr>
+            <p:ph type="title"/>
+          </p:nvPr>
+        </p:nvSpPr>
+        <p:spPr>
+          <a:xfrm>
+            <a:off x="1097280" y="5074920"/>
+            <a:ext cx="10113264" cy="822960"/>
           </a:xfrm>
         </p:spPr>
         <p:txBody>
-          <a:bodyPr anchor="b"/>
+          <a:bodyPr lIns="91440" tIns="0" rIns="91440" bIns="0" anchor="b">
+            <a:noAutofit/>
+          </a:bodyPr>
           <a:lstStyle>
             <a:lvl1pPr>
-              <a:defRPr sz="3200"/>
+              <a:defRPr sz="3600" b="0">
+                <a:solidFill>
+                  <a:srgbClr val="FFFFFF"/>
+                </a:solidFill>
+              </a:defRPr>
             </a:lvl1pPr>
           </a:lstStyle>
           <a:p>
             <a:r>
-              <a:rPr kumimoji="1" lang="ja-JP" altLang="en-US"/>
+              <a:rPr lang="ja-JP" altLang="en-US"/>
               <a:t>マスター タイトルの書式設定</a:t>
             </a:r>
-          </a:p>
-        </p:txBody>
-      </p:sp>
-      <p:sp>
-        <p:nvSpPr>
-          <p:cNvPr id="3" name="図プレースホルダー 2">
-            <a:extLst>
-              <a:ext uri="{FF2B5EF4-FFF2-40B4-BE49-F238E27FC236}">
-                <a16:creationId xmlns:a16="http://schemas.microsoft.com/office/drawing/2014/main" id="{B02E13CC-602D-4188-AE19-A0B7D578C6CE}"/>
-              </a:ext>
-            </a:extLst>
-          </p:cNvPr>
-          <p:cNvSpPr>
-            <a:spLocks noGrp="1"/>
+            <a:endParaRPr lang="en-US" dirty="0"/>
+          </a:p>
+        </p:txBody>
+      </p:sp>
+      <p:sp>
+        <p:nvSpPr>
+          <p:cNvPr id="3" name="Picture Placeholder 2"/>
+          <p:cNvSpPr>
+            <a:spLocks noGrp="1" noChangeAspect="1"/>
           </p:cNvSpPr>
           <p:nvPr>
             <p:ph type="pic" idx="1"/>
@@ -4374,16 +4703,26 @@
         </p:nvSpPr>
         <p:spPr>
           <a:xfrm>
-            <a:off x="5183188" y="987425"/>
-            <a:ext cx="6172200" cy="4873625"/>
+            <a:off x="15" y="0"/>
+            <a:ext cx="12191985" cy="4915076"/>
           </a:xfrm>
+          <a:blipFill>
+            <a:blip r:embed="rId2"/>
+            <a:stretch>
+              <a:fillRect/>
+            </a:stretch>
+          </a:blipFill>
         </p:spPr>
         <p:txBody>
-          <a:bodyPr/>
+          <a:bodyPr lIns="457200" tIns="457200" anchor="t"/>
           <a:lstStyle>
             <a:lvl1pPr marL="0" indent="0">
               <a:buNone/>
-              <a:defRPr sz="3200"/>
+              <a:defRPr sz="3200">
+                <a:solidFill>
+                  <a:schemeClr val="bg1"/>
+                </a:solidFill>
+              </a:defRPr>
             </a:lvl1pPr>
             <a:lvl2pPr marL="457200" indent="0">
               <a:buNone/>
@@ -4419,19 +4758,17 @@
             </a:lvl9pPr>
           </a:lstStyle>
           <a:p>
-            <a:endParaRPr kumimoji="1" lang="ja-JP" altLang="en-US" dirty="0"/>
-          </a:p>
-        </p:txBody>
-      </p:sp>
-      <p:sp>
-        <p:nvSpPr>
-          <p:cNvPr id="4" name="テキスト プレースホルダー 3">
-            <a:extLst>
-              <a:ext uri="{FF2B5EF4-FFF2-40B4-BE49-F238E27FC236}">
-                <a16:creationId xmlns:a16="http://schemas.microsoft.com/office/drawing/2014/main" id="{7055DF89-C857-481A-8DE6-6E57FDAC592C}"/>
-              </a:ext>
-            </a:extLst>
-          </p:cNvPr>
+            <a:r>
+              <a:rPr lang="ja-JP" altLang="en-US"/>
+              <a:t>アイコンをクリックして図を追加</a:t>
+            </a:r>
+            <a:endParaRPr lang="en-US" dirty="0"/>
+          </a:p>
+        </p:txBody>
+      </p:sp>
+      <p:sp>
+        <p:nvSpPr>
+          <p:cNvPr id="4" name="Text Placeholder 3"/>
           <p:cNvSpPr>
             <a:spLocks noGrp="1"/>
           </p:cNvSpPr>
@@ -4441,54 +4778,66 @@
         </p:nvSpPr>
         <p:spPr>
           <a:xfrm>
-            <a:off x="839788" y="2057400"/>
-            <a:ext cx="3932237" cy="3811588"/>
+            <a:off x="1097280" y="5907023"/>
+            <a:ext cx="10113264" cy="594360"/>
           </a:xfrm>
         </p:spPr>
         <p:txBody>
-          <a:bodyPr/>
+          <a:bodyPr lIns="91440" tIns="0" rIns="91440" bIns="0">
+            <a:normAutofit/>
+          </a:bodyPr>
           <a:lstStyle>
             <a:lvl1pPr marL="0" indent="0">
+              <a:spcBef>
+                <a:spcPts val="0"/>
+              </a:spcBef>
+              <a:spcAft>
+                <a:spcPts val="600"/>
+              </a:spcAft>
               <a:buNone/>
-              <a:defRPr sz="1600"/>
+              <a:defRPr sz="1500">
+                <a:solidFill>
+                  <a:srgbClr val="FFFFFF"/>
+                </a:solidFill>
+              </a:defRPr>
             </a:lvl1pPr>
             <a:lvl2pPr marL="457200" indent="0">
               <a:buNone/>
-              <a:defRPr sz="1400"/>
+              <a:defRPr sz="1200"/>
             </a:lvl2pPr>
             <a:lvl3pPr marL="914400" indent="0">
               <a:buNone/>
-              <a:defRPr sz="1200"/>
+              <a:defRPr sz="1000"/>
             </a:lvl3pPr>
             <a:lvl4pPr marL="1371600" indent="0">
               <a:buNone/>
-              <a:defRPr sz="1000"/>
+              <a:defRPr sz="900"/>
             </a:lvl4pPr>
             <a:lvl5pPr marL="1828800" indent="0">
               <a:buNone/>
-              <a:defRPr sz="1000"/>
+              <a:defRPr sz="900"/>
             </a:lvl5pPr>
             <a:lvl6pPr marL="2286000" indent="0">
               <a:buNone/>
-              <a:defRPr sz="1000"/>
+              <a:defRPr sz="900"/>
             </a:lvl6pPr>
             <a:lvl7pPr marL="2743200" indent="0">
               <a:buNone/>
-              <a:defRPr sz="1000"/>
+              <a:defRPr sz="900"/>
             </a:lvl7pPr>
             <a:lvl8pPr marL="3200400" indent="0">
               <a:buNone/>
-              <a:defRPr sz="1000"/>
+              <a:defRPr sz="900"/>
             </a:lvl8pPr>
             <a:lvl9pPr marL="3657600" indent="0">
               <a:buNone/>
-              <a:defRPr sz="1000"/>
+              <a:defRPr sz="900"/>
             </a:lvl9pPr>
           </a:lstStyle>
           <a:p>
             <a:pPr lvl="0"/>
             <a:r>
-              <a:rPr kumimoji="1" lang="ja-JP" altLang="en-US"/>
+              <a:rPr lang="ja-JP" altLang="en-US"/>
               <a:t>マスター テキストの書式設定</a:t>
             </a:r>
           </a:p>
@@ -4496,13 +4845,7 @@
       </p:sp>
       <p:sp>
         <p:nvSpPr>
-          <p:cNvPr id="5" name="日付プレースホルダー 4">
-            <a:extLst>
-              <a:ext uri="{FF2B5EF4-FFF2-40B4-BE49-F238E27FC236}">
-                <a16:creationId xmlns:a16="http://schemas.microsoft.com/office/drawing/2014/main" id="{CA98CCC9-4424-41F8-96F4-3EA6E6A7C7F4}"/>
-              </a:ext>
-            </a:extLst>
-          </p:cNvPr>
+          <p:cNvPr id="5" name="Date Placeholder 4"/>
           <p:cNvSpPr>
             <a:spLocks noGrp="1"/>
           </p:cNvSpPr>
@@ -4517,7 +4860,7 @@
           <a:p>
             <a:fld id="{C7088D3D-165A-46EA-B7B0-B1C3789A41AB}" type="datetimeFigureOut">
               <a:rPr kumimoji="1" lang="ja-JP" altLang="en-US" smtClean="0"/>
-              <a:t>2024/8/19</a:t>
+              <a:t>2024/9/17</a:t>
             </a:fld>
             <a:endParaRPr kumimoji="1" lang="ja-JP" altLang="en-US" dirty="0"/>
           </a:p>
@@ -4525,13 +4868,7 @@
       </p:sp>
       <p:sp>
         <p:nvSpPr>
-          <p:cNvPr id="6" name="フッター プレースホルダー 5">
-            <a:extLst>
-              <a:ext uri="{FF2B5EF4-FFF2-40B4-BE49-F238E27FC236}">
-                <a16:creationId xmlns:a16="http://schemas.microsoft.com/office/drawing/2014/main" id="{2CA42BCA-0112-49CA-BF7E-7B17FA249493}"/>
-              </a:ext>
-            </a:extLst>
-          </p:cNvPr>
+          <p:cNvPr id="6" name="Footer Placeholder 5"/>
           <p:cNvSpPr>
             <a:spLocks noGrp="1"/>
           </p:cNvSpPr>
@@ -4550,13 +4887,7 @@
       </p:sp>
       <p:sp>
         <p:nvSpPr>
-          <p:cNvPr id="7" name="スライド番号プレースホルダー 6">
-            <a:extLst>
-              <a:ext uri="{FF2B5EF4-FFF2-40B4-BE49-F238E27FC236}">
-                <a16:creationId xmlns:a16="http://schemas.microsoft.com/office/drawing/2014/main" id="{371AFD94-DDE2-4B78-9B57-461327BAB025}"/>
-              </a:ext>
-            </a:extLst>
-          </p:cNvPr>
+          <p:cNvPr id="7" name="Slide Number Placeholder 6"/>
           <p:cNvSpPr>
             <a:spLocks noGrp="1"/>
           </p:cNvSpPr>
@@ -4580,7 +4911,7 @@
     </p:spTree>
     <p:extLst>
       <p:ext uri="{BB962C8B-B14F-4D97-AF65-F5344CB8AC3E}">
-        <p14:creationId xmlns:p14="http://schemas.microsoft.com/office/powerpoint/2010/main" val="1586368935"/>
+        <p14:creationId xmlns:p14="http://schemas.microsoft.com/office/powerpoint/2010/main" val="205327244"/>
       </p:ext>
     </p:extLst>
   </p:cSld>
@@ -4626,51 +4957,116 @@
       </p:grpSpPr>
       <p:sp>
         <p:nvSpPr>
-          <p:cNvPr id="2" name="タイトル プレースホルダー 1">
-            <a:extLst>
-              <a:ext uri="{FF2B5EF4-FFF2-40B4-BE49-F238E27FC236}">
-                <a16:creationId xmlns:a16="http://schemas.microsoft.com/office/drawing/2014/main" id="{2C8E5C92-D958-4926-A489-F4468BA2845A}"/>
-              </a:ext>
-            </a:extLst>
-          </p:cNvPr>
-          <p:cNvSpPr>
-            <a:spLocks noGrp="1"/>
-          </p:cNvSpPr>
-          <p:nvPr>
-            <p:ph type="title"/>
-          </p:nvPr>
+          <p:cNvPr id="7" name="Rectangle 6"/>
+          <p:cNvSpPr/>
+          <p:nvPr/>
         </p:nvSpPr>
         <p:spPr>
           <a:xfrm>
-            <a:off x="838200" y="365125"/>
-            <a:ext cx="10515600" cy="1325563"/>
+            <a:off x="1" y="6400800"/>
+            <a:ext cx="12192000" cy="457200"/>
+          </a:xfrm>
+          <a:prstGeom prst="rect">
+            <a:avLst/>
+          </a:prstGeom>
+          <a:solidFill>
+            <a:schemeClr val="accent2"/>
+          </a:solidFill>
+          <a:ln>
+            <a:noFill/>
+          </a:ln>
+        </p:spPr>
+        <p:style>
+          <a:lnRef idx="2">
+            <a:schemeClr val="accent1">
+              <a:shade val="50000"/>
+            </a:schemeClr>
+          </a:lnRef>
+          <a:fillRef idx="1">
+            <a:schemeClr val="accent1"/>
+          </a:fillRef>
+          <a:effectRef idx="0">
+            <a:schemeClr val="accent1"/>
+          </a:effectRef>
+          <a:fontRef idx="minor">
+            <a:schemeClr val="lt1"/>
+          </a:fontRef>
+        </p:style>
+      </p:sp>
+      <p:sp>
+        <p:nvSpPr>
+          <p:cNvPr id="9" name="Rectangle 8"/>
+          <p:cNvSpPr/>
+          <p:nvPr/>
+        </p:nvSpPr>
+        <p:spPr>
+          <a:xfrm>
+            <a:off x="0" y="6334316"/>
+            <a:ext cx="12192001" cy="65998"/>
+          </a:xfrm>
+          <a:prstGeom prst="rect">
+            <a:avLst/>
+          </a:prstGeom>
+          <a:solidFill>
+            <a:schemeClr val="accent1"/>
+          </a:solidFill>
+          <a:ln>
+            <a:noFill/>
+          </a:ln>
+        </p:spPr>
+        <p:style>
+          <a:lnRef idx="2">
+            <a:schemeClr val="accent1">
+              <a:shade val="50000"/>
+            </a:schemeClr>
+          </a:lnRef>
+          <a:fillRef idx="1">
+            <a:schemeClr val="accent1"/>
+          </a:fillRef>
+          <a:effectRef idx="0">
+            <a:schemeClr val="accent1"/>
+          </a:effectRef>
+          <a:fontRef idx="minor">
+            <a:schemeClr val="lt1"/>
+          </a:fontRef>
+        </p:style>
+      </p:sp>
+      <p:sp>
+        <p:nvSpPr>
+          <p:cNvPr id="2" name="Title Placeholder 1"/>
+          <p:cNvSpPr>
+            <a:spLocks noGrp="1"/>
+          </p:cNvSpPr>
+          <p:nvPr>
+            <p:ph type="title"/>
+          </p:nvPr>
+        </p:nvSpPr>
+        <p:spPr>
+          <a:xfrm>
+            <a:off x="1097280" y="286603"/>
+            <a:ext cx="10058400" cy="1450757"/>
           </a:xfrm>
           <a:prstGeom prst="rect">
             <a:avLst/>
           </a:prstGeom>
         </p:spPr>
         <p:txBody>
-          <a:bodyPr vert="horz" lIns="91440" tIns="45720" rIns="91440" bIns="45720" rtlCol="0" anchor="ctr">
+          <a:bodyPr vert="horz" lIns="91440" tIns="45720" rIns="91440" bIns="45720" rtlCol="0" anchor="b">
             <a:normAutofit/>
           </a:bodyPr>
           <a:lstStyle/>
           <a:p>
             <a:r>
-              <a:rPr kumimoji="1" lang="ja-JP" altLang="en-US"/>
+              <a:rPr lang="ja-JP" altLang="en-US"/>
               <a:t>マスター タイトルの書式設定</a:t>
             </a:r>
-          </a:p>
-        </p:txBody>
-      </p:sp>
-      <p:sp>
-        <p:nvSpPr>
-          <p:cNvPr id="3" name="テキスト プレースホルダー 2">
-            <a:extLst>
-              <a:ext uri="{FF2B5EF4-FFF2-40B4-BE49-F238E27FC236}">
-                <a16:creationId xmlns:a16="http://schemas.microsoft.com/office/drawing/2014/main" id="{AB492B48-B609-4D8A-AF9B-7D5D001A2754}"/>
-              </a:ext>
-            </a:extLst>
-          </p:cNvPr>
+            <a:endParaRPr lang="en-US" dirty="0"/>
+          </a:p>
+        </p:txBody>
+      </p:sp>
+      <p:sp>
+        <p:nvSpPr>
+          <p:cNvPr id="3" name="Text Placeholder 2"/>
           <p:cNvSpPr>
             <a:spLocks noGrp="1"/>
           </p:cNvSpPr>
@@ -4680,96 +5076,91 @@
         </p:nvSpPr>
         <p:spPr>
           <a:xfrm>
-            <a:off x="838200" y="1825625"/>
-            <a:ext cx="10515600" cy="4351338"/>
+            <a:off x="1097280" y="1845734"/>
+            <a:ext cx="10058400" cy="4023360"/>
           </a:xfrm>
           <a:prstGeom prst="rect">
             <a:avLst/>
           </a:prstGeom>
         </p:spPr>
         <p:txBody>
-          <a:bodyPr vert="horz" lIns="91440" tIns="45720" rIns="91440" bIns="45720" rtlCol="0">
+          <a:bodyPr vert="horz" lIns="0" tIns="45720" rIns="0" bIns="45720" rtlCol="0">
             <a:normAutofit/>
           </a:bodyPr>
           <a:lstStyle/>
           <a:p>
             <a:pPr lvl="0"/>
             <a:r>
-              <a:rPr kumimoji="1" lang="ja-JP" altLang="en-US"/>
+              <a:rPr lang="ja-JP" altLang="en-US"/>
               <a:t>マスター テキストの書式設定</a:t>
             </a:r>
           </a:p>
           <a:p>
             <a:pPr lvl="1"/>
             <a:r>
-              <a:rPr kumimoji="1" lang="ja-JP" altLang="en-US"/>
+              <a:rPr lang="ja-JP" altLang="en-US"/>
               <a:t>第 </a:t>
             </a:r>
             <a:r>
-              <a:rPr kumimoji="1" lang="en-US" altLang="ja-JP"/>
+              <a:rPr lang="en-US" altLang="ja-JP"/>
               <a:t>2 </a:t>
             </a:r>
             <a:r>
-              <a:rPr kumimoji="1" lang="ja-JP" altLang="en-US"/>
+              <a:rPr lang="ja-JP" altLang="en-US"/>
               <a:t>レベル</a:t>
             </a:r>
           </a:p>
           <a:p>
             <a:pPr lvl="2"/>
             <a:r>
-              <a:rPr kumimoji="1" lang="ja-JP" altLang="en-US"/>
+              <a:rPr lang="ja-JP" altLang="en-US"/>
               <a:t>第 </a:t>
             </a:r>
             <a:r>
-              <a:rPr kumimoji="1" lang="en-US" altLang="ja-JP"/>
+              <a:rPr lang="en-US" altLang="ja-JP"/>
               <a:t>3 </a:t>
             </a:r>
             <a:r>
-              <a:rPr kumimoji="1" lang="ja-JP" altLang="en-US"/>
+              <a:rPr lang="ja-JP" altLang="en-US"/>
               <a:t>レベル</a:t>
             </a:r>
           </a:p>
           <a:p>
             <a:pPr lvl="3"/>
             <a:r>
-              <a:rPr kumimoji="1" lang="ja-JP" altLang="en-US"/>
+              <a:rPr lang="ja-JP" altLang="en-US"/>
               <a:t>第 </a:t>
             </a:r>
             <a:r>
-              <a:rPr kumimoji="1" lang="en-US" altLang="ja-JP"/>
+              <a:rPr lang="en-US" altLang="ja-JP"/>
               <a:t>4 </a:t>
             </a:r>
             <a:r>
-              <a:rPr kumimoji="1" lang="ja-JP" altLang="en-US"/>
+              <a:rPr lang="ja-JP" altLang="en-US"/>
               <a:t>レベル</a:t>
             </a:r>
           </a:p>
           <a:p>
             <a:pPr lvl="4"/>
             <a:r>
-              <a:rPr kumimoji="1" lang="ja-JP" altLang="en-US"/>
+              <a:rPr lang="ja-JP" altLang="en-US"/>
               <a:t>第 </a:t>
             </a:r>
             <a:r>
-              <a:rPr kumimoji="1" lang="en-US" altLang="ja-JP"/>
+              <a:rPr lang="en-US" altLang="ja-JP"/>
               <a:t>5 </a:t>
             </a:r>
             <a:r>
-              <a:rPr kumimoji="1" lang="ja-JP" altLang="en-US"/>
+              <a:rPr lang="ja-JP" altLang="en-US"/>
               <a:t>レベル</a:t>
             </a:r>
-          </a:p>
-        </p:txBody>
-      </p:sp>
-      <p:sp>
-        <p:nvSpPr>
-          <p:cNvPr id="4" name="日付プレースホルダー 3">
-            <a:extLst>
-              <a:ext uri="{FF2B5EF4-FFF2-40B4-BE49-F238E27FC236}">
-                <a16:creationId xmlns:a16="http://schemas.microsoft.com/office/drawing/2014/main" id="{B6EAA78E-D636-4C71-9E0F-D4D018F9ED8B}"/>
-              </a:ext>
-            </a:extLst>
-          </p:cNvPr>
+            <a:endParaRPr lang="en-US" dirty="0"/>
+          </a:p>
+        </p:txBody>
+      </p:sp>
+      <p:sp>
+        <p:nvSpPr>
+          <p:cNvPr id="4" name="Date Placeholder 3"/>
           <p:cNvSpPr>
             <a:spLocks noGrp="1"/>
           </p:cNvSpPr>
@@ -4779,8 +5170,8 @@
         </p:nvSpPr>
         <p:spPr>
           <a:xfrm>
-            <a:off x="838200" y="6356350"/>
-            <a:ext cx="2743200" cy="365125"/>
+            <a:off x="1097280" y="6459785"/>
+            <a:ext cx="2472271" cy="365125"/>
           </a:xfrm>
           <a:prstGeom prst="rect">
             <a:avLst/>
@@ -4790,11 +5181,9 @@
           <a:bodyPr vert="horz" lIns="91440" tIns="45720" rIns="91440" bIns="45720" rtlCol="0" anchor="ctr"/>
           <a:lstStyle>
             <a:lvl1pPr algn="l">
-              <a:defRPr sz="1200">
+              <a:defRPr sz="900">
                 <a:solidFill>
-                  <a:schemeClr val="tx1">
-                    <a:tint val="75000"/>
-                  </a:schemeClr>
+                  <a:srgbClr val="FFFFFF"/>
                 </a:solidFill>
               </a:defRPr>
             </a:lvl1pPr>
@@ -4802,7 +5191,7 @@
           <a:p>
             <a:fld id="{C7088D3D-165A-46EA-B7B0-B1C3789A41AB}" type="datetimeFigureOut">
               <a:rPr kumimoji="1" lang="ja-JP" altLang="en-US" smtClean="0"/>
-              <a:t>2024/8/19</a:t>
+              <a:t>2024/9/17</a:t>
             </a:fld>
             <a:endParaRPr kumimoji="1" lang="ja-JP" altLang="en-US" dirty="0"/>
           </a:p>
@@ -4810,13 +5199,7 @@
       </p:sp>
       <p:sp>
         <p:nvSpPr>
-          <p:cNvPr id="5" name="フッター プレースホルダー 4">
-            <a:extLst>
-              <a:ext uri="{FF2B5EF4-FFF2-40B4-BE49-F238E27FC236}">
-                <a16:creationId xmlns:a16="http://schemas.microsoft.com/office/drawing/2014/main" id="{E2010828-2CC3-4F0F-8EA0-A503A2F447B7}"/>
-              </a:ext>
-            </a:extLst>
-          </p:cNvPr>
+          <p:cNvPr id="5" name="Footer Placeholder 4"/>
           <p:cNvSpPr>
             <a:spLocks noGrp="1"/>
           </p:cNvSpPr>
@@ -4826,8 +5209,8 @@
         </p:nvSpPr>
         <p:spPr>
           <a:xfrm>
-            <a:off x="4038600" y="6356350"/>
-            <a:ext cx="4114800" cy="365125"/>
+            <a:off x="3686185" y="6459785"/>
+            <a:ext cx="4822804" cy="365125"/>
           </a:xfrm>
           <a:prstGeom prst="rect">
             <a:avLst/>
@@ -4837,11 +5220,9 @@
           <a:bodyPr vert="horz" lIns="91440" tIns="45720" rIns="91440" bIns="45720" rtlCol="0" anchor="ctr"/>
           <a:lstStyle>
             <a:lvl1pPr algn="ctr">
-              <a:defRPr sz="1200">
+              <a:defRPr sz="900" cap="all" baseline="0">
                 <a:solidFill>
-                  <a:schemeClr val="tx1">
-                    <a:tint val="75000"/>
-                  </a:schemeClr>
+                  <a:srgbClr val="FFFFFF"/>
                 </a:solidFill>
               </a:defRPr>
             </a:lvl1pPr>
@@ -4853,13 +5234,7 @@
       </p:sp>
       <p:sp>
         <p:nvSpPr>
-          <p:cNvPr id="6" name="スライド番号プレースホルダー 5">
-            <a:extLst>
-              <a:ext uri="{FF2B5EF4-FFF2-40B4-BE49-F238E27FC236}">
-                <a16:creationId xmlns:a16="http://schemas.microsoft.com/office/drawing/2014/main" id="{83C6909D-3609-444B-85AB-363AB02879BD}"/>
-              </a:ext>
-            </a:extLst>
-          </p:cNvPr>
+          <p:cNvPr id="6" name="Slide Number Placeholder 5"/>
           <p:cNvSpPr>
             <a:spLocks noGrp="1"/>
           </p:cNvSpPr>
@@ -4869,8 +5244,8 @@
         </p:nvSpPr>
         <p:spPr>
           <a:xfrm>
-            <a:off x="8610600" y="6356350"/>
-            <a:ext cx="2743200" cy="365125"/>
+            <a:off x="9900458" y="6459785"/>
+            <a:ext cx="1312025" cy="365125"/>
           </a:xfrm>
           <a:prstGeom prst="rect">
             <a:avLst/>
@@ -4880,11 +5255,9 @@
           <a:bodyPr vert="horz" lIns="91440" tIns="45720" rIns="91440" bIns="45720" rtlCol="0" anchor="ctr"/>
           <a:lstStyle>
             <a:lvl1pPr algn="r">
-              <a:defRPr sz="1200">
+              <a:defRPr sz="1050">
                 <a:solidFill>
-                  <a:schemeClr val="tx1">
-                    <a:tint val="75000"/>
-                  </a:schemeClr>
+                  <a:srgbClr val="FFFFFF"/>
                 </a:solidFill>
               </a:defRPr>
             </a:lvl1pPr>
@@ -4898,26 +5271,64 @@
           </a:p>
         </p:txBody>
       </p:sp>
+      <p:cxnSp>
+        <p:nvCxnSpPr>
+          <p:cNvPr id="10" name="Straight Connector 9"/>
+          <p:cNvCxnSpPr/>
+          <p:nvPr/>
+        </p:nvCxnSpPr>
+        <p:spPr>
+          <a:xfrm>
+            <a:off x="1193532" y="1737845"/>
+            <a:ext cx="9966960" cy="0"/>
+          </a:xfrm>
+          <a:prstGeom prst="line">
+            <a:avLst/>
+          </a:prstGeom>
+          <a:ln w="6350">
+            <a:solidFill>
+              <a:schemeClr val="tx1">
+                <a:lumMod val="50000"/>
+                <a:lumOff val="50000"/>
+              </a:schemeClr>
+            </a:solidFill>
+          </a:ln>
+        </p:spPr>
+        <p:style>
+          <a:lnRef idx="1">
+            <a:schemeClr val="accent1"/>
+          </a:lnRef>
+          <a:fillRef idx="0">
+            <a:schemeClr val="accent1"/>
+          </a:fillRef>
+          <a:effectRef idx="0">
+            <a:schemeClr val="accent1"/>
+          </a:effectRef>
+          <a:fontRef idx="minor">
+            <a:schemeClr val="tx1"/>
+          </a:fontRef>
+        </p:style>
+      </p:cxnSp>
     </p:spTree>
     <p:extLst>
       <p:ext uri="{BB962C8B-B14F-4D97-AF65-F5344CB8AC3E}">
-        <p14:creationId xmlns:p14="http://schemas.microsoft.com/office/powerpoint/2010/main" val="1932458464"/>
+        <p14:creationId xmlns:p14="http://schemas.microsoft.com/office/powerpoint/2010/main" val="2661609433"/>
       </p:ext>
     </p:extLst>
   </p:cSld>
   <p:clrMap bg1="lt1" tx1="dk1" bg2="lt2" tx2="dk2" accent1="accent1" accent2="accent2" accent3="accent3" accent4="accent4" accent5="accent5" accent6="accent6" hlink="hlink" folHlink="folHlink"/>
   <p:sldLayoutIdLst>
-    <p:sldLayoutId id="2147483649" r:id="rId1"/>
-    <p:sldLayoutId id="2147483650" r:id="rId2"/>
-    <p:sldLayoutId id="2147483651" r:id="rId3"/>
-    <p:sldLayoutId id="2147483652" r:id="rId4"/>
-    <p:sldLayoutId id="2147483653" r:id="rId5"/>
-    <p:sldLayoutId id="2147483654" r:id="rId6"/>
-    <p:sldLayoutId id="2147483655" r:id="rId7"/>
-    <p:sldLayoutId id="2147483656" r:id="rId8"/>
-    <p:sldLayoutId id="2147483657" r:id="rId9"/>
-    <p:sldLayoutId id="2147483658" r:id="rId10"/>
-    <p:sldLayoutId id="2147483659" r:id="rId11"/>
+    <p:sldLayoutId id="2147483757" r:id="rId1"/>
+    <p:sldLayoutId id="2147483758" r:id="rId2"/>
+    <p:sldLayoutId id="2147483759" r:id="rId3"/>
+    <p:sldLayoutId id="2147483760" r:id="rId4"/>
+    <p:sldLayoutId id="2147483761" r:id="rId5"/>
+    <p:sldLayoutId id="2147483762" r:id="rId6"/>
+    <p:sldLayoutId id="2147483763" r:id="rId7"/>
+    <p:sldLayoutId id="2147483764" r:id="rId8"/>
+    <p:sldLayoutId id="2147483765" r:id="rId9"/>
+    <p:sldLayoutId id="2147483766" r:id="rId10"/>
+    <p:sldLayoutId id="2147483767" r:id="rId11"/>
   </p:sldLayoutIdLst>
   <mc:AlternateContent xmlns:mc="http://schemas.openxmlformats.org/markup-compatibility/2006" xmlns:p159="http://schemas.microsoft.com/office/powerpoint/2015/09/main">
     <mc:Choice Requires="p159">
@@ -4935,15 +5346,18 @@
     <p:titleStyle>
       <a:lvl1pPr algn="l" defTabSz="914400" rtl="0" eaLnBrk="1" latinLnBrk="0" hangingPunct="1">
         <a:lnSpc>
-          <a:spcPct val="90000"/>
+          <a:spcPct val="85000"/>
         </a:lnSpc>
         <a:spcBef>
           <a:spcPct val="0"/>
         </a:spcBef>
         <a:buNone/>
-        <a:defRPr kumimoji="1" sz="4400" kern="1200">
+        <a:defRPr kumimoji="1" sz="4800" kern="1200" spc="-50" baseline="0">
           <a:solidFill>
-            <a:schemeClr val="tx1"/>
+            <a:schemeClr val="tx1">
+              <a:lumMod val="75000"/>
+              <a:lumOff val="25000"/>
+            </a:schemeClr>
           </a:solidFill>
           <a:latin typeface="+mj-lt"/>
           <a:ea typeface="+mj-ea"/>
@@ -4952,162 +5366,244 @@
       </a:lvl1pPr>
     </p:titleStyle>
     <p:bodyStyle>
-      <a:lvl1pPr marL="228600" indent="-228600" algn="l" defTabSz="914400" rtl="0" eaLnBrk="1" latinLnBrk="0" hangingPunct="1">
+      <a:lvl1pPr marL="91440" indent="-91440" algn="l" defTabSz="914400" rtl="0" eaLnBrk="1" latinLnBrk="0" hangingPunct="1">
         <a:lnSpc>
           <a:spcPct val="90000"/>
         </a:lnSpc>
         <a:spcBef>
-          <a:spcPts val="1000"/>
+          <a:spcPts val="1200"/>
         </a:spcBef>
-        <a:buFont typeface="Arial" panose="020B0604020202020204" pitchFamily="34" charset="0"/>
-        <a:buChar char="•"/>
-        <a:defRPr kumimoji="1" sz="2800" kern="1200">
+        <a:spcAft>
+          <a:spcPts val="200"/>
+        </a:spcAft>
+        <a:buClr>
+          <a:schemeClr val="accent1"/>
+        </a:buClr>
+        <a:buSzPct val="100000"/>
+        <a:buFont typeface="Calibri" panose="020F0502020204030204" pitchFamily="34" charset="0"/>
+        <a:buChar char=" "/>
+        <a:defRPr kumimoji="1" sz="2000" kern="1200">
           <a:solidFill>
-            <a:schemeClr val="tx1"/>
+            <a:schemeClr val="tx1">
+              <a:lumMod val="75000"/>
+              <a:lumOff val="25000"/>
+            </a:schemeClr>
           </a:solidFill>
           <a:latin typeface="+mn-lt"/>
           <a:ea typeface="+mn-ea"/>
           <a:cs typeface="+mn-cs"/>
         </a:defRPr>
       </a:lvl1pPr>
-      <a:lvl2pPr marL="685800" indent="-228600" algn="l" defTabSz="914400" rtl="0" eaLnBrk="1" latinLnBrk="0" hangingPunct="1">
+      <a:lvl2pPr marL="384048" indent="-182880" algn="l" defTabSz="914400" rtl="0" eaLnBrk="1" latinLnBrk="0" hangingPunct="1">
         <a:lnSpc>
           <a:spcPct val="90000"/>
         </a:lnSpc>
         <a:spcBef>
-          <a:spcPts val="500"/>
+          <a:spcPts val="200"/>
         </a:spcBef>
-        <a:buFont typeface="Arial" panose="020B0604020202020204" pitchFamily="34" charset="0"/>
-        <a:buChar char="•"/>
-        <a:defRPr kumimoji="1" sz="2400" kern="1200">
+        <a:spcAft>
+          <a:spcPts val="400"/>
+        </a:spcAft>
+        <a:buClr>
+          <a:schemeClr val="accent1"/>
+        </a:buClr>
+        <a:buFont typeface="Calibri" pitchFamily="34" charset="0"/>
+        <a:buChar char="◦"/>
+        <a:defRPr kumimoji="1" sz="1800" kern="1200">
           <a:solidFill>
-            <a:schemeClr val="tx1"/>
+            <a:schemeClr val="tx1">
+              <a:lumMod val="75000"/>
+              <a:lumOff val="25000"/>
+            </a:schemeClr>
           </a:solidFill>
           <a:latin typeface="+mn-lt"/>
           <a:ea typeface="+mn-ea"/>
           <a:cs typeface="+mn-cs"/>
         </a:defRPr>
       </a:lvl2pPr>
-      <a:lvl3pPr marL="1143000" indent="-228600" algn="l" defTabSz="914400" rtl="0" eaLnBrk="1" latinLnBrk="0" hangingPunct="1">
+      <a:lvl3pPr marL="566928" indent="-182880" algn="l" defTabSz="914400" rtl="0" eaLnBrk="1" latinLnBrk="0" hangingPunct="1">
         <a:lnSpc>
           <a:spcPct val="90000"/>
         </a:lnSpc>
         <a:spcBef>
-          <a:spcPts val="500"/>
+          <a:spcPts val="200"/>
         </a:spcBef>
-        <a:buFont typeface="Arial" panose="020B0604020202020204" pitchFamily="34" charset="0"/>
-        <a:buChar char="•"/>
-        <a:defRPr kumimoji="1" sz="2000" kern="1200">
+        <a:spcAft>
+          <a:spcPts val="400"/>
+        </a:spcAft>
+        <a:buClr>
+          <a:schemeClr val="accent1"/>
+        </a:buClr>
+        <a:buFont typeface="Calibri" pitchFamily="34" charset="0"/>
+        <a:buChar char="◦"/>
+        <a:defRPr kumimoji="1" sz="1400" kern="1200">
           <a:solidFill>
-            <a:schemeClr val="tx1"/>
+            <a:schemeClr val="tx1">
+              <a:lumMod val="75000"/>
+              <a:lumOff val="25000"/>
+            </a:schemeClr>
           </a:solidFill>
           <a:latin typeface="+mn-lt"/>
           <a:ea typeface="+mn-ea"/>
           <a:cs typeface="+mn-cs"/>
         </a:defRPr>
       </a:lvl3pPr>
-      <a:lvl4pPr marL="1600200" indent="-228600" algn="l" defTabSz="914400" rtl="0" eaLnBrk="1" latinLnBrk="0" hangingPunct="1">
+      <a:lvl4pPr marL="749808" indent="-182880" algn="l" defTabSz="914400" rtl="0" eaLnBrk="1" latinLnBrk="0" hangingPunct="1">
         <a:lnSpc>
           <a:spcPct val="90000"/>
         </a:lnSpc>
         <a:spcBef>
-          <a:spcPts val="500"/>
+          <a:spcPts val="200"/>
         </a:spcBef>
-        <a:buFont typeface="Arial" panose="020B0604020202020204" pitchFamily="34" charset="0"/>
-        <a:buChar char="•"/>
-        <a:defRPr kumimoji="1" sz="1800" kern="1200">
+        <a:spcAft>
+          <a:spcPts val="400"/>
+        </a:spcAft>
+        <a:buClr>
+          <a:schemeClr val="accent1"/>
+        </a:buClr>
+        <a:buFont typeface="Calibri" pitchFamily="34" charset="0"/>
+        <a:buChar char="◦"/>
+        <a:defRPr kumimoji="1" sz="1400" kern="1200">
           <a:solidFill>
-            <a:schemeClr val="tx1"/>
+            <a:schemeClr val="tx1">
+              <a:lumMod val="75000"/>
+              <a:lumOff val="25000"/>
+            </a:schemeClr>
           </a:solidFill>
           <a:latin typeface="+mn-lt"/>
           <a:ea typeface="+mn-ea"/>
           <a:cs typeface="+mn-cs"/>
         </a:defRPr>
       </a:lvl4pPr>
-      <a:lvl5pPr marL="2057400" indent="-228600" algn="l" defTabSz="914400" rtl="0" eaLnBrk="1" latinLnBrk="0" hangingPunct="1">
+      <a:lvl5pPr marL="932688" indent="-182880" algn="l" defTabSz="914400" rtl="0" eaLnBrk="1" latinLnBrk="0" hangingPunct="1">
         <a:lnSpc>
           <a:spcPct val="90000"/>
         </a:lnSpc>
         <a:spcBef>
-          <a:spcPts val="500"/>
+          <a:spcPts val="200"/>
         </a:spcBef>
-        <a:buFont typeface="Arial" panose="020B0604020202020204" pitchFamily="34" charset="0"/>
-        <a:buChar char="•"/>
-        <a:defRPr kumimoji="1" sz="1800" kern="1200">
+        <a:spcAft>
+          <a:spcPts val="400"/>
+        </a:spcAft>
+        <a:buClr>
+          <a:schemeClr val="accent1"/>
+        </a:buClr>
+        <a:buFont typeface="Calibri" pitchFamily="34" charset="0"/>
+        <a:buChar char="◦"/>
+        <a:defRPr kumimoji="1" sz="1400" kern="1200">
           <a:solidFill>
-            <a:schemeClr val="tx1"/>
+            <a:schemeClr val="tx1">
+              <a:lumMod val="75000"/>
+              <a:lumOff val="25000"/>
+            </a:schemeClr>
           </a:solidFill>
           <a:latin typeface="+mn-lt"/>
           <a:ea typeface="+mn-ea"/>
           <a:cs typeface="+mn-cs"/>
         </a:defRPr>
       </a:lvl5pPr>
-      <a:lvl6pPr marL="2514600" indent="-228600" algn="l" defTabSz="914400" rtl="0" eaLnBrk="1" latinLnBrk="0" hangingPunct="1">
+      <a:lvl6pPr marL="1100000" indent="-228600" algn="l" defTabSz="914400" rtl="0" eaLnBrk="1" latinLnBrk="0" hangingPunct="1">
         <a:lnSpc>
           <a:spcPct val="90000"/>
         </a:lnSpc>
         <a:spcBef>
-          <a:spcPts val="500"/>
+          <a:spcPts val="200"/>
         </a:spcBef>
-        <a:buFont typeface="Arial" panose="020B0604020202020204" pitchFamily="34" charset="0"/>
-        <a:buChar char="•"/>
-        <a:defRPr kumimoji="1" sz="1800" kern="1200">
+        <a:spcAft>
+          <a:spcPts val="400"/>
+        </a:spcAft>
+        <a:buClr>
+          <a:schemeClr val="accent1"/>
+        </a:buClr>
+        <a:buFont typeface="Calibri" pitchFamily="34" charset="0"/>
+        <a:buChar char="◦"/>
+        <a:defRPr kumimoji="1" sz="1400" kern="1200">
           <a:solidFill>
-            <a:schemeClr val="tx1"/>
+            <a:schemeClr val="tx1">
+              <a:lumMod val="75000"/>
+              <a:lumOff val="25000"/>
+            </a:schemeClr>
           </a:solidFill>
           <a:latin typeface="+mn-lt"/>
           <a:ea typeface="+mn-ea"/>
           <a:cs typeface="+mn-cs"/>
         </a:defRPr>
       </a:lvl6pPr>
-      <a:lvl7pPr marL="2971800" indent="-228600" algn="l" defTabSz="914400" rtl="0" eaLnBrk="1" latinLnBrk="0" hangingPunct="1">
+      <a:lvl7pPr marL="1300000" indent="-228600" algn="l" defTabSz="914400" rtl="0" eaLnBrk="1" latinLnBrk="0" hangingPunct="1">
         <a:lnSpc>
           <a:spcPct val="90000"/>
         </a:lnSpc>
         <a:spcBef>
-          <a:spcPts val="500"/>
+          <a:spcPts val="200"/>
         </a:spcBef>
-        <a:buFont typeface="Arial" panose="020B0604020202020204" pitchFamily="34" charset="0"/>
-        <a:buChar char="•"/>
-        <a:defRPr kumimoji="1" sz="1800" kern="1200">
+        <a:spcAft>
+          <a:spcPts val="400"/>
+        </a:spcAft>
+        <a:buClr>
+          <a:schemeClr val="accent1"/>
+        </a:buClr>
+        <a:buFont typeface="Calibri" pitchFamily="34" charset="0"/>
+        <a:buChar char="◦"/>
+        <a:defRPr kumimoji="1" sz="1400" kern="1200">
           <a:solidFill>
-            <a:schemeClr val="tx1"/>
+            <a:schemeClr val="tx1">
+              <a:lumMod val="75000"/>
+              <a:lumOff val="25000"/>
+            </a:schemeClr>
           </a:solidFill>
           <a:latin typeface="+mn-lt"/>
           <a:ea typeface="+mn-ea"/>
           <a:cs typeface="+mn-cs"/>
         </a:defRPr>
       </a:lvl7pPr>
-      <a:lvl8pPr marL="3429000" indent="-228600" algn="l" defTabSz="914400" rtl="0" eaLnBrk="1" latinLnBrk="0" hangingPunct="1">
+      <a:lvl8pPr marL="1500000" indent="-228600" algn="l" defTabSz="914400" rtl="0" eaLnBrk="1" latinLnBrk="0" hangingPunct="1">
         <a:lnSpc>
           <a:spcPct val="90000"/>
         </a:lnSpc>
         <a:spcBef>
-          <a:spcPts val="500"/>
+          <a:spcPts val="200"/>
         </a:spcBef>
-        <a:buFont typeface="Arial" panose="020B0604020202020204" pitchFamily="34" charset="0"/>
-        <a:buChar char="•"/>
-        <a:defRPr kumimoji="1" sz="1800" kern="1200">
+        <a:spcAft>
+          <a:spcPts val="400"/>
+        </a:spcAft>
+        <a:buClr>
+          <a:schemeClr val="accent1"/>
+        </a:buClr>
+        <a:buFont typeface="Calibri" pitchFamily="34" charset="0"/>
+        <a:buChar char="◦"/>
+        <a:defRPr kumimoji="1" sz="1400" kern="1200">
           <a:solidFill>
-            <a:schemeClr val="tx1"/>
+            <a:schemeClr val="tx1">
+              <a:lumMod val="75000"/>
+              <a:lumOff val="25000"/>
+            </a:schemeClr>
           </a:solidFill>
           <a:latin typeface="+mn-lt"/>
           <a:ea typeface="+mn-ea"/>
           <a:cs typeface="+mn-cs"/>
         </a:defRPr>
       </a:lvl8pPr>
-      <a:lvl9pPr marL="3886200" indent="-228600" algn="l" defTabSz="914400" rtl="0" eaLnBrk="1" latinLnBrk="0" hangingPunct="1">
+      <a:lvl9pPr marL="1700000" indent="-228600" algn="l" defTabSz="914400" rtl="0" eaLnBrk="1" latinLnBrk="0" hangingPunct="1">
         <a:lnSpc>
           <a:spcPct val="90000"/>
         </a:lnSpc>
         <a:spcBef>
-          <a:spcPts val="500"/>
+          <a:spcPts val="200"/>
         </a:spcBef>
-        <a:buFont typeface="Arial" panose="020B0604020202020204" pitchFamily="34" charset="0"/>
-        <a:buChar char="•"/>
-        <a:defRPr kumimoji="1" sz="1800" kern="1200">
+        <a:spcAft>
+          <a:spcPts val="400"/>
+        </a:spcAft>
+        <a:buClr>
+          <a:schemeClr val="accent1"/>
+        </a:buClr>
+        <a:buFont typeface="Calibri" pitchFamily="34" charset="0"/>
+        <a:buChar char="◦"/>
+        <a:defRPr kumimoji="1" sz="1400" kern="1200">
           <a:solidFill>
-            <a:schemeClr val="tx1"/>
+            <a:schemeClr val="tx1">
+              <a:lumMod val="75000"/>
+              <a:lumOff val="25000"/>
+            </a:schemeClr>
           </a:solidFill>
           <a:latin typeface="+mn-lt"/>
           <a:ea typeface="+mn-ea"/>
@@ -5117,7 +5613,7 @@
     </p:bodyStyle>
     <p:otherStyle>
       <a:defPPr>
-        <a:defRPr lang="ja-JP"/>
+        <a:defRPr lang="en-US"/>
       </a:defPPr>
       <a:lvl1pPr marL="0" algn="l" defTabSz="914400" rtl="0" eaLnBrk="1" latinLnBrk="0" hangingPunct="1">
         <a:defRPr kumimoji="1" sz="1800" kern="1200">
@@ -5247,11 +5743,21 @@
             <p:ph type="ctrTitle"/>
           </p:nvPr>
         </p:nvSpPr>
-        <p:spPr/>
-        <p:txBody>
-          <a:bodyPr/>
-          <a:lstStyle/>
-          <a:p>
+        <p:spPr>
+          <a:xfrm>
+            <a:off x="1524000" y="1723869"/>
+            <a:ext cx="9144000" cy="1786093"/>
+          </a:xfrm>
+        </p:spPr>
+        <p:txBody>
+          <a:bodyPr>
+            <a:normAutofit fontScale="90000"/>
+          </a:bodyPr>
+          <a:lstStyle/>
+          <a:p>
+            <a:br>
+              <a:rPr kumimoji="1" lang="en-US" altLang="ja-JP" b="1" dirty="0"/>
+            </a:br>
             <a:r>
               <a:rPr kumimoji="1" lang="ja-JP" altLang="en-US" b="1" dirty="0"/>
               <a:t>売上管理システム</a:t>
@@ -5280,11 +5786,223 @@
           <a:bodyPr/>
           <a:lstStyle/>
           <a:p>
+            <a:pPr algn="r"/>
+            <a:r>
+              <a:rPr lang="ja-JP" altLang="en-US" dirty="0"/>
+              <a:t>２０２４年９月２０日</a:t>
+            </a:r>
+            <a:endParaRPr lang="en-US" altLang="ja-JP" dirty="0"/>
+          </a:p>
+          <a:p>
+            <a:pPr algn="r"/>
             <a:r>
               <a:rPr lang="ja-JP" altLang="en-US" dirty="0"/>
               <a:t>発表者：板井、堤、藤谷</a:t>
             </a:r>
             <a:endParaRPr kumimoji="1" lang="ja-JP" altLang="en-US" dirty="0"/>
+          </a:p>
+        </p:txBody>
+      </p:sp>
+      <p:sp>
+        <p:nvSpPr>
+          <p:cNvPr id="5" name="字幕 2">
+            <a:extLst>
+              <a:ext uri="{FF2B5EF4-FFF2-40B4-BE49-F238E27FC236}">
+                <a16:creationId xmlns:a16="http://schemas.microsoft.com/office/drawing/2014/main" id="{A46F62C1-6F34-4CA9-9DE5-93903F8890BD}"/>
+              </a:ext>
+            </a:extLst>
+          </p:cNvPr>
+          <p:cNvSpPr txBox="1">
+            <a:spLocks/>
+          </p:cNvSpPr>
+          <p:nvPr/>
+        </p:nvSpPr>
+        <p:spPr>
+          <a:xfrm>
+            <a:off x="-1666406" y="1476530"/>
+            <a:ext cx="9144000" cy="637083"/>
+          </a:xfrm>
+          <a:prstGeom prst="rect">
+            <a:avLst/>
+          </a:prstGeom>
+        </p:spPr>
+        <p:txBody>
+          <a:bodyPr vert="horz" lIns="91440" tIns="45720" rIns="91440" bIns="45720" rtlCol="0">
+            <a:normAutofit/>
+          </a:bodyPr>
+          <a:lstStyle>
+            <a:lvl1pPr marL="0" indent="0" algn="ctr" defTabSz="914400" rtl="0" eaLnBrk="1" latinLnBrk="0" hangingPunct="1">
+              <a:lnSpc>
+                <a:spcPct val="90000"/>
+              </a:lnSpc>
+              <a:spcBef>
+                <a:spcPts val="1000"/>
+              </a:spcBef>
+              <a:buFont typeface="Arial" panose="020B0604020202020204" pitchFamily="34" charset="0"/>
+              <a:buNone/>
+              <a:defRPr kumimoji="1" sz="2400" kern="1200">
+                <a:solidFill>
+                  <a:schemeClr val="tx1"/>
+                </a:solidFill>
+                <a:latin typeface="+mn-lt"/>
+                <a:ea typeface="+mn-ea"/>
+                <a:cs typeface="+mn-cs"/>
+              </a:defRPr>
+            </a:lvl1pPr>
+            <a:lvl2pPr marL="457200" indent="0" algn="ctr" defTabSz="914400" rtl="0" eaLnBrk="1" latinLnBrk="0" hangingPunct="1">
+              <a:lnSpc>
+                <a:spcPct val="90000"/>
+              </a:lnSpc>
+              <a:spcBef>
+                <a:spcPts val="500"/>
+              </a:spcBef>
+              <a:buFont typeface="Arial" panose="020B0604020202020204" pitchFamily="34" charset="0"/>
+              <a:buNone/>
+              <a:defRPr kumimoji="1" sz="2000" kern="1200">
+                <a:solidFill>
+                  <a:schemeClr val="tx1"/>
+                </a:solidFill>
+                <a:latin typeface="+mn-lt"/>
+                <a:ea typeface="+mn-ea"/>
+                <a:cs typeface="+mn-cs"/>
+              </a:defRPr>
+            </a:lvl2pPr>
+            <a:lvl3pPr marL="914400" indent="0" algn="ctr" defTabSz="914400" rtl="0" eaLnBrk="1" latinLnBrk="0" hangingPunct="1">
+              <a:lnSpc>
+                <a:spcPct val="90000"/>
+              </a:lnSpc>
+              <a:spcBef>
+                <a:spcPts val="500"/>
+              </a:spcBef>
+              <a:buFont typeface="Arial" panose="020B0604020202020204" pitchFamily="34" charset="0"/>
+              <a:buNone/>
+              <a:defRPr kumimoji="1" sz="1800" kern="1200">
+                <a:solidFill>
+                  <a:schemeClr val="tx1"/>
+                </a:solidFill>
+                <a:latin typeface="+mn-lt"/>
+                <a:ea typeface="+mn-ea"/>
+                <a:cs typeface="+mn-cs"/>
+              </a:defRPr>
+            </a:lvl3pPr>
+            <a:lvl4pPr marL="1371600" indent="0" algn="ctr" defTabSz="914400" rtl="0" eaLnBrk="1" latinLnBrk="0" hangingPunct="1">
+              <a:lnSpc>
+                <a:spcPct val="90000"/>
+              </a:lnSpc>
+              <a:spcBef>
+                <a:spcPts val="500"/>
+              </a:spcBef>
+              <a:buFont typeface="Arial" panose="020B0604020202020204" pitchFamily="34" charset="0"/>
+              <a:buNone/>
+              <a:defRPr kumimoji="1" sz="1600" kern="1200">
+                <a:solidFill>
+                  <a:schemeClr val="tx1"/>
+                </a:solidFill>
+                <a:latin typeface="+mn-lt"/>
+                <a:ea typeface="+mn-ea"/>
+                <a:cs typeface="+mn-cs"/>
+              </a:defRPr>
+            </a:lvl4pPr>
+            <a:lvl5pPr marL="1828800" indent="0" algn="ctr" defTabSz="914400" rtl="0" eaLnBrk="1" latinLnBrk="0" hangingPunct="1">
+              <a:lnSpc>
+                <a:spcPct val="90000"/>
+              </a:lnSpc>
+              <a:spcBef>
+                <a:spcPts val="500"/>
+              </a:spcBef>
+              <a:buFont typeface="Arial" panose="020B0604020202020204" pitchFamily="34" charset="0"/>
+              <a:buNone/>
+              <a:defRPr kumimoji="1" sz="1600" kern="1200">
+                <a:solidFill>
+                  <a:schemeClr val="tx1"/>
+                </a:solidFill>
+                <a:latin typeface="+mn-lt"/>
+                <a:ea typeface="+mn-ea"/>
+                <a:cs typeface="+mn-cs"/>
+              </a:defRPr>
+            </a:lvl5pPr>
+            <a:lvl6pPr marL="2286000" indent="0" algn="ctr" defTabSz="914400" rtl="0" eaLnBrk="1" latinLnBrk="0" hangingPunct="1">
+              <a:lnSpc>
+                <a:spcPct val="90000"/>
+              </a:lnSpc>
+              <a:spcBef>
+                <a:spcPts val="500"/>
+              </a:spcBef>
+              <a:buFont typeface="Arial" panose="020B0604020202020204" pitchFamily="34" charset="0"/>
+              <a:buNone/>
+              <a:defRPr kumimoji="1" sz="1600" kern="1200">
+                <a:solidFill>
+                  <a:schemeClr val="tx1"/>
+                </a:solidFill>
+                <a:latin typeface="+mn-lt"/>
+                <a:ea typeface="+mn-ea"/>
+                <a:cs typeface="+mn-cs"/>
+              </a:defRPr>
+            </a:lvl6pPr>
+            <a:lvl7pPr marL="2743200" indent="0" algn="ctr" defTabSz="914400" rtl="0" eaLnBrk="1" latinLnBrk="0" hangingPunct="1">
+              <a:lnSpc>
+                <a:spcPct val="90000"/>
+              </a:lnSpc>
+              <a:spcBef>
+                <a:spcPts val="500"/>
+              </a:spcBef>
+              <a:buFont typeface="Arial" panose="020B0604020202020204" pitchFamily="34" charset="0"/>
+              <a:buNone/>
+              <a:defRPr kumimoji="1" sz="1600" kern="1200">
+                <a:solidFill>
+                  <a:schemeClr val="tx1"/>
+                </a:solidFill>
+                <a:latin typeface="+mn-lt"/>
+                <a:ea typeface="+mn-ea"/>
+                <a:cs typeface="+mn-cs"/>
+              </a:defRPr>
+            </a:lvl7pPr>
+            <a:lvl8pPr marL="3200400" indent="0" algn="ctr" defTabSz="914400" rtl="0" eaLnBrk="1" latinLnBrk="0" hangingPunct="1">
+              <a:lnSpc>
+                <a:spcPct val="90000"/>
+              </a:lnSpc>
+              <a:spcBef>
+                <a:spcPts val="500"/>
+              </a:spcBef>
+              <a:buFont typeface="Arial" panose="020B0604020202020204" pitchFamily="34" charset="0"/>
+              <a:buNone/>
+              <a:defRPr kumimoji="1" sz="1600" kern="1200">
+                <a:solidFill>
+                  <a:schemeClr val="tx1"/>
+                </a:solidFill>
+                <a:latin typeface="+mn-lt"/>
+                <a:ea typeface="+mn-ea"/>
+                <a:cs typeface="+mn-cs"/>
+              </a:defRPr>
+            </a:lvl8pPr>
+            <a:lvl9pPr marL="3657600" indent="0" algn="ctr" defTabSz="914400" rtl="0" eaLnBrk="1" latinLnBrk="0" hangingPunct="1">
+              <a:lnSpc>
+                <a:spcPct val="90000"/>
+              </a:lnSpc>
+              <a:spcBef>
+                <a:spcPts val="500"/>
+              </a:spcBef>
+              <a:buFont typeface="Arial" panose="020B0604020202020204" pitchFamily="34" charset="0"/>
+              <a:buNone/>
+              <a:defRPr kumimoji="1" sz="1600" kern="1200">
+                <a:solidFill>
+                  <a:schemeClr val="tx1"/>
+                </a:solidFill>
+                <a:latin typeface="+mn-lt"/>
+                <a:ea typeface="+mn-ea"/>
+                <a:cs typeface="+mn-cs"/>
+              </a:defRPr>
+            </a:lvl9pPr>
+          </a:lstStyle>
+          <a:p>
+            <a:r>
+              <a:rPr lang="en-US" altLang="ja-JP" dirty="0"/>
+              <a:t>Web</a:t>
+            </a:r>
+            <a:r>
+              <a:rPr lang="ja-JP" altLang="en-US" dirty="0"/>
+              <a:t>アプリ開発　最終発表</a:t>
+            </a:r>
           </a:p>
         </p:txBody>
       </p:sp>
@@ -5304,6 +6022,138 @@
     </mc:Choice>
     <mc:Fallback xmlns="">
       <p:transition/>
+    </mc:Fallback>
+  </mc:AlternateContent>
+</p:sld>
+</file>
+
+<file path=ppt/slides/slide10.xml><?xml version="1.0" encoding="utf-8"?>
+<p:sld xmlns:a="http://schemas.openxmlformats.org/drawingml/2006/main" xmlns:r="http://schemas.openxmlformats.org/officeDocument/2006/relationships" xmlns:p="http://schemas.openxmlformats.org/presentationml/2006/main" show="0">
+  <p:cSld>
+    <p:spTree>
+      <p:nvGrpSpPr>
+        <p:cNvPr id="1" name=""/>
+        <p:cNvGrpSpPr/>
+        <p:nvPr/>
+      </p:nvGrpSpPr>
+      <p:grpSpPr>
+        <a:xfrm>
+          <a:off x="0" y="0"/>
+          <a:ext cx="0" cy="0"/>
+          <a:chOff x="0" y="0"/>
+          <a:chExt cx="0" cy="0"/>
+        </a:xfrm>
+      </p:grpSpPr>
+      <p:pic>
+        <p:nvPicPr>
+          <p:cNvPr id="7" name="図 6">
+            <a:extLst>
+              <a:ext uri="{FF2B5EF4-FFF2-40B4-BE49-F238E27FC236}">
+                <a16:creationId xmlns:a16="http://schemas.microsoft.com/office/drawing/2014/main" id="{8BF5DEAF-E833-4710-BDB0-1C6F7F291B65}"/>
+              </a:ext>
+            </a:extLst>
+          </p:cNvPr>
+          <p:cNvPicPr>
+            <a:picLocks noChangeAspect="1"/>
+          </p:cNvPicPr>
+          <p:nvPr/>
+        </p:nvPicPr>
+        <p:blipFill>
+          <a:blip r:embed="rId3">
+            <a:extLst>
+              <a:ext uri="{28A0092B-C50C-407E-A947-70E740481C1C}">
+                <a14:useLocalDpi xmlns:a14="http://schemas.microsoft.com/office/drawing/2010/main" val="0"/>
+              </a:ext>
+            </a:extLst>
+          </a:blip>
+          <a:stretch>
+            <a:fillRect/>
+          </a:stretch>
+        </p:blipFill>
+        <p:spPr>
+          <a:xfrm rot="702412">
+            <a:off x="7080641" y="2617528"/>
+            <a:ext cx="1291377" cy="1276867"/>
+          </a:xfrm>
+          <a:prstGeom prst="rect">
+            <a:avLst/>
+          </a:prstGeom>
+        </p:spPr>
+      </p:pic>
+      <p:sp>
+        <p:nvSpPr>
+          <p:cNvPr id="2" name="タイトル 1">
+            <a:extLst>
+              <a:ext uri="{FF2B5EF4-FFF2-40B4-BE49-F238E27FC236}">
+                <a16:creationId xmlns:a16="http://schemas.microsoft.com/office/drawing/2014/main" id="{01ED2532-0476-4C83-8324-7CEFE379E995}"/>
+              </a:ext>
+            </a:extLst>
+          </p:cNvPr>
+          <p:cNvSpPr>
+            <a:spLocks noGrp="1"/>
+          </p:cNvSpPr>
+          <p:nvPr>
+            <p:ph type="ctrTitle"/>
+          </p:nvPr>
+        </p:nvSpPr>
+        <p:spPr/>
+        <p:txBody>
+          <a:bodyPr/>
+          <a:lstStyle/>
+          <a:p>
+            <a:r>
+              <a:rPr lang="ja-JP" altLang="en-US" b="1" dirty="0"/>
+              <a:t>まとめ</a:t>
+            </a:r>
+            <a:endParaRPr kumimoji="1" lang="ja-JP" altLang="en-US" b="1" dirty="0"/>
+          </a:p>
+        </p:txBody>
+      </p:sp>
+      <p:sp>
+        <p:nvSpPr>
+          <p:cNvPr id="9" name="字幕 8">
+            <a:extLst>
+              <a:ext uri="{FF2B5EF4-FFF2-40B4-BE49-F238E27FC236}">
+                <a16:creationId xmlns:a16="http://schemas.microsoft.com/office/drawing/2014/main" id="{8986DA8E-564A-4B46-82FC-346CC8D7E153}"/>
+              </a:ext>
+            </a:extLst>
+          </p:cNvPr>
+          <p:cNvSpPr>
+            <a:spLocks noGrp="1"/>
+          </p:cNvSpPr>
+          <p:nvPr>
+            <p:ph type="subTitle" idx="1"/>
+          </p:nvPr>
+        </p:nvSpPr>
+        <p:spPr/>
+        <p:txBody>
+          <a:bodyPr/>
+          <a:lstStyle/>
+          <a:p>
+            <a:endParaRPr lang="ja-JP" altLang="en-US" dirty="0"/>
+          </a:p>
+        </p:txBody>
+      </p:sp>
+    </p:spTree>
+    <p:extLst>
+      <p:ext uri="{BB962C8B-B14F-4D97-AF65-F5344CB8AC3E}">
+        <p14:creationId xmlns:p14="http://schemas.microsoft.com/office/powerpoint/2010/main" val="973615335"/>
+      </p:ext>
+    </p:extLst>
+  </p:cSld>
+  <p:clrMapOvr>
+    <a:masterClrMapping/>
+  </p:clrMapOvr>
+  <mc:AlternateContent xmlns:mc="http://schemas.openxmlformats.org/markup-compatibility/2006">
+    <mc:Choice xmlns:p159="http://schemas.microsoft.com/office/powerpoint/2015/09/main" Requires="p159">
+      <p:transition xmlns:p14="http://schemas.microsoft.com/office/powerpoint/2010/main" spd="slow" p14:dur="2000">
+        <p159:morph option="byObject"/>
+      </p:transition>
+    </mc:Choice>
+    <mc:Fallback>
+      <p:transition spd="slow">
+        <p:fade/>
+      </p:transition>
     </mc:Fallback>
   </mc:AlternateContent>
 </p:sld>
@@ -5383,10 +6233,10 @@
               <a:buAutoNum type="arabicPeriod"/>
             </a:pPr>
             <a:r>
-              <a:rPr kumimoji="1" lang="ja-JP" altLang="en-US" dirty="0"/>
+              <a:rPr kumimoji="1" lang="ja-JP" altLang="en-US" sz="3600" dirty="0"/>
               <a:t>システム概要</a:t>
             </a:r>
-            <a:endParaRPr kumimoji="1" lang="en-US" altLang="ja-JP" dirty="0"/>
+            <a:endParaRPr kumimoji="1" lang="en-US" altLang="ja-JP" sz="3600" dirty="0"/>
           </a:p>
           <a:p>
             <a:pPr marL="514350" indent="-514350">
@@ -5397,10 +6247,10 @@
               <a:buAutoNum type="arabicPeriod"/>
             </a:pPr>
             <a:r>
-              <a:rPr kumimoji="1" lang="ja-JP" altLang="en-US" dirty="0"/>
+              <a:rPr kumimoji="1" lang="ja-JP" altLang="en-US" sz="3600" dirty="0"/>
               <a:t>動作確認</a:t>
             </a:r>
-            <a:endParaRPr kumimoji="1" lang="en-US" altLang="ja-JP" dirty="0"/>
+            <a:endParaRPr kumimoji="1" lang="en-US" altLang="ja-JP" sz="3600" dirty="0"/>
           </a:p>
           <a:p>
             <a:pPr marL="514350" indent="-514350">
@@ -5411,10 +6261,10 @@
               <a:buAutoNum type="arabicPeriod"/>
             </a:pPr>
             <a:r>
-              <a:rPr lang="ja-JP" altLang="en-US" dirty="0"/>
+              <a:rPr lang="ja-JP" altLang="en-US" sz="3600" dirty="0"/>
               <a:t>まとめ</a:t>
             </a:r>
-            <a:endParaRPr kumimoji="1" lang="en-US" altLang="ja-JP" dirty="0"/>
+            <a:endParaRPr kumimoji="1" lang="en-US" altLang="ja-JP" sz="3600" dirty="0"/>
           </a:p>
           <a:p>
             <a:endParaRPr kumimoji="1" lang="ja-JP" altLang="en-US" dirty="0"/>
@@ -5559,8 +6409,8 @@
         </p:nvSpPr>
         <p:spPr>
           <a:xfrm>
-            <a:off x="838200" y="1825625"/>
-            <a:ext cx="10515600" cy="1425575"/>
+            <a:off x="1295399" y="1825625"/>
+            <a:ext cx="10058400" cy="1425575"/>
           </a:xfrm>
         </p:spPr>
         <p:txBody>
@@ -5571,20 +6421,20 @@
               <a:buNone/>
             </a:pPr>
             <a:r>
-              <a:rPr lang="ja-JP" altLang="en-US" dirty="0"/>
+              <a:rPr lang="ja-JP" altLang="en-US" sz="3200" dirty="0"/>
               <a:t>・各店舗の売上の集計を行い</a:t>
             </a:r>
-            <a:endParaRPr lang="en-US" altLang="ja-JP" dirty="0"/>
+            <a:endParaRPr lang="en-US" altLang="ja-JP" sz="3200" dirty="0"/>
           </a:p>
           <a:p>
             <a:pPr marL="0" indent="0">
               <a:buNone/>
             </a:pPr>
             <a:r>
-              <a:rPr lang="ja-JP" altLang="en-US" dirty="0"/>
-              <a:t>　各店舗ごとに目標売上を割り振るシステム</a:t>
-            </a:r>
-            <a:endParaRPr lang="en-US" altLang="ja-JP" dirty="0"/>
+              <a:rPr lang="ja-JP" altLang="en-US" sz="3200" dirty="0"/>
+              <a:t>　各店舗ごとに目標売上を登録するシステム</a:t>
+            </a:r>
+            <a:endParaRPr lang="en-US" altLang="ja-JP" sz="3200" dirty="0"/>
           </a:p>
           <a:p>
             <a:pPr marL="0" indent="0">
@@ -5834,8 +6684,8 @@
         </p:nvSpPr>
         <p:spPr>
           <a:xfrm>
-            <a:off x="838200" y="365125"/>
-            <a:ext cx="10515600" cy="1325563"/>
+            <a:off x="1097280" y="286604"/>
+            <a:ext cx="10058400" cy="977600"/>
           </a:xfrm>
         </p:spPr>
         <p:txBody>
@@ -6182,6 +7032,163 @@
           </a:p>
         </p:txBody>
       </p:sp>
+      <p:sp>
+        <p:nvSpPr>
+          <p:cNvPr id="3" name="正方形/長方形 2">
+            <a:extLst>
+              <a:ext uri="{FF2B5EF4-FFF2-40B4-BE49-F238E27FC236}">
+                <a16:creationId xmlns:a16="http://schemas.microsoft.com/office/drawing/2014/main" id="{A8F3D42C-5566-4C1F-983B-A348202056BB}"/>
+              </a:ext>
+            </a:extLst>
+          </p:cNvPr>
+          <p:cNvSpPr/>
+          <p:nvPr/>
+        </p:nvSpPr>
+        <p:spPr>
+          <a:xfrm>
+            <a:off x="4601156" y="1264204"/>
+            <a:ext cx="3204622" cy="977600"/>
+          </a:xfrm>
+          <a:prstGeom prst="rect">
+            <a:avLst/>
+          </a:prstGeom>
+          <a:solidFill>
+            <a:schemeClr val="bg1"/>
+          </a:solidFill>
+          <a:ln>
+            <a:noFill/>
+          </a:ln>
+        </p:spPr>
+        <p:style>
+          <a:lnRef idx="2">
+            <a:schemeClr val="accent1">
+              <a:shade val="50000"/>
+            </a:schemeClr>
+          </a:lnRef>
+          <a:fillRef idx="1">
+            <a:schemeClr val="accent1"/>
+          </a:fillRef>
+          <a:effectRef idx="0">
+            <a:schemeClr val="accent1"/>
+          </a:effectRef>
+          <a:fontRef idx="minor">
+            <a:schemeClr val="lt1"/>
+          </a:fontRef>
+        </p:style>
+        <p:txBody>
+          <a:bodyPr rtlCol="0" anchor="ctr"/>
+          <a:lstStyle/>
+          <a:p>
+            <a:pPr algn="ctr"/>
+            <a:endParaRPr kumimoji="1" lang="ja-JP" altLang="en-US"/>
+          </a:p>
+        </p:txBody>
+      </p:sp>
+      <p:sp>
+        <p:nvSpPr>
+          <p:cNvPr id="8" name="テキスト ボックス 7">
+            <a:extLst>
+              <a:ext uri="{FF2B5EF4-FFF2-40B4-BE49-F238E27FC236}">
+                <a16:creationId xmlns:a16="http://schemas.microsoft.com/office/drawing/2014/main" id="{E2E4858D-3487-4C63-A476-CFDC8C07617C}"/>
+              </a:ext>
+            </a:extLst>
+          </p:cNvPr>
+          <p:cNvSpPr txBox="1"/>
+          <p:nvPr/>
+        </p:nvSpPr>
+        <p:spPr>
+          <a:xfrm>
+            <a:off x="3073038" y="4089301"/>
+            <a:ext cx="609278" cy="369332"/>
+          </a:xfrm>
+          <a:prstGeom prst="rect">
+            <a:avLst/>
+          </a:prstGeom>
+          <a:noFill/>
+        </p:spPr>
+        <p:txBody>
+          <a:bodyPr wrap="square" rtlCol="0">
+            <a:spAutoFit/>
+          </a:bodyPr>
+          <a:lstStyle/>
+          <a:p>
+            <a:r>
+              <a:rPr kumimoji="1" lang="ja-JP" altLang="en-US" b="1" dirty="0"/>
+              <a:t>①</a:t>
+            </a:r>
+          </a:p>
+        </p:txBody>
+      </p:sp>
+      <p:sp>
+        <p:nvSpPr>
+          <p:cNvPr id="15" name="テキスト ボックス 14">
+            <a:extLst>
+              <a:ext uri="{FF2B5EF4-FFF2-40B4-BE49-F238E27FC236}">
+                <a16:creationId xmlns:a16="http://schemas.microsoft.com/office/drawing/2014/main" id="{7D9C2E64-9E80-4F2C-8763-A37D646D4E84}"/>
+              </a:ext>
+            </a:extLst>
+          </p:cNvPr>
+          <p:cNvSpPr txBox="1"/>
+          <p:nvPr/>
+        </p:nvSpPr>
+        <p:spPr>
+          <a:xfrm>
+            <a:off x="8763757" y="4012115"/>
+            <a:ext cx="609278" cy="369332"/>
+          </a:xfrm>
+          <a:prstGeom prst="rect">
+            <a:avLst/>
+          </a:prstGeom>
+          <a:noFill/>
+        </p:spPr>
+        <p:txBody>
+          <a:bodyPr wrap="square" rtlCol="0">
+            <a:spAutoFit/>
+          </a:bodyPr>
+          <a:lstStyle/>
+          <a:p>
+            <a:r>
+              <a:rPr kumimoji="1" lang="ja-JP" altLang="en-US" b="1" dirty="0"/>
+              <a:t>②</a:t>
+            </a:r>
+          </a:p>
+        </p:txBody>
+      </p:sp>
+      <p:sp>
+        <p:nvSpPr>
+          <p:cNvPr id="16" name="テキスト ボックス 15">
+            <a:extLst>
+              <a:ext uri="{FF2B5EF4-FFF2-40B4-BE49-F238E27FC236}">
+                <a16:creationId xmlns:a16="http://schemas.microsoft.com/office/drawing/2014/main" id="{06CA67DD-46B7-48AB-A0F1-4760C90D22B1}"/>
+              </a:ext>
+            </a:extLst>
+          </p:cNvPr>
+          <p:cNvSpPr txBox="1"/>
+          <p:nvPr/>
+        </p:nvSpPr>
+        <p:spPr>
+          <a:xfrm>
+            <a:off x="8390858" y="3418464"/>
+            <a:ext cx="609278" cy="369332"/>
+          </a:xfrm>
+          <a:prstGeom prst="rect">
+            <a:avLst/>
+          </a:prstGeom>
+          <a:noFill/>
+        </p:spPr>
+        <p:txBody>
+          <a:bodyPr wrap="square" rtlCol="0">
+            <a:spAutoFit/>
+          </a:bodyPr>
+          <a:lstStyle/>
+          <a:p>
+            <a:r>
+              <a:rPr kumimoji="1" lang="ja-JP" altLang="en-US" b="1" dirty="0"/>
+              <a:t>③</a:t>
+            </a:r>
+          </a:p>
+        </p:txBody>
+      </p:sp>
     </p:spTree>
     <p:extLst>
       <p:ext uri="{BB962C8B-B14F-4D97-AF65-F5344CB8AC3E}">
@@ -6208,123 +7215,6 @@
 </file>
 
 <file path=ppt/slides/slide5.xml><?xml version="1.0" encoding="utf-8"?>
-<p:sld xmlns:a="http://schemas.openxmlformats.org/drawingml/2006/main" xmlns:r="http://schemas.openxmlformats.org/officeDocument/2006/relationships" xmlns:p="http://schemas.openxmlformats.org/presentationml/2006/main">
-  <p:cSld>
-    <p:spTree>
-      <p:nvGrpSpPr>
-        <p:cNvPr id="1" name=""/>
-        <p:cNvGrpSpPr/>
-        <p:nvPr/>
-      </p:nvGrpSpPr>
-      <p:grpSpPr>
-        <a:xfrm>
-          <a:off x="0" y="0"/>
-          <a:ext cx="0" cy="0"/>
-          <a:chOff x="0" y="0"/>
-          <a:chExt cx="0" cy="0"/>
-        </a:xfrm>
-      </p:grpSpPr>
-      <p:sp>
-        <p:nvSpPr>
-          <p:cNvPr id="6" name="タイトル 1">
-            <a:extLst>
-              <a:ext uri="{FF2B5EF4-FFF2-40B4-BE49-F238E27FC236}">
-                <a16:creationId xmlns:a16="http://schemas.microsoft.com/office/drawing/2014/main" id="{585BC671-44EA-4761-B18B-11693CD5667C}"/>
-              </a:ext>
-            </a:extLst>
-          </p:cNvPr>
-          <p:cNvSpPr>
-            <a:spLocks noGrp="1"/>
-          </p:cNvSpPr>
-          <p:nvPr>
-            <p:ph type="title"/>
-          </p:nvPr>
-        </p:nvSpPr>
-        <p:spPr>
-          <a:xfrm>
-            <a:off x="838200" y="212725"/>
-            <a:ext cx="10515600" cy="1325563"/>
-          </a:xfrm>
-          <a:solidFill>
-            <a:schemeClr val="bg1"/>
-          </a:solidFill>
-        </p:spPr>
-        <p:txBody>
-          <a:bodyPr/>
-          <a:lstStyle/>
-          <a:p>
-            <a:r>
-              <a:rPr kumimoji="1" lang="en-US" altLang="ja-JP" b="1" dirty="0"/>
-              <a:t>ER</a:t>
-            </a:r>
-            <a:r>
-              <a:rPr kumimoji="1" lang="ja-JP" altLang="en-US" b="1" dirty="0"/>
-              <a:t>図</a:t>
-            </a:r>
-          </a:p>
-        </p:txBody>
-      </p:sp>
-      <p:pic>
-        <p:nvPicPr>
-          <p:cNvPr id="9" name="コンテンツ プレースホルダー 8">
-            <a:extLst>
-              <a:ext uri="{FF2B5EF4-FFF2-40B4-BE49-F238E27FC236}">
-                <a16:creationId xmlns:a16="http://schemas.microsoft.com/office/drawing/2014/main" id="{EBE5E0B2-54B5-41B9-A00D-BE504217D15F}"/>
-              </a:ext>
-            </a:extLst>
-          </p:cNvPr>
-          <p:cNvPicPr>
-            <a:picLocks noGrp="1" noChangeAspect="1"/>
-          </p:cNvPicPr>
-          <p:nvPr>
-            <p:ph idx="1"/>
-          </p:nvPr>
-        </p:nvPicPr>
-        <p:blipFill>
-          <a:blip r:embed="rId3">
-            <a:extLst>
-              <a:ext uri="{28A0092B-C50C-407E-A947-70E740481C1C}">
-                <a14:useLocalDpi xmlns:a14="http://schemas.microsoft.com/office/drawing/2010/main" val="0"/>
-              </a:ext>
-            </a:extLst>
-          </a:blip>
-          <a:stretch>
-            <a:fillRect/>
-          </a:stretch>
-        </p:blipFill>
-        <p:spPr>
-          <a:xfrm>
-            <a:off x="635534" y="1252603"/>
-            <a:ext cx="10920931" cy="4999517"/>
-          </a:xfrm>
-        </p:spPr>
-      </p:pic>
-    </p:spTree>
-    <p:extLst>
-      <p:ext uri="{BB962C8B-B14F-4D97-AF65-F5344CB8AC3E}">
-        <p14:creationId xmlns:p14="http://schemas.microsoft.com/office/powerpoint/2010/main" val="3577618292"/>
-      </p:ext>
-    </p:extLst>
-  </p:cSld>
-  <p:clrMapOvr>
-    <a:masterClrMapping/>
-  </p:clrMapOvr>
-  <mc:AlternateContent xmlns:mc="http://schemas.openxmlformats.org/markup-compatibility/2006" xmlns:p159="http://schemas.microsoft.com/office/powerpoint/2015/09/main">
-    <mc:Choice Requires="p159">
-      <p:transition xmlns:p14="http://schemas.microsoft.com/office/powerpoint/2010/main" spd="slow" p14:dur="2000">
-        <p159:morph option="byObject"/>
-      </p:transition>
-    </mc:Choice>
-    <mc:Fallback xmlns="">
-      <p:transition spd="slow">
-        <p:fade/>
-      </p:transition>
-    </mc:Fallback>
-  </mc:AlternateContent>
-</p:sld>
-</file>
-
-<file path=ppt/slides/slide6.xml><?xml version="1.0" encoding="utf-8"?>
 <p:sld xmlns:a="http://schemas.openxmlformats.org/drawingml/2006/main" xmlns:r="http://schemas.openxmlformats.org/officeDocument/2006/relationships" xmlns:p="http://schemas.openxmlformats.org/presentationml/2006/main">
   <p:cSld>
     <p:spTree>
@@ -6369,7 +7259,7 @@
         </p:blipFill>
         <p:spPr>
           <a:xfrm>
-            <a:off x="3524572" y="4293842"/>
+            <a:off x="3524572" y="4531342"/>
             <a:ext cx="5142856" cy="4323307"/>
           </a:xfrm>
           <a:prstGeom prst="rect">
@@ -6430,7 +7320,7 @@
 </p:sld>
 </file>
 
-<file path=ppt/slides/slide7.xml><?xml version="1.0" encoding="utf-8"?>
+<file path=ppt/slides/slide6.xml><?xml version="1.0" encoding="utf-8"?>
 <p:sld xmlns:a="http://schemas.openxmlformats.org/drawingml/2006/main" xmlns:r="http://schemas.openxmlformats.org/officeDocument/2006/relationships" xmlns:p="http://schemas.openxmlformats.org/presentationml/2006/main">
   <p:cSld>
     <p:spTree>
@@ -6494,81 +7384,83 @@
         </p:nvSpPr>
         <p:spPr/>
         <p:txBody>
-          <a:bodyPr/>
-          <a:lstStyle/>
-          <a:p>
-            <a:r>
-              <a:rPr kumimoji="1" lang="ja-JP" altLang="en-US" dirty="0"/>
+          <a:bodyPr>
+            <a:normAutofit/>
+          </a:bodyPr>
+          <a:lstStyle/>
+          <a:p>
+            <a:r>
+              <a:rPr kumimoji="1" lang="ja-JP" altLang="en-US" sz="3600" dirty="0"/>
               <a:t>開発言語　　　　</a:t>
             </a:r>
             <a:r>
-              <a:rPr lang="ja-JP" altLang="en-US" dirty="0"/>
+              <a:rPr lang="ja-JP" altLang="en-US" sz="3600" dirty="0"/>
               <a:t>：</a:t>
             </a:r>
             <a:r>
-              <a:rPr kumimoji="1" lang="en-US" altLang="ja-JP" dirty="0"/>
+              <a:rPr kumimoji="1" lang="en-US" altLang="ja-JP" sz="3600" dirty="0"/>
               <a:t>PHP</a:t>
             </a:r>
             <a:r>
-              <a:rPr kumimoji="1" lang="ja-JP" altLang="en-US" dirty="0" err="1"/>
+              <a:rPr kumimoji="1" lang="ja-JP" altLang="en-US" sz="3600" dirty="0" err="1"/>
               <a:t>、</a:t>
             </a:r>
             <a:r>
-              <a:rPr kumimoji="1" lang="en-US" altLang="ja-JP" dirty="0"/>
+              <a:rPr kumimoji="1" lang="en-US" altLang="ja-JP" sz="3600" dirty="0"/>
               <a:t>HTML</a:t>
             </a:r>
             <a:r>
-              <a:rPr kumimoji="1" lang="ja-JP" altLang="en-US" dirty="0" err="1"/>
+              <a:rPr kumimoji="1" lang="ja-JP" altLang="en-US" sz="3600" dirty="0" err="1"/>
               <a:t>、</a:t>
             </a:r>
             <a:r>
-              <a:rPr kumimoji="1" lang="en-US" altLang="ja-JP" dirty="0"/>
+              <a:rPr kumimoji="1" lang="en-US" altLang="ja-JP" sz="3600" dirty="0"/>
               <a:t>CSS</a:t>
             </a:r>
           </a:p>
           <a:p>
-            <a:endParaRPr lang="en-US" altLang="ja-JP" dirty="0"/>
-          </a:p>
-          <a:p>
-            <a:r>
-              <a:rPr kumimoji="1" lang="ja-JP" altLang="en-US" dirty="0"/>
+            <a:endParaRPr lang="en-US" altLang="ja-JP" sz="3600" dirty="0"/>
+          </a:p>
+          <a:p>
+            <a:r>
+              <a:rPr kumimoji="1" lang="ja-JP" altLang="en-US" sz="3600" dirty="0"/>
               <a:t>データベース　　：</a:t>
             </a:r>
             <a:r>
-              <a:rPr lang="en-US" altLang="ja-JP" dirty="0"/>
+              <a:rPr lang="en-US" altLang="ja-JP" sz="3600" dirty="0"/>
               <a:t>MySQL</a:t>
             </a:r>
-            <a:endParaRPr kumimoji="1" lang="en-US" altLang="ja-JP" dirty="0"/>
-          </a:p>
-          <a:p>
-            <a:endParaRPr lang="en-US" altLang="ja-JP" dirty="0"/>
-          </a:p>
-          <a:p>
-            <a:r>
-              <a:rPr kumimoji="1" lang="ja-JP" altLang="en-US" dirty="0"/>
+            <a:endParaRPr kumimoji="1" lang="en-US" altLang="ja-JP" sz="3600" dirty="0"/>
+          </a:p>
+          <a:p>
+            <a:endParaRPr lang="en-US" altLang="ja-JP" sz="3200" dirty="0"/>
+          </a:p>
+          <a:p>
+            <a:r>
+              <a:rPr kumimoji="1" lang="ja-JP" altLang="en-US" sz="3600" dirty="0"/>
               <a:t>ソースコード</a:t>
             </a:r>
             <a:r>
-              <a:rPr lang="ja-JP" altLang="en-US" dirty="0"/>
+              <a:rPr lang="ja-JP" altLang="en-US" sz="3600" dirty="0"/>
               <a:t>共有</a:t>
             </a:r>
             <a:r>
-              <a:rPr kumimoji="1" lang="ja-JP" altLang="en-US" dirty="0"/>
+              <a:rPr kumimoji="1" lang="ja-JP" altLang="en-US" sz="3600" dirty="0"/>
               <a:t>：</a:t>
             </a:r>
             <a:r>
-              <a:rPr kumimoji="1" lang="en-US" altLang="ja-JP" dirty="0" err="1"/>
+              <a:rPr kumimoji="1" lang="en-US" altLang="ja-JP" sz="3600" dirty="0" err="1"/>
               <a:t>github</a:t>
             </a:r>
             <a:r>
-              <a:rPr kumimoji="1" lang="ja-JP" altLang="en-US" dirty="0" err="1"/>
+              <a:rPr kumimoji="1" lang="ja-JP" altLang="en-US" sz="3600" dirty="0" err="1"/>
               <a:t>、</a:t>
             </a:r>
             <a:r>
-              <a:rPr kumimoji="1" lang="en-US" altLang="ja-JP" dirty="0" err="1"/>
+              <a:rPr kumimoji="1" lang="en-US" altLang="ja-JP" sz="3600" dirty="0" err="1"/>
               <a:t>sourcetree</a:t>
             </a:r>
-            <a:endParaRPr kumimoji="1" lang="en-US" altLang="ja-JP" dirty="0"/>
+            <a:endParaRPr kumimoji="1" lang="en-US" altLang="ja-JP" sz="3600" dirty="0"/>
           </a:p>
         </p:txBody>
       </p:sp>
@@ -6597,8 +7489,8 @@
 </p:sld>
 </file>
 
-<file path=ppt/slides/slide8.xml><?xml version="1.0" encoding="utf-8"?>
-<p:sld xmlns:a="http://schemas.openxmlformats.org/drawingml/2006/main" xmlns:r="http://schemas.openxmlformats.org/officeDocument/2006/relationships" xmlns:p="http://schemas.openxmlformats.org/presentationml/2006/main">
+<file path=ppt/slides/slide7.xml><?xml version="1.0" encoding="utf-8"?>
+<p:sld xmlns:a="http://schemas.openxmlformats.org/drawingml/2006/main" xmlns:r="http://schemas.openxmlformats.org/officeDocument/2006/relationships" xmlns:p="http://schemas.openxmlformats.org/presentationml/2006/main" show="0">
   <p:cSld>
     <p:spTree>
       <p:nvGrpSpPr>
@@ -6616,19 +7508,17 @@
       </p:grpSpPr>
       <p:pic>
         <p:nvPicPr>
-          <p:cNvPr id="5" name="コンテンツ プレースホルダー 4">
+          <p:cNvPr id="5" name="図 4">
             <a:extLst>
               <a:ext uri="{FF2B5EF4-FFF2-40B4-BE49-F238E27FC236}">
-                <a16:creationId xmlns:a16="http://schemas.microsoft.com/office/drawing/2014/main" id="{28AA6338-1D95-4E65-B124-7C9546F50E10}"/>
+                <a16:creationId xmlns:a16="http://schemas.microsoft.com/office/drawing/2014/main" id="{86FEC9D1-3A5A-4D1E-97EE-D0979F8D5888}"/>
               </a:ext>
             </a:extLst>
           </p:cNvPr>
           <p:cNvPicPr>
-            <a:picLocks noGrp="1" noChangeAspect="1"/>
+            <a:picLocks noChangeAspect="1"/>
           </p:cNvPicPr>
-          <p:nvPr>
-            <p:ph idx="1"/>
-          </p:nvPr>
+          <p:nvPr/>
         </p:nvPicPr>
         <p:blipFill>
           <a:blip r:embed="rId3">
@@ -6644,11 +7534,201 @@
         </p:blipFill>
         <p:spPr>
           <a:xfrm>
-            <a:off x="1899285" y="1339372"/>
-            <a:ext cx="7620635" cy="4798464"/>
+            <a:off x="3524572" y="4531342"/>
+            <a:ext cx="5142856" cy="4323307"/>
+          </a:xfrm>
+          <a:prstGeom prst="rect">
+            <a:avLst/>
+          </a:prstGeom>
+        </p:spPr>
+      </p:pic>
+      <p:sp>
+        <p:nvSpPr>
+          <p:cNvPr id="2" name="タイトル 1">
+            <a:extLst>
+              <a:ext uri="{FF2B5EF4-FFF2-40B4-BE49-F238E27FC236}">
+                <a16:creationId xmlns:a16="http://schemas.microsoft.com/office/drawing/2014/main" id="{01ED2532-0476-4C83-8324-7CEFE379E995}"/>
+              </a:ext>
+            </a:extLst>
+          </p:cNvPr>
+          <p:cNvSpPr>
+            <a:spLocks noGrp="1"/>
+          </p:cNvSpPr>
+          <p:nvPr>
+            <p:ph type="ctrTitle"/>
+          </p:nvPr>
+        </p:nvSpPr>
+        <p:spPr/>
+        <p:txBody>
+          <a:bodyPr/>
+          <a:lstStyle/>
+          <a:p>
+            <a:r>
+              <a:rPr kumimoji="1" lang="ja-JP" altLang="en-US" b="1" dirty="0"/>
+              <a:t>質疑応答</a:t>
+            </a:r>
+          </a:p>
+        </p:txBody>
+      </p:sp>
+    </p:spTree>
+    <p:extLst>
+      <p:ext uri="{BB962C8B-B14F-4D97-AF65-F5344CB8AC3E}">
+        <p14:creationId xmlns:p14="http://schemas.microsoft.com/office/powerpoint/2010/main" val="3888952615"/>
+      </p:ext>
+    </p:extLst>
+  </p:cSld>
+  <p:clrMapOvr>
+    <a:masterClrMapping/>
+  </p:clrMapOvr>
+  <mc:AlternateContent xmlns:mc="http://schemas.openxmlformats.org/markup-compatibility/2006">
+    <mc:Choice xmlns:p159="http://schemas.microsoft.com/office/powerpoint/2015/09/main" Requires="p159">
+      <p:transition xmlns:p14="http://schemas.microsoft.com/office/powerpoint/2010/main" spd="slow" p14:dur="2000">
+        <p159:morph option="byObject"/>
+      </p:transition>
+    </mc:Choice>
+    <mc:Fallback>
+      <p:transition spd="slow">
+        <p:fade/>
+      </p:transition>
+    </mc:Fallback>
+  </mc:AlternateContent>
+</p:sld>
+</file>
+
+<file path=ppt/slides/slide8.xml><?xml version="1.0" encoding="utf-8"?>
+<p:sld xmlns:a="http://schemas.openxmlformats.org/drawingml/2006/main" xmlns:r="http://schemas.openxmlformats.org/officeDocument/2006/relationships" xmlns:p="http://schemas.openxmlformats.org/presentationml/2006/main" show="0">
+  <p:cSld>
+    <p:spTree>
+      <p:nvGrpSpPr>
+        <p:cNvPr id="1" name=""/>
+        <p:cNvGrpSpPr/>
+        <p:nvPr/>
+      </p:nvGrpSpPr>
+      <p:grpSpPr>
+        <a:xfrm>
+          <a:off x="0" y="0"/>
+          <a:ext cx="0" cy="0"/>
+          <a:chOff x="0" y="0"/>
+          <a:chExt cx="0" cy="0"/>
+        </a:xfrm>
+      </p:grpSpPr>
+      <p:sp>
+        <p:nvSpPr>
+          <p:cNvPr id="6" name="タイトル 1">
+            <a:extLst>
+              <a:ext uri="{FF2B5EF4-FFF2-40B4-BE49-F238E27FC236}">
+                <a16:creationId xmlns:a16="http://schemas.microsoft.com/office/drawing/2014/main" id="{585BC671-44EA-4761-B18B-11693CD5667C}"/>
+              </a:ext>
+            </a:extLst>
+          </p:cNvPr>
+          <p:cNvSpPr>
+            <a:spLocks noGrp="1"/>
+          </p:cNvSpPr>
+          <p:nvPr>
+            <p:ph type="title"/>
+          </p:nvPr>
+        </p:nvSpPr>
+        <p:spPr>
+          <a:xfrm>
+            <a:off x="838200" y="212725"/>
+            <a:ext cx="10515600" cy="1325563"/>
+          </a:xfrm>
+          <a:solidFill>
+            <a:schemeClr val="bg1"/>
+          </a:solidFill>
+        </p:spPr>
+        <p:txBody>
+          <a:bodyPr/>
+          <a:lstStyle/>
+          <a:p>
+            <a:r>
+              <a:rPr kumimoji="1" lang="en-US" altLang="ja-JP" b="1" dirty="0"/>
+              <a:t>ER</a:t>
+            </a:r>
+            <a:r>
+              <a:rPr kumimoji="1" lang="ja-JP" altLang="en-US" b="1" dirty="0"/>
+              <a:t>図</a:t>
+            </a:r>
+          </a:p>
+        </p:txBody>
+      </p:sp>
+      <p:pic>
+        <p:nvPicPr>
+          <p:cNvPr id="9" name="コンテンツ プレースホルダー 8">
+            <a:extLst>
+              <a:ext uri="{FF2B5EF4-FFF2-40B4-BE49-F238E27FC236}">
+                <a16:creationId xmlns:a16="http://schemas.microsoft.com/office/drawing/2014/main" id="{EBE5E0B2-54B5-41B9-A00D-BE504217D15F}"/>
+              </a:ext>
+            </a:extLst>
+          </p:cNvPr>
+          <p:cNvPicPr>
+            <a:picLocks noGrp="1" noChangeAspect="1"/>
+          </p:cNvPicPr>
+          <p:nvPr>
+            <p:ph idx="1"/>
+          </p:nvPr>
+        </p:nvPicPr>
+        <p:blipFill>
+          <a:blip r:embed="rId3">
+            <a:extLst>
+              <a:ext uri="{28A0092B-C50C-407E-A947-70E740481C1C}">
+                <a14:useLocalDpi xmlns:a14="http://schemas.microsoft.com/office/drawing/2010/main" val="0"/>
+              </a:ext>
+            </a:extLst>
+          </a:blip>
+          <a:stretch>
+            <a:fillRect/>
+          </a:stretch>
+        </p:blipFill>
+        <p:spPr>
+          <a:xfrm>
+            <a:off x="1732549" y="1846263"/>
+            <a:ext cx="8787228" cy="4022725"/>
           </a:xfrm>
         </p:spPr>
       </p:pic>
+    </p:spTree>
+    <p:extLst>
+      <p:ext uri="{BB962C8B-B14F-4D97-AF65-F5344CB8AC3E}">
+        <p14:creationId xmlns:p14="http://schemas.microsoft.com/office/powerpoint/2010/main" val="3577618292"/>
+      </p:ext>
+    </p:extLst>
+  </p:cSld>
+  <p:clrMapOvr>
+    <a:masterClrMapping/>
+  </p:clrMapOvr>
+  <mc:AlternateContent xmlns:mc="http://schemas.openxmlformats.org/markup-compatibility/2006">
+    <mc:Choice xmlns:p159="http://schemas.microsoft.com/office/powerpoint/2015/09/main" Requires="p159">
+      <p:transition xmlns:p14="http://schemas.microsoft.com/office/powerpoint/2010/main" spd="slow" p14:dur="2000">
+        <p159:morph option="byObject"/>
+      </p:transition>
+    </mc:Choice>
+    <mc:Fallback>
+      <p:transition spd="slow">
+        <p:fade/>
+      </p:transition>
+    </mc:Fallback>
+  </mc:AlternateContent>
+</p:sld>
+</file>
+
+<file path=ppt/slides/slide9.xml><?xml version="1.0" encoding="utf-8"?>
+<p:sld xmlns:a="http://schemas.openxmlformats.org/drawingml/2006/main" xmlns:r="http://schemas.openxmlformats.org/officeDocument/2006/relationships" xmlns:p="http://schemas.openxmlformats.org/presentationml/2006/main" show="0">
+  <p:cSld>
+    <p:spTree>
+      <p:nvGrpSpPr>
+        <p:cNvPr id="1" name=""/>
+        <p:cNvGrpSpPr/>
+        <p:nvPr/>
+      </p:nvGrpSpPr>
+      <p:grpSpPr>
+        <a:xfrm>
+          <a:off x="0" y="0"/>
+          <a:ext cx="0" cy="0"/>
+          <a:chOff x="0" y="0"/>
+          <a:chExt cx="0" cy="0"/>
+        </a:xfrm>
+      </p:grpSpPr>
       <p:sp>
         <p:nvSpPr>
           <p:cNvPr id="2" name="タイトル 1">
@@ -6681,6 +7761,41 @@
           </a:p>
         </p:txBody>
       </p:sp>
+      <p:pic>
+        <p:nvPicPr>
+          <p:cNvPr id="5" name="コンテンツ プレースホルダー 4">
+            <a:extLst>
+              <a:ext uri="{FF2B5EF4-FFF2-40B4-BE49-F238E27FC236}">
+                <a16:creationId xmlns:a16="http://schemas.microsoft.com/office/drawing/2014/main" id="{28AA6338-1D95-4E65-B124-7C9546F50E10}"/>
+              </a:ext>
+            </a:extLst>
+          </p:cNvPr>
+          <p:cNvPicPr>
+            <a:picLocks noGrp="1" noChangeAspect="1"/>
+          </p:cNvPicPr>
+          <p:nvPr>
+            <p:ph idx="1"/>
+          </p:nvPr>
+        </p:nvPicPr>
+        <p:blipFill>
+          <a:blip r:embed="rId3">
+            <a:extLst>
+              <a:ext uri="{28A0092B-C50C-407E-A947-70E740481C1C}">
+                <a14:useLocalDpi xmlns:a14="http://schemas.microsoft.com/office/drawing/2010/main" val="0"/>
+              </a:ext>
+            </a:extLst>
+          </a:blip>
+          <a:stretch>
+            <a:fillRect/>
+          </a:stretch>
+        </p:blipFill>
+        <p:spPr>
+          <a:xfrm>
+            <a:off x="2931836" y="1846263"/>
+            <a:ext cx="6388653" cy="4022725"/>
+          </a:xfrm>
+        </p:spPr>
+      </p:pic>
       <p:sp>
         <p:nvSpPr>
           <p:cNvPr id="3" name="四角形: 角を丸くする 2">
@@ -6737,13 +7852,13 @@
   <p:clrMapOvr>
     <a:masterClrMapping/>
   </p:clrMapOvr>
-  <mc:AlternateContent xmlns:mc="http://schemas.openxmlformats.org/markup-compatibility/2006" xmlns:p159="http://schemas.microsoft.com/office/powerpoint/2015/09/main">
-    <mc:Choice Requires="p159">
+  <mc:AlternateContent xmlns:mc="http://schemas.openxmlformats.org/markup-compatibility/2006">
+    <mc:Choice xmlns:p159="http://schemas.microsoft.com/office/powerpoint/2015/09/main" Requires="p159">
       <p:transition xmlns:p14="http://schemas.microsoft.com/office/powerpoint/2010/main" spd="slow" p14:dur="2000">
         <p159:morph option="byObject"/>
       </p:transition>
     </mc:Choice>
-    <mc:Fallback xmlns="">
+    <mc:Fallback>
       <p:transition spd="slow">
         <p:fade/>
       </p:transition>
@@ -6841,187 +7956,55 @@
 </p:sld>
 </file>
 
-<file path=ppt/slides/slide9.xml><?xml version="1.0" encoding="utf-8"?>
-<p:sld xmlns:a="http://schemas.openxmlformats.org/drawingml/2006/main" xmlns:r="http://schemas.openxmlformats.org/officeDocument/2006/relationships" xmlns:p="http://schemas.openxmlformats.org/presentationml/2006/main">
-  <p:cSld>
-    <p:spTree>
-      <p:nvGrpSpPr>
-        <p:cNvPr id="1" name=""/>
-        <p:cNvGrpSpPr/>
-        <p:nvPr/>
-      </p:nvGrpSpPr>
-      <p:grpSpPr>
-        <a:xfrm>
-          <a:off x="0" y="0"/>
-          <a:ext cx="0" cy="0"/>
-          <a:chOff x="0" y="0"/>
-          <a:chExt cx="0" cy="0"/>
-        </a:xfrm>
-      </p:grpSpPr>
-      <p:pic>
-        <p:nvPicPr>
-          <p:cNvPr id="7" name="図 6">
-            <a:extLst>
-              <a:ext uri="{FF2B5EF4-FFF2-40B4-BE49-F238E27FC236}">
-                <a16:creationId xmlns:a16="http://schemas.microsoft.com/office/drawing/2014/main" id="{8BF5DEAF-E833-4710-BDB0-1C6F7F291B65}"/>
-              </a:ext>
-            </a:extLst>
-          </p:cNvPr>
-          <p:cNvPicPr>
-            <a:picLocks noChangeAspect="1"/>
-          </p:cNvPicPr>
-          <p:nvPr/>
-        </p:nvPicPr>
-        <p:blipFill>
-          <a:blip r:embed="rId3">
-            <a:extLst>
-              <a:ext uri="{28A0092B-C50C-407E-A947-70E740481C1C}">
-                <a14:useLocalDpi xmlns:a14="http://schemas.microsoft.com/office/drawing/2010/main" val="0"/>
-              </a:ext>
-            </a:extLst>
-          </a:blip>
-          <a:stretch>
-            <a:fillRect/>
-          </a:stretch>
-        </p:blipFill>
-        <p:spPr>
-          <a:xfrm rot="702412">
-            <a:off x="7080641" y="2617528"/>
-            <a:ext cx="1291377" cy="1276867"/>
-          </a:xfrm>
-          <a:prstGeom prst="rect">
-            <a:avLst/>
-          </a:prstGeom>
-        </p:spPr>
-      </p:pic>
-      <p:sp>
-        <p:nvSpPr>
-          <p:cNvPr id="2" name="タイトル 1">
-            <a:extLst>
-              <a:ext uri="{FF2B5EF4-FFF2-40B4-BE49-F238E27FC236}">
-                <a16:creationId xmlns:a16="http://schemas.microsoft.com/office/drawing/2014/main" id="{01ED2532-0476-4C83-8324-7CEFE379E995}"/>
-              </a:ext>
-            </a:extLst>
-          </p:cNvPr>
-          <p:cNvSpPr>
-            <a:spLocks noGrp="1"/>
-          </p:cNvSpPr>
-          <p:nvPr>
-            <p:ph type="ctrTitle"/>
-          </p:nvPr>
-        </p:nvSpPr>
-        <p:spPr/>
-        <p:txBody>
-          <a:bodyPr/>
-          <a:lstStyle/>
-          <a:p>
-            <a:r>
-              <a:rPr lang="ja-JP" altLang="en-US" b="1" dirty="0"/>
-              <a:t>まとめ</a:t>
-            </a:r>
-            <a:endParaRPr kumimoji="1" lang="ja-JP" altLang="en-US" b="1" dirty="0"/>
-          </a:p>
-        </p:txBody>
-      </p:sp>
-      <p:sp>
-        <p:nvSpPr>
-          <p:cNvPr id="9" name="字幕 8">
-            <a:extLst>
-              <a:ext uri="{FF2B5EF4-FFF2-40B4-BE49-F238E27FC236}">
-                <a16:creationId xmlns:a16="http://schemas.microsoft.com/office/drawing/2014/main" id="{8986DA8E-564A-4B46-82FC-346CC8D7E153}"/>
-              </a:ext>
-            </a:extLst>
-          </p:cNvPr>
-          <p:cNvSpPr>
-            <a:spLocks noGrp="1"/>
-          </p:cNvSpPr>
-          <p:nvPr>
-            <p:ph type="subTitle" idx="1"/>
-          </p:nvPr>
-        </p:nvSpPr>
-        <p:spPr/>
-        <p:txBody>
-          <a:bodyPr/>
-          <a:lstStyle/>
-          <a:p>
-            <a:endParaRPr lang="ja-JP" altLang="en-US" dirty="0"/>
-          </a:p>
-        </p:txBody>
-      </p:sp>
-    </p:spTree>
-    <p:extLst>
-      <p:ext uri="{BB962C8B-B14F-4D97-AF65-F5344CB8AC3E}">
-        <p14:creationId xmlns:p14="http://schemas.microsoft.com/office/powerpoint/2010/main" val="973615335"/>
-      </p:ext>
-    </p:extLst>
-  </p:cSld>
-  <p:clrMapOvr>
-    <a:masterClrMapping/>
-  </p:clrMapOvr>
-  <mc:AlternateContent xmlns:mc="http://schemas.openxmlformats.org/markup-compatibility/2006" xmlns:p159="http://schemas.microsoft.com/office/powerpoint/2015/09/main">
-    <mc:Choice Requires="p159">
-      <p:transition xmlns:p14="http://schemas.microsoft.com/office/powerpoint/2010/main" spd="slow" p14:dur="2000">
-        <p159:morph option="byObject"/>
-      </p:transition>
-    </mc:Choice>
-    <mc:Fallback xmlns="">
-      <p:transition spd="slow">
-        <p:fade/>
-      </p:transition>
-    </mc:Fallback>
-  </mc:AlternateContent>
-</p:sld>
-</file>
-
 <file path=ppt/theme/theme1.xml><?xml version="1.0" encoding="utf-8"?>
-<a:theme xmlns:a="http://schemas.openxmlformats.org/drawingml/2006/main" name="Office テーマ">
+<a:theme xmlns:a="http://schemas.openxmlformats.org/drawingml/2006/main" name="レトロスペクト">
   <a:themeElements>
-    <a:clrScheme name="Office">
+    <a:clrScheme name="レトロスペクト">
       <a:dk1>
-        <a:sysClr val="windowText" lastClr="000000"/>
+        <a:srgbClr val="000000"/>
       </a:dk1>
       <a:lt1>
         <a:sysClr val="window" lastClr="FFFFFF"/>
       </a:lt1>
       <a:dk2>
-        <a:srgbClr val="44546A"/>
+        <a:srgbClr val="637052"/>
       </a:dk2>
       <a:lt2>
-        <a:srgbClr val="E7E6E6"/>
+        <a:srgbClr val="CCDDEA"/>
       </a:lt2>
       <a:accent1>
-        <a:srgbClr val="4472C4"/>
+        <a:srgbClr val="E48312"/>
       </a:accent1>
       <a:accent2>
-        <a:srgbClr val="ED7D31"/>
+        <a:srgbClr val="BD582C"/>
       </a:accent2>
       <a:accent3>
-        <a:srgbClr val="A5A5A5"/>
+        <a:srgbClr val="865640"/>
       </a:accent3>
       <a:accent4>
-        <a:srgbClr val="FFC000"/>
+        <a:srgbClr val="9B8357"/>
       </a:accent4>
       <a:accent5>
-        <a:srgbClr val="5B9BD5"/>
+        <a:srgbClr val="C2BC80"/>
       </a:accent5>
       <a:accent6>
-        <a:srgbClr val="70AD47"/>
+        <a:srgbClr val="94A088"/>
       </a:accent6>
       <a:hlink>
-        <a:srgbClr val="0563C1"/>
+        <a:srgbClr val="2998E3"/>
       </a:hlink>
       <a:folHlink>
-        <a:srgbClr val="954F72"/>
+        <a:srgbClr val="8C8C8C"/>
       </a:folHlink>
     </a:clrScheme>
-    <a:fontScheme name="Office">
+    <a:fontScheme name="レトロスペクト">
       <a:majorFont>
-        <a:latin typeface="游ゴシック Light" panose="020F0302020204030204"/>
+        <a:latin typeface="Calibri Light" panose="020F0302020204030204"/>
         <a:ea typeface=""/>
         <a:cs typeface=""/>
-        <a:font script="Jpan" typeface="游ゴシック Light"/>
+        <a:font script="Jpan" typeface="ＭＳ Ｐゴシック"/>
         <a:font script="Hang" typeface="맑은 고딕"/>
-        <a:font script="Hans" typeface="等线 Light"/>
+        <a:font script="Hans" typeface="宋体"/>
         <a:font script="Hant" typeface="新細明體"/>
         <a:font script="Arab" typeface="Times New Roman"/>
         <a:font script="Hebr" typeface="Times New Roman"/>
@@ -7049,31 +8032,14 @@
         <a:font script="Viet" typeface="Times New Roman"/>
         <a:font script="Uigh" typeface="Microsoft Uighur"/>
         <a:font script="Geor" typeface="Sylfaen"/>
-        <a:font script="Armn" typeface="Arial"/>
-        <a:font script="Bugi" typeface="Leelawadee UI"/>
-        <a:font script="Bopo" typeface="Microsoft JhengHei"/>
-        <a:font script="Java" typeface="Javanese Text"/>
-        <a:font script="Lisu" typeface="Segoe UI"/>
-        <a:font script="Mymr" typeface="Myanmar Text"/>
-        <a:font script="Nkoo" typeface="Ebrima"/>
-        <a:font script="Olck" typeface="Nirmala UI"/>
-        <a:font script="Osma" typeface="Ebrima"/>
-        <a:font script="Phag" typeface="Phagspa"/>
-        <a:font script="Syrn" typeface="Estrangelo Edessa"/>
-        <a:font script="Syrj" typeface="Estrangelo Edessa"/>
-        <a:font script="Syre" typeface="Estrangelo Edessa"/>
-        <a:font script="Sora" typeface="Nirmala UI"/>
-        <a:font script="Tale" typeface="Microsoft Tai Le"/>
-        <a:font script="Talu" typeface="Microsoft New Tai Lue"/>
-        <a:font script="Tfng" typeface="Ebrima"/>
       </a:majorFont>
       <a:minorFont>
-        <a:latin typeface="游ゴシック" panose="020F0502020204030204"/>
+        <a:latin typeface="Calibri" panose="020F0502020204030204"/>
         <a:ea typeface=""/>
         <a:cs typeface=""/>
-        <a:font script="Jpan" typeface="游ゴシック"/>
+        <a:font script="Jpan" typeface="ＭＳ Ｐゴシック"/>
         <a:font script="Hang" typeface="맑은 고딕"/>
-        <a:font script="Hans" typeface="等线"/>
+        <a:font script="Hans" typeface="宋体"/>
         <a:font script="Hant" typeface="新細明體"/>
         <a:font script="Arab" typeface="Arial"/>
         <a:font script="Hebr" typeface="Arial"/>
@@ -7101,26 +8067,9 @@
         <a:font script="Viet" typeface="Arial"/>
         <a:font script="Uigh" typeface="Microsoft Uighur"/>
         <a:font script="Geor" typeface="Sylfaen"/>
-        <a:font script="Armn" typeface="Arial"/>
-        <a:font script="Bugi" typeface="Leelawadee UI"/>
-        <a:font script="Bopo" typeface="Microsoft JhengHei"/>
-        <a:font script="Java" typeface="Javanese Text"/>
-        <a:font script="Lisu" typeface="Segoe UI"/>
-        <a:font script="Mymr" typeface="Myanmar Text"/>
-        <a:font script="Nkoo" typeface="Ebrima"/>
-        <a:font script="Olck" typeface="Nirmala UI"/>
-        <a:font script="Osma" typeface="Ebrima"/>
-        <a:font script="Phag" typeface="Phagspa"/>
-        <a:font script="Syrn" typeface="Estrangelo Edessa"/>
-        <a:font script="Syrj" typeface="Estrangelo Edessa"/>
-        <a:font script="Syre" typeface="Estrangelo Edessa"/>
-        <a:font script="Sora" typeface="Nirmala UI"/>
-        <a:font script="Tale" typeface="Microsoft Tai Le"/>
-        <a:font script="Talu" typeface="Microsoft New Tai Lue"/>
-        <a:font script="Tfng" typeface="Ebrima"/>
       </a:minorFont>
     </a:fontScheme>
-    <a:fmtScheme name="Office">
+    <a:fmtScheme name="レトロスペクト">
       <a:fillStyleLst>
         <a:solidFill>
           <a:schemeClr val="phClr"/>
@@ -7129,76 +8078,81 @@
           <a:gsLst>
             <a:gs pos="0">
               <a:schemeClr val="phClr">
-                <a:lumMod val="110000"/>
-                <a:satMod val="105000"/>
-                <a:tint val="67000"/>
+                <a:tint val="65000"/>
+                <a:shade val="92000"/>
+                <a:satMod val="130000"/>
               </a:schemeClr>
             </a:gs>
-            <a:gs pos="50000">
+            <a:gs pos="45000">
               <a:schemeClr val="phClr">
-                <a:lumMod val="105000"/>
-                <a:satMod val="103000"/>
-                <a:tint val="73000"/>
+                <a:tint val="60000"/>
+                <a:shade val="99000"/>
+                <a:satMod val="120000"/>
               </a:schemeClr>
             </a:gs>
             <a:gs pos="100000">
               <a:schemeClr val="phClr">
-                <a:lumMod val="105000"/>
-                <a:satMod val="109000"/>
-                <a:tint val="81000"/>
+                <a:tint val="55000"/>
+                <a:satMod val="140000"/>
               </a:schemeClr>
             </a:gs>
           </a:gsLst>
-          <a:lin ang="5400000" scaled="0"/>
+          <a:path path="circle">
+            <a:fillToRect l="100000" t="100000" r="100000" b="100000"/>
+          </a:path>
         </a:gradFill>
         <a:gradFill rotWithShape="1">
           <a:gsLst>
             <a:gs pos="0">
               <a:schemeClr val="phClr">
-                <a:satMod val="103000"/>
-                <a:lumMod val="102000"/>
-                <a:tint val="94000"/>
+                <a:shade val="85000"/>
+                <a:satMod val="130000"/>
               </a:schemeClr>
             </a:gs>
-            <a:gs pos="50000">
+            <a:gs pos="34000">
               <a:schemeClr val="phClr">
-                <a:satMod val="110000"/>
-                <a:lumMod val="100000"/>
-                <a:shade val="100000"/>
+                <a:shade val="87000"/>
+                <a:satMod val="125000"/>
+              </a:schemeClr>
+            </a:gs>
+            <a:gs pos="70000">
+              <a:schemeClr val="phClr">
+                <a:tint val="100000"/>
+                <a:shade val="90000"/>
+                <a:satMod val="130000"/>
               </a:schemeClr>
             </a:gs>
             <a:gs pos="100000">
               <a:schemeClr val="phClr">
-                <a:lumMod val="99000"/>
-                <a:satMod val="120000"/>
-                <a:shade val="78000"/>
+                <a:tint val="100000"/>
+                <a:shade val="100000"/>
+                <a:satMod val="110000"/>
               </a:schemeClr>
             </a:gs>
           </a:gsLst>
-          <a:lin ang="5400000" scaled="0"/>
+          <a:path path="circle">
+            <a:fillToRect l="100000" t="100000" r="100000" b="100000"/>
+          </a:path>
         </a:gradFill>
       </a:fillStyleLst>
       <a:lnStyleLst>
-        <a:ln w="6350" cap="flat" cmpd="sng" algn="ctr">
-          <a:solidFill>
-            <a:schemeClr val="phClr"/>
-          </a:solidFill>
-          <a:prstDash val="solid"/>
-          <a:miter lim="800000"/>
-        </a:ln>
         <a:ln w="12700" cap="flat" cmpd="sng" algn="ctr">
           <a:solidFill>
             <a:schemeClr val="phClr"/>
           </a:solidFill>
           <a:prstDash val="solid"/>
-          <a:miter lim="800000"/>
         </a:ln>
-        <a:ln w="19050" cap="flat" cmpd="sng" algn="ctr">
+        <a:ln w="15875" cap="flat" cmpd="sng" algn="ctr">
           <a:solidFill>
             <a:schemeClr val="phClr"/>
           </a:solidFill>
           <a:prstDash val="solid"/>
-          <a:miter lim="800000"/>
+        </a:ln>
+        <a:ln w="25400" cap="flat" cmpd="sng" algn="ctr">
+          <a:solidFill>
+            <a:schemeClr val="phClr"/>
+          </a:solidFill>
+          <a:prstDash val="solid"/>
         </a:ln>
       </a:lnStyleLst>
       <a:effectStyleLst>
@@ -7206,16 +8160,33 @@
           <a:effectLst/>
         </a:effectStyle>
         <a:effectStyle>
-          <a:effectLst/>
+          <a:effectLst>
+            <a:outerShdw blurRad="38100" dist="25400" dir="2700000" algn="br" rotWithShape="0">
+              <a:srgbClr val="000000">
+                <a:alpha val="60000"/>
+              </a:srgbClr>
+            </a:outerShdw>
+          </a:effectLst>
         </a:effectStyle>
         <a:effectStyle>
           <a:effectLst>
-            <a:outerShdw blurRad="57150" dist="19050" dir="5400000" algn="ctr" rotWithShape="0">
+            <a:outerShdw blurRad="44450" dist="25400" dir="2700000" algn="br" rotWithShape="0">
               <a:srgbClr val="000000">
-                <a:alpha val="63000"/>
+                <a:alpha val="60000"/>
               </a:srgbClr>
             </a:outerShdw>
           </a:effectLst>
+          <a:scene3d>
+            <a:camera prst="orthographicFront">
+              <a:rot lat="0" lon="0" rev="0"/>
+            </a:camera>
+            <a:lightRig rig="threePt" dir="t">
+              <a:rot lat="0" lon="0" rev="19800000"/>
+            </a:lightRig>
+          </a:scene3d>
+          <a:sp3d prstMaterial="flat">
+            <a:bevelT w="25400" h="31750"/>
+          </a:sp3d>
         </a:effectStyle>
       </a:effectStyleLst>
       <a:bgFillStyleLst>
@@ -7224,36 +8195,36 @@
         </a:solidFill>
         <a:solidFill>
           <a:schemeClr val="phClr">
-            <a:tint val="95000"/>
-            <a:satMod val="170000"/>
+            <a:tint val="90000"/>
+            <a:shade val="97000"/>
+            <a:satMod val="130000"/>
           </a:schemeClr>
         </a:solidFill>
         <a:gradFill rotWithShape="1">
           <a:gsLst>
             <a:gs pos="0">
               <a:schemeClr val="phClr">
-                <a:tint val="93000"/>
-                <a:satMod val="150000"/>
-                <a:shade val="98000"/>
-                <a:lumMod val="102000"/>
+                <a:tint val="96000"/>
+                <a:shade val="99000"/>
+                <a:satMod val="140000"/>
               </a:schemeClr>
             </a:gs>
-            <a:gs pos="50000">
+            <a:gs pos="65000">
               <a:schemeClr val="phClr">
-                <a:tint val="98000"/>
+                <a:tint val="100000"/>
+                <a:shade val="80000"/>
                 <a:satMod val="130000"/>
-                <a:shade val="90000"/>
-                <a:lumMod val="103000"/>
               </a:schemeClr>
             </a:gs>
             <a:gs pos="100000">
               <a:schemeClr val="phClr">
-                <a:shade val="63000"/>
+                <a:tint val="100000"/>
+                <a:shade val="48000"/>
                 <a:satMod val="120000"/>
               </a:schemeClr>
             </a:gs>
           </a:gsLst>
-          <a:lin ang="5400000" scaled="0"/>
+          <a:lin ang="16200000" scaled="0"/>
         </a:gradFill>
       </a:bgFillStyleLst>
     </a:fmtScheme>
@@ -7262,7 +8233,7 @@
   <a:extraClrSchemeLst/>
   <a:extLst>
     <a:ext uri="{05A4C25C-085E-4340-85A3-A5531E510DB2}">
-      <thm15:themeFamily xmlns:thm15="http://schemas.microsoft.com/office/thememl/2012/main" name="Office Theme" id="{62F939B6-93AF-4DB8-9C6B-D6C7DFDC589F}" vid="{4A3C46E8-61CC-4603-A589-7422A47A8E4A}"/>
+      <thm15:themeFamily xmlns:thm15="http://schemas.microsoft.com/office/thememl/2012/main" name="Retrospect" id="{5F128B03-DCCA-4EEB-AB3B-CF2899314A46}" vid="{3F1AAB62-24C6-49D2-8E01-B56FAC9A3DCD}"/>
     </a:ext>
   </a:extLst>
 </a:theme>

--- a/プレゼン資料/Webアプリ開発発表資料.pptx
+++ b/プレゼン資料/Webアプリ開発発表資料.pptx
@@ -5,7 +5,7 @@
     <p:sldMasterId id="2147483756" r:id="rId1"/>
   </p:sldMasterIdLst>
   <p:notesMasterIdLst>
-    <p:notesMasterId r:id="rId12"/>
+    <p:notesMasterId r:id="rId13"/>
   </p:notesMasterIdLst>
   <p:sldIdLst>
     <p:sldId id="256" r:id="rId2"/>
@@ -18,6 +18,7 @@
     <p:sldId id="261" r:id="rId9"/>
     <p:sldId id="258" r:id="rId10"/>
     <p:sldId id="270" r:id="rId11"/>
+    <p:sldId id="263" r:id="rId12"/>
   </p:sldIdLst>
   <p:sldSz cx="12192000" cy="6858000"/>
   <p:notesSz cx="6858000" cy="9144000"/>
@@ -702,6 +703,200 @@
     <p:extLst>
       <p:ext uri="{BB962C8B-B14F-4D97-AF65-F5344CB8AC3E}">
         <p14:creationId xmlns:p14="http://schemas.microsoft.com/office/powerpoint/2010/main" val="805672808"/>
+      </p:ext>
+    </p:extLst>
+  </p:cSld>
+  <p:clrMapOvr>
+    <a:masterClrMapping/>
+  </p:clrMapOvr>
+</p:notes>
+</file>
+
+<file path=ppt/notesSlides/notesSlide11.xml><?xml version="1.0" encoding="utf-8"?>
+<p:notes xmlns:a="http://schemas.openxmlformats.org/drawingml/2006/main" xmlns:r="http://schemas.openxmlformats.org/officeDocument/2006/relationships" xmlns:p="http://schemas.openxmlformats.org/presentationml/2006/main">
+  <p:cSld>
+    <p:spTree>
+      <p:nvGrpSpPr>
+        <p:cNvPr id="1" name=""/>
+        <p:cNvGrpSpPr/>
+        <p:nvPr/>
+      </p:nvGrpSpPr>
+      <p:grpSpPr>
+        <a:xfrm>
+          <a:off x="0" y="0"/>
+          <a:ext cx="0" cy="0"/>
+          <a:chOff x="0" y="0"/>
+          <a:chExt cx="0" cy="0"/>
+        </a:xfrm>
+      </p:grpSpPr>
+      <p:sp>
+        <p:nvSpPr>
+          <p:cNvPr id="2" name="スライド イメージ プレースホルダー 1"/>
+          <p:cNvSpPr>
+            <a:spLocks noGrp="1" noRot="1" noChangeAspect="1"/>
+          </p:cNvSpPr>
+          <p:nvPr>
+            <p:ph type="sldImg"/>
+          </p:nvPr>
+        </p:nvSpPr>
+        <p:spPr/>
+      </p:sp>
+      <p:sp>
+        <p:nvSpPr>
+          <p:cNvPr id="3" name="ノート プレースホルダー 2"/>
+          <p:cNvSpPr>
+            <a:spLocks noGrp="1"/>
+          </p:cNvSpPr>
+          <p:nvPr>
+            <p:ph type="body" idx="1"/>
+          </p:nvPr>
+        </p:nvSpPr>
+        <p:spPr/>
+        <p:txBody>
+          <a:bodyPr/>
+          <a:lstStyle/>
+          <a:p>
+            <a:pPr marL="0" marR="0" lvl="0" indent="0" algn="l" defTabSz="914400" rtl="0" eaLnBrk="1" fontAlgn="auto" latinLnBrk="0" hangingPunct="1">
+              <a:lnSpc>
+                <a:spcPct val="100000"/>
+              </a:lnSpc>
+              <a:spcBef>
+                <a:spcPts val="0"/>
+              </a:spcBef>
+              <a:spcAft>
+                <a:spcPts val="0"/>
+              </a:spcAft>
+              <a:buClrTx/>
+              <a:buSzTx/>
+              <a:buFontTx/>
+              <a:buNone/>
+              <a:tabLst/>
+              <a:defRPr/>
+            </a:pPr>
+            <a:r>
+              <a:rPr kumimoji="1" lang="ja-JP" altLang="en-US" dirty="0"/>
+              <a:t>実際には時間の関係上で実現出来なかったが、計画したもののやりたい事が実現出来なかった事があったので</a:t>
+            </a:r>
+            <a:endParaRPr kumimoji="1" lang="en-US" altLang="ja-JP" dirty="0"/>
+          </a:p>
+          <a:p>
+            <a:r>
+              <a:rPr kumimoji="1" lang="ja-JP" altLang="en-US" dirty="0"/>
+              <a:t>今後に活用したい。</a:t>
+            </a:r>
+            <a:br>
+              <a:rPr kumimoji="1" lang="en-US" altLang="ja-JP" dirty="0"/>
+            </a:br>
+            <a:r>
+              <a:rPr kumimoji="1" lang="ja-JP" altLang="en-US" dirty="0"/>
+              <a:t>出来るだけｃｓｓなどの装飾シンプルなデザインにこだわりました。</a:t>
+            </a:r>
+            <a:endParaRPr kumimoji="1" lang="en-US" altLang="ja-JP" dirty="0"/>
+          </a:p>
+          <a:p>
+            <a:br>
+              <a:rPr kumimoji="1" lang="en-US" altLang="ja-JP" dirty="0"/>
+            </a:br>
+            <a:r>
+              <a:rPr kumimoji="1" lang="ja-JP" altLang="en-US" dirty="0"/>
+              <a:t>変更処理は作成しなかったのか、</a:t>
+            </a:r>
+            <a:endParaRPr kumimoji="1" lang="en-US" altLang="ja-JP" dirty="0"/>
+          </a:p>
+          <a:p>
+            <a:r>
+              <a:rPr kumimoji="1" lang="ja-JP" altLang="en-US" dirty="0"/>
+              <a:t>詳細の部分で今月の売上合計、何月に何千万、など売り上げに応じてコメントで対応できるように</a:t>
+            </a:r>
+            <a:br>
+              <a:rPr kumimoji="1" lang="en-US" altLang="ja-JP" dirty="0"/>
+            </a:br>
+            <a:r>
+              <a:rPr kumimoji="1" lang="ja-JP" altLang="en-US" dirty="0"/>
+              <a:t>誤入力した際に</a:t>
+            </a:r>
+            <a:br>
+              <a:rPr kumimoji="1" lang="en-US" altLang="ja-JP" dirty="0"/>
+            </a:br>
+            <a:br>
+              <a:rPr kumimoji="1" lang="en-US" altLang="ja-JP" dirty="0"/>
+            </a:br>
+            <a:r>
+              <a:rPr kumimoji="1" lang="ja-JP" altLang="en-US" dirty="0"/>
+              <a:t>Ｃ</a:t>
+            </a:r>
+            <a:r>
+              <a:rPr kumimoji="1" lang="en-US" altLang="ja-JP" dirty="0"/>
+              <a:t>SV</a:t>
+            </a:r>
+            <a:r>
+              <a:rPr kumimoji="1" lang="ja-JP" altLang="en-US" dirty="0"/>
+              <a:t>ファイルにまとめて、１か月分の売り上げを１０枚ぐらいにまとめて一括保存できるようにして効率化をはかるなど。</a:t>
+            </a:r>
+            <a:br>
+              <a:rPr kumimoji="1" lang="en-US" altLang="ja-JP" dirty="0"/>
+            </a:br>
+            <a:r>
+              <a:rPr kumimoji="1" lang="en-US" altLang="ja-JP" dirty="0"/>
+              <a:t>ID</a:t>
+            </a:r>
+            <a:r>
+              <a:rPr kumimoji="1" lang="ja-JP" altLang="en-US" dirty="0"/>
+              <a:t>で店舗の判別をしている。</a:t>
+            </a:r>
+            <a:br>
+              <a:rPr kumimoji="1" lang="en-US" altLang="ja-JP" dirty="0"/>
+            </a:br>
+            <a:br>
+              <a:rPr kumimoji="1" lang="en-US" altLang="ja-JP" dirty="0"/>
+            </a:br>
+            <a:br>
+              <a:rPr kumimoji="1" lang="en-US" altLang="ja-JP" dirty="0"/>
+            </a:br>
+            <a:r>
+              <a:rPr kumimoji="1" lang="ja-JP" altLang="en-US" dirty="0"/>
+              <a:t>管理システムを開発しているところが</a:t>
+            </a:r>
+            <a:br>
+              <a:rPr kumimoji="1" lang="en-US" altLang="ja-JP" dirty="0"/>
+            </a:br>
+            <a:r>
+              <a:rPr kumimoji="1" lang="ja-JP" altLang="en-US" dirty="0"/>
+              <a:t>今後の業務に繋がるのでは</a:t>
+            </a:r>
+          </a:p>
+          <a:p>
+            <a:endParaRPr kumimoji="1" lang="ja-JP" altLang="en-US" dirty="0"/>
+          </a:p>
+        </p:txBody>
+      </p:sp>
+      <p:sp>
+        <p:nvSpPr>
+          <p:cNvPr id="4" name="スライド番号プレースホルダー 3"/>
+          <p:cNvSpPr>
+            <a:spLocks noGrp="1"/>
+          </p:cNvSpPr>
+          <p:nvPr>
+            <p:ph type="sldNum" sz="quarter" idx="5"/>
+          </p:nvPr>
+        </p:nvSpPr>
+        <p:spPr/>
+        <p:txBody>
+          <a:bodyPr/>
+          <a:lstStyle/>
+          <a:p>
+            <a:fld id="{A5242644-000B-428D-938E-DC5A56A37292}" type="slidenum">
+              <a:rPr kumimoji="1" lang="ja-JP" altLang="en-US" smtClean="0"/>
+              <a:t>11</a:t>
+            </a:fld>
+            <a:endParaRPr kumimoji="1" lang="ja-JP" altLang="en-US" dirty="0"/>
+          </a:p>
+        </p:txBody>
+      </p:sp>
+    </p:spTree>
+    <p:extLst>
+      <p:ext uri="{BB962C8B-B14F-4D97-AF65-F5344CB8AC3E}">
+        <p14:creationId xmlns:p14="http://schemas.microsoft.com/office/powerpoint/2010/main" val="258214450"/>
       </p:ext>
     </p:extLst>
   </p:cSld>
@@ -6144,13 +6339,191 @@
   <p:clrMapOvr>
     <a:masterClrMapping/>
   </p:clrMapOvr>
-  <mc:AlternateContent xmlns:mc="http://schemas.openxmlformats.org/markup-compatibility/2006">
-    <mc:Choice xmlns:p159="http://schemas.microsoft.com/office/powerpoint/2015/09/main" Requires="p159">
+  <mc:AlternateContent xmlns:mc="http://schemas.openxmlformats.org/markup-compatibility/2006" xmlns:p159="http://schemas.microsoft.com/office/powerpoint/2015/09/main">
+    <mc:Choice Requires="p159">
       <p:transition xmlns:p14="http://schemas.microsoft.com/office/powerpoint/2010/main" spd="slow" p14:dur="2000">
         <p159:morph option="byObject"/>
       </p:transition>
     </mc:Choice>
-    <mc:Fallback>
+    <mc:Fallback xmlns="">
+      <p:transition spd="slow">
+        <p:fade/>
+      </p:transition>
+    </mc:Fallback>
+  </mc:AlternateContent>
+</p:sld>
+</file>
+
+<file path=ppt/slides/slide11.xml><?xml version="1.0" encoding="utf-8"?>
+<p:sld xmlns:a="http://schemas.openxmlformats.org/drawingml/2006/main" xmlns:r="http://schemas.openxmlformats.org/officeDocument/2006/relationships" xmlns:p="http://schemas.openxmlformats.org/presentationml/2006/main" show="0">
+  <p:cSld>
+    <p:spTree>
+      <p:nvGrpSpPr>
+        <p:cNvPr id="1" name=""/>
+        <p:cNvGrpSpPr/>
+        <p:nvPr/>
+      </p:nvGrpSpPr>
+      <p:grpSpPr>
+        <a:xfrm>
+          <a:off x="0" y="0"/>
+          <a:ext cx="0" cy="0"/>
+          <a:chOff x="0" y="0"/>
+          <a:chExt cx="0" cy="0"/>
+        </a:xfrm>
+      </p:grpSpPr>
+      <p:sp>
+        <p:nvSpPr>
+          <p:cNvPr id="2" name="タイトル 1">
+            <a:extLst>
+              <a:ext uri="{FF2B5EF4-FFF2-40B4-BE49-F238E27FC236}">
+                <a16:creationId xmlns:a16="http://schemas.microsoft.com/office/drawing/2014/main" id="{4661CF66-D880-4360-A39C-C21376987D67}"/>
+              </a:ext>
+            </a:extLst>
+          </p:cNvPr>
+          <p:cNvSpPr>
+            <a:spLocks noGrp="1"/>
+          </p:cNvSpPr>
+          <p:nvPr>
+            <p:ph type="title"/>
+          </p:nvPr>
+        </p:nvSpPr>
+        <p:spPr/>
+        <p:txBody>
+          <a:bodyPr/>
+          <a:lstStyle/>
+          <a:p>
+            <a:r>
+              <a:rPr kumimoji="1" lang="ja-JP" altLang="en-US" dirty="0"/>
+              <a:t>・苦労した点</a:t>
+            </a:r>
+          </a:p>
+        </p:txBody>
+      </p:sp>
+      <p:sp>
+        <p:nvSpPr>
+          <p:cNvPr id="3" name="コンテンツ プレースホルダー 2">
+            <a:extLst>
+              <a:ext uri="{FF2B5EF4-FFF2-40B4-BE49-F238E27FC236}">
+                <a16:creationId xmlns:a16="http://schemas.microsoft.com/office/drawing/2014/main" id="{B0EA684E-EA8D-40CC-8AD9-00E0331F8C84}"/>
+              </a:ext>
+            </a:extLst>
+          </p:cNvPr>
+          <p:cNvSpPr>
+            <a:spLocks noGrp="1"/>
+          </p:cNvSpPr>
+          <p:nvPr>
+            <p:ph idx="1"/>
+          </p:nvPr>
+        </p:nvSpPr>
+        <p:spPr/>
+        <p:txBody>
+          <a:bodyPr>
+            <a:normAutofit/>
+          </a:bodyPr>
+          <a:lstStyle/>
+          <a:p>
+            <a:r>
+              <a:rPr kumimoji="1" lang="ja-JP" altLang="en-US" dirty="0"/>
+              <a:t>一番苦労した点はデザインの部分で、何時間もかけて完成したやつがバックアップ事に書き換えられて、駄目になったことと、</a:t>
+            </a:r>
+            <a:br>
+              <a:rPr kumimoji="1" lang="en-US" altLang="ja-JP" dirty="0"/>
+            </a:br>
+            <a:r>
+              <a:rPr kumimoji="1" lang="ja-JP" altLang="en-US" dirty="0"/>
+              <a:t>他には、思ったように動かず調べたりしても中々解決できない問題があったりしたのが</a:t>
+            </a:r>
+            <a:br>
+              <a:rPr kumimoji="1" lang="en-US" altLang="ja-JP" dirty="0"/>
+            </a:br>
+            <a:r>
+              <a:rPr kumimoji="1" lang="ja-JP" altLang="en-US" dirty="0"/>
+              <a:t>大変だった。</a:t>
+            </a:r>
+            <a:br>
+              <a:rPr kumimoji="1" lang="en-US" altLang="ja-JP" dirty="0"/>
+            </a:br>
+            <a:r>
+              <a:rPr kumimoji="1" lang="ja-JP" altLang="en-US" dirty="0"/>
+              <a:t>・スケジュール通りに進まないことがあったり</a:t>
+            </a:r>
+            <a:br>
+              <a:rPr kumimoji="1" lang="en-US" altLang="ja-JP" dirty="0"/>
+            </a:br>
+            <a:r>
+              <a:rPr kumimoji="1" lang="ja-JP" altLang="en-US" dirty="0"/>
+              <a:t>　全体をもっと把握できてれば、多少改善は出来ていただろう。</a:t>
+            </a:r>
+            <a:br>
+              <a:rPr lang="en-US" altLang="ja-JP" dirty="0"/>
+            </a:br>
+            <a:r>
+              <a:rPr lang="ja-JP" altLang="en-US" dirty="0"/>
+              <a:t>・他にも作成する上で時間的な問題や技術的な問題など</a:t>
+            </a:r>
+            <a:br>
+              <a:rPr lang="en-US" altLang="ja-JP" dirty="0"/>
+            </a:br>
+            <a:r>
+              <a:rPr lang="ja-JP" altLang="en-US" dirty="0"/>
+              <a:t>　様々な問題が個人的には沢山あったため、</a:t>
+            </a:r>
+            <a:br>
+              <a:rPr lang="en-US" altLang="ja-JP" dirty="0"/>
+            </a:br>
+            <a:r>
+              <a:rPr lang="ja-JP" altLang="en-US" dirty="0"/>
+              <a:t>　私自身</a:t>
+            </a:r>
+            <a:r>
+              <a:rPr kumimoji="1" lang="ja-JP" altLang="en-US" dirty="0"/>
+              <a:t>実力不足な点があったので勉強して改善したい。</a:t>
+            </a:r>
+            <a:br>
+              <a:rPr kumimoji="1" lang="en-US" altLang="ja-JP" dirty="0"/>
+            </a:br>
+            <a:br>
+              <a:rPr kumimoji="1" lang="en-US" altLang="ja-JP" dirty="0"/>
+            </a:br>
+            <a:r>
+              <a:rPr kumimoji="1" lang="ja-JP" altLang="en-US" dirty="0"/>
+              <a:t>　キューブをクリックしたら集まる、</a:t>
+            </a:r>
+            <a:br>
+              <a:rPr kumimoji="1" lang="en-US" altLang="ja-JP" dirty="0"/>
+            </a:br>
+            <a:r>
+              <a:rPr kumimoji="1" lang="ja-JP" altLang="en-US" dirty="0"/>
+              <a:t>　または逆パネルを階段状に</a:t>
+            </a:r>
+            <a:r>
+              <a:rPr lang="ja-JP" altLang="en-US" dirty="0"/>
+              <a:t>設置</a:t>
+            </a:r>
+            <a:br>
+              <a:rPr lang="en-US" altLang="ja-JP" dirty="0"/>
+            </a:br>
+            <a:endParaRPr kumimoji="1" lang="ja-JP" altLang="en-US" dirty="0"/>
+          </a:p>
+        </p:txBody>
+      </p:sp>
+    </p:spTree>
+    <p:extLst>
+      <p:ext uri="{BB962C8B-B14F-4D97-AF65-F5344CB8AC3E}">
+        <p14:creationId xmlns:p14="http://schemas.microsoft.com/office/powerpoint/2010/main" val="646560352"/>
+      </p:ext>
+    </p:extLst>
+  </p:cSld>
+  <p:clrMapOvr>
+    <a:masterClrMapping/>
+  </p:clrMapOvr>
+  <mc:AlternateContent xmlns:mc="http://schemas.openxmlformats.org/markup-compatibility/2006" xmlns:p159="http://schemas.microsoft.com/office/powerpoint/2015/09/main">
+    <mc:Choice Requires="p159">
+      <p:transition xmlns:p14="http://schemas.microsoft.com/office/powerpoint/2010/main" spd="slow" p14:dur="2000">
+        <p159:morph option="byObject"/>
+      </p:transition>
+    </mc:Choice>
+    <mc:Fallback xmlns="">
       <p:transition spd="slow">
         <p:fade/>
       </p:transition>
@@ -7580,13 +7953,13 @@
   <p:clrMapOvr>
     <a:masterClrMapping/>
   </p:clrMapOvr>
-  <mc:AlternateContent xmlns:mc="http://schemas.openxmlformats.org/markup-compatibility/2006">
-    <mc:Choice xmlns:p159="http://schemas.microsoft.com/office/powerpoint/2015/09/main" Requires="p159">
+  <mc:AlternateContent xmlns:mc="http://schemas.openxmlformats.org/markup-compatibility/2006" xmlns:p159="http://schemas.microsoft.com/office/powerpoint/2015/09/main">
+    <mc:Choice Requires="p159">
       <p:transition xmlns:p14="http://schemas.microsoft.com/office/powerpoint/2010/main" spd="slow" p14:dur="2000">
         <p159:morph option="byObject"/>
       </p:transition>
     </mc:Choice>
-    <mc:Fallback>
+    <mc:Fallback xmlns="">
       <p:transition spd="slow">
         <p:fade/>
       </p:transition>
@@ -7697,13 +8070,13 @@
   <p:clrMapOvr>
     <a:masterClrMapping/>
   </p:clrMapOvr>
-  <mc:AlternateContent xmlns:mc="http://schemas.openxmlformats.org/markup-compatibility/2006">
-    <mc:Choice xmlns:p159="http://schemas.microsoft.com/office/powerpoint/2015/09/main" Requires="p159">
+  <mc:AlternateContent xmlns:mc="http://schemas.openxmlformats.org/markup-compatibility/2006" xmlns:p159="http://schemas.microsoft.com/office/powerpoint/2015/09/main">
+    <mc:Choice Requires="p159">
       <p:transition xmlns:p14="http://schemas.microsoft.com/office/powerpoint/2010/main" spd="slow" p14:dur="2000">
         <p159:morph option="byObject"/>
       </p:transition>
     </mc:Choice>
-    <mc:Fallback>
+    <mc:Fallback xmlns="">
       <p:transition spd="slow">
         <p:fade/>
       </p:transition>
@@ -7852,13 +8225,13 @@
   <p:clrMapOvr>
     <a:masterClrMapping/>
   </p:clrMapOvr>
-  <mc:AlternateContent xmlns:mc="http://schemas.openxmlformats.org/markup-compatibility/2006">
-    <mc:Choice xmlns:p159="http://schemas.microsoft.com/office/powerpoint/2015/09/main" Requires="p159">
+  <mc:AlternateContent xmlns:mc="http://schemas.openxmlformats.org/markup-compatibility/2006" xmlns:p159="http://schemas.microsoft.com/office/powerpoint/2015/09/main">
+    <mc:Choice Requires="p159">
       <p:transition xmlns:p14="http://schemas.microsoft.com/office/powerpoint/2010/main" spd="slow" p14:dur="2000">
         <p159:morph option="byObject"/>
       </p:transition>
     </mc:Choice>
-    <mc:Fallback>
+    <mc:Fallback xmlns="">
       <p:transition spd="slow">
         <p:fade/>
       </p:transition>

--- a/プレゼン資料/Webアプリ開発発表資料.pptx
+++ b/プレゼン資料/Webアプリ開発発表資料.pptx
@@ -563,6 +563,10 @@
           <a:lstStyle/>
           <a:p>
             <a:r>
+              <a:rPr kumimoji="1" lang="ja-JP" altLang="en-US" dirty="0"/>
+              <a:t>これから</a:t>
+            </a:r>
+            <a:r>
               <a:rPr kumimoji="1" lang="en-US" altLang="ja-JP" dirty="0"/>
               <a:t>E</a:t>
             </a:r>
@@ -576,17 +580,6 @@
             <a:r>
               <a:rPr kumimoji="1" lang="ja-JP" altLang="en-US" dirty="0"/>
               <a:t>発表者は、板井、堤、藤谷です。よろしくお願いします。</a:t>
-            </a:r>
-            <a:endParaRPr kumimoji="1" lang="en-US" altLang="ja-JP" dirty="0"/>
-          </a:p>
-          <a:p>
-            <a:r>
-              <a:rPr kumimoji="1" lang="en-US" altLang="ja-JP" dirty="0"/>
-              <a:t>E</a:t>
-            </a:r>
-            <a:r>
-              <a:rPr kumimoji="1" lang="ja-JP" altLang="en-US" dirty="0"/>
-              <a:t>チームは売上管理システムを作りました。</a:t>
             </a:r>
             <a:endParaRPr kumimoji="1" lang="en-US" altLang="ja-JP" dirty="0"/>
           </a:p>
@@ -954,6 +947,13 @@
               <a:rPr kumimoji="1" lang="ja-JP" altLang="en-US" dirty="0"/>
               <a:t>目次はこのような流れになります。</a:t>
             </a:r>
+            <a:endParaRPr kumimoji="1" lang="en-US" altLang="ja-JP" dirty="0"/>
+          </a:p>
+          <a:p>
+            <a:r>
+              <a:rPr kumimoji="1" lang="ja-JP" altLang="en-US" dirty="0"/>
+              <a:t>システム概要、動作確認、まとめの順になります。</a:t>
+            </a:r>
           </a:p>
         </p:txBody>
       </p:sp>
@@ -1037,12 +1037,37 @@
           <a:bodyPr/>
           <a:lstStyle/>
           <a:p>
+            <a:pPr marL="0" marR="0" lvl="0" indent="0" algn="l" defTabSz="914400" rtl="0" eaLnBrk="1" fontAlgn="auto" latinLnBrk="0" hangingPunct="1">
+              <a:lnSpc>
+                <a:spcPct val="100000"/>
+              </a:lnSpc>
+              <a:spcBef>
+                <a:spcPts val="0"/>
+              </a:spcBef>
+              <a:spcAft>
+                <a:spcPts val="0"/>
+              </a:spcAft>
+              <a:buClrTx/>
+              <a:buSzTx/>
+              <a:buFontTx/>
+              <a:buNone/>
+              <a:tabLst/>
+              <a:defRPr/>
+            </a:pPr>
+            <a:r>
+              <a:rPr kumimoji="1" lang="en-US" altLang="ja-JP" dirty="0"/>
+              <a:t>E</a:t>
+            </a:r>
+            <a:r>
+              <a:rPr kumimoji="1" lang="ja-JP" altLang="en-US" dirty="0"/>
+              <a:t>チームは売上管理システムを作りまして、</a:t>
+            </a:r>
             <a:endParaRPr kumimoji="1" lang="en-US" altLang="ja-JP" dirty="0"/>
           </a:p>
           <a:p>
             <a:r>
               <a:rPr kumimoji="1" lang="ja-JP" altLang="en-US" dirty="0"/>
-              <a:t>私たちが作ったのは、各店舗の売上集計を行い、各店舗ごとに目標売上を割り振る売上管理を作りました。</a:t>
+              <a:t>各店舗の売上を集計して、店舗ごとの売上を管理するアプリを作りました。</a:t>
             </a:r>
             <a:endParaRPr kumimoji="1" lang="en-US" altLang="ja-JP" dirty="0"/>
           </a:p>
@@ -1052,28 +1077,24 @@
           <a:p>
             <a:r>
               <a:rPr kumimoji="1" lang="ja-JP" altLang="en-US" dirty="0"/>
-              <a:t>作ろうと思ったきっかけは、就活の一環で様々な企業説明会に参加させていただいた際に</a:t>
+              <a:t>１つの</a:t>
+            </a:r>
+            <a:r>
+              <a:rPr kumimoji="1" lang="en-US" altLang="ja-JP" dirty="0"/>
+              <a:t>ID</a:t>
+            </a:r>
+            <a:r>
+              <a:rPr kumimoji="1" lang="ja-JP" altLang="en-US" dirty="0"/>
+              <a:t>に１つの店舗を管理できるようにしていまして、</a:t>
             </a:r>
             <a:endParaRPr kumimoji="1" lang="en-US" altLang="ja-JP" dirty="0"/>
           </a:p>
           <a:p>
             <a:r>
               <a:rPr kumimoji="1" lang="ja-JP" altLang="en-US" dirty="0"/>
-              <a:t>管理システムを開発されている企業さんが多く、今後活かせるキッカケがあるのではないかと思い</a:t>
+              <a:t>今回は４つの店舗の売上を管理できるようにしています。</a:t>
             </a:r>
             <a:endParaRPr kumimoji="1" lang="en-US" altLang="ja-JP" dirty="0"/>
-          </a:p>
-          <a:p>
-            <a:r>
-              <a:rPr kumimoji="1" lang="ja-JP" altLang="en-US" dirty="0"/>
-              <a:t>管理システムを作ることにしました。</a:t>
-            </a:r>
-          </a:p>
-          <a:p>
-            <a:endParaRPr kumimoji="1" lang="en-US" altLang="ja-JP" dirty="0"/>
-          </a:p>
-          <a:p>
-            <a:endParaRPr kumimoji="1" lang="ja-JP" altLang="en-US" dirty="0"/>
           </a:p>
         </p:txBody>
       </p:sp>
@@ -1166,7 +1187,7 @@
           <a:p>
             <a:r>
               <a:rPr kumimoji="1" lang="ja-JP" altLang="en-US" dirty="0"/>
-              <a:t>実際作ったものと、だいぶ違ってくるんですが</a:t>
+              <a:t>実際作ったものと、多少違ってくるんですが</a:t>
             </a:r>
             <a:endParaRPr kumimoji="1" lang="en-US" altLang="ja-JP" dirty="0"/>
           </a:p>
@@ -1183,6 +1204,23 @@
           <a:p>
             <a:r>
               <a:rPr kumimoji="1" lang="ja-JP" altLang="en-US" dirty="0"/>
+              <a:t>主にログイン画面、メイン画面、設計画面の３画面での構成になっています。</a:t>
+            </a:r>
+            <a:endParaRPr kumimoji="1" lang="en-US" altLang="ja-JP" dirty="0"/>
+          </a:p>
+          <a:p>
+            <a:endParaRPr kumimoji="1" lang="en-US" altLang="ja-JP" dirty="0"/>
+          </a:p>
+          <a:p>
+            <a:r>
+              <a:rPr kumimoji="1" lang="ja-JP" altLang="en-US" dirty="0"/>
+              <a:t>流れは①から③のながれになっています。</a:t>
+            </a:r>
+            <a:endParaRPr kumimoji="1" lang="en-US" altLang="ja-JP" dirty="0"/>
+          </a:p>
+          <a:p>
+            <a:r>
+              <a:rPr kumimoji="1" lang="ja-JP" altLang="en-US" dirty="0"/>
               <a:t>ログイン画面に</a:t>
             </a:r>
             <a:r>
@@ -1191,8 +1229,11 @@
             </a:r>
             <a:r>
               <a:rPr kumimoji="1" lang="ja-JP" altLang="en-US" dirty="0"/>
-              <a:t>とパスワードを入れてログインをすると</a:t>
-            </a:r>
+              <a:t>とパスワードを入れて、ログインボタンを押すと</a:t>
+            </a:r>
+            <a:endParaRPr kumimoji="1" lang="en-US" altLang="ja-JP" dirty="0"/>
+          </a:p>
+          <a:p>
             <a:endParaRPr kumimoji="1" lang="en-US" altLang="ja-JP" dirty="0"/>
           </a:p>
           <a:p>
@@ -1203,23 +1244,34 @@
             <a:endParaRPr kumimoji="1" lang="en-US" altLang="ja-JP" dirty="0"/>
           </a:p>
           <a:p>
+            <a:r>
+              <a:rPr kumimoji="1" lang="ja-JP" altLang="en-US" dirty="0"/>
+              <a:t>メイン画面で売上を登録できるようにしています。</a:t>
+            </a:r>
             <a:endParaRPr kumimoji="1" lang="en-US" altLang="ja-JP" dirty="0"/>
           </a:p>
           <a:p>
             <a:r>
               <a:rPr kumimoji="1" lang="ja-JP" altLang="en-US" dirty="0"/>
-              <a:t>設定ボタンをクリックすることで、設定画面に移動して</a:t>
+              <a:t>設定ボタンを押すことで</a:t>
             </a:r>
             <a:endParaRPr kumimoji="1" lang="en-US" altLang="ja-JP" dirty="0"/>
           </a:p>
           <a:p>
+            <a:endParaRPr kumimoji="1" lang="en-US" altLang="ja-JP" dirty="0"/>
+          </a:p>
+          <a:p>
             <a:r>
               <a:rPr kumimoji="1" lang="ja-JP" altLang="en-US" dirty="0"/>
-              <a:t>各店舗の月ごとの売上金額を設定する予定でした。</a:t>
+              <a:t>設定画面に遷移して</a:t>
             </a:r>
             <a:endParaRPr kumimoji="1" lang="en-US" altLang="ja-JP" dirty="0"/>
           </a:p>
           <a:p>
+            <a:r>
+              <a:rPr kumimoji="1" lang="ja-JP" altLang="en-US" dirty="0"/>
+              <a:t>設計画面で月ごとの売上目標の金額を登録できるようにしています。</a:t>
+            </a:r>
             <a:endParaRPr kumimoji="1" lang="en-US" altLang="ja-JP" dirty="0"/>
           </a:p>
         </p:txBody>
@@ -6805,7 +6857,7 @@
             </a:pPr>
             <a:r>
               <a:rPr lang="ja-JP" altLang="en-US" sz="3200" dirty="0"/>
-              <a:t>　各店舗ごとに目標売上を登録するシステム</a:t>
+              <a:t>　店舗ごとに売上を管理するシステム</a:t>
             </a:r>
             <a:endParaRPr lang="en-US" altLang="ja-JP" sz="3200" dirty="0"/>
           </a:p>

--- a/プレゼン資料/Webアプリ開発発表資料.pptx
+++ b/プレゼン資料/Webアプリ開発発表資料.pptx
@@ -219,7 +219,7 @@
           <a:p>
             <a:fld id="{1948D64E-5151-4DBE-B175-EE677850562F}" type="datetimeFigureOut">
               <a:rPr kumimoji="1" lang="ja-JP" altLang="en-US" smtClean="0"/>
-              <a:t>2024/9/17</a:t>
+              <a:t>2024/9/18</a:t>
             </a:fld>
             <a:endParaRPr kumimoji="1" lang="ja-JP" altLang="en-US" dirty="0"/>
           </a:p>
@@ -1214,7 +1214,15 @@
           <a:p>
             <a:r>
               <a:rPr kumimoji="1" lang="ja-JP" altLang="en-US" dirty="0"/>
-              <a:t>流れは①から③のながれになっています。</a:t>
+              <a:t>流れは①から③のながれになっています。（</a:t>
+            </a:r>
+            <a:r>
+              <a:rPr kumimoji="1" lang="en-US" altLang="ja-JP" dirty="0"/>
+              <a:t>※</a:t>
+            </a:r>
+            <a:r>
+              <a:rPr kumimoji="1" lang="ja-JP" altLang="en-US" dirty="0"/>
+              <a:t>クリック）</a:t>
             </a:r>
             <a:endParaRPr kumimoji="1" lang="en-US" altLang="ja-JP" dirty="0"/>
           </a:p>
@@ -1231,7 +1239,18 @@
               <a:rPr kumimoji="1" lang="ja-JP" altLang="en-US" dirty="0"/>
               <a:t>とパスワードを入れて、ログインボタンを押すと</a:t>
             </a:r>
-            <a:endParaRPr kumimoji="1" lang="en-US" altLang="ja-JP" dirty="0"/>
+            <a:r>
+              <a:rPr kumimoji="1" lang="en-US" altLang="ja-JP" dirty="0"/>
+              <a:t>(※</a:t>
+            </a:r>
+            <a:r>
+              <a:rPr kumimoji="1" lang="ja-JP" altLang="en-US" dirty="0"/>
+              <a:t>クリック</a:t>
+            </a:r>
+            <a:r>
+              <a:rPr kumimoji="1" lang="en-US" altLang="ja-JP" dirty="0"/>
+              <a:t>)</a:t>
+            </a:r>
           </a:p>
           <a:p>
             <a:endParaRPr kumimoji="1" lang="en-US" altLang="ja-JP" dirty="0"/>
@@ -1253,7 +1272,15 @@
           <a:p>
             <a:r>
               <a:rPr kumimoji="1" lang="ja-JP" altLang="en-US" dirty="0"/>
-              <a:t>設定ボタンを押すことで</a:t>
+              <a:t>設定ボタンを押すことで（</a:t>
+            </a:r>
+            <a:r>
+              <a:rPr kumimoji="1" lang="en-US" altLang="ja-JP" dirty="0"/>
+              <a:t>※</a:t>
+            </a:r>
+            <a:r>
+              <a:rPr kumimoji="1" lang="ja-JP" altLang="en-US" dirty="0"/>
+              <a:t>クリック）</a:t>
             </a:r>
             <a:endParaRPr kumimoji="1" lang="en-US" altLang="ja-JP" dirty="0"/>
           </a:p>
@@ -1356,7 +1383,10 @@
           <a:bodyPr/>
           <a:lstStyle/>
           <a:p>
-            <a:endParaRPr kumimoji="1" lang="ja-JP" altLang="en-US" dirty="0"/>
+            <a:r>
+              <a:rPr kumimoji="1" lang="ja-JP" altLang="en-US" dirty="0"/>
+              <a:t>次に動作確認になります。</a:t>
+            </a:r>
           </a:p>
         </p:txBody>
       </p:sp>
@@ -2143,7 +2173,7 @@
           <a:p>
             <a:fld id="{C7088D3D-165A-46EA-B7B0-B1C3789A41AB}" type="datetimeFigureOut">
               <a:rPr kumimoji="1" lang="ja-JP" altLang="en-US" smtClean="0"/>
-              <a:t>2024/9/17</a:t>
+              <a:t>2024/9/18</a:t>
             </a:fld>
             <a:endParaRPr kumimoji="1" lang="ja-JP" altLang="en-US" dirty="0"/>
           </a:p>
@@ -2395,7 +2425,7 @@
           <a:p>
             <a:fld id="{C7088D3D-165A-46EA-B7B0-B1C3789A41AB}" type="datetimeFigureOut">
               <a:rPr kumimoji="1" lang="ja-JP" altLang="en-US" smtClean="0"/>
-              <a:t>2024/9/17</a:t>
+              <a:t>2024/9/18</a:t>
             </a:fld>
             <a:endParaRPr kumimoji="1" lang="ja-JP" altLang="en-US" dirty="0"/>
           </a:p>
@@ -2683,7 +2713,7 @@
           <a:p>
             <a:fld id="{C7088D3D-165A-46EA-B7B0-B1C3789A41AB}" type="datetimeFigureOut">
               <a:rPr kumimoji="1" lang="ja-JP" altLang="en-US" smtClean="0"/>
-              <a:t>2024/9/17</a:t>
+              <a:t>2024/9/18</a:t>
             </a:fld>
             <a:endParaRPr kumimoji="1" lang="ja-JP" altLang="en-US" dirty="0"/>
           </a:p>
@@ -2889,7 +2919,7 @@
           <a:p>
             <a:fld id="{C7088D3D-165A-46EA-B7B0-B1C3789A41AB}" type="datetimeFigureOut">
               <a:rPr kumimoji="1" lang="ja-JP" altLang="en-US" smtClean="0"/>
-              <a:t>2024/9/17</a:t>
+              <a:t>2024/9/18</a:t>
             </a:fld>
             <a:endParaRPr kumimoji="1" lang="ja-JP" altLang="en-US" dirty="0"/>
           </a:p>
@@ -3232,7 +3262,7 @@
           <a:p>
             <a:fld id="{C7088D3D-165A-46EA-B7B0-B1C3789A41AB}" type="datetimeFigureOut">
               <a:rPr kumimoji="1" lang="ja-JP" altLang="en-US" smtClean="0"/>
-              <a:t>2024/9/17</a:t>
+              <a:t>2024/9/18</a:t>
             </a:fld>
             <a:endParaRPr kumimoji="1" lang="ja-JP" altLang="en-US" dirty="0"/>
           </a:p>
@@ -3583,7 +3613,7 @@
           <a:p>
             <a:fld id="{C7088D3D-165A-46EA-B7B0-B1C3789A41AB}" type="datetimeFigureOut">
               <a:rPr kumimoji="1" lang="ja-JP" altLang="en-US" smtClean="0"/>
-              <a:t>2024/9/17</a:t>
+              <a:t>2024/9/18</a:t>
             </a:fld>
             <a:endParaRPr kumimoji="1" lang="ja-JP" altLang="en-US" dirty="0"/>
           </a:p>
@@ -4026,7 +4056,7 @@
           <a:p>
             <a:fld id="{C7088D3D-165A-46EA-B7B0-B1C3789A41AB}" type="datetimeFigureOut">
               <a:rPr kumimoji="1" lang="ja-JP" altLang="en-US" smtClean="0"/>
-              <a:t>2024/9/17</a:t>
+              <a:t>2024/9/18</a:t>
             </a:fld>
             <a:endParaRPr kumimoji="1" lang="ja-JP" altLang="en-US" dirty="0"/>
           </a:p>
@@ -4144,7 +4174,7 @@
           <a:p>
             <a:fld id="{C7088D3D-165A-46EA-B7B0-B1C3789A41AB}" type="datetimeFigureOut">
               <a:rPr kumimoji="1" lang="ja-JP" altLang="en-US" smtClean="0"/>
-              <a:t>2024/9/17</a:t>
+              <a:t>2024/9/18</a:t>
             </a:fld>
             <a:endParaRPr kumimoji="1" lang="ja-JP" altLang="en-US" dirty="0"/>
           </a:p>
@@ -4327,7 +4357,7 @@
           <a:p>
             <a:fld id="{C7088D3D-165A-46EA-B7B0-B1C3789A41AB}" type="datetimeFigureOut">
               <a:rPr kumimoji="1" lang="ja-JP" altLang="en-US" smtClean="0"/>
-              <a:t>2024/9/17</a:t>
+              <a:t>2024/9/18</a:t>
             </a:fld>
             <a:endParaRPr kumimoji="1" lang="ja-JP" altLang="en-US" dirty="0"/>
           </a:p>
@@ -4725,7 +4755,7 @@
           <a:p>
             <a:fld id="{C7088D3D-165A-46EA-B7B0-B1C3789A41AB}" type="datetimeFigureOut">
               <a:rPr kumimoji="1" lang="ja-JP" altLang="en-US" smtClean="0"/>
-              <a:t>2024/9/17</a:t>
+              <a:t>2024/9/18</a:t>
             </a:fld>
             <a:endParaRPr kumimoji="1" lang="ja-JP" altLang="en-US" dirty="0"/>
           </a:p>
@@ -5107,7 +5137,7 @@
           <a:p>
             <a:fld id="{C7088D3D-165A-46EA-B7B0-B1C3789A41AB}" type="datetimeFigureOut">
               <a:rPr kumimoji="1" lang="ja-JP" altLang="en-US" smtClean="0"/>
-              <a:t>2024/9/17</a:t>
+              <a:t>2024/9/18</a:t>
             </a:fld>
             <a:endParaRPr kumimoji="1" lang="ja-JP" altLang="en-US" dirty="0"/>
           </a:p>
@@ -5438,7 +5468,7 @@
           <a:p>
             <a:fld id="{C7088D3D-165A-46EA-B7B0-B1C3789A41AB}" type="datetimeFigureOut">
               <a:rPr kumimoji="1" lang="ja-JP" altLang="en-US" smtClean="0"/>
-              <a:t>2024/9/17</a:t>
+              <a:t>2024/9/18</a:t>
             </a:fld>
             <a:endParaRPr kumimoji="1" lang="ja-JP" altLang="en-US" dirty="0"/>
           </a:p>
@@ -7614,6 +7644,150 @@
           </a:p>
         </p:txBody>
       </p:sp>
+      <p:sp>
+        <p:nvSpPr>
+          <p:cNvPr id="11" name="四角形: 角を丸くする 10">
+            <a:extLst>
+              <a:ext uri="{FF2B5EF4-FFF2-40B4-BE49-F238E27FC236}">
+                <a16:creationId xmlns:a16="http://schemas.microsoft.com/office/drawing/2014/main" id="{D166049C-15B4-4BB5-97D1-F53584BF73F9}"/>
+              </a:ext>
+            </a:extLst>
+          </p:cNvPr>
+          <p:cNvSpPr/>
+          <p:nvPr/>
+        </p:nvSpPr>
+        <p:spPr>
+          <a:xfrm>
+            <a:off x="228599" y="1703586"/>
+            <a:ext cx="4077381" cy="2948861"/>
+          </a:xfrm>
+          <a:prstGeom prst="roundRect">
+            <a:avLst/>
+          </a:prstGeom>
+          <a:noFill/>
+          <a:ln w="76200"/>
+        </p:spPr>
+        <p:style>
+          <a:lnRef idx="2">
+            <a:schemeClr val="accent1">
+              <a:shade val="50000"/>
+            </a:schemeClr>
+          </a:lnRef>
+          <a:fillRef idx="1">
+            <a:schemeClr val="accent1"/>
+          </a:fillRef>
+          <a:effectRef idx="0">
+            <a:schemeClr val="accent1"/>
+          </a:effectRef>
+          <a:fontRef idx="minor">
+            <a:schemeClr val="lt1"/>
+          </a:fontRef>
+        </p:style>
+        <p:txBody>
+          <a:bodyPr rtlCol="0" anchor="ctr"/>
+          <a:lstStyle/>
+          <a:p>
+            <a:pPr algn="ctr"/>
+            <a:endParaRPr kumimoji="1" lang="ja-JP" altLang="en-US"/>
+          </a:p>
+        </p:txBody>
+      </p:sp>
+      <p:sp>
+        <p:nvSpPr>
+          <p:cNvPr id="17" name="四角形: 角を丸くする 16">
+            <a:extLst>
+              <a:ext uri="{FF2B5EF4-FFF2-40B4-BE49-F238E27FC236}">
+                <a16:creationId xmlns:a16="http://schemas.microsoft.com/office/drawing/2014/main" id="{0549A4F2-D459-4314-A0A0-3B339EB1A94C}"/>
+              </a:ext>
+            </a:extLst>
+          </p:cNvPr>
+          <p:cNvSpPr/>
+          <p:nvPr/>
+        </p:nvSpPr>
+        <p:spPr>
+          <a:xfrm>
+            <a:off x="4149390" y="3558439"/>
+            <a:ext cx="4077381" cy="2948861"/>
+          </a:xfrm>
+          <a:prstGeom prst="roundRect">
+            <a:avLst/>
+          </a:prstGeom>
+          <a:noFill/>
+          <a:ln w="76200"/>
+        </p:spPr>
+        <p:style>
+          <a:lnRef idx="2">
+            <a:schemeClr val="accent1">
+              <a:shade val="50000"/>
+            </a:schemeClr>
+          </a:lnRef>
+          <a:fillRef idx="1">
+            <a:schemeClr val="accent1"/>
+          </a:fillRef>
+          <a:effectRef idx="0">
+            <a:schemeClr val="accent1"/>
+          </a:effectRef>
+          <a:fontRef idx="minor">
+            <a:schemeClr val="lt1"/>
+          </a:fontRef>
+        </p:style>
+        <p:txBody>
+          <a:bodyPr rtlCol="0" anchor="ctr"/>
+          <a:lstStyle/>
+          <a:p>
+            <a:pPr algn="ctr"/>
+            <a:endParaRPr kumimoji="1" lang="ja-JP" altLang="en-US"/>
+          </a:p>
+        </p:txBody>
+      </p:sp>
+      <p:sp>
+        <p:nvSpPr>
+          <p:cNvPr id="18" name="四角形: 角を丸くする 17">
+            <a:extLst>
+              <a:ext uri="{FF2B5EF4-FFF2-40B4-BE49-F238E27FC236}">
+                <a16:creationId xmlns:a16="http://schemas.microsoft.com/office/drawing/2014/main" id="{0961EF2A-3E0A-4E3D-9683-23DFA2D5EDEF}"/>
+              </a:ext>
+            </a:extLst>
+          </p:cNvPr>
+          <p:cNvSpPr/>
+          <p:nvPr/>
+        </p:nvSpPr>
+        <p:spPr>
+          <a:xfrm>
+            <a:off x="7775004" y="1640061"/>
+            <a:ext cx="4077381" cy="2948861"/>
+          </a:xfrm>
+          <a:prstGeom prst="roundRect">
+            <a:avLst/>
+          </a:prstGeom>
+          <a:noFill/>
+          <a:ln w="76200"/>
+        </p:spPr>
+        <p:style>
+          <a:lnRef idx="2">
+            <a:schemeClr val="accent1">
+              <a:shade val="50000"/>
+            </a:schemeClr>
+          </a:lnRef>
+          <a:fillRef idx="1">
+            <a:schemeClr val="accent1"/>
+          </a:fillRef>
+          <a:effectRef idx="0">
+            <a:schemeClr val="accent1"/>
+          </a:effectRef>
+          <a:fontRef idx="minor">
+            <a:schemeClr val="lt1"/>
+          </a:fontRef>
+        </p:style>
+        <p:txBody>
+          <a:bodyPr rtlCol="0" anchor="ctr"/>
+          <a:lstStyle/>
+          <a:p>
+            <a:pPr algn="ctr"/>
+            <a:endParaRPr kumimoji="1" lang="ja-JP" altLang="en-US"/>
+          </a:p>
+        </p:txBody>
+      </p:sp>
     </p:spTree>
     <p:extLst>
       <p:ext uri="{BB962C8B-B14F-4D97-AF65-F5344CB8AC3E}">
@@ -7636,6 +7810,326 @@
       </p:transition>
     </mc:Fallback>
   </mc:AlternateContent>
+  <p:timing>
+    <p:tnLst>
+      <p:par>
+        <p:cTn id="1" dur="indefinite" restart="never" nodeType="tmRoot">
+          <p:childTnLst>
+            <p:seq concurrent="1" nextAc="seek">
+              <p:cTn id="2" dur="indefinite" nodeType="mainSeq">
+                <p:childTnLst>
+                  <p:par>
+                    <p:cTn id="3" fill="hold">
+                      <p:stCondLst>
+                        <p:cond delay="indefinite"/>
+                      </p:stCondLst>
+                      <p:childTnLst>
+                        <p:par>
+                          <p:cTn id="4" fill="hold">
+                            <p:stCondLst>
+                              <p:cond delay="0"/>
+                            </p:stCondLst>
+                            <p:childTnLst>
+                              <p:par>
+                                <p:cTn id="5" presetID="10" presetClass="entr" presetSubtype="0" fill="hold" grpId="0" nodeType="clickEffect">
+                                  <p:stCondLst>
+                                    <p:cond delay="0"/>
+                                  </p:stCondLst>
+                                  <p:childTnLst>
+                                    <p:set>
+                                      <p:cBhvr>
+                                        <p:cTn id="6" dur="1" fill="hold">
+                                          <p:stCondLst>
+                                            <p:cond delay="0"/>
+                                          </p:stCondLst>
+                                        </p:cTn>
+                                        <p:tgtEl>
+                                          <p:spTgt spid="11"/>
+                                        </p:tgtEl>
+                                        <p:attrNameLst>
+                                          <p:attrName>style.visibility</p:attrName>
+                                        </p:attrNameLst>
+                                      </p:cBhvr>
+                                      <p:to>
+                                        <p:strVal val="visible"/>
+                                      </p:to>
+                                    </p:set>
+                                    <p:animEffect transition="in" filter="fade">
+                                      <p:cBhvr>
+                                        <p:cTn id="7" dur="500"/>
+                                        <p:tgtEl>
+                                          <p:spTgt spid="11"/>
+                                        </p:tgtEl>
+                                      </p:cBhvr>
+                                    </p:animEffect>
+                                  </p:childTnLst>
+                                </p:cTn>
+                              </p:par>
+                            </p:childTnLst>
+                          </p:cTn>
+                        </p:par>
+                      </p:childTnLst>
+                    </p:cTn>
+                  </p:par>
+                  <p:par>
+                    <p:cTn id="8" fill="hold">
+                      <p:stCondLst>
+                        <p:cond delay="indefinite"/>
+                      </p:stCondLst>
+                      <p:childTnLst>
+                        <p:par>
+                          <p:cTn id="9" fill="hold">
+                            <p:stCondLst>
+                              <p:cond delay="0"/>
+                            </p:stCondLst>
+                            <p:childTnLst>
+                              <p:par>
+                                <p:cTn id="10" presetID="10" presetClass="exit" presetSubtype="0" fill="hold" grpId="1" nodeType="clickEffect">
+                                  <p:stCondLst>
+                                    <p:cond delay="0"/>
+                                  </p:stCondLst>
+                                  <p:childTnLst>
+                                    <p:animEffect transition="out" filter="fade">
+                                      <p:cBhvr>
+                                        <p:cTn id="11" dur="500"/>
+                                        <p:tgtEl>
+                                          <p:spTgt spid="11"/>
+                                        </p:tgtEl>
+                                      </p:cBhvr>
+                                    </p:animEffect>
+                                    <p:set>
+                                      <p:cBhvr>
+                                        <p:cTn id="12" dur="1" fill="hold">
+                                          <p:stCondLst>
+                                            <p:cond delay="499"/>
+                                          </p:stCondLst>
+                                        </p:cTn>
+                                        <p:tgtEl>
+                                          <p:spTgt spid="11"/>
+                                        </p:tgtEl>
+                                        <p:attrNameLst>
+                                          <p:attrName>style.visibility</p:attrName>
+                                        </p:attrNameLst>
+                                      </p:cBhvr>
+                                      <p:to>
+                                        <p:strVal val="hidden"/>
+                                      </p:to>
+                                    </p:set>
+                                  </p:childTnLst>
+                                </p:cTn>
+                              </p:par>
+                              <p:par>
+                                <p:cTn id="13" presetID="10" presetClass="entr" presetSubtype="0" fill="hold" grpId="0" nodeType="withEffect">
+                                  <p:stCondLst>
+                                    <p:cond delay="0"/>
+                                  </p:stCondLst>
+                                  <p:childTnLst>
+                                    <p:set>
+                                      <p:cBhvr>
+                                        <p:cTn id="14" dur="1" fill="hold">
+                                          <p:stCondLst>
+                                            <p:cond delay="0"/>
+                                          </p:stCondLst>
+                                        </p:cTn>
+                                        <p:tgtEl>
+                                          <p:spTgt spid="17"/>
+                                        </p:tgtEl>
+                                        <p:attrNameLst>
+                                          <p:attrName>style.visibility</p:attrName>
+                                        </p:attrNameLst>
+                                      </p:cBhvr>
+                                      <p:to>
+                                        <p:strVal val="visible"/>
+                                      </p:to>
+                                    </p:set>
+                                    <p:animEffect transition="in" filter="fade">
+                                      <p:cBhvr>
+                                        <p:cTn id="15" dur="500"/>
+                                        <p:tgtEl>
+                                          <p:spTgt spid="17"/>
+                                        </p:tgtEl>
+                                      </p:cBhvr>
+                                    </p:animEffect>
+                                  </p:childTnLst>
+                                </p:cTn>
+                              </p:par>
+                            </p:childTnLst>
+                          </p:cTn>
+                        </p:par>
+                      </p:childTnLst>
+                    </p:cTn>
+                  </p:par>
+                  <p:par>
+                    <p:cTn id="16" fill="hold">
+                      <p:stCondLst>
+                        <p:cond delay="indefinite"/>
+                      </p:stCondLst>
+                      <p:childTnLst>
+                        <p:par>
+                          <p:cTn id="17" fill="hold">
+                            <p:stCondLst>
+                              <p:cond delay="0"/>
+                            </p:stCondLst>
+                            <p:childTnLst>
+                              <p:par>
+                                <p:cTn id="18" presetID="10" presetClass="exit" presetSubtype="0" fill="hold" grpId="1" nodeType="clickEffect">
+                                  <p:stCondLst>
+                                    <p:cond delay="0"/>
+                                  </p:stCondLst>
+                                  <p:childTnLst>
+                                    <p:animEffect transition="out" filter="fade">
+                                      <p:cBhvr>
+                                        <p:cTn id="19" dur="500"/>
+                                        <p:tgtEl>
+                                          <p:spTgt spid="17"/>
+                                        </p:tgtEl>
+                                      </p:cBhvr>
+                                    </p:animEffect>
+                                    <p:set>
+                                      <p:cBhvr>
+                                        <p:cTn id="20" dur="1" fill="hold">
+                                          <p:stCondLst>
+                                            <p:cond delay="499"/>
+                                          </p:stCondLst>
+                                        </p:cTn>
+                                        <p:tgtEl>
+                                          <p:spTgt spid="17"/>
+                                        </p:tgtEl>
+                                        <p:attrNameLst>
+                                          <p:attrName>style.visibility</p:attrName>
+                                        </p:attrNameLst>
+                                      </p:cBhvr>
+                                      <p:to>
+                                        <p:strVal val="hidden"/>
+                                      </p:to>
+                                    </p:set>
+                                  </p:childTnLst>
+                                </p:cTn>
+                              </p:par>
+                              <p:par>
+                                <p:cTn id="21" presetID="10" presetClass="entr" presetSubtype="0" fill="hold" grpId="0" nodeType="withEffect">
+                                  <p:stCondLst>
+                                    <p:cond delay="0"/>
+                                  </p:stCondLst>
+                                  <p:childTnLst>
+                                    <p:set>
+                                      <p:cBhvr>
+                                        <p:cTn id="22" dur="1" fill="hold">
+                                          <p:stCondLst>
+                                            <p:cond delay="0"/>
+                                          </p:stCondLst>
+                                        </p:cTn>
+                                        <p:tgtEl>
+                                          <p:spTgt spid="18"/>
+                                        </p:tgtEl>
+                                        <p:attrNameLst>
+                                          <p:attrName>style.visibility</p:attrName>
+                                        </p:attrNameLst>
+                                      </p:cBhvr>
+                                      <p:to>
+                                        <p:strVal val="visible"/>
+                                      </p:to>
+                                    </p:set>
+                                    <p:animEffect transition="in" filter="fade">
+                                      <p:cBhvr>
+                                        <p:cTn id="23" dur="500"/>
+                                        <p:tgtEl>
+                                          <p:spTgt spid="18"/>
+                                        </p:tgtEl>
+                                      </p:cBhvr>
+                                    </p:animEffect>
+                                  </p:childTnLst>
+                                </p:cTn>
+                              </p:par>
+                            </p:childTnLst>
+                          </p:cTn>
+                        </p:par>
+                      </p:childTnLst>
+                    </p:cTn>
+                  </p:par>
+                  <p:par>
+                    <p:cTn id="24" fill="hold">
+                      <p:stCondLst>
+                        <p:cond delay="indefinite"/>
+                      </p:stCondLst>
+                      <p:childTnLst>
+                        <p:par>
+                          <p:cTn id="25" fill="hold">
+                            <p:stCondLst>
+                              <p:cond delay="0"/>
+                            </p:stCondLst>
+                            <p:childTnLst>
+                              <p:par>
+                                <p:cTn id="26" presetID="10" presetClass="exit" presetSubtype="0" fill="hold" grpId="1" nodeType="clickEffect">
+                                  <p:stCondLst>
+                                    <p:cond delay="0"/>
+                                  </p:stCondLst>
+                                  <p:childTnLst>
+                                    <p:animEffect transition="out" filter="fade">
+                                      <p:cBhvr>
+                                        <p:cTn id="27" dur="500"/>
+                                        <p:tgtEl>
+                                          <p:spTgt spid="18"/>
+                                        </p:tgtEl>
+                                      </p:cBhvr>
+                                    </p:animEffect>
+                                    <p:set>
+                                      <p:cBhvr>
+                                        <p:cTn id="28" dur="1" fill="hold">
+                                          <p:stCondLst>
+                                            <p:cond delay="499"/>
+                                          </p:stCondLst>
+                                        </p:cTn>
+                                        <p:tgtEl>
+                                          <p:spTgt spid="18"/>
+                                        </p:tgtEl>
+                                        <p:attrNameLst>
+                                          <p:attrName>style.visibility</p:attrName>
+                                        </p:attrNameLst>
+                                      </p:cBhvr>
+                                      <p:to>
+                                        <p:strVal val="hidden"/>
+                                      </p:to>
+                                    </p:set>
+                                  </p:childTnLst>
+                                </p:cTn>
+                              </p:par>
+                            </p:childTnLst>
+                          </p:cTn>
+                        </p:par>
+                      </p:childTnLst>
+                    </p:cTn>
+                  </p:par>
+                </p:childTnLst>
+              </p:cTn>
+              <p:prevCondLst>
+                <p:cond evt="onPrev" delay="0">
+                  <p:tgtEl>
+                    <p:sldTgt/>
+                  </p:tgtEl>
+                </p:cond>
+              </p:prevCondLst>
+              <p:nextCondLst>
+                <p:cond evt="onNext" delay="0">
+                  <p:tgtEl>
+                    <p:sldTgt/>
+                  </p:tgtEl>
+                </p:cond>
+              </p:nextCondLst>
+            </p:seq>
+          </p:childTnLst>
+        </p:cTn>
+      </p:par>
+    </p:tnLst>
+    <p:bldLst>
+      <p:bldP spid="11" grpId="0" animBg="1"/>
+      <p:bldP spid="11" grpId="1" animBg="1"/>
+      <p:bldP spid="17" grpId="0" animBg="1"/>
+      <p:bldP spid="17" grpId="1" animBg="1"/>
+      <p:bldP spid="18" grpId="0" animBg="1"/>
+      <p:bldP spid="18" grpId="1" animBg="1"/>
+    </p:bldLst>
+  </p:timing>
 </p:sld>
 </file>
 

--- a/プレゼン資料/Webアプリ開発発表資料.pptx
+++ b/プレゼン資料/Webアプリ開発発表資料.pptx
@@ -219,7 +219,7 @@
           <a:p>
             <a:fld id="{1948D64E-5151-4DBE-B175-EE677850562F}" type="datetimeFigureOut">
               <a:rPr kumimoji="1" lang="ja-JP" altLang="en-US" smtClean="0"/>
-              <a:t>2024/9/18</a:t>
+              <a:t>2024/9/20</a:t>
             </a:fld>
             <a:endParaRPr kumimoji="1" lang="ja-JP" altLang="en-US" dirty="0"/>
           </a:p>
@@ -1204,7 +1204,7 @@
           <a:p>
             <a:r>
               <a:rPr kumimoji="1" lang="ja-JP" altLang="en-US" dirty="0"/>
-              <a:t>主にログイン画面、メイン画面、設計画面の３画面での構成になっています。</a:t>
+              <a:t>主にログイン画面、メイン画面、設定画面の３画面での構成になっています。</a:t>
             </a:r>
             <a:endParaRPr kumimoji="1" lang="en-US" altLang="ja-JP" dirty="0"/>
           </a:p>
@@ -2173,7 +2173,7 @@
           <a:p>
             <a:fld id="{C7088D3D-165A-46EA-B7B0-B1C3789A41AB}" type="datetimeFigureOut">
               <a:rPr kumimoji="1" lang="ja-JP" altLang="en-US" smtClean="0"/>
-              <a:t>2024/9/18</a:t>
+              <a:t>2024/9/20</a:t>
             </a:fld>
             <a:endParaRPr kumimoji="1" lang="ja-JP" altLang="en-US" dirty="0"/>
           </a:p>
@@ -2425,7 +2425,7 @@
           <a:p>
             <a:fld id="{C7088D3D-165A-46EA-B7B0-B1C3789A41AB}" type="datetimeFigureOut">
               <a:rPr kumimoji="1" lang="ja-JP" altLang="en-US" smtClean="0"/>
-              <a:t>2024/9/18</a:t>
+              <a:t>2024/9/20</a:t>
             </a:fld>
             <a:endParaRPr kumimoji="1" lang="ja-JP" altLang="en-US" dirty="0"/>
           </a:p>
@@ -2713,7 +2713,7 @@
           <a:p>
             <a:fld id="{C7088D3D-165A-46EA-B7B0-B1C3789A41AB}" type="datetimeFigureOut">
               <a:rPr kumimoji="1" lang="ja-JP" altLang="en-US" smtClean="0"/>
-              <a:t>2024/9/18</a:t>
+              <a:t>2024/9/20</a:t>
             </a:fld>
             <a:endParaRPr kumimoji="1" lang="ja-JP" altLang="en-US" dirty="0"/>
           </a:p>
@@ -2919,7 +2919,7 @@
           <a:p>
             <a:fld id="{C7088D3D-165A-46EA-B7B0-B1C3789A41AB}" type="datetimeFigureOut">
               <a:rPr kumimoji="1" lang="ja-JP" altLang="en-US" smtClean="0"/>
-              <a:t>2024/9/18</a:t>
+              <a:t>2024/9/20</a:t>
             </a:fld>
             <a:endParaRPr kumimoji="1" lang="ja-JP" altLang="en-US" dirty="0"/>
           </a:p>
@@ -3262,7 +3262,7 @@
           <a:p>
             <a:fld id="{C7088D3D-165A-46EA-B7B0-B1C3789A41AB}" type="datetimeFigureOut">
               <a:rPr kumimoji="1" lang="ja-JP" altLang="en-US" smtClean="0"/>
-              <a:t>2024/9/18</a:t>
+              <a:t>2024/9/20</a:t>
             </a:fld>
             <a:endParaRPr kumimoji="1" lang="ja-JP" altLang="en-US" dirty="0"/>
           </a:p>
@@ -3613,7 +3613,7 @@
           <a:p>
             <a:fld id="{C7088D3D-165A-46EA-B7B0-B1C3789A41AB}" type="datetimeFigureOut">
               <a:rPr kumimoji="1" lang="ja-JP" altLang="en-US" smtClean="0"/>
-              <a:t>2024/9/18</a:t>
+              <a:t>2024/9/20</a:t>
             </a:fld>
             <a:endParaRPr kumimoji="1" lang="ja-JP" altLang="en-US" dirty="0"/>
           </a:p>
@@ -4056,7 +4056,7 @@
           <a:p>
             <a:fld id="{C7088D3D-165A-46EA-B7B0-B1C3789A41AB}" type="datetimeFigureOut">
               <a:rPr kumimoji="1" lang="ja-JP" altLang="en-US" smtClean="0"/>
-              <a:t>2024/9/18</a:t>
+              <a:t>2024/9/20</a:t>
             </a:fld>
             <a:endParaRPr kumimoji="1" lang="ja-JP" altLang="en-US" dirty="0"/>
           </a:p>
@@ -4174,7 +4174,7 @@
           <a:p>
             <a:fld id="{C7088D3D-165A-46EA-B7B0-B1C3789A41AB}" type="datetimeFigureOut">
               <a:rPr kumimoji="1" lang="ja-JP" altLang="en-US" smtClean="0"/>
-              <a:t>2024/9/18</a:t>
+              <a:t>2024/9/20</a:t>
             </a:fld>
             <a:endParaRPr kumimoji="1" lang="ja-JP" altLang="en-US" dirty="0"/>
           </a:p>
@@ -4357,7 +4357,7 @@
           <a:p>
             <a:fld id="{C7088D3D-165A-46EA-B7B0-B1C3789A41AB}" type="datetimeFigureOut">
               <a:rPr kumimoji="1" lang="ja-JP" altLang="en-US" smtClean="0"/>
-              <a:t>2024/9/18</a:t>
+              <a:t>2024/9/20</a:t>
             </a:fld>
             <a:endParaRPr kumimoji="1" lang="ja-JP" altLang="en-US" dirty="0"/>
           </a:p>
@@ -4755,7 +4755,7 @@
           <a:p>
             <a:fld id="{C7088D3D-165A-46EA-B7B0-B1C3789A41AB}" type="datetimeFigureOut">
               <a:rPr kumimoji="1" lang="ja-JP" altLang="en-US" smtClean="0"/>
-              <a:t>2024/9/18</a:t>
+              <a:t>2024/9/20</a:t>
             </a:fld>
             <a:endParaRPr kumimoji="1" lang="ja-JP" altLang="en-US" dirty="0"/>
           </a:p>
@@ -5137,7 +5137,7 @@
           <a:p>
             <a:fld id="{C7088D3D-165A-46EA-B7B0-B1C3789A41AB}" type="datetimeFigureOut">
               <a:rPr kumimoji="1" lang="ja-JP" altLang="en-US" smtClean="0"/>
-              <a:t>2024/9/18</a:t>
+              <a:t>2024/9/20</a:t>
             </a:fld>
             <a:endParaRPr kumimoji="1" lang="ja-JP" altLang="en-US" dirty="0"/>
           </a:p>
@@ -5468,7 +5468,7 @@
           <a:p>
             <a:fld id="{C7088D3D-165A-46EA-B7B0-B1C3789A41AB}" type="datetimeFigureOut">
               <a:rPr kumimoji="1" lang="ja-JP" altLang="en-US" smtClean="0"/>
-              <a:t>2024/9/18</a:t>
+              <a:t>2024/9/20</a:t>
             </a:fld>
             <a:endParaRPr kumimoji="1" lang="ja-JP" altLang="en-US" dirty="0"/>
           </a:p>
@@ -8409,7 +8409,7 @@
 </file>
 
 <file path=ppt/slides/slide7.xml><?xml version="1.0" encoding="utf-8"?>
-<p:sld xmlns:a="http://schemas.openxmlformats.org/drawingml/2006/main" xmlns:r="http://schemas.openxmlformats.org/officeDocument/2006/relationships" xmlns:p="http://schemas.openxmlformats.org/presentationml/2006/main" show="0">
+<p:sld xmlns:a="http://schemas.openxmlformats.org/drawingml/2006/main" xmlns:r="http://schemas.openxmlformats.org/officeDocument/2006/relationships" xmlns:p="http://schemas.openxmlformats.org/presentationml/2006/main">
   <p:cSld>
     <p:spTree>
       <p:nvGrpSpPr>
@@ -8499,13 +8499,13 @@
   <p:clrMapOvr>
     <a:masterClrMapping/>
   </p:clrMapOvr>
-  <mc:AlternateContent xmlns:mc="http://schemas.openxmlformats.org/markup-compatibility/2006" xmlns:p159="http://schemas.microsoft.com/office/powerpoint/2015/09/main">
-    <mc:Choice Requires="p159">
+  <mc:AlternateContent xmlns:mc="http://schemas.openxmlformats.org/markup-compatibility/2006">
+    <mc:Choice xmlns:p159="http://schemas.microsoft.com/office/powerpoint/2015/09/main" Requires="p159">
       <p:transition xmlns:p14="http://schemas.microsoft.com/office/powerpoint/2010/main" spd="slow" p14:dur="2000">
         <p159:morph option="byObject"/>
       </p:transition>
     </mc:Choice>
-    <mc:Fallback xmlns="">
+    <mc:Fallback>
       <p:transition spd="slow">
         <p:fade/>
       </p:transition>

--- a/プレゼン資料/Webアプリ開発発表資料.pptx
+++ b/プレゼン資料/Webアプリ開発発表資料.pptx
@@ -775,7 +775,11 @@
           <a:p>
             <a:r>
               <a:rPr kumimoji="1" lang="ja-JP" altLang="en-US" dirty="0"/>
-              <a:t>今後に活用したい。</a:t>
+              <a:t>今後に活用したい。自動的に計算をする方法と</a:t>
+            </a:r>
+            <a:r>
+              <a:rPr kumimoji="1" lang="ja-JP" altLang="en-US"/>
+              <a:t>削除機能、変更処理などの追加したいと思います。</a:t>
             </a:r>
             <a:br>
               <a:rPr kumimoji="1" lang="en-US" altLang="ja-JP" dirty="0"/>
@@ -8499,13 +8503,13 @@
   <p:clrMapOvr>
     <a:masterClrMapping/>
   </p:clrMapOvr>
-  <mc:AlternateContent xmlns:mc="http://schemas.openxmlformats.org/markup-compatibility/2006">
-    <mc:Choice xmlns:p159="http://schemas.microsoft.com/office/powerpoint/2015/09/main" Requires="p159">
+  <mc:AlternateContent xmlns:mc="http://schemas.openxmlformats.org/markup-compatibility/2006" xmlns:p159="http://schemas.microsoft.com/office/powerpoint/2015/09/main">
+    <mc:Choice Requires="p159">
       <p:transition xmlns:p14="http://schemas.microsoft.com/office/powerpoint/2010/main" spd="slow" p14:dur="2000">
         <p159:morph option="byObject"/>
       </p:transition>
     </mc:Choice>
-    <mc:Fallback>
+    <mc:Fallback xmlns="">
       <p:transition spd="slow">
         <p:fade/>
       </p:transition>

--- a/プレゼン資料/Webアプリ開発発表資料.pptx
+++ b/プレゼン資料/Webアプリ開発発表資料.pptx
@@ -8733,7 +8733,7 @@
         </p:nvSpPr>
         <p:spPr>
           <a:xfrm>
-            <a:off x="2082800" y="1639888"/>
+            <a:off x="2934942" y="1737360"/>
             <a:ext cx="1524000" cy="4447148"/>
           </a:xfrm>
           <a:prstGeom prst="roundRect">
